--- a/PhenStatAgeing/Docs/PhenStatAgeing.pptx
+++ b/PhenStatAgeing/Docs/PhenStatAgeing.pptx
@@ -104,6 +104,11 @@
       </a:defRPr>
     </a:lvl9pPr>
   </p:defaultTextStyle>
+  <p:extLst>
+    <p:ext uri="{EFAFB233-063F-42B5-8137-9DF3F51BA10A}">
+      <p15:sldGuideLst xmlns:p15="http://schemas.microsoft.com/office/powerpoint/2012/main"/>
+    </p:ext>
+  </p:extLst>
 </p:presentation>
 </file>
 
@@ -893,7 +898,7 @@
 <dgm:dataModel xmlns:dgm="http://schemas.openxmlformats.org/drawingml/2006/diagram" xmlns:a="http://schemas.openxmlformats.org/drawingml/2006/main">
   <dgm:ptLst>
     <dgm:pt modelId="{F4BD8484-48A1-4DE3-BE8D-D879FAD8D09E}" type="doc">
-      <dgm:prSet loTypeId="urn:microsoft.com/office/officeart/2009/3/layout/HorizontalOrganizationChart" loCatId="hierarchy" qsTypeId="urn:microsoft.com/office/officeart/2005/8/quickstyle/simple3" qsCatId="simple" csTypeId="urn:microsoft.com/office/officeart/2005/8/colors/colorful3" csCatId="colorful" phldr="1"/>
+      <dgm:prSet loTypeId="urn:microsoft.com/office/officeart/2005/8/layout/hierarchy5" loCatId="hierarchy" qsTypeId="urn:microsoft.com/office/officeart/2005/8/quickstyle/simple1" qsCatId="simple" csTypeId="urn:microsoft.com/office/officeart/2005/8/colors/colorful3" csCatId="colorful" phldr="1"/>
       <dgm:spPr/>
       <dgm:t>
         <a:bodyPr/>
@@ -1090,14 +1095,7 @@
     </dgm:pt>
     <dgm:pt modelId="{82894191-B59F-48F4-80EF-48853235A85C}">
       <dgm:prSet phldrT="[Text]"/>
-      <dgm:spPr>
-        <a:solidFill>
-          <a:schemeClr val="accent2">
-            <a:lumMod val="60000"/>
-            <a:lumOff val="40000"/>
-          </a:schemeClr>
-        </a:solidFill>
-      </dgm:spPr>
+      <dgm:spPr/>
       <dgm:t>
         <a:bodyPr/>
         <a:lstStyle/>
@@ -1134,14 +1132,7 @@
     </dgm:pt>
     <dgm:pt modelId="{5EBDB6F1-58FE-46F6-944D-2A9629ACB58E}">
       <dgm:prSet phldrT="[Text]"/>
-      <dgm:spPr>
-        <a:solidFill>
-          <a:schemeClr val="accent2">
-            <a:lumMod val="60000"/>
-            <a:lumOff val="40000"/>
-          </a:schemeClr>
-        </a:solidFill>
-      </dgm:spPr>
+      <dgm:spPr/>
       <dgm:t>
         <a:bodyPr/>
         <a:lstStyle/>
@@ -1252,14 +1243,7 @@
     </dgm:pt>
     <dgm:pt modelId="{B512FE59-57E2-4855-8910-E52EA291DB9D}">
       <dgm:prSet phldrT="[Text]"/>
-      <dgm:spPr>
-        <a:solidFill>
-          <a:schemeClr val="accent2">
-            <a:lumMod val="60000"/>
-            <a:lumOff val="40000"/>
-          </a:schemeClr>
-        </a:solidFill>
-      </dgm:spPr>
+      <dgm:spPr/>
       <dgm:t>
         <a:bodyPr/>
         <a:lstStyle/>
@@ -1296,14 +1280,7 @@
     </dgm:pt>
     <dgm:pt modelId="{B2721FE7-7A20-4CE4-9164-6A38469E5E20}">
       <dgm:prSet phldrT="[Text]"/>
-      <dgm:spPr>
-        <a:solidFill>
-          <a:schemeClr val="accent2">
-            <a:lumMod val="60000"/>
-            <a:lumOff val="40000"/>
-          </a:schemeClr>
-        </a:solidFill>
-      </dgm:spPr>
+      <dgm:spPr/>
       <dgm:t>
         <a:bodyPr/>
         <a:lstStyle/>
@@ -1340,11 +1317,7 @@
     </dgm:pt>
     <dgm:pt modelId="{762886AA-DB88-4925-99C1-9563BD7316F8}">
       <dgm:prSet phldrT="[Text]"/>
-      <dgm:spPr>
-        <a:solidFill>
-          <a:schemeClr val="accent6"/>
-        </a:solidFill>
-      </dgm:spPr>
+      <dgm:spPr/>
       <dgm:t>
         <a:bodyPr/>
         <a:lstStyle/>
@@ -1381,11 +1354,7 @@
     </dgm:pt>
     <dgm:pt modelId="{14C9A289-80CA-4069-B335-87512E4420E9}">
       <dgm:prSet phldrT="[Text]"/>
-      <dgm:spPr>
-        <a:solidFill>
-          <a:schemeClr val="accent6"/>
-        </a:solidFill>
-      </dgm:spPr>
+      <dgm:spPr/>
       <dgm:t>
         <a:bodyPr/>
         <a:lstStyle/>
@@ -1422,11 +1391,7 @@
     </dgm:pt>
     <dgm:pt modelId="{2C54A090-43BA-4A0C-BF1A-2F3E07947523}">
       <dgm:prSet phldrT="[Text]"/>
-      <dgm:spPr>
-        <a:solidFill>
-          <a:schemeClr val="accent6"/>
-        </a:solidFill>
-      </dgm:spPr>
+      <dgm:spPr/>
       <dgm:t>
         <a:bodyPr/>
         <a:lstStyle/>
@@ -1461,674 +1426,1562 @@
         </a:p>
       </dgm:t>
     </dgm:pt>
-    <dgm:pt modelId="{B20634C1-DCC1-4A8D-A964-5688DA7096F9}" type="pres">
-      <dgm:prSet presAssocID="{F4BD8484-48A1-4DE3-BE8D-D879FAD8D09E}" presName="hierChild1" presStyleCnt="0">
+    <dgm:pt modelId="{75855875-986C-4EFF-BFEF-B440071A1576}">
+      <dgm:prSet phldrT="[Text]"/>
+      <dgm:spPr/>
+      <dgm:t>
+        <a:bodyPr/>
+        <a:lstStyle/>
+        <a:p>
+          <a:r>
+            <a:rPr lang="en-US" dirty="0" smtClean="0"/>
+            <a:t>FE</a:t>
+          </a:r>
+          <a:endParaRPr lang="en-US" dirty="0"/>
+        </a:p>
+      </dgm:t>
+    </dgm:pt>
+    <dgm:pt modelId="{FAC15F60-5357-41E4-9FD4-C75B221A68D5}" type="parTrans" cxnId="{04E4AAC3-94C1-4E64-9AC8-BCE3D77EBA36}">
+      <dgm:prSet/>
+      <dgm:spPr/>
+      <dgm:t>
+        <a:bodyPr/>
+        <a:lstStyle/>
+        <a:p>
+          <a:endParaRPr lang="en-US"/>
+        </a:p>
+      </dgm:t>
+    </dgm:pt>
+    <dgm:pt modelId="{6E9EBD36-84FA-4389-9A36-16C84B818697}" type="sibTrans" cxnId="{04E4AAC3-94C1-4E64-9AC8-BCE3D77EBA36}">
+      <dgm:prSet/>
+      <dgm:spPr/>
+      <dgm:t>
+        <a:bodyPr/>
+        <a:lstStyle/>
+        <a:p>
+          <a:endParaRPr lang="en-US"/>
+        </a:p>
+      </dgm:t>
+    </dgm:pt>
+    <dgm:pt modelId="{7FA5C735-9514-40F5-9888-D44FF5CF3E72}">
+      <dgm:prSet phldrT="[Text]"/>
+      <dgm:spPr/>
+      <dgm:t>
+        <a:bodyPr/>
+        <a:lstStyle/>
+        <a:p>
+          <a:r>
+            <a:rPr lang="en-US" dirty="0" smtClean="0"/>
+            <a:t>RR </a:t>
+          </a:r>
+          <a:endParaRPr lang="en-US" dirty="0"/>
+        </a:p>
+      </dgm:t>
+    </dgm:pt>
+    <dgm:pt modelId="{46036771-6E01-4590-8F92-B7B5854941E8}" type="parTrans" cxnId="{A0519EBC-E13E-477E-B843-26A17636468E}">
+      <dgm:prSet/>
+      <dgm:spPr/>
+      <dgm:t>
+        <a:bodyPr/>
+        <a:lstStyle/>
+        <a:p>
+          <a:endParaRPr lang="en-US"/>
+        </a:p>
+      </dgm:t>
+    </dgm:pt>
+    <dgm:pt modelId="{D8D22B78-A722-4C23-A232-318ACBD53593}" type="sibTrans" cxnId="{A0519EBC-E13E-477E-B843-26A17636468E}">
+      <dgm:prSet/>
+      <dgm:spPr/>
+      <dgm:t>
+        <a:bodyPr/>
+        <a:lstStyle/>
+        <a:p>
+          <a:endParaRPr lang="en-US"/>
+        </a:p>
+      </dgm:t>
+    </dgm:pt>
+    <dgm:pt modelId="{7B070A8A-362D-4C89-87DA-46F7A6ECA120}">
+      <dgm:prSet phldrT="[Text]"/>
+      <dgm:spPr/>
+      <dgm:t>
+        <a:bodyPr/>
+        <a:lstStyle/>
+        <a:p>
+          <a:r>
+            <a:rPr lang="en-US" dirty="0" smtClean="0"/>
+            <a:t>3.1 Analysis</a:t>
+          </a:r>
+          <a:endParaRPr lang="en-US" dirty="0"/>
+        </a:p>
+      </dgm:t>
+    </dgm:pt>
+    <dgm:pt modelId="{2ABF4815-FEDE-4BF8-AEAC-2FEE3E971CA7}" type="parTrans" cxnId="{6D4CB804-7042-41E2-BC82-1CB5E8357B05}">
+      <dgm:prSet/>
+      <dgm:spPr/>
+      <dgm:t>
+        <a:bodyPr/>
+        <a:lstStyle/>
+        <a:p>
+          <a:endParaRPr lang="en-US"/>
+        </a:p>
+      </dgm:t>
+    </dgm:pt>
+    <dgm:pt modelId="{33629810-C570-452B-B1F3-F340AD09475C}" type="sibTrans" cxnId="{6D4CB804-7042-41E2-BC82-1CB5E8357B05}">
+      <dgm:prSet/>
+      <dgm:spPr/>
+      <dgm:t>
+        <a:bodyPr/>
+        <a:lstStyle/>
+        <a:p>
+          <a:endParaRPr lang="en-US"/>
+        </a:p>
+      </dgm:t>
+    </dgm:pt>
+    <dgm:pt modelId="{B4E0F2A9-6D0F-4A0D-9811-1E78FC1189EF}">
+      <dgm:prSet phldrT="[Text]"/>
+      <dgm:spPr/>
+      <dgm:t>
+        <a:bodyPr/>
+        <a:lstStyle/>
+        <a:p>
+          <a:r>
+            <a:rPr lang="en-US" dirty="0" smtClean="0"/>
+            <a:t>3.2 </a:t>
+          </a:r>
+          <a:r>
+            <a:rPr lang="en-US" dirty="0" smtClean="0"/>
+            <a:t>Summary</a:t>
+          </a:r>
+          <a:endParaRPr lang="en-US" dirty="0"/>
+        </a:p>
+      </dgm:t>
+    </dgm:pt>
+    <dgm:pt modelId="{ACC65157-63D1-4EB4-B2D3-AF3B4971E259}" type="parTrans" cxnId="{7249082A-1D3F-4439-9A29-8F59C449A5E7}">
+      <dgm:prSet/>
+      <dgm:spPr/>
+      <dgm:t>
+        <a:bodyPr/>
+        <a:lstStyle/>
+        <a:p>
+          <a:endParaRPr lang="en-US"/>
+        </a:p>
+      </dgm:t>
+    </dgm:pt>
+    <dgm:pt modelId="{F15E9B9B-BD30-4AAF-85A1-0085769C310D}" type="sibTrans" cxnId="{7249082A-1D3F-4439-9A29-8F59C449A5E7}">
+      <dgm:prSet/>
+      <dgm:spPr/>
+      <dgm:t>
+        <a:bodyPr/>
+        <a:lstStyle/>
+        <a:p>
+          <a:endParaRPr lang="en-US"/>
+        </a:p>
+      </dgm:t>
+    </dgm:pt>
+    <dgm:pt modelId="{12E17947-2E97-4D9D-8984-7223CE36EB82}">
+      <dgm:prSet phldrT="[Text]"/>
+      <dgm:spPr/>
+      <dgm:t>
+        <a:bodyPr/>
+        <a:lstStyle/>
+        <a:p>
+          <a:r>
+            <a:rPr lang="en-US" dirty="0" smtClean="0"/>
+            <a:t>3.3 </a:t>
+          </a:r>
+          <a:r>
+            <a:rPr lang="en-US" dirty="0" smtClean="0"/>
+            <a:t>Plot</a:t>
+          </a:r>
+          <a:endParaRPr lang="en-US" dirty="0"/>
+        </a:p>
+      </dgm:t>
+    </dgm:pt>
+    <dgm:pt modelId="{14A28D02-5BE5-4D94-A5C4-42D049FE7F12}" type="parTrans" cxnId="{33F773A8-FF39-48E5-ACD4-5001E329A5D0}">
+      <dgm:prSet/>
+      <dgm:spPr/>
+      <dgm:t>
+        <a:bodyPr/>
+        <a:lstStyle/>
+        <a:p>
+          <a:endParaRPr lang="en-US"/>
+        </a:p>
+      </dgm:t>
+    </dgm:pt>
+    <dgm:pt modelId="{56A1386D-EF5F-4361-BD02-0194923614BA}" type="sibTrans" cxnId="{33F773A8-FF39-48E5-ACD4-5001E329A5D0}">
+      <dgm:prSet/>
+      <dgm:spPr/>
+      <dgm:t>
+        <a:bodyPr/>
+        <a:lstStyle/>
+        <a:p>
+          <a:endParaRPr lang="en-US"/>
+        </a:p>
+      </dgm:t>
+    </dgm:pt>
+    <dgm:pt modelId="{C007623E-DD32-427D-9C56-5144B4781206}">
+      <dgm:prSet phldrT="[Text]"/>
+      <dgm:spPr/>
+      <dgm:t>
+        <a:bodyPr/>
+        <a:lstStyle/>
+        <a:p>
+          <a:r>
+            <a:rPr lang="en-US" dirty="0" smtClean="0"/>
+            <a:t>3.4 </a:t>
+          </a:r>
+          <a:r>
+            <a:rPr lang="en-US" dirty="0" smtClean="0"/>
+            <a:t>Report</a:t>
+          </a:r>
+          <a:endParaRPr lang="en-US" dirty="0"/>
+        </a:p>
+      </dgm:t>
+    </dgm:pt>
+    <dgm:pt modelId="{D019A228-DC3E-4747-9314-B8BA1DBA54FC}" type="parTrans" cxnId="{30101BCD-628F-405F-88FA-638CFC33C071}">
+      <dgm:prSet/>
+      <dgm:spPr/>
+      <dgm:t>
+        <a:bodyPr/>
+        <a:lstStyle/>
+        <a:p>
+          <a:endParaRPr lang="en-US"/>
+        </a:p>
+      </dgm:t>
+    </dgm:pt>
+    <dgm:pt modelId="{9C929763-0561-4C43-B085-42DBC21CD131}" type="sibTrans" cxnId="{30101BCD-628F-405F-88FA-638CFC33C071}">
+      <dgm:prSet/>
+      <dgm:spPr/>
+      <dgm:t>
+        <a:bodyPr/>
+        <a:lstStyle/>
+        <a:p>
+          <a:endParaRPr lang="en-US"/>
+        </a:p>
+      </dgm:t>
+    </dgm:pt>
+    <dgm:pt modelId="{9194BFAA-FCF3-455F-94B9-6783DE64A2A2}" type="pres">
+      <dgm:prSet presAssocID="{F4BD8484-48A1-4DE3-BE8D-D879FAD8D09E}" presName="mainComposite" presStyleCnt="0">
         <dgm:presLayoutVars>
-          <dgm:orgChart val="1"/>
           <dgm:chPref val="1"/>
           <dgm:dir/>
           <dgm:animOne val="branch"/>
           <dgm:animLvl val="lvl"/>
-          <dgm:resizeHandles/>
+          <dgm:resizeHandles val="exact"/>
         </dgm:presLayoutVars>
       </dgm:prSet>
       <dgm:spPr/>
-    </dgm:pt>
-    <dgm:pt modelId="{F43E2331-77FC-4F36-A06B-9838345293C5}" type="pres">
-      <dgm:prSet presAssocID="{39DFFD8D-C245-4DBB-B529-2BF6D1CD3131}" presName="hierRoot1" presStyleCnt="0">
+      <dgm:t>
+        <a:bodyPr/>
+        <a:lstStyle/>
+        <a:p>
+          <a:endParaRPr lang="en-US"/>
+        </a:p>
+      </dgm:t>
+    </dgm:pt>
+    <dgm:pt modelId="{1182F618-CDB8-44D5-AD06-1FF1A96C8ECD}" type="pres">
+      <dgm:prSet presAssocID="{F4BD8484-48A1-4DE3-BE8D-D879FAD8D09E}" presName="hierFlow" presStyleCnt="0"/>
+      <dgm:spPr/>
+      <dgm:t>
+        <a:bodyPr/>
+        <a:lstStyle/>
+        <a:p>
+          <a:endParaRPr lang="en-US"/>
+        </a:p>
+      </dgm:t>
+    </dgm:pt>
+    <dgm:pt modelId="{45812E2D-1F36-4AF1-A271-580A60CEF8E4}" type="pres">
+      <dgm:prSet presAssocID="{F4BD8484-48A1-4DE3-BE8D-D879FAD8D09E}" presName="hierChild1" presStyleCnt="0">
         <dgm:presLayoutVars>
-          <dgm:hierBranch val="init"/>
+          <dgm:chPref val="1"/>
+          <dgm:animOne val="branch"/>
+          <dgm:animLvl val="lvl"/>
         </dgm:presLayoutVars>
       </dgm:prSet>
       <dgm:spPr/>
-    </dgm:pt>
-    <dgm:pt modelId="{5F8E48F5-EBDB-4CDE-B049-F86814FE4E2C}" type="pres">
-      <dgm:prSet presAssocID="{39DFFD8D-C245-4DBB-B529-2BF6D1CD3131}" presName="rootComposite1" presStyleCnt="0"/>
-      <dgm:spPr/>
-    </dgm:pt>
-    <dgm:pt modelId="{55C2893E-0B63-425A-BB47-BF94C18E857E}" type="pres">
-      <dgm:prSet presAssocID="{39DFFD8D-C245-4DBB-B529-2BF6D1CD3131}" presName="rootText1" presStyleLbl="node0" presStyleIdx="0" presStyleCnt="1" custScaleX="259374" custScaleY="259374" custLinFactX="-114920" custLinFactNeighborX="-200000" custLinFactNeighborY="-23290">
+      <dgm:t>
+        <a:bodyPr/>
+        <a:lstStyle/>
+        <a:p>
+          <a:endParaRPr lang="en-US"/>
+        </a:p>
+      </dgm:t>
+    </dgm:pt>
+    <dgm:pt modelId="{F81C5FF3-7A14-40D0-83BD-5AE69B8B681B}" type="pres">
+      <dgm:prSet presAssocID="{39DFFD8D-C245-4DBB-B529-2BF6D1CD3131}" presName="Name17" presStyleCnt="0"/>
+      <dgm:spPr/>
+      <dgm:t>
+        <a:bodyPr/>
+        <a:lstStyle/>
+        <a:p>
+          <a:endParaRPr lang="en-US"/>
+        </a:p>
+      </dgm:t>
+    </dgm:pt>
+    <dgm:pt modelId="{EA5208EC-5708-4FA3-814F-48911A00664C}" type="pres">
+      <dgm:prSet presAssocID="{39DFFD8D-C245-4DBB-B529-2BF6D1CD3131}" presName="level1Shape" presStyleLbl="node0" presStyleIdx="0" presStyleCnt="1">
         <dgm:presLayoutVars>
           <dgm:chPref val="3"/>
         </dgm:presLayoutVars>
       </dgm:prSet>
       <dgm:spPr/>
-    </dgm:pt>
-    <dgm:pt modelId="{70E7936E-EF0D-4366-8C10-28C834139D35}" type="pres">
-      <dgm:prSet presAssocID="{39DFFD8D-C245-4DBB-B529-2BF6D1CD3131}" presName="rootConnector1" presStyleLbl="node1" presStyleIdx="0" presStyleCnt="0"/>
-      <dgm:spPr/>
-    </dgm:pt>
-    <dgm:pt modelId="{D1FF5537-F5F0-45FB-B26D-C44C8B313D30}" type="pres">
+      <dgm:t>
+        <a:bodyPr/>
+        <a:lstStyle/>
+        <a:p>
+          <a:endParaRPr lang="en-US"/>
+        </a:p>
+      </dgm:t>
+    </dgm:pt>
+    <dgm:pt modelId="{78958AE7-C1AE-42C9-980D-92D471E6B760}" type="pres">
       <dgm:prSet presAssocID="{39DFFD8D-C245-4DBB-B529-2BF6D1CD3131}" presName="hierChild2" presStyleCnt="0"/>
       <dgm:spPr/>
-    </dgm:pt>
-    <dgm:pt modelId="{F8D2C4A0-68C0-4EED-BB0F-C753F0FBD437}" type="pres">
-      <dgm:prSet presAssocID="{44EDA945-72E9-40FD-9BAF-2F1FE7BBA483}" presName="Name64" presStyleLbl="parChTrans1D2" presStyleIdx="0" presStyleCnt="5"/>
-      <dgm:spPr/>
-    </dgm:pt>
-    <dgm:pt modelId="{8200B3DA-E3C7-419F-BCDD-FBCC356CB21F}" type="pres">
-      <dgm:prSet presAssocID="{B7CF9243-6627-44A1-9FAB-4B72FF3EE2AC}" presName="hierRoot2" presStyleCnt="0">
-        <dgm:presLayoutVars>
-          <dgm:hierBranch val="init"/>
-        </dgm:presLayoutVars>
-      </dgm:prSet>
-      <dgm:spPr/>
-    </dgm:pt>
-    <dgm:pt modelId="{48A8B28B-C050-4989-9763-0D84117C467C}" type="pres">
-      <dgm:prSet presAssocID="{B7CF9243-6627-44A1-9FAB-4B72FF3EE2AC}" presName="rootComposite" presStyleCnt="0"/>
-      <dgm:spPr/>
-    </dgm:pt>
-    <dgm:pt modelId="{8063184D-364A-4E33-836A-32D1B7BD100F}" type="pres">
-      <dgm:prSet presAssocID="{B7CF9243-6627-44A1-9FAB-4B72FF3EE2AC}" presName="rootText" presStyleLbl="node2" presStyleIdx="0" presStyleCnt="5" custScaleX="259374" custScaleY="259374" custLinFactX="-95345" custLinFactNeighborX="-100000" custLinFactNeighborY="-19408">
-        <dgm:presLayoutVars>
-          <dgm:chPref val="3"/>
-        </dgm:presLayoutVars>
-      </dgm:prSet>
-      <dgm:spPr/>
-    </dgm:pt>
-    <dgm:pt modelId="{BBC2F6AD-B741-4E9B-B573-1EB264AF2972}" type="pres">
-      <dgm:prSet presAssocID="{B7CF9243-6627-44A1-9FAB-4B72FF3EE2AC}" presName="rootConnector" presStyleLbl="node2" presStyleIdx="0" presStyleCnt="5"/>
-      <dgm:spPr/>
-    </dgm:pt>
-    <dgm:pt modelId="{2CF9D276-D528-4F2B-A63B-FB59AD831737}" type="pres">
-      <dgm:prSet presAssocID="{B7CF9243-6627-44A1-9FAB-4B72FF3EE2AC}" presName="hierChild4" presStyleCnt="0"/>
-      <dgm:spPr/>
-    </dgm:pt>
-    <dgm:pt modelId="{3D681F3E-26FE-4DF7-9633-5CE4F7E82E0D}" type="pres">
-      <dgm:prSet presAssocID="{7C14353A-35F0-44F8-9E4B-53CC893E0BE5}" presName="Name64" presStyleLbl="parChTrans1D3" presStyleIdx="0" presStyleCnt="8"/>
-      <dgm:spPr/>
-    </dgm:pt>
-    <dgm:pt modelId="{5501EF01-49E8-4CE4-8729-63A7B21E4875}" type="pres">
-      <dgm:prSet presAssocID="{C8F3F2EA-7059-4C03-A81E-DEE5B1CE1C11}" presName="hierRoot2" presStyleCnt="0">
-        <dgm:presLayoutVars>
-          <dgm:hierBranch val="init"/>
-        </dgm:presLayoutVars>
-      </dgm:prSet>
-      <dgm:spPr/>
-    </dgm:pt>
-    <dgm:pt modelId="{DEE1B802-51DC-4F64-B4DF-5CC9A4D0E273}" type="pres">
-      <dgm:prSet presAssocID="{C8F3F2EA-7059-4C03-A81E-DEE5B1CE1C11}" presName="rootComposite" presStyleCnt="0"/>
-      <dgm:spPr/>
-    </dgm:pt>
-    <dgm:pt modelId="{4FFCADDF-4DEF-4003-9783-B0DAC96B4229}" type="pres">
-      <dgm:prSet presAssocID="{C8F3F2EA-7059-4C03-A81E-DEE5B1CE1C11}" presName="rootText" presStyleLbl="node3" presStyleIdx="0" presStyleCnt="8" custScaleX="259374" custScaleY="259374">
-        <dgm:presLayoutVars>
-          <dgm:chPref val="3"/>
-        </dgm:presLayoutVars>
-      </dgm:prSet>
-      <dgm:spPr/>
-    </dgm:pt>
-    <dgm:pt modelId="{B98AAF02-17D7-4CDD-AA1F-68621D17A234}" type="pres">
-      <dgm:prSet presAssocID="{C8F3F2EA-7059-4C03-A81E-DEE5B1CE1C11}" presName="rootConnector" presStyleLbl="node3" presStyleIdx="0" presStyleCnt="8"/>
-      <dgm:spPr/>
-    </dgm:pt>
-    <dgm:pt modelId="{B308BF7C-EC04-4E76-A3A1-2618F2A54071}" type="pres">
-      <dgm:prSet presAssocID="{C8F3F2EA-7059-4C03-A81E-DEE5B1CE1C11}" presName="hierChild4" presStyleCnt="0"/>
-      <dgm:spPr/>
-    </dgm:pt>
-    <dgm:pt modelId="{6976DF7C-39EC-4129-8E7F-2E513B9E5121}" type="pres">
-      <dgm:prSet presAssocID="{C8F3F2EA-7059-4C03-A81E-DEE5B1CE1C11}" presName="hierChild5" presStyleCnt="0"/>
-      <dgm:spPr/>
-    </dgm:pt>
-    <dgm:pt modelId="{914E37DF-2F8D-44F8-8A90-362A0BC5D13C}" type="pres">
-      <dgm:prSet presAssocID="{DAEED446-168F-4B22-B341-97E6E5CF8165}" presName="Name64" presStyleLbl="parChTrans1D3" presStyleIdx="1" presStyleCnt="8"/>
-      <dgm:spPr/>
-    </dgm:pt>
-    <dgm:pt modelId="{D2D91073-2834-4F9C-A92D-9E8CDB81B42E}" type="pres">
-      <dgm:prSet presAssocID="{D26CB297-D262-4CC5-9A8D-ACAFC2A5B1F0}" presName="hierRoot2" presStyleCnt="0">
-        <dgm:presLayoutVars>
-          <dgm:hierBranch val="init"/>
-        </dgm:presLayoutVars>
-      </dgm:prSet>
-      <dgm:spPr/>
-    </dgm:pt>
-    <dgm:pt modelId="{CA0BF5A0-B06B-40ED-881D-F6C1F7D8923A}" type="pres">
-      <dgm:prSet presAssocID="{D26CB297-D262-4CC5-9A8D-ACAFC2A5B1F0}" presName="rootComposite" presStyleCnt="0"/>
-      <dgm:spPr/>
-    </dgm:pt>
-    <dgm:pt modelId="{DCF90B2B-9D4F-4F8F-BD9D-866007EA7278}" type="pres">
-      <dgm:prSet presAssocID="{D26CB297-D262-4CC5-9A8D-ACAFC2A5B1F0}" presName="rootText" presStyleLbl="node3" presStyleIdx="1" presStyleCnt="8" custScaleX="259374" custScaleY="259374">
-        <dgm:presLayoutVars>
-          <dgm:chPref val="3"/>
-        </dgm:presLayoutVars>
-      </dgm:prSet>
-      <dgm:spPr/>
-    </dgm:pt>
-    <dgm:pt modelId="{41CCE200-7D9B-4643-A593-4752DD28E365}" type="pres">
-      <dgm:prSet presAssocID="{D26CB297-D262-4CC5-9A8D-ACAFC2A5B1F0}" presName="rootConnector" presStyleLbl="node3" presStyleIdx="1" presStyleCnt="8"/>
-      <dgm:spPr/>
-    </dgm:pt>
-    <dgm:pt modelId="{DF2C1D01-60EC-4D15-ADF7-978369420A69}" type="pres">
-      <dgm:prSet presAssocID="{D26CB297-D262-4CC5-9A8D-ACAFC2A5B1F0}" presName="hierChild4" presStyleCnt="0"/>
-      <dgm:spPr/>
-    </dgm:pt>
-    <dgm:pt modelId="{84D5D1C0-4062-42D8-A699-149D4BDB19B2}" type="pres">
-      <dgm:prSet presAssocID="{D26CB297-D262-4CC5-9A8D-ACAFC2A5B1F0}" presName="hierChild5" presStyleCnt="0"/>
-      <dgm:spPr/>
-    </dgm:pt>
-    <dgm:pt modelId="{169B290F-E846-4835-9854-6768376DA6DA}" type="pres">
-      <dgm:prSet presAssocID="{A67D69A1-88C4-48BD-BD1D-5A051D395D3A}" presName="Name64" presStyleLbl="parChTrans1D3" presStyleIdx="2" presStyleCnt="8"/>
-      <dgm:spPr/>
-    </dgm:pt>
-    <dgm:pt modelId="{F74385FB-C75B-4328-BB12-95094993361C}" type="pres">
-      <dgm:prSet presAssocID="{53C6AA40-CD10-4251-83C5-924502AE77AB}" presName="hierRoot2" presStyleCnt="0">
-        <dgm:presLayoutVars>
-          <dgm:hierBranch val="init"/>
-        </dgm:presLayoutVars>
-      </dgm:prSet>
-      <dgm:spPr/>
-    </dgm:pt>
-    <dgm:pt modelId="{838E112C-DBFB-47AC-94FB-2782DB484B0D}" type="pres">
-      <dgm:prSet presAssocID="{53C6AA40-CD10-4251-83C5-924502AE77AB}" presName="rootComposite" presStyleCnt="0"/>
-      <dgm:spPr/>
-    </dgm:pt>
-    <dgm:pt modelId="{2B8057A4-4D8C-48DD-A64D-5B00015F1D8A}" type="pres">
-      <dgm:prSet presAssocID="{53C6AA40-CD10-4251-83C5-924502AE77AB}" presName="rootText" presStyleLbl="node3" presStyleIdx="2" presStyleCnt="8" custScaleX="259374" custScaleY="259374">
-        <dgm:presLayoutVars>
-          <dgm:chPref val="3"/>
-        </dgm:presLayoutVars>
-      </dgm:prSet>
-      <dgm:spPr/>
-    </dgm:pt>
-    <dgm:pt modelId="{714EFDE0-32F0-4A46-BA4D-23DE4EAFCAC1}" type="pres">
-      <dgm:prSet presAssocID="{53C6AA40-CD10-4251-83C5-924502AE77AB}" presName="rootConnector" presStyleLbl="node3" presStyleIdx="2" presStyleCnt="8"/>
-      <dgm:spPr/>
-    </dgm:pt>
-    <dgm:pt modelId="{735DF6DB-E08F-49F9-B204-0A5974A22206}" type="pres">
-      <dgm:prSet presAssocID="{53C6AA40-CD10-4251-83C5-924502AE77AB}" presName="hierChild4" presStyleCnt="0"/>
-      <dgm:spPr/>
-    </dgm:pt>
-    <dgm:pt modelId="{AE61AC13-CE00-486A-A85D-91819DB0B823}" type="pres">
-      <dgm:prSet presAssocID="{53C6AA40-CD10-4251-83C5-924502AE77AB}" presName="hierChild5" presStyleCnt="0"/>
-      <dgm:spPr/>
-    </dgm:pt>
-    <dgm:pt modelId="{E3B69848-DE76-4B30-88B6-1A079031884C}" type="pres">
-      <dgm:prSet presAssocID="{A899DEE4-19C1-4EA0-A519-647D8E611124}" presName="Name64" presStyleLbl="parChTrans1D3" presStyleIdx="3" presStyleCnt="8"/>
-      <dgm:spPr/>
-    </dgm:pt>
-    <dgm:pt modelId="{3F2D1F4B-37BF-46A6-AC56-6A12064C9799}" type="pres">
-      <dgm:prSet presAssocID="{D9FCCE53-9F31-4F19-9299-55FCF1B99927}" presName="hierRoot2" presStyleCnt="0">
-        <dgm:presLayoutVars>
-          <dgm:hierBranch val="init"/>
-        </dgm:presLayoutVars>
-      </dgm:prSet>
-      <dgm:spPr/>
-    </dgm:pt>
-    <dgm:pt modelId="{140DD966-2870-4570-B8F4-8A79242A2963}" type="pres">
-      <dgm:prSet presAssocID="{D9FCCE53-9F31-4F19-9299-55FCF1B99927}" presName="rootComposite" presStyleCnt="0"/>
-      <dgm:spPr/>
-    </dgm:pt>
-    <dgm:pt modelId="{8640EAD1-C455-45F4-934E-6D0E11CC0C70}" type="pres">
-      <dgm:prSet presAssocID="{D9FCCE53-9F31-4F19-9299-55FCF1B99927}" presName="rootText" presStyleLbl="node3" presStyleIdx="3" presStyleCnt="8" custScaleX="259374" custScaleY="259374">
-        <dgm:presLayoutVars>
-          <dgm:chPref val="3"/>
-        </dgm:presLayoutVars>
-      </dgm:prSet>
-      <dgm:spPr/>
-    </dgm:pt>
-    <dgm:pt modelId="{F1A85DA0-1AC2-4D45-86F9-C696DED5C861}" type="pres">
-      <dgm:prSet presAssocID="{D9FCCE53-9F31-4F19-9299-55FCF1B99927}" presName="rootConnector" presStyleLbl="node3" presStyleIdx="3" presStyleCnt="8"/>
-      <dgm:spPr/>
-    </dgm:pt>
-    <dgm:pt modelId="{40FF8155-AC33-41DF-B30B-309A7E718A49}" type="pres">
-      <dgm:prSet presAssocID="{D9FCCE53-9F31-4F19-9299-55FCF1B99927}" presName="hierChild4" presStyleCnt="0"/>
-      <dgm:spPr/>
-    </dgm:pt>
-    <dgm:pt modelId="{F9091F2E-8BE3-4DCE-A820-8174110CF48D}" type="pres">
-      <dgm:prSet presAssocID="{D9FCCE53-9F31-4F19-9299-55FCF1B99927}" presName="hierChild5" presStyleCnt="0"/>
-      <dgm:spPr/>
-    </dgm:pt>
-    <dgm:pt modelId="{31DAE673-FC21-490C-86AD-3372A60E3037}" type="pres">
-      <dgm:prSet presAssocID="{B7CF9243-6627-44A1-9FAB-4B72FF3EE2AC}" presName="hierChild5" presStyleCnt="0"/>
-      <dgm:spPr/>
-    </dgm:pt>
-    <dgm:pt modelId="{5D594BE4-2701-4342-AF0D-5B79AB0B97CE}" type="pres">
-      <dgm:prSet presAssocID="{79F1BEAC-F853-4493-B1E8-07B1CE0F9EAD}" presName="Name64" presStyleLbl="parChTrans1D2" presStyleIdx="1" presStyleCnt="5"/>
-      <dgm:spPr/>
-    </dgm:pt>
-    <dgm:pt modelId="{57477E68-F6DE-40D4-9D94-65C70D2B70C6}" type="pres">
-      <dgm:prSet presAssocID="{2C36EC94-0068-4479-8BB7-EB1D87F4A630}" presName="hierRoot2" presStyleCnt="0">
-        <dgm:presLayoutVars>
-          <dgm:hierBranch val="init"/>
-        </dgm:presLayoutVars>
-      </dgm:prSet>
-      <dgm:spPr/>
-    </dgm:pt>
-    <dgm:pt modelId="{1B73366D-CABD-475C-BA77-1724FB9CAC4C}" type="pres">
-      <dgm:prSet presAssocID="{2C36EC94-0068-4479-8BB7-EB1D87F4A630}" presName="rootComposite" presStyleCnt="0"/>
-      <dgm:spPr/>
-    </dgm:pt>
-    <dgm:pt modelId="{E6385650-ECCB-4AE1-B129-75476538797D}" type="pres">
-      <dgm:prSet presAssocID="{2C36EC94-0068-4479-8BB7-EB1D87F4A630}" presName="rootText" presStyleLbl="node2" presStyleIdx="1" presStyleCnt="5" custScaleX="259374" custScaleY="259374" custLinFactX="-95344" custLinFactNeighborX="-100000">
-        <dgm:presLayoutVars>
-          <dgm:chPref val="3"/>
-        </dgm:presLayoutVars>
-      </dgm:prSet>
-      <dgm:spPr/>
-    </dgm:pt>
-    <dgm:pt modelId="{BB70072E-641D-4565-833D-E5A5C38EBEFF}" type="pres">
-      <dgm:prSet presAssocID="{2C36EC94-0068-4479-8BB7-EB1D87F4A630}" presName="rootConnector" presStyleLbl="node2" presStyleIdx="1" presStyleCnt="5"/>
-      <dgm:spPr/>
-    </dgm:pt>
-    <dgm:pt modelId="{9C89F724-C5C1-43F0-BD05-F347286EB49A}" type="pres">
-      <dgm:prSet presAssocID="{2C36EC94-0068-4479-8BB7-EB1D87F4A630}" presName="hierChild4" presStyleCnt="0"/>
-      <dgm:spPr/>
-    </dgm:pt>
-    <dgm:pt modelId="{609A87D6-8096-4402-B397-CAE63D556C55}" type="pres">
-      <dgm:prSet presAssocID="{6A6FD7E5-A453-460E-8628-3F99617D1A6B}" presName="Name64" presStyleLbl="parChTrans1D3" presStyleIdx="4" presStyleCnt="8"/>
-      <dgm:spPr/>
-    </dgm:pt>
-    <dgm:pt modelId="{822A29F1-5894-48A8-B4B2-85FE0CB1F82C}" type="pres">
-      <dgm:prSet presAssocID="{82894191-B59F-48F4-80EF-48853235A85C}" presName="hierRoot2" presStyleCnt="0">
-        <dgm:presLayoutVars>
-          <dgm:hierBranch val="init"/>
-        </dgm:presLayoutVars>
-      </dgm:prSet>
-      <dgm:spPr/>
-    </dgm:pt>
-    <dgm:pt modelId="{219B598A-F6B5-4413-A816-5F1C83E22454}" type="pres">
-      <dgm:prSet presAssocID="{82894191-B59F-48F4-80EF-48853235A85C}" presName="rootComposite" presStyleCnt="0"/>
-      <dgm:spPr/>
-    </dgm:pt>
-    <dgm:pt modelId="{13BB70B0-5D4D-4AF2-A30E-561CDBC24500}" type="pres">
-      <dgm:prSet presAssocID="{82894191-B59F-48F4-80EF-48853235A85C}" presName="rootText" presStyleLbl="node3" presStyleIdx="4" presStyleCnt="8" custScaleX="259374" custScaleY="259374">
-        <dgm:presLayoutVars>
-          <dgm:chPref val="3"/>
-        </dgm:presLayoutVars>
-      </dgm:prSet>
-      <dgm:spPr/>
-    </dgm:pt>
-    <dgm:pt modelId="{5D863073-60FA-42F0-AFD7-8628316717FB}" type="pres">
-      <dgm:prSet presAssocID="{82894191-B59F-48F4-80EF-48853235A85C}" presName="rootConnector" presStyleLbl="node3" presStyleIdx="4" presStyleCnt="8"/>
-      <dgm:spPr/>
-    </dgm:pt>
-    <dgm:pt modelId="{8575809A-0F4B-4EEE-94AD-490D7EE3C2AE}" type="pres">
-      <dgm:prSet presAssocID="{82894191-B59F-48F4-80EF-48853235A85C}" presName="hierChild4" presStyleCnt="0"/>
-      <dgm:spPr/>
-    </dgm:pt>
-    <dgm:pt modelId="{A6E458F4-E05A-4526-8C5E-0161378391C4}" type="pres">
-      <dgm:prSet presAssocID="{82894191-B59F-48F4-80EF-48853235A85C}" presName="hierChild5" presStyleCnt="0"/>
-      <dgm:spPr/>
-    </dgm:pt>
-    <dgm:pt modelId="{F8F5DA83-C835-41BB-A5D0-83323D6159E4}" type="pres">
-      <dgm:prSet presAssocID="{3308A852-FF8D-48D3-A423-B1C9D4D33628}" presName="Name64" presStyleLbl="parChTrans1D3" presStyleIdx="5" presStyleCnt="8"/>
-      <dgm:spPr/>
-    </dgm:pt>
-    <dgm:pt modelId="{94032CE9-1A3E-46DD-B209-2204F3767918}" type="pres">
-      <dgm:prSet presAssocID="{B512FE59-57E2-4855-8910-E52EA291DB9D}" presName="hierRoot2" presStyleCnt="0">
-        <dgm:presLayoutVars>
-          <dgm:hierBranch val="init"/>
-        </dgm:presLayoutVars>
-      </dgm:prSet>
-      <dgm:spPr/>
-    </dgm:pt>
-    <dgm:pt modelId="{39E93A5D-ED77-4352-A9B9-074557E9629D}" type="pres">
-      <dgm:prSet presAssocID="{B512FE59-57E2-4855-8910-E52EA291DB9D}" presName="rootComposite" presStyleCnt="0"/>
-      <dgm:spPr/>
-    </dgm:pt>
-    <dgm:pt modelId="{77693F97-6529-485D-9E4D-8ACAA6EA84A9}" type="pres">
-      <dgm:prSet presAssocID="{B512FE59-57E2-4855-8910-E52EA291DB9D}" presName="rootText" presStyleLbl="node3" presStyleIdx="5" presStyleCnt="8" custScaleX="259374" custScaleY="259374">
-        <dgm:presLayoutVars>
-          <dgm:chPref val="3"/>
-        </dgm:presLayoutVars>
-      </dgm:prSet>
-      <dgm:spPr/>
-    </dgm:pt>
-    <dgm:pt modelId="{BA30D14F-3C09-4CF2-8F99-C5FB7EA67774}" type="pres">
-      <dgm:prSet presAssocID="{B512FE59-57E2-4855-8910-E52EA291DB9D}" presName="rootConnector" presStyleLbl="node3" presStyleIdx="5" presStyleCnt="8"/>
-      <dgm:spPr/>
-    </dgm:pt>
-    <dgm:pt modelId="{45F8157A-4F32-4E87-A8C9-B1177C9055AB}" type="pres">
-      <dgm:prSet presAssocID="{B512FE59-57E2-4855-8910-E52EA291DB9D}" presName="hierChild4" presStyleCnt="0"/>
-      <dgm:spPr/>
-    </dgm:pt>
-    <dgm:pt modelId="{B85BC334-D7F6-4F78-B142-0399B94AC7A5}" type="pres">
-      <dgm:prSet presAssocID="{B512FE59-57E2-4855-8910-E52EA291DB9D}" presName="hierChild5" presStyleCnt="0"/>
-      <dgm:spPr/>
-    </dgm:pt>
-    <dgm:pt modelId="{047DF2D4-F60D-4A9C-A399-3706F9A9FE0D}" type="pres">
-      <dgm:prSet presAssocID="{58BC884A-142A-4EEF-9FC8-CC0B8F1DF052}" presName="Name64" presStyleLbl="parChTrans1D3" presStyleIdx="6" presStyleCnt="8"/>
-      <dgm:spPr/>
-    </dgm:pt>
-    <dgm:pt modelId="{6EA32C4E-4304-4A3D-B21B-506B2D5706CB}" type="pres">
-      <dgm:prSet presAssocID="{B2721FE7-7A20-4CE4-9164-6A38469E5E20}" presName="hierRoot2" presStyleCnt="0">
-        <dgm:presLayoutVars>
-          <dgm:hierBranch val="init"/>
-        </dgm:presLayoutVars>
-      </dgm:prSet>
-      <dgm:spPr/>
-    </dgm:pt>
-    <dgm:pt modelId="{903C8613-48B6-499A-B38F-4F36EAA4A61F}" type="pres">
-      <dgm:prSet presAssocID="{B2721FE7-7A20-4CE4-9164-6A38469E5E20}" presName="rootComposite" presStyleCnt="0"/>
-      <dgm:spPr/>
-    </dgm:pt>
-    <dgm:pt modelId="{F3C33801-9A26-415E-86F9-96CEEEB4583B}" type="pres">
-      <dgm:prSet presAssocID="{B2721FE7-7A20-4CE4-9164-6A38469E5E20}" presName="rootText" presStyleLbl="node3" presStyleIdx="6" presStyleCnt="8" custScaleX="259374" custScaleY="259374">
-        <dgm:presLayoutVars>
-          <dgm:chPref val="3"/>
-        </dgm:presLayoutVars>
-      </dgm:prSet>
-      <dgm:spPr/>
-    </dgm:pt>
-    <dgm:pt modelId="{DDED89CD-A8EE-4C7C-B791-24AED972CEF7}" type="pres">
-      <dgm:prSet presAssocID="{B2721FE7-7A20-4CE4-9164-6A38469E5E20}" presName="rootConnector" presStyleLbl="node3" presStyleIdx="6" presStyleCnt="8"/>
-      <dgm:spPr/>
-    </dgm:pt>
-    <dgm:pt modelId="{165A101C-7D6F-4A29-BD04-FDA4DB5C2809}" type="pres">
-      <dgm:prSet presAssocID="{B2721FE7-7A20-4CE4-9164-6A38469E5E20}" presName="hierChild4" presStyleCnt="0"/>
-      <dgm:spPr/>
-    </dgm:pt>
-    <dgm:pt modelId="{36BB4300-64FC-4BFE-B42C-96BBE63E360D}" type="pres">
-      <dgm:prSet presAssocID="{B2721FE7-7A20-4CE4-9164-6A38469E5E20}" presName="hierChild5" presStyleCnt="0"/>
-      <dgm:spPr/>
-    </dgm:pt>
-    <dgm:pt modelId="{DDF48C9E-15B2-49A4-BC4C-85192ABBAAD6}" type="pres">
-      <dgm:prSet presAssocID="{86002A33-5D11-4E63-867C-10EB6B6B78CC}" presName="Name64" presStyleLbl="parChTrans1D3" presStyleIdx="7" presStyleCnt="8"/>
-      <dgm:spPr/>
-    </dgm:pt>
-    <dgm:pt modelId="{E5FA4080-A408-4B27-BE27-DEE83F9B4B90}" type="pres">
-      <dgm:prSet presAssocID="{5EBDB6F1-58FE-46F6-944D-2A9629ACB58E}" presName="hierRoot2" presStyleCnt="0">
-        <dgm:presLayoutVars>
-          <dgm:hierBranch val="init"/>
-        </dgm:presLayoutVars>
-      </dgm:prSet>
-      <dgm:spPr/>
-    </dgm:pt>
-    <dgm:pt modelId="{CB7682C8-0AF1-466A-AB3D-A66A4772D988}" type="pres">
-      <dgm:prSet presAssocID="{5EBDB6F1-58FE-46F6-944D-2A9629ACB58E}" presName="rootComposite" presStyleCnt="0"/>
-      <dgm:spPr/>
-    </dgm:pt>
-    <dgm:pt modelId="{E56F035E-8417-44AF-A5E5-7A20BD30CE2E}" type="pres">
-      <dgm:prSet presAssocID="{5EBDB6F1-58FE-46F6-944D-2A9629ACB58E}" presName="rootText" presStyleLbl="node3" presStyleIdx="7" presStyleCnt="8" custScaleX="259374" custScaleY="259374">
-        <dgm:presLayoutVars>
-          <dgm:chPref val="3"/>
-        </dgm:presLayoutVars>
-      </dgm:prSet>
-      <dgm:spPr/>
-    </dgm:pt>
-    <dgm:pt modelId="{B7CE2A61-B232-41B7-A00D-BB3A37B5B506}" type="pres">
-      <dgm:prSet presAssocID="{5EBDB6F1-58FE-46F6-944D-2A9629ACB58E}" presName="rootConnector" presStyleLbl="node3" presStyleIdx="7" presStyleCnt="8"/>
-      <dgm:spPr/>
-    </dgm:pt>
-    <dgm:pt modelId="{FC6021B2-DA4F-4A32-BBE3-BFC1A8566F07}" type="pres">
-      <dgm:prSet presAssocID="{5EBDB6F1-58FE-46F6-944D-2A9629ACB58E}" presName="hierChild4" presStyleCnt="0"/>
-      <dgm:spPr/>
-    </dgm:pt>
-    <dgm:pt modelId="{D7BB167E-6D20-4EED-8B7F-035DA2D3386E}" type="pres">
-      <dgm:prSet presAssocID="{5EBDB6F1-58FE-46F6-944D-2A9629ACB58E}" presName="hierChild5" presStyleCnt="0"/>
-      <dgm:spPr/>
-    </dgm:pt>
-    <dgm:pt modelId="{FA741E00-0A83-419E-9F7A-DF73A44C272E}" type="pres">
-      <dgm:prSet presAssocID="{2C36EC94-0068-4479-8BB7-EB1D87F4A630}" presName="hierChild5" presStyleCnt="0"/>
-      <dgm:spPr/>
-    </dgm:pt>
-    <dgm:pt modelId="{89BB0E75-DD63-4E1E-AA81-8A18D82CE3B6}" type="pres">
-      <dgm:prSet presAssocID="{E3186C36-A20A-476F-88ED-2F4E489B42C2}" presName="Name64" presStyleLbl="parChTrans1D2" presStyleIdx="2" presStyleCnt="5"/>
-      <dgm:spPr/>
-    </dgm:pt>
-    <dgm:pt modelId="{B6968128-3AD1-465B-9133-3F011B0109DB}" type="pres">
-      <dgm:prSet presAssocID="{762886AA-DB88-4925-99C1-9563BD7316F8}" presName="hierRoot2" presStyleCnt="0">
-        <dgm:presLayoutVars>
-          <dgm:hierBranch val="init"/>
-        </dgm:presLayoutVars>
-      </dgm:prSet>
-      <dgm:spPr/>
-    </dgm:pt>
-    <dgm:pt modelId="{94A60314-EA1F-4660-BF5E-5E96F86D223F}" type="pres">
-      <dgm:prSet presAssocID="{762886AA-DB88-4925-99C1-9563BD7316F8}" presName="rootComposite" presStyleCnt="0"/>
-      <dgm:spPr/>
-    </dgm:pt>
-    <dgm:pt modelId="{93206299-B676-4CE9-92E9-023DC1CB00EB}" type="pres">
-      <dgm:prSet presAssocID="{762886AA-DB88-4925-99C1-9563BD7316F8}" presName="rootText" presStyleLbl="node2" presStyleIdx="2" presStyleCnt="5" custScaleX="259374" custScaleY="259374" custLinFactX="-95344" custLinFactNeighborX="-100000">
-        <dgm:presLayoutVars>
-          <dgm:chPref val="3"/>
-        </dgm:presLayoutVars>
-      </dgm:prSet>
-      <dgm:spPr/>
-    </dgm:pt>
-    <dgm:pt modelId="{07E4E327-D50C-4AA3-ABBC-EF91FF425EDF}" type="pres">
-      <dgm:prSet presAssocID="{762886AA-DB88-4925-99C1-9563BD7316F8}" presName="rootConnector" presStyleLbl="node2" presStyleIdx="2" presStyleCnt="5"/>
-      <dgm:spPr/>
-    </dgm:pt>
-    <dgm:pt modelId="{B4699563-EB7D-4D39-B922-2CB7F6F3A311}" type="pres">
-      <dgm:prSet presAssocID="{762886AA-DB88-4925-99C1-9563BD7316F8}" presName="hierChild4" presStyleCnt="0"/>
-      <dgm:spPr/>
-    </dgm:pt>
-    <dgm:pt modelId="{803957AF-624F-42E6-B1A9-006AC48D8354}" type="pres">
-      <dgm:prSet presAssocID="{762886AA-DB88-4925-99C1-9563BD7316F8}" presName="hierChild5" presStyleCnt="0"/>
-      <dgm:spPr/>
-    </dgm:pt>
-    <dgm:pt modelId="{C8E9813E-5BC8-45C1-98A1-C42E679C1FB1}" type="pres">
-      <dgm:prSet presAssocID="{0E70462D-83B3-4E2A-BF88-78C23F4C0D5B}" presName="Name64" presStyleLbl="parChTrans1D2" presStyleIdx="3" presStyleCnt="5"/>
-      <dgm:spPr/>
-    </dgm:pt>
-    <dgm:pt modelId="{54A5D9D6-C437-46A6-A6D8-A8B6D63421F2}" type="pres">
-      <dgm:prSet presAssocID="{14C9A289-80CA-4069-B335-87512E4420E9}" presName="hierRoot2" presStyleCnt="0">
-        <dgm:presLayoutVars>
-          <dgm:hierBranch val="init"/>
-        </dgm:presLayoutVars>
-      </dgm:prSet>
-      <dgm:spPr/>
-    </dgm:pt>
-    <dgm:pt modelId="{98E7834C-EDDF-4B2C-9E6F-3F301BEEC8D4}" type="pres">
-      <dgm:prSet presAssocID="{14C9A289-80CA-4069-B335-87512E4420E9}" presName="rootComposite" presStyleCnt="0"/>
-      <dgm:spPr/>
-    </dgm:pt>
-    <dgm:pt modelId="{D6F92C14-A39B-4E77-8B1F-40D0D9818D56}" type="pres">
-      <dgm:prSet presAssocID="{14C9A289-80CA-4069-B335-87512E4420E9}" presName="rootText" presStyleLbl="node2" presStyleIdx="3" presStyleCnt="5" custScaleX="259374" custScaleY="259374" custLinFactX="-95344" custLinFactNeighborX="-100000">
-        <dgm:presLayoutVars>
-          <dgm:chPref val="3"/>
-        </dgm:presLayoutVars>
-      </dgm:prSet>
-      <dgm:spPr/>
-    </dgm:pt>
-    <dgm:pt modelId="{F017536A-34CF-4F99-ADBA-D7196A9A82C8}" type="pres">
-      <dgm:prSet presAssocID="{14C9A289-80CA-4069-B335-87512E4420E9}" presName="rootConnector" presStyleLbl="node2" presStyleIdx="3" presStyleCnt="5"/>
-      <dgm:spPr/>
-    </dgm:pt>
-    <dgm:pt modelId="{0BF577FB-8F12-4B69-9AEC-BA0A0B5B891D}" type="pres">
-      <dgm:prSet presAssocID="{14C9A289-80CA-4069-B335-87512E4420E9}" presName="hierChild4" presStyleCnt="0"/>
-      <dgm:spPr/>
-    </dgm:pt>
-    <dgm:pt modelId="{B45FE37E-58E8-4782-A635-650FB5A68697}" type="pres">
-      <dgm:prSet presAssocID="{14C9A289-80CA-4069-B335-87512E4420E9}" presName="hierChild5" presStyleCnt="0"/>
-      <dgm:spPr/>
-    </dgm:pt>
-    <dgm:pt modelId="{E3A33533-5E1A-4847-9005-4123197D704A}" type="pres">
-      <dgm:prSet presAssocID="{451EA6D2-094D-40D7-873A-EA421158D77B}" presName="Name64" presStyleLbl="parChTrans1D2" presStyleIdx="4" presStyleCnt="5"/>
-      <dgm:spPr/>
-    </dgm:pt>
-    <dgm:pt modelId="{EFC26630-9D90-40BF-95EC-D3801A39E738}" type="pres">
-      <dgm:prSet presAssocID="{2C54A090-43BA-4A0C-BF1A-2F3E07947523}" presName="hierRoot2" presStyleCnt="0">
-        <dgm:presLayoutVars>
-          <dgm:hierBranch val="init"/>
-        </dgm:presLayoutVars>
-      </dgm:prSet>
-      <dgm:spPr/>
-    </dgm:pt>
-    <dgm:pt modelId="{0C8696B6-A446-4353-B2BE-ACEE32998F27}" type="pres">
-      <dgm:prSet presAssocID="{2C54A090-43BA-4A0C-BF1A-2F3E07947523}" presName="rootComposite" presStyleCnt="0"/>
-      <dgm:spPr/>
-    </dgm:pt>
-    <dgm:pt modelId="{3DE257E9-7886-42DA-B003-2804A2AB107A}" type="pres">
-      <dgm:prSet presAssocID="{2C54A090-43BA-4A0C-BF1A-2F3E07947523}" presName="rootText" presStyleLbl="node2" presStyleIdx="4" presStyleCnt="5" custScaleX="259374" custScaleY="259374" custLinFactX="-95344" custLinFactNeighborX="-100000">
-        <dgm:presLayoutVars>
-          <dgm:chPref val="3"/>
-        </dgm:presLayoutVars>
-      </dgm:prSet>
-      <dgm:spPr/>
-    </dgm:pt>
-    <dgm:pt modelId="{1D554323-CB1E-4ACD-8742-E63FA27BE7C1}" type="pres">
-      <dgm:prSet presAssocID="{2C54A090-43BA-4A0C-BF1A-2F3E07947523}" presName="rootConnector" presStyleLbl="node2" presStyleIdx="4" presStyleCnt="5"/>
-      <dgm:spPr/>
-    </dgm:pt>
-    <dgm:pt modelId="{D0D780DE-2B9D-495C-B008-CC9391227979}" type="pres">
-      <dgm:prSet presAssocID="{2C54A090-43BA-4A0C-BF1A-2F3E07947523}" presName="hierChild4" presStyleCnt="0"/>
-      <dgm:spPr/>
-    </dgm:pt>
-    <dgm:pt modelId="{C30703D5-873B-4184-8FDE-0486557918BD}" type="pres">
-      <dgm:prSet presAssocID="{2C54A090-43BA-4A0C-BF1A-2F3E07947523}" presName="hierChild5" presStyleCnt="0"/>
-      <dgm:spPr/>
-    </dgm:pt>
-    <dgm:pt modelId="{FE43C883-69DA-4C80-AD1F-332AF0912E79}" type="pres">
-      <dgm:prSet presAssocID="{39DFFD8D-C245-4DBB-B529-2BF6D1CD3131}" presName="hierChild3" presStyleCnt="0"/>
-      <dgm:spPr/>
+      <dgm:t>
+        <a:bodyPr/>
+        <a:lstStyle/>
+        <a:p>
+          <a:endParaRPr lang="en-US"/>
+        </a:p>
+      </dgm:t>
+    </dgm:pt>
+    <dgm:pt modelId="{D3CB03B0-1027-46FB-9F5E-2422A122F540}" type="pres">
+      <dgm:prSet presAssocID="{44EDA945-72E9-40FD-9BAF-2F1FE7BBA483}" presName="Name25" presStyleLbl="parChTrans1D2" presStyleIdx="0" presStyleCnt="5"/>
+      <dgm:spPr/>
+      <dgm:t>
+        <a:bodyPr/>
+        <a:lstStyle/>
+        <a:p>
+          <a:endParaRPr lang="en-US"/>
+        </a:p>
+      </dgm:t>
+    </dgm:pt>
+    <dgm:pt modelId="{3958D169-B32D-4261-A6B9-DC4C9077A931}" type="pres">
+      <dgm:prSet presAssocID="{44EDA945-72E9-40FD-9BAF-2F1FE7BBA483}" presName="connTx" presStyleLbl="parChTrans1D2" presStyleIdx="0" presStyleCnt="5"/>
+      <dgm:spPr/>
+      <dgm:t>
+        <a:bodyPr/>
+        <a:lstStyle/>
+        <a:p>
+          <a:endParaRPr lang="en-US"/>
+        </a:p>
+      </dgm:t>
+    </dgm:pt>
+    <dgm:pt modelId="{B0E3ECCF-092E-479A-9BC1-3CFA5329DF82}" type="pres">
+      <dgm:prSet presAssocID="{B7CF9243-6627-44A1-9FAB-4B72FF3EE2AC}" presName="Name30" presStyleCnt="0"/>
+      <dgm:spPr/>
+      <dgm:t>
+        <a:bodyPr/>
+        <a:lstStyle/>
+        <a:p>
+          <a:endParaRPr lang="en-US"/>
+        </a:p>
+      </dgm:t>
+    </dgm:pt>
+    <dgm:pt modelId="{CB60E10B-0415-4CDC-BA12-7A1AA6D0FAF7}" type="pres">
+      <dgm:prSet presAssocID="{B7CF9243-6627-44A1-9FAB-4B72FF3EE2AC}" presName="level2Shape" presStyleLbl="node2" presStyleIdx="0" presStyleCnt="5"/>
+      <dgm:spPr/>
+      <dgm:t>
+        <a:bodyPr/>
+        <a:lstStyle/>
+        <a:p>
+          <a:endParaRPr lang="en-US"/>
+        </a:p>
+      </dgm:t>
+    </dgm:pt>
+    <dgm:pt modelId="{E8727107-5BE5-4FD2-9A64-A6FDB4391832}" type="pres">
+      <dgm:prSet presAssocID="{B7CF9243-6627-44A1-9FAB-4B72FF3EE2AC}" presName="hierChild3" presStyleCnt="0"/>
+      <dgm:spPr/>
+      <dgm:t>
+        <a:bodyPr/>
+        <a:lstStyle/>
+        <a:p>
+          <a:endParaRPr lang="en-US"/>
+        </a:p>
+      </dgm:t>
+    </dgm:pt>
+    <dgm:pt modelId="{F14100D3-AF2D-4C55-ACFC-7E3D26C366E2}" type="pres">
+      <dgm:prSet presAssocID="{FAC15F60-5357-41E4-9FD4-C75B221A68D5}" presName="Name25" presStyleLbl="parChTrans1D3" presStyleIdx="0" presStyleCnt="6"/>
+      <dgm:spPr/>
+      <dgm:t>
+        <a:bodyPr/>
+        <a:lstStyle/>
+        <a:p>
+          <a:endParaRPr lang="en-US"/>
+        </a:p>
+      </dgm:t>
+    </dgm:pt>
+    <dgm:pt modelId="{84A4EE3F-CCD6-44C2-B2EF-087722AD1FFD}" type="pres">
+      <dgm:prSet presAssocID="{FAC15F60-5357-41E4-9FD4-C75B221A68D5}" presName="connTx" presStyleLbl="parChTrans1D3" presStyleIdx="0" presStyleCnt="6"/>
+      <dgm:spPr/>
+      <dgm:t>
+        <a:bodyPr/>
+        <a:lstStyle/>
+        <a:p>
+          <a:endParaRPr lang="en-US"/>
+        </a:p>
+      </dgm:t>
+    </dgm:pt>
+    <dgm:pt modelId="{4B41F677-2D51-4D6B-B372-EAEA0F27E634}" type="pres">
+      <dgm:prSet presAssocID="{75855875-986C-4EFF-BFEF-B440071A1576}" presName="Name30" presStyleCnt="0"/>
+      <dgm:spPr/>
+      <dgm:t>
+        <a:bodyPr/>
+        <a:lstStyle/>
+        <a:p>
+          <a:endParaRPr lang="en-US"/>
+        </a:p>
+      </dgm:t>
+    </dgm:pt>
+    <dgm:pt modelId="{784964E3-728D-4CBF-A777-FCD6B2AAA912}" type="pres">
+      <dgm:prSet presAssocID="{75855875-986C-4EFF-BFEF-B440071A1576}" presName="level2Shape" presStyleLbl="node3" presStyleIdx="0" presStyleCnt="6"/>
+      <dgm:spPr/>
+      <dgm:t>
+        <a:bodyPr/>
+        <a:lstStyle/>
+        <a:p>
+          <a:endParaRPr lang="en-US"/>
+        </a:p>
+      </dgm:t>
+    </dgm:pt>
+    <dgm:pt modelId="{7207C601-837B-415F-892C-7EB706C16474}" type="pres">
+      <dgm:prSet presAssocID="{75855875-986C-4EFF-BFEF-B440071A1576}" presName="hierChild3" presStyleCnt="0"/>
+      <dgm:spPr/>
+      <dgm:t>
+        <a:bodyPr/>
+        <a:lstStyle/>
+        <a:p>
+          <a:endParaRPr lang="en-US"/>
+        </a:p>
+      </dgm:t>
+    </dgm:pt>
+    <dgm:pt modelId="{1D3C08BF-2720-4F5C-911C-B2BC9FB74D30}" type="pres">
+      <dgm:prSet presAssocID="{7C14353A-35F0-44F8-9E4B-53CC893E0BE5}" presName="Name25" presStyleLbl="parChTrans1D4" presStyleIdx="0" presStyleCnt="8"/>
+      <dgm:spPr/>
+      <dgm:t>
+        <a:bodyPr/>
+        <a:lstStyle/>
+        <a:p>
+          <a:endParaRPr lang="en-US"/>
+        </a:p>
+      </dgm:t>
+    </dgm:pt>
+    <dgm:pt modelId="{49004D6E-8E0D-4C89-8666-A79CC4287C64}" type="pres">
+      <dgm:prSet presAssocID="{7C14353A-35F0-44F8-9E4B-53CC893E0BE5}" presName="connTx" presStyleLbl="parChTrans1D4" presStyleIdx="0" presStyleCnt="8"/>
+      <dgm:spPr/>
+      <dgm:t>
+        <a:bodyPr/>
+        <a:lstStyle/>
+        <a:p>
+          <a:endParaRPr lang="en-US"/>
+        </a:p>
+      </dgm:t>
+    </dgm:pt>
+    <dgm:pt modelId="{BC3529AA-49D8-4C29-A2D9-4299CD90B0B0}" type="pres">
+      <dgm:prSet presAssocID="{C8F3F2EA-7059-4C03-A81E-DEE5B1CE1C11}" presName="Name30" presStyleCnt="0"/>
+      <dgm:spPr/>
+      <dgm:t>
+        <a:bodyPr/>
+        <a:lstStyle/>
+        <a:p>
+          <a:endParaRPr lang="en-US"/>
+        </a:p>
+      </dgm:t>
+    </dgm:pt>
+    <dgm:pt modelId="{E6A786C2-D11B-4200-BCE7-4AD68BACAF4E}" type="pres">
+      <dgm:prSet presAssocID="{C8F3F2EA-7059-4C03-A81E-DEE5B1CE1C11}" presName="level2Shape" presStyleLbl="node4" presStyleIdx="0" presStyleCnt="8"/>
+      <dgm:spPr/>
+      <dgm:t>
+        <a:bodyPr/>
+        <a:lstStyle/>
+        <a:p>
+          <a:endParaRPr lang="en-US"/>
+        </a:p>
+      </dgm:t>
+    </dgm:pt>
+    <dgm:pt modelId="{A34064D3-2555-4FF6-9B3D-02128EFE39AF}" type="pres">
+      <dgm:prSet presAssocID="{C8F3F2EA-7059-4C03-A81E-DEE5B1CE1C11}" presName="hierChild3" presStyleCnt="0"/>
+      <dgm:spPr/>
+      <dgm:t>
+        <a:bodyPr/>
+        <a:lstStyle/>
+        <a:p>
+          <a:endParaRPr lang="en-US"/>
+        </a:p>
+      </dgm:t>
+    </dgm:pt>
+    <dgm:pt modelId="{A7576431-FADA-4C62-8A3A-274A89B766F9}" type="pres">
+      <dgm:prSet presAssocID="{DAEED446-168F-4B22-B341-97E6E5CF8165}" presName="Name25" presStyleLbl="parChTrans1D4" presStyleIdx="1" presStyleCnt="8"/>
+      <dgm:spPr/>
+      <dgm:t>
+        <a:bodyPr/>
+        <a:lstStyle/>
+        <a:p>
+          <a:endParaRPr lang="en-US"/>
+        </a:p>
+      </dgm:t>
+    </dgm:pt>
+    <dgm:pt modelId="{C7A60226-1D9E-4007-B0F2-C2BD5A8EE03C}" type="pres">
+      <dgm:prSet presAssocID="{DAEED446-168F-4B22-B341-97E6E5CF8165}" presName="connTx" presStyleLbl="parChTrans1D4" presStyleIdx="1" presStyleCnt="8"/>
+      <dgm:spPr/>
+      <dgm:t>
+        <a:bodyPr/>
+        <a:lstStyle/>
+        <a:p>
+          <a:endParaRPr lang="en-US"/>
+        </a:p>
+      </dgm:t>
+    </dgm:pt>
+    <dgm:pt modelId="{81627211-1A65-4B6F-A96C-86FEF89AE131}" type="pres">
+      <dgm:prSet presAssocID="{D26CB297-D262-4CC5-9A8D-ACAFC2A5B1F0}" presName="Name30" presStyleCnt="0"/>
+      <dgm:spPr/>
+      <dgm:t>
+        <a:bodyPr/>
+        <a:lstStyle/>
+        <a:p>
+          <a:endParaRPr lang="en-US"/>
+        </a:p>
+      </dgm:t>
+    </dgm:pt>
+    <dgm:pt modelId="{4CA13BFE-955B-4177-A0F7-E9A3FC9085C7}" type="pres">
+      <dgm:prSet presAssocID="{D26CB297-D262-4CC5-9A8D-ACAFC2A5B1F0}" presName="level2Shape" presStyleLbl="node4" presStyleIdx="1" presStyleCnt="8"/>
+      <dgm:spPr/>
+      <dgm:t>
+        <a:bodyPr/>
+        <a:lstStyle/>
+        <a:p>
+          <a:endParaRPr lang="en-US"/>
+        </a:p>
+      </dgm:t>
+    </dgm:pt>
+    <dgm:pt modelId="{80319FD8-590A-4B21-AAFD-AC1FE6B466B8}" type="pres">
+      <dgm:prSet presAssocID="{D26CB297-D262-4CC5-9A8D-ACAFC2A5B1F0}" presName="hierChild3" presStyleCnt="0"/>
+      <dgm:spPr/>
+      <dgm:t>
+        <a:bodyPr/>
+        <a:lstStyle/>
+        <a:p>
+          <a:endParaRPr lang="en-US"/>
+        </a:p>
+      </dgm:t>
+    </dgm:pt>
+    <dgm:pt modelId="{52E671D4-AD69-4462-8776-9088633CE2BB}" type="pres">
+      <dgm:prSet presAssocID="{A67D69A1-88C4-48BD-BD1D-5A051D395D3A}" presName="Name25" presStyleLbl="parChTrans1D4" presStyleIdx="2" presStyleCnt="8"/>
+      <dgm:spPr/>
+      <dgm:t>
+        <a:bodyPr/>
+        <a:lstStyle/>
+        <a:p>
+          <a:endParaRPr lang="en-US"/>
+        </a:p>
+      </dgm:t>
+    </dgm:pt>
+    <dgm:pt modelId="{5BED1CB9-BE2C-4025-9A9E-28BC97B5ADA8}" type="pres">
+      <dgm:prSet presAssocID="{A67D69A1-88C4-48BD-BD1D-5A051D395D3A}" presName="connTx" presStyleLbl="parChTrans1D4" presStyleIdx="2" presStyleCnt="8"/>
+      <dgm:spPr/>
+      <dgm:t>
+        <a:bodyPr/>
+        <a:lstStyle/>
+        <a:p>
+          <a:endParaRPr lang="en-US"/>
+        </a:p>
+      </dgm:t>
+    </dgm:pt>
+    <dgm:pt modelId="{8AF1E1AC-9D5A-4F4D-864B-1ED47C7F7476}" type="pres">
+      <dgm:prSet presAssocID="{53C6AA40-CD10-4251-83C5-924502AE77AB}" presName="Name30" presStyleCnt="0"/>
+      <dgm:spPr/>
+      <dgm:t>
+        <a:bodyPr/>
+        <a:lstStyle/>
+        <a:p>
+          <a:endParaRPr lang="en-US"/>
+        </a:p>
+      </dgm:t>
+    </dgm:pt>
+    <dgm:pt modelId="{4C161E02-B1B2-4516-9474-FA1020EE878F}" type="pres">
+      <dgm:prSet presAssocID="{53C6AA40-CD10-4251-83C5-924502AE77AB}" presName="level2Shape" presStyleLbl="node4" presStyleIdx="2" presStyleCnt="8"/>
+      <dgm:spPr/>
+      <dgm:t>
+        <a:bodyPr/>
+        <a:lstStyle/>
+        <a:p>
+          <a:endParaRPr lang="en-US"/>
+        </a:p>
+      </dgm:t>
+    </dgm:pt>
+    <dgm:pt modelId="{88D7DC1F-B125-4414-8915-8658171847FE}" type="pres">
+      <dgm:prSet presAssocID="{53C6AA40-CD10-4251-83C5-924502AE77AB}" presName="hierChild3" presStyleCnt="0"/>
+      <dgm:spPr/>
+      <dgm:t>
+        <a:bodyPr/>
+        <a:lstStyle/>
+        <a:p>
+          <a:endParaRPr lang="en-US"/>
+        </a:p>
+      </dgm:t>
+    </dgm:pt>
+    <dgm:pt modelId="{C5C3702E-5B2B-49C6-B4D3-694D5EF8BA0F}" type="pres">
+      <dgm:prSet presAssocID="{A899DEE4-19C1-4EA0-A519-647D8E611124}" presName="Name25" presStyleLbl="parChTrans1D4" presStyleIdx="3" presStyleCnt="8"/>
+      <dgm:spPr/>
+      <dgm:t>
+        <a:bodyPr/>
+        <a:lstStyle/>
+        <a:p>
+          <a:endParaRPr lang="en-US"/>
+        </a:p>
+      </dgm:t>
+    </dgm:pt>
+    <dgm:pt modelId="{85A36EC5-21E7-4287-B323-24EDADD570AE}" type="pres">
+      <dgm:prSet presAssocID="{A899DEE4-19C1-4EA0-A519-647D8E611124}" presName="connTx" presStyleLbl="parChTrans1D4" presStyleIdx="3" presStyleCnt="8"/>
+      <dgm:spPr/>
+      <dgm:t>
+        <a:bodyPr/>
+        <a:lstStyle/>
+        <a:p>
+          <a:endParaRPr lang="en-US"/>
+        </a:p>
+      </dgm:t>
+    </dgm:pt>
+    <dgm:pt modelId="{613C838B-E22D-4AC3-8D96-00A64358772A}" type="pres">
+      <dgm:prSet presAssocID="{D9FCCE53-9F31-4F19-9299-55FCF1B99927}" presName="Name30" presStyleCnt="0"/>
+      <dgm:spPr/>
+      <dgm:t>
+        <a:bodyPr/>
+        <a:lstStyle/>
+        <a:p>
+          <a:endParaRPr lang="en-US"/>
+        </a:p>
+      </dgm:t>
+    </dgm:pt>
+    <dgm:pt modelId="{D07A12A9-E37E-41E2-ABA7-1C63E55FEEDB}" type="pres">
+      <dgm:prSet presAssocID="{D9FCCE53-9F31-4F19-9299-55FCF1B99927}" presName="level2Shape" presStyleLbl="node4" presStyleIdx="3" presStyleCnt="8"/>
+      <dgm:spPr/>
+      <dgm:t>
+        <a:bodyPr/>
+        <a:lstStyle/>
+        <a:p>
+          <a:endParaRPr lang="en-US"/>
+        </a:p>
+      </dgm:t>
+    </dgm:pt>
+    <dgm:pt modelId="{F0003608-07DD-4791-AD41-37FB4F06F2C6}" type="pres">
+      <dgm:prSet presAssocID="{D9FCCE53-9F31-4F19-9299-55FCF1B99927}" presName="hierChild3" presStyleCnt="0"/>
+      <dgm:spPr/>
+      <dgm:t>
+        <a:bodyPr/>
+        <a:lstStyle/>
+        <a:p>
+          <a:endParaRPr lang="en-US"/>
+        </a:p>
+      </dgm:t>
+    </dgm:pt>
+    <dgm:pt modelId="{DFB100D3-81A2-4841-B387-02B5E7998CF7}" type="pres">
+      <dgm:prSet presAssocID="{46036771-6E01-4590-8F92-B7B5854941E8}" presName="Name25" presStyleLbl="parChTrans1D3" presStyleIdx="1" presStyleCnt="6"/>
+      <dgm:spPr/>
+      <dgm:t>
+        <a:bodyPr/>
+        <a:lstStyle/>
+        <a:p>
+          <a:endParaRPr lang="en-US"/>
+        </a:p>
+      </dgm:t>
+    </dgm:pt>
+    <dgm:pt modelId="{CA84E49D-871D-4FEE-AD67-461BE0AB1569}" type="pres">
+      <dgm:prSet presAssocID="{46036771-6E01-4590-8F92-B7B5854941E8}" presName="connTx" presStyleLbl="parChTrans1D3" presStyleIdx="1" presStyleCnt="6"/>
+      <dgm:spPr/>
+      <dgm:t>
+        <a:bodyPr/>
+        <a:lstStyle/>
+        <a:p>
+          <a:endParaRPr lang="en-US"/>
+        </a:p>
+      </dgm:t>
+    </dgm:pt>
+    <dgm:pt modelId="{FD3D5FB7-F4FB-400D-A2B0-0765EFEAAD32}" type="pres">
+      <dgm:prSet presAssocID="{7FA5C735-9514-40F5-9888-D44FF5CF3E72}" presName="Name30" presStyleCnt="0"/>
+      <dgm:spPr/>
+      <dgm:t>
+        <a:bodyPr/>
+        <a:lstStyle/>
+        <a:p>
+          <a:endParaRPr lang="en-US"/>
+        </a:p>
+      </dgm:t>
+    </dgm:pt>
+    <dgm:pt modelId="{1C8F3354-9A52-4B74-8297-51160B305767}" type="pres">
+      <dgm:prSet presAssocID="{7FA5C735-9514-40F5-9888-D44FF5CF3E72}" presName="level2Shape" presStyleLbl="node3" presStyleIdx="1" presStyleCnt="6"/>
+      <dgm:spPr/>
+      <dgm:t>
+        <a:bodyPr/>
+        <a:lstStyle/>
+        <a:p>
+          <a:endParaRPr lang="en-US"/>
+        </a:p>
+      </dgm:t>
+    </dgm:pt>
+    <dgm:pt modelId="{93671D87-1FBC-4553-881A-B9FACCB94569}" type="pres">
+      <dgm:prSet presAssocID="{7FA5C735-9514-40F5-9888-D44FF5CF3E72}" presName="hierChild3" presStyleCnt="0"/>
+      <dgm:spPr/>
+      <dgm:t>
+        <a:bodyPr/>
+        <a:lstStyle/>
+        <a:p>
+          <a:endParaRPr lang="en-US"/>
+        </a:p>
+      </dgm:t>
+    </dgm:pt>
+    <dgm:pt modelId="{34DDF560-6762-4D37-92E7-A0BDA8D7A4B2}" type="pres">
+      <dgm:prSet presAssocID="{2ABF4815-FEDE-4BF8-AEAC-2FEE3E971CA7}" presName="Name25" presStyleLbl="parChTrans1D4" presStyleIdx="4" presStyleCnt="8"/>
+      <dgm:spPr/>
+      <dgm:t>
+        <a:bodyPr/>
+        <a:lstStyle/>
+        <a:p>
+          <a:endParaRPr lang="en-US"/>
+        </a:p>
+      </dgm:t>
+    </dgm:pt>
+    <dgm:pt modelId="{6F00B833-0239-4F34-863B-3E96EC842E8F}" type="pres">
+      <dgm:prSet presAssocID="{2ABF4815-FEDE-4BF8-AEAC-2FEE3E971CA7}" presName="connTx" presStyleLbl="parChTrans1D4" presStyleIdx="4" presStyleCnt="8"/>
+      <dgm:spPr/>
+      <dgm:t>
+        <a:bodyPr/>
+        <a:lstStyle/>
+        <a:p>
+          <a:endParaRPr lang="en-US"/>
+        </a:p>
+      </dgm:t>
+    </dgm:pt>
+    <dgm:pt modelId="{4A343072-22EB-4A8D-9A8A-CD23E3644A9E}" type="pres">
+      <dgm:prSet presAssocID="{7B070A8A-362D-4C89-87DA-46F7A6ECA120}" presName="Name30" presStyleCnt="0"/>
+      <dgm:spPr/>
+      <dgm:t>
+        <a:bodyPr/>
+        <a:lstStyle/>
+        <a:p>
+          <a:endParaRPr lang="en-US"/>
+        </a:p>
+      </dgm:t>
+    </dgm:pt>
+    <dgm:pt modelId="{A2AE73AE-8FAC-45BE-9E44-2CEC6CB87B45}" type="pres">
+      <dgm:prSet presAssocID="{7B070A8A-362D-4C89-87DA-46F7A6ECA120}" presName="level2Shape" presStyleLbl="node4" presStyleIdx="4" presStyleCnt="8"/>
+      <dgm:spPr/>
+      <dgm:t>
+        <a:bodyPr/>
+        <a:lstStyle/>
+        <a:p>
+          <a:endParaRPr lang="en-US"/>
+        </a:p>
+      </dgm:t>
+    </dgm:pt>
+    <dgm:pt modelId="{0BAB263A-6F57-45BE-BD13-055982C84DB2}" type="pres">
+      <dgm:prSet presAssocID="{7B070A8A-362D-4C89-87DA-46F7A6ECA120}" presName="hierChild3" presStyleCnt="0"/>
+      <dgm:spPr/>
+      <dgm:t>
+        <a:bodyPr/>
+        <a:lstStyle/>
+        <a:p>
+          <a:endParaRPr lang="en-US"/>
+        </a:p>
+      </dgm:t>
+    </dgm:pt>
+    <dgm:pt modelId="{F96D4316-A747-4AFA-BEFF-D0A43863D540}" type="pres">
+      <dgm:prSet presAssocID="{ACC65157-63D1-4EB4-B2D3-AF3B4971E259}" presName="Name25" presStyleLbl="parChTrans1D4" presStyleIdx="5" presStyleCnt="8"/>
+      <dgm:spPr/>
+      <dgm:t>
+        <a:bodyPr/>
+        <a:lstStyle/>
+        <a:p>
+          <a:endParaRPr lang="en-US"/>
+        </a:p>
+      </dgm:t>
+    </dgm:pt>
+    <dgm:pt modelId="{E58F3F45-C471-44A6-B8C0-CFAFA47CC422}" type="pres">
+      <dgm:prSet presAssocID="{ACC65157-63D1-4EB4-B2D3-AF3B4971E259}" presName="connTx" presStyleLbl="parChTrans1D4" presStyleIdx="5" presStyleCnt="8"/>
+      <dgm:spPr/>
+      <dgm:t>
+        <a:bodyPr/>
+        <a:lstStyle/>
+        <a:p>
+          <a:endParaRPr lang="en-US"/>
+        </a:p>
+      </dgm:t>
+    </dgm:pt>
+    <dgm:pt modelId="{5D88148C-0770-483A-9071-2DF29556B4FC}" type="pres">
+      <dgm:prSet presAssocID="{B4E0F2A9-6D0F-4A0D-9811-1E78FC1189EF}" presName="Name30" presStyleCnt="0"/>
+      <dgm:spPr/>
+      <dgm:t>
+        <a:bodyPr/>
+        <a:lstStyle/>
+        <a:p>
+          <a:endParaRPr lang="en-US"/>
+        </a:p>
+      </dgm:t>
+    </dgm:pt>
+    <dgm:pt modelId="{A086076C-4F96-4AA8-96F5-CEEC38610E54}" type="pres">
+      <dgm:prSet presAssocID="{B4E0F2A9-6D0F-4A0D-9811-1E78FC1189EF}" presName="level2Shape" presStyleLbl="node4" presStyleIdx="5" presStyleCnt="8"/>
+      <dgm:spPr/>
+      <dgm:t>
+        <a:bodyPr/>
+        <a:lstStyle/>
+        <a:p>
+          <a:endParaRPr lang="en-US"/>
+        </a:p>
+      </dgm:t>
+    </dgm:pt>
+    <dgm:pt modelId="{686E7FE0-9EF4-40C5-B143-26525EC1292D}" type="pres">
+      <dgm:prSet presAssocID="{B4E0F2A9-6D0F-4A0D-9811-1E78FC1189EF}" presName="hierChild3" presStyleCnt="0"/>
+      <dgm:spPr/>
+      <dgm:t>
+        <a:bodyPr/>
+        <a:lstStyle/>
+        <a:p>
+          <a:endParaRPr lang="en-US"/>
+        </a:p>
+      </dgm:t>
+    </dgm:pt>
+    <dgm:pt modelId="{1F3E2C37-F3DA-4B7B-B432-51221861F80A}" type="pres">
+      <dgm:prSet presAssocID="{14A28D02-5BE5-4D94-A5C4-42D049FE7F12}" presName="Name25" presStyleLbl="parChTrans1D4" presStyleIdx="6" presStyleCnt="8"/>
+      <dgm:spPr/>
+      <dgm:t>
+        <a:bodyPr/>
+        <a:lstStyle/>
+        <a:p>
+          <a:endParaRPr lang="en-US"/>
+        </a:p>
+      </dgm:t>
+    </dgm:pt>
+    <dgm:pt modelId="{460C92E1-BBF4-4592-9FF1-5BA1290C948D}" type="pres">
+      <dgm:prSet presAssocID="{14A28D02-5BE5-4D94-A5C4-42D049FE7F12}" presName="connTx" presStyleLbl="parChTrans1D4" presStyleIdx="6" presStyleCnt="8"/>
+      <dgm:spPr/>
+      <dgm:t>
+        <a:bodyPr/>
+        <a:lstStyle/>
+        <a:p>
+          <a:endParaRPr lang="en-US"/>
+        </a:p>
+      </dgm:t>
+    </dgm:pt>
+    <dgm:pt modelId="{C35F8033-251C-4402-9CDA-E79E53EA498D}" type="pres">
+      <dgm:prSet presAssocID="{12E17947-2E97-4D9D-8984-7223CE36EB82}" presName="Name30" presStyleCnt="0"/>
+      <dgm:spPr/>
+      <dgm:t>
+        <a:bodyPr/>
+        <a:lstStyle/>
+        <a:p>
+          <a:endParaRPr lang="en-US"/>
+        </a:p>
+      </dgm:t>
+    </dgm:pt>
+    <dgm:pt modelId="{E5332C44-8D7E-4744-A98D-DE3B9374D346}" type="pres">
+      <dgm:prSet presAssocID="{12E17947-2E97-4D9D-8984-7223CE36EB82}" presName="level2Shape" presStyleLbl="node4" presStyleIdx="6" presStyleCnt="8"/>
+      <dgm:spPr/>
+      <dgm:t>
+        <a:bodyPr/>
+        <a:lstStyle/>
+        <a:p>
+          <a:endParaRPr lang="en-US"/>
+        </a:p>
+      </dgm:t>
+    </dgm:pt>
+    <dgm:pt modelId="{D245D402-E668-45F6-B2D7-7361B2B0CC7C}" type="pres">
+      <dgm:prSet presAssocID="{12E17947-2E97-4D9D-8984-7223CE36EB82}" presName="hierChild3" presStyleCnt="0"/>
+      <dgm:spPr/>
+      <dgm:t>
+        <a:bodyPr/>
+        <a:lstStyle/>
+        <a:p>
+          <a:endParaRPr lang="en-US"/>
+        </a:p>
+      </dgm:t>
+    </dgm:pt>
+    <dgm:pt modelId="{4EFAC71E-8FB8-41A8-809D-DC0C8E9B5655}" type="pres">
+      <dgm:prSet presAssocID="{D019A228-DC3E-4747-9314-B8BA1DBA54FC}" presName="Name25" presStyleLbl="parChTrans1D4" presStyleIdx="7" presStyleCnt="8"/>
+      <dgm:spPr/>
+      <dgm:t>
+        <a:bodyPr/>
+        <a:lstStyle/>
+        <a:p>
+          <a:endParaRPr lang="en-US"/>
+        </a:p>
+      </dgm:t>
+    </dgm:pt>
+    <dgm:pt modelId="{70084BCC-31F2-4AA8-93E5-86D97708CD62}" type="pres">
+      <dgm:prSet presAssocID="{D019A228-DC3E-4747-9314-B8BA1DBA54FC}" presName="connTx" presStyleLbl="parChTrans1D4" presStyleIdx="7" presStyleCnt="8"/>
+      <dgm:spPr/>
+      <dgm:t>
+        <a:bodyPr/>
+        <a:lstStyle/>
+        <a:p>
+          <a:endParaRPr lang="en-US"/>
+        </a:p>
+      </dgm:t>
+    </dgm:pt>
+    <dgm:pt modelId="{238752D1-4534-46F7-8411-3459D689840E}" type="pres">
+      <dgm:prSet presAssocID="{C007623E-DD32-427D-9C56-5144B4781206}" presName="Name30" presStyleCnt="0"/>
+      <dgm:spPr/>
+      <dgm:t>
+        <a:bodyPr/>
+        <a:lstStyle/>
+        <a:p>
+          <a:endParaRPr lang="en-US"/>
+        </a:p>
+      </dgm:t>
+    </dgm:pt>
+    <dgm:pt modelId="{55256D5D-7773-440E-AD57-EFD367D65297}" type="pres">
+      <dgm:prSet presAssocID="{C007623E-DD32-427D-9C56-5144B4781206}" presName="level2Shape" presStyleLbl="node4" presStyleIdx="7" presStyleCnt="8"/>
+      <dgm:spPr/>
+      <dgm:t>
+        <a:bodyPr/>
+        <a:lstStyle/>
+        <a:p>
+          <a:endParaRPr lang="en-US"/>
+        </a:p>
+      </dgm:t>
+    </dgm:pt>
+    <dgm:pt modelId="{984F02F9-6A3B-4BC6-AD4D-48732F37A23C}" type="pres">
+      <dgm:prSet presAssocID="{C007623E-DD32-427D-9C56-5144B4781206}" presName="hierChild3" presStyleCnt="0"/>
+      <dgm:spPr/>
+      <dgm:t>
+        <a:bodyPr/>
+        <a:lstStyle/>
+        <a:p>
+          <a:endParaRPr lang="en-US"/>
+        </a:p>
+      </dgm:t>
+    </dgm:pt>
+    <dgm:pt modelId="{2A74444A-84EA-47A7-A74E-E268217ABFD8}" type="pres">
+      <dgm:prSet presAssocID="{79F1BEAC-F853-4493-B1E8-07B1CE0F9EAD}" presName="Name25" presStyleLbl="parChTrans1D2" presStyleIdx="1" presStyleCnt="5"/>
+      <dgm:spPr/>
+      <dgm:t>
+        <a:bodyPr/>
+        <a:lstStyle/>
+        <a:p>
+          <a:endParaRPr lang="en-US"/>
+        </a:p>
+      </dgm:t>
+    </dgm:pt>
+    <dgm:pt modelId="{7B35945B-ECBE-480C-8125-E29FCBC38067}" type="pres">
+      <dgm:prSet presAssocID="{79F1BEAC-F853-4493-B1E8-07B1CE0F9EAD}" presName="connTx" presStyleLbl="parChTrans1D2" presStyleIdx="1" presStyleCnt="5"/>
+      <dgm:spPr/>
+      <dgm:t>
+        <a:bodyPr/>
+        <a:lstStyle/>
+        <a:p>
+          <a:endParaRPr lang="en-US"/>
+        </a:p>
+      </dgm:t>
+    </dgm:pt>
+    <dgm:pt modelId="{417C4AAE-0951-4969-963E-029AF5CA18B8}" type="pres">
+      <dgm:prSet presAssocID="{2C36EC94-0068-4479-8BB7-EB1D87F4A630}" presName="Name30" presStyleCnt="0"/>
+      <dgm:spPr/>
+      <dgm:t>
+        <a:bodyPr/>
+        <a:lstStyle/>
+        <a:p>
+          <a:endParaRPr lang="en-US"/>
+        </a:p>
+      </dgm:t>
+    </dgm:pt>
+    <dgm:pt modelId="{14ED5812-5CDA-45D9-860C-E57EEB475FF8}" type="pres">
+      <dgm:prSet presAssocID="{2C36EC94-0068-4479-8BB7-EB1D87F4A630}" presName="level2Shape" presStyleLbl="node2" presStyleIdx="1" presStyleCnt="5"/>
+      <dgm:spPr/>
+      <dgm:t>
+        <a:bodyPr/>
+        <a:lstStyle/>
+        <a:p>
+          <a:endParaRPr lang="en-US"/>
+        </a:p>
+      </dgm:t>
+    </dgm:pt>
+    <dgm:pt modelId="{DB3809A9-BDB5-4031-A8EE-5F4AD1A70826}" type="pres">
+      <dgm:prSet presAssocID="{2C36EC94-0068-4479-8BB7-EB1D87F4A630}" presName="hierChild3" presStyleCnt="0"/>
+      <dgm:spPr/>
+      <dgm:t>
+        <a:bodyPr/>
+        <a:lstStyle/>
+        <a:p>
+          <a:endParaRPr lang="en-US"/>
+        </a:p>
+      </dgm:t>
+    </dgm:pt>
+    <dgm:pt modelId="{D0AF2088-4643-47C1-8234-9A2EB659FC54}" type="pres">
+      <dgm:prSet presAssocID="{6A6FD7E5-A453-460E-8628-3F99617D1A6B}" presName="Name25" presStyleLbl="parChTrans1D3" presStyleIdx="2" presStyleCnt="6"/>
+      <dgm:spPr/>
+      <dgm:t>
+        <a:bodyPr/>
+        <a:lstStyle/>
+        <a:p>
+          <a:endParaRPr lang="en-US"/>
+        </a:p>
+      </dgm:t>
+    </dgm:pt>
+    <dgm:pt modelId="{E99BBE15-374E-45D9-BC86-8DEF39BEFAF4}" type="pres">
+      <dgm:prSet presAssocID="{6A6FD7E5-A453-460E-8628-3F99617D1A6B}" presName="connTx" presStyleLbl="parChTrans1D3" presStyleIdx="2" presStyleCnt="6"/>
+      <dgm:spPr/>
+      <dgm:t>
+        <a:bodyPr/>
+        <a:lstStyle/>
+        <a:p>
+          <a:endParaRPr lang="en-US"/>
+        </a:p>
+      </dgm:t>
+    </dgm:pt>
+    <dgm:pt modelId="{7BE6979E-11ED-471E-8213-83E89EB6F346}" type="pres">
+      <dgm:prSet presAssocID="{82894191-B59F-48F4-80EF-48853235A85C}" presName="Name30" presStyleCnt="0"/>
+      <dgm:spPr/>
+      <dgm:t>
+        <a:bodyPr/>
+        <a:lstStyle/>
+        <a:p>
+          <a:endParaRPr lang="en-US"/>
+        </a:p>
+      </dgm:t>
+    </dgm:pt>
+    <dgm:pt modelId="{D216FF89-59CF-407C-8E9F-F8EB7B546317}" type="pres">
+      <dgm:prSet presAssocID="{82894191-B59F-48F4-80EF-48853235A85C}" presName="level2Shape" presStyleLbl="node3" presStyleIdx="2" presStyleCnt="6"/>
+      <dgm:spPr/>
+      <dgm:t>
+        <a:bodyPr/>
+        <a:lstStyle/>
+        <a:p>
+          <a:endParaRPr lang="en-US"/>
+        </a:p>
+      </dgm:t>
+    </dgm:pt>
+    <dgm:pt modelId="{C6B1B073-A937-4A00-99D4-2BEDE7194193}" type="pres">
+      <dgm:prSet presAssocID="{82894191-B59F-48F4-80EF-48853235A85C}" presName="hierChild3" presStyleCnt="0"/>
+      <dgm:spPr/>
+      <dgm:t>
+        <a:bodyPr/>
+        <a:lstStyle/>
+        <a:p>
+          <a:endParaRPr lang="en-US"/>
+        </a:p>
+      </dgm:t>
+    </dgm:pt>
+    <dgm:pt modelId="{6FB218B6-6466-4155-AC7A-D7D18DD81040}" type="pres">
+      <dgm:prSet presAssocID="{3308A852-FF8D-48D3-A423-B1C9D4D33628}" presName="Name25" presStyleLbl="parChTrans1D3" presStyleIdx="3" presStyleCnt="6"/>
+      <dgm:spPr/>
+      <dgm:t>
+        <a:bodyPr/>
+        <a:lstStyle/>
+        <a:p>
+          <a:endParaRPr lang="en-US"/>
+        </a:p>
+      </dgm:t>
+    </dgm:pt>
+    <dgm:pt modelId="{CA0FA190-4EFA-4DD5-A928-F3E515175209}" type="pres">
+      <dgm:prSet presAssocID="{3308A852-FF8D-48D3-A423-B1C9D4D33628}" presName="connTx" presStyleLbl="parChTrans1D3" presStyleIdx="3" presStyleCnt="6"/>
+      <dgm:spPr/>
+      <dgm:t>
+        <a:bodyPr/>
+        <a:lstStyle/>
+        <a:p>
+          <a:endParaRPr lang="en-US"/>
+        </a:p>
+      </dgm:t>
+    </dgm:pt>
+    <dgm:pt modelId="{7655222E-9511-4A01-B77A-2A4156821069}" type="pres">
+      <dgm:prSet presAssocID="{B512FE59-57E2-4855-8910-E52EA291DB9D}" presName="Name30" presStyleCnt="0"/>
+      <dgm:spPr/>
+      <dgm:t>
+        <a:bodyPr/>
+        <a:lstStyle/>
+        <a:p>
+          <a:endParaRPr lang="en-US"/>
+        </a:p>
+      </dgm:t>
+    </dgm:pt>
+    <dgm:pt modelId="{9C1CCCC1-4C9A-4C45-AC33-E3ACB7BE7530}" type="pres">
+      <dgm:prSet presAssocID="{B512FE59-57E2-4855-8910-E52EA291DB9D}" presName="level2Shape" presStyleLbl="node3" presStyleIdx="3" presStyleCnt="6"/>
+      <dgm:spPr/>
+      <dgm:t>
+        <a:bodyPr/>
+        <a:lstStyle/>
+        <a:p>
+          <a:endParaRPr lang="en-US"/>
+        </a:p>
+      </dgm:t>
+    </dgm:pt>
+    <dgm:pt modelId="{BCCE3631-F936-4C49-B703-23EDD40D67A2}" type="pres">
+      <dgm:prSet presAssocID="{B512FE59-57E2-4855-8910-E52EA291DB9D}" presName="hierChild3" presStyleCnt="0"/>
+      <dgm:spPr/>
+      <dgm:t>
+        <a:bodyPr/>
+        <a:lstStyle/>
+        <a:p>
+          <a:endParaRPr lang="en-US"/>
+        </a:p>
+      </dgm:t>
+    </dgm:pt>
+    <dgm:pt modelId="{8CDE05C6-F82A-4CC5-A940-8E739D35F362}" type="pres">
+      <dgm:prSet presAssocID="{58BC884A-142A-4EEF-9FC8-CC0B8F1DF052}" presName="Name25" presStyleLbl="parChTrans1D3" presStyleIdx="4" presStyleCnt="6"/>
+      <dgm:spPr/>
+      <dgm:t>
+        <a:bodyPr/>
+        <a:lstStyle/>
+        <a:p>
+          <a:endParaRPr lang="en-US"/>
+        </a:p>
+      </dgm:t>
+    </dgm:pt>
+    <dgm:pt modelId="{2716C842-40B6-47AD-9DE3-D07361626387}" type="pres">
+      <dgm:prSet presAssocID="{58BC884A-142A-4EEF-9FC8-CC0B8F1DF052}" presName="connTx" presStyleLbl="parChTrans1D3" presStyleIdx="4" presStyleCnt="6"/>
+      <dgm:spPr/>
+      <dgm:t>
+        <a:bodyPr/>
+        <a:lstStyle/>
+        <a:p>
+          <a:endParaRPr lang="en-US"/>
+        </a:p>
+      </dgm:t>
+    </dgm:pt>
+    <dgm:pt modelId="{40CB0297-8170-40BF-8A27-B9EADC3289CB}" type="pres">
+      <dgm:prSet presAssocID="{B2721FE7-7A20-4CE4-9164-6A38469E5E20}" presName="Name30" presStyleCnt="0"/>
+      <dgm:spPr/>
+      <dgm:t>
+        <a:bodyPr/>
+        <a:lstStyle/>
+        <a:p>
+          <a:endParaRPr lang="en-US"/>
+        </a:p>
+      </dgm:t>
+    </dgm:pt>
+    <dgm:pt modelId="{B15797B0-9C3D-417A-A75B-FDAB0672D8AD}" type="pres">
+      <dgm:prSet presAssocID="{B2721FE7-7A20-4CE4-9164-6A38469E5E20}" presName="level2Shape" presStyleLbl="node3" presStyleIdx="4" presStyleCnt="6"/>
+      <dgm:spPr/>
+      <dgm:t>
+        <a:bodyPr/>
+        <a:lstStyle/>
+        <a:p>
+          <a:endParaRPr lang="en-US"/>
+        </a:p>
+      </dgm:t>
+    </dgm:pt>
+    <dgm:pt modelId="{E3FFAD4F-3925-4B79-8FE1-7A19A6CFCC0D}" type="pres">
+      <dgm:prSet presAssocID="{B2721FE7-7A20-4CE4-9164-6A38469E5E20}" presName="hierChild3" presStyleCnt="0"/>
+      <dgm:spPr/>
+      <dgm:t>
+        <a:bodyPr/>
+        <a:lstStyle/>
+        <a:p>
+          <a:endParaRPr lang="en-US"/>
+        </a:p>
+      </dgm:t>
+    </dgm:pt>
+    <dgm:pt modelId="{7C4F74D4-8813-4467-922D-58912BDBDC85}" type="pres">
+      <dgm:prSet presAssocID="{86002A33-5D11-4E63-867C-10EB6B6B78CC}" presName="Name25" presStyleLbl="parChTrans1D3" presStyleIdx="5" presStyleCnt="6"/>
+      <dgm:spPr/>
+      <dgm:t>
+        <a:bodyPr/>
+        <a:lstStyle/>
+        <a:p>
+          <a:endParaRPr lang="en-US"/>
+        </a:p>
+      </dgm:t>
+    </dgm:pt>
+    <dgm:pt modelId="{24E54D4C-C7FA-4718-911B-27430E6369A1}" type="pres">
+      <dgm:prSet presAssocID="{86002A33-5D11-4E63-867C-10EB6B6B78CC}" presName="connTx" presStyleLbl="parChTrans1D3" presStyleIdx="5" presStyleCnt="6"/>
+      <dgm:spPr/>
+      <dgm:t>
+        <a:bodyPr/>
+        <a:lstStyle/>
+        <a:p>
+          <a:endParaRPr lang="en-US"/>
+        </a:p>
+      </dgm:t>
+    </dgm:pt>
+    <dgm:pt modelId="{54C662E9-5C00-498B-977E-05F50808BAD3}" type="pres">
+      <dgm:prSet presAssocID="{5EBDB6F1-58FE-46F6-944D-2A9629ACB58E}" presName="Name30" presStyleCnt="0"/>
+      <dgm:spPr/>
+      <dgm:t>
+        <a:bodyPr/>
+        <a:lstStyle/>
+        <a:p>
+          <a:endParaRPr lang="en-US"/>
+        </a:p>
+      </dgm:t>
+    </dgm:pt>
+    <dgm:pt modelId="{EAEA87D6-C588-4318-9016-89C0740CB136}" type="pres">
+      <dgm:prSet presAssocID="{5EBDB6F1-58FE-46F6-944D-2A9629ACB58E}" presName="level2Shape" presStyleLbl="node3" presStyleIdx="5" presStyleCnt="6"/>
+      <dgm:spPr/>
+      <dgm:t>
+        <a:bodyPr/>
+        <a:lstStyle/>
+        <a:p>
+          <a:endParaRPr lang="en-US"/>
+        </a:p>
+      </dgm:t>
+    </dgm:pt>
+    <dgm:pt modelId="{87612E71-9ADE-477D-AADB-74006F09709D}" type="pres">
+      <dgm:prSet presAssocID="{5EBDB6F1-58FE-46F6-944D-2A9629ACB58E}" presName="hierChild3" presStyleCnt="0"/>
+      <dgm:spPr/>
+      <dgm:t>
+        <a:bodyPr/>
+        <a:lstStyle/>
+        <a:p>
+          <a:endParaRPr lang="en-US"/>
+        </a:p>
+      </dgm:t>
+    </dgm:pt>
+    <dgm:pt modelId="{303ECFB9-7750-44CB-AEB1-538A2C233E84}" type="pres">
+      <dgm:prSet presAssocID="{E3186C36-A20A-476F-88ED-2F4E489B42C2}" presName="Name25" presStyleLbl="parChTrans1D2" presStyleIdx="2" presStyleCnt="5"/>
+      <dgm:spPr/>
+      <dgm:t>
+        <a:bodyPr/>
+        <a:lstStyle/>
+        <a:p>
+          <a:endParaRPr lang="en-US"/>
+        </a:p>
+      </dgm:t>
+    </dgm:pt>
+    <dgm:pt modelId="{081758E9-814C-4286-873F-810CAE631E40}" type="pres">
+      <dgm:prSet presAssocID="{E3186C36-A20A-476F-88ED-2F4E489B42C2}" presName="connTx" presStyleLbl="parChTrans1D2" presStyleIdx="2" presStyleCnt="5"/>
+      <dgm:spPr/>
+      <dgm:t>
+        <a:bodyPr/>
+        <a:lstStyle/>
+        <a:p>
+          <a:endParaRPr lang="en-US"/>
+        </a:p>
+      </dgm:t>
+    </dgm:pt>
+    <dgm:pt modelId="{80919F7D-6366-4C78-B513-CDE89BE15916}" type="pres">
+      <dgm:prSet presAssocID="{762886AA-DB88-4925-99C1-9563BD7316F8}" presName="Name30" presStyleCnt="0"/>
+      <dgm:spPr/>
+      <dgm:t>
+        <a:bodyPr/>
+        <a:lstStyle/>
+        <a:p>
+          <a:endParaRPr lang="en-US"/>
+        </a:p>
+      </dgm:t>
+    </dgm:pt>
+    <dgm:pt modelId="{E8351212-3A6B-49CE-B5EC-D77217A32BFA}" type="pres">
+      <dgm:prSet presAssocID="{762886AA-DB88-4925-99C1-9563BD7316F8}" presName="level2Shape" presStyleLbl="node2" presStyleIdx="2" presStyleCnt="5"/>
+      <dgm:spPr/>
+      <dgm:t>
+        <a:bodyPr/>
+        <a:lstStyle/>
+        <a:p>
+          <a:endParaRPr lang="en-US"/>
+        </a:p>
+      </dgm:t>
+    </dgm:pt>
+    <dgm:pt modelId="{7A4B7050-3A57-4D66-983F-E1C6CEF08055}" type="pres">
+      <dgm:prSet presAssocID="{762886AA-DB88-4925-99C1-9563BD7316F8}" presName="hierChild3" presStyleCnt="0"/>
+      <dgm:spPr/>
+      <dgm:t>
+        <a:bodyPr/>
+        <a:lstStyle/>
+        <a:p>
+          <a:endParaRPr lang="en-US"/>
+        </a:p>
+      </dgm:t>
+    </dgm:pt>
+    <dgm:pt modelId="{4841A176-3A15-4DA5-B2B7-CC0B3101BC21}" type="pres">
+      <dgm:prSet presAssocID="{0E70462D-83B3-4E2A-BF88-78C23F4C0D5B}" presName="Name25" presStyleLbl="parChTrans1D2" presStyleIdx="3" presStyleCnt="5"/>
+      <dgm:spPr/>
+      <dgm:t>
+        <a:bodyPr/>
+        <a:lstStyle/>
+        <a:p>
+          <a:endParaRPr lang="en-US"/>
+        </a:p>
+      </dgm:t>
+    </dgm:pt>
+    <dgm:pt modelId="{0024411A-9C27-4F9D-819C-FE413754B953}" type="pres">
+      <dgm:prSet presAssocID="{0E70462D-83B3-4E2A-BF88-78C23F4C0D5B}" presName="connTx" presStyleLbl="parChTrans1D2" presStyleIdx="3" presStyleCnt="5"/>
+      <dgm:spPr/>
+      <dgm:t>
+        <a:bodyPr/>
+        <a:lstStyle/>
+        <a:p>
+          <a:endParaRPr lang="en-US"/>
+        </a:p>
+      </dgm:t>
+    </dgm:pt>
+    <dgm:pt modelId="{ADDDE6D4-22D6-4974-9677-85B3D222897F}" type="pres">
+      <dgm:prSet presAssocID="{14C9A289-80CA-4069-B335-87512E4420E9}" presName="Name30" presStyleCnt="0"/>
+      <dgm:spPr/>
+      <dgm:t>
+        <a:bodyPr/>
+        <a:lstStyle/>
+        <a:p>
+          <a:endParaRPr lang="en-US"/>
+        </a:p>
+      </dgm:t>
+    </dgm:pt>
+    <dgm:pt modelId="{B2B8C3E1-4BBB-417F-82D5-22D109F3B63D}" type="pres">
+      <dgm:prSet presAssocID="{14C9A289-80CA-4069-B335-87512E4420E9}" presName="level2Shape" presStyleLbl="node2" presStyleIdx="3" presStyleCnt="5"/>
+      <dgm:spPr/>
+      <dgm:t>
+        <a:bodyPr/>
+        <a:lstStyle/>
+        <a:p>
+          <a:endParaRPr lang="en-US"/>
+        </a:p>
+      </dgm:t>
+    </dgm:pt>
+    <dgm:pt modelId="{55A0D30A-030D-4C2E-B218-7591FC26CD0F}" type="pres">
+      <dgm:prSet presAssocID="{14C9A289-80CA-4069-B335-87512E4420E9}" presName="hierChild3" presStyleCnt="0"/>
+      <dgm:spPr/>
+      <dgm:t>
+        <a:bodyPr/>
+        <a:lstStyle/>
+        <a:p>
+          <a:endParaRPr lang="en-US"/>
+        </a:p>
+      </dgm:t>
+    </dgm:pt>
+    <dgm:pt modelId="{6A2DD93E-978C-4316-BF3F-2CB8381B0E4D}" type="pres">
+      <dgm:prSet presAssocID="{451EA6D2-094D-40D7-873A-EA421158D77B}" presName="Name25" presStyleLbl="parChTrans1D2" presStyleIdx="4" presStyleCnt="5"/>
+      <dgm:spPr/>
+      <dgm:t>
+        <a:bodyPr/>
+        <a:lstStyle/>
+        <a:p>
+          <a:endParaRPr lang="en-US"/>
+        </a:p>
+      </dgm:t>
+    </dgm:pt>
+    <dgm:pt modelId="{B0EB042C-6E04-4AB3-99A2-CE0B443F2471}" type="pres">
+      <dgm:prSet presAssocID="{451EA6D2-094D-40D7-873A-EA421158D77B}" presName="connTx" presStyleLbl="parChTrans1D2" presStyleIdx="4" presStyleCnt="5"/>
+      <dgm:spPr/>
+      <dgm:t>
+        <a:bodyPr/>
+        <a:lstStyle/>
+        <a:p>
+          <a:endParaRPr lang="en-US"/>
+        </a:p>
+      </dgm:t>
+    </dgm:pt>
+    <dgm:pt modelId="{ACF8FFE6-DA3C-47C2-87DE-889CD7E7D6A4}" type="pres">
+      <dgm:prSet presAssocID="{2C54A090-43BA-4A0C-BF1A-2F3E07947523}" presName="Name30" presStyleCnt="0"/>
+      <dgm:spPr/>
+      <dgm:t>
+        <a:bodyPr/>
+        <a:lstStyle/>
+        <a:p>
+          <a:endParaRPr lang="en-US"/>
+        </a:p>
+      </dgm:t>
+    </dgm:pt>
+    <dgm:pt modelId="{D746E41F-F5D4-46C0-8188-63CA1BF1C131}" type="pres">
+      <dgm:prSet presAssocID="{2C54A090-43BA-4A0C-BF1A-2F3E07947523}" presName="level2Shape" presStyleLbl="node2" presStyleIdx="4" presStyleCnt="5"/>
+      <dgm:spPr/>
+      <dgm:t>
+        <a:bodyPr/>
+        <a:lstStyle/>
+        <a:p>
+          <a:endParaRPr lang="en-US"/>
+        </a:p>
+      </dgm:t>
+    </dgm:pt>
+    <dgm:pt modelId="{20095DC5-72B6-42C1-AC5A-ED7869648CB5}" type="pres">
+      <dgm:prSet presAssocID="{2C54A090-43BA-4A0C-BF1A-2F3E07947523}" presName="hierChild3" presStyleCnt="0"/>
+      <dgm:spPr/>
+      <dgm:t>
+        <a:bodyPr/>
+        <a:lstStyle/>
+        <a:p>
+          <a:endParaRPr lang="en-US"/>
+        </a:p>
+      </dgm:t>
+    </dgm:pt>
+    <dgm:pt modelId="{C5054819-C169-4091-9891-E4CCF89273C7}" type="pres">
+      <dgm:prSet presAssocID="{F4BD8484-48A1-4DE3-BE8D-D879FAD8D09E}" presName="bgShapesFlow" presStyleCnt="0"/>
+      <dgm:spPr/>
+      <dgm:t>
+        <a:bodyPr/>
+        <a:lstStyle/>
+        <a:p>
+          <a:endParaRPr lang="en-US"/>
+        </a:p>
+      </dgm:t>
     </dgm:pt>
   </dgm:ptLst>
   <dgm:cxnLst>
-    <dgm:cxn modelId="{A4538C77-6D21-4789-B7CF-074AB2F91282}" type="presOf" srcId="{A67D69A1-88C4-48BD-BD1D-5A051D395D3A}" destId="{169B290F-E846-4835-9854-6768376DA6DA}" srcOrd="0" destOrd="0" presId="urn:microsoft.com/office/officeart/2009/3/layout/HorizontalOrganizationChart"/>
-    <dgm:cxn modelId="{758A9F8B-0B8F-47AA-98BC-6193719AE5AC}" type="presOf" srcId="{762886AA-DB88-4925-99C1-9563BD7316F8}" destId="{93206299-B676-4CE9-92E9-023DC1CB00EB}" srcOrd="0" destOrd="0" presId="urn:microsoft.com/office/officeart/2009/3/layout/HorizontalOrganizationChart"/>
-    <dgm:cxn modelId="{8A921AC7-0857-4DCF-B441-16A2B85728B6}" type="presOf" srcId="{6A6FD7E5-A453-460E-8628-3F99617D1A6B}" destId="{609A87D6-8096-4402-B397-CAE63D556C55}" srcOrd="0" destOrd="0" presId="urn:microsoft.com/office/officeart/2009/3/layout/HorizontalOrganizationChart"/>
-    <dgm:cxn modelId="{D441A79C-05F9-4629-9D54-62A7ABD17C1E}" type="presOf" srcId="{2C54A090-43BA-4A0C-BF1A-2F3E07947523}" destId="{1D554323-CB1E-4ACD-8742-E63FA27BE7C1}" srcOrd="1" destOrd="0" presId="urn:microsoft.com/office/officeart/2009/3/layout/HorizontalOrganizationChart"/>
-    <dgm:cxn modelId="{6EF83D04-0721-4E53-B0A4-BCBC64CAD566}" type="presOf" srcId="{2C36EC94-0068-4479-8BB7-EB1D87F4A630}" destId="{E6385650-ECCB-4AE1-B129-75476538797D}" srcOrd="0" destOrd="0" presId="urn:microsoft.com/office/officeart/2009/3/layout/HorizontalOrganizationChart"/>
-    <dgm:cxn modelId="{DF684B6D-4A37-48C4-AC78-702DDB6CE587}" type="presOf" srcId="{53C6AA40-CD10-4251-83C5-924502AE77AB}" destId="{714EFDE0-32F0-4A46-BA4D-23DE4EAFCAC1}" srcOrd="1" destOrd="0" presId="urn:microsoft.com/office/officeart/2009/3/layout/HorizontalOrganizationChart"/>
+    <dgm:cxn modelId="{81478C38-7BB3-4895-A6CF-477301CBF467}" type="presOf" srcId="{39DFFD8D-C245-4DBB-B529-2BF6D1CD3131}" destId="{EA5208EC-5708-4FA3-814F-48911A00664C}" srcOrd="0" destOrd="0" presId="urn:microsoft.com/office/officeart/2005/8/layout/hierarchy5"/>
+    <dgm:cxn modelId="{EDBEC0CC-D395-4664-A862-037FD6ED93DF}" type="presOf" srcId="{A67D69A1-88C4-48BD-BD1D-5A051D395D3A}" destId="{52E671D4-AD69-4462-8776-9088633CE2BB}" srcOrd="0" destOrd="0" presId="urn:microsoft.com/office/officeart/2005/8/layout/hierarchy5"/>
+    <dgm:cxn modelId="{32E50B4C-4C59-49D2-9607-277E86688875}" type="presOf" srcId="{14A28D02-5BE5-4D94-A5C4-42D049FE7F12}" destId="{460C92E1-BBF4-4592-9FF1-5BA1290C948D}" srcOrd="1" destOrd="0" presId="urn:microsoft.com/office/officeart/2005/8/layout/hierarchy5"/>
+    <dgm:cxn modelId="{5B3AEF14-A579-4607-80F9-354E00F6604D}" type="presOf" srcId="{B512FE59-57E2-4855-8910-E52EA291DB9D}" destId="{9C1CCCC1-4C9A-4C45-AC33-E3ACB7BE7530}" srcOrd="0" destOrd="0" presId="urn:microsoft.com/office/officeart/2005/8/layout/hierarchy5"/>
+    <dgm:cxn modelId="{24067C87-494C-468D-A690-9D4C8B8FE064}" type="presOf" srcId="{44EDA945-72E9-40FD-9BAF-2F1FE7BBA483}" destId="{3958D169-B32D-4261-A6B9-DC4C9077A931}" srcOrd="1" destOrd="0" presId="urn:microsoft.com/office/officeart/2005/8/layout/hierarchy5"/>
+    <dgm:cxn modelId="{DD5BD57A-CA2B-4C01-A911-D7CE18C4C77D}" type="presOf" srcId="{D019A228-DC3E-4747-9314-B8BA1DBA54FC}" destId="{4EFAC71E-8FB8-41A8-809D-DC0C8E9B5655}" srcOrd="0" destOrd="0" presId="urn:microsoft.com/office/officeart/2005/8/layout/hierarchy5"/>
+    <dgm:cxn modelId="{12C2B1A4-0368-4811-B2AF-04120E32AE47}" type="presOf" srcId="{75855875-986C-4EFF-BFEF-B440071A1576}" destId="{784964E3-728D-4CBF-A777-FCD6B2AAA912}" srcOrd="0" destOrd="0" presId="urn:microsoft.com/office/officeart/2005/8/layout/hierarchy5"/>
+    <dgm:cxn modelId="{63D96E94-27BB-4E13-8727-B745BB85BECB}" type="presOf" srcId="{451EA6D2-094D-40D7-873A-EA421158D77B}" destId="{6A2DD93E-978C-4316-BF3F-2CB8381B0E4D}" srcOrd="0" destOrd="0" presId="urn:microsoft.com/office/officeart/2005/8/layout/hierarchy5"/>
     <dgm:cxn modelId="{BD125555-81FC-4A49-816D-2CF7A7DC1CEB}" srcId="{39DFFD8D-C245-4DBB-B529-2BF6D1CD3131}" destId="{B7CF9243-6627-44A1-9FAB-4B72FF3EE2AC}" srcOrd="0" destOrd="0" parTransId="{44EDA945-72E9-40FD-9BAF-2F1FE7BBA483}" sibTransId="{BA9CA2C5-4E96-457C-ADAD-754AAD2D5265}"/>
-    <dgm:cxn modelId="{7F6C9E25-83C6-4AF0-B4F6-1FBF4D10E85A}" type="presOf" srcId="{B2721FE7-7A20-4CE4-9164-6A38469E5E20}" destId="{F3C33801-9A26-415E-86F9-96CEEEB4583B}" srcOrd="0" destOrd="0" presId="urn:microsoft.com/office/officeart/2009/3/layout/HorizontalOrganizationChart"/>
-    <dgm:cxn modelId="{DEAE2D07-3F29-4D57-8EF0-3BB70C6FC19F}" type="presOf" srcId="{0E70462D-83B3-4E2A-BF88-78C23F4C0D5B}" destId="{C8E9813E-5BC8-45C1-98A1-C42E679C1FB1}" srcOrd="0" destOrd="0" presId="urn:microsoft.com/office/officeart/2009/3/layout/HorizontalOrganizationChart"/>
-    <dgm:cxn modelId="{F64A9588-6E2A-48FE-AB73-5C1272FCADEB}" type="presOf" srcId="{B7CF9243-6627-44A1-9FAB-4B72FF3EE2AC}" destId="{BBC2F6AD-B741-4E9B-B573-1EB264AF2972}" srcOrd="1" destOrd="0" presId="urn:microsoft.com/office/officeart/2009/3/layout/HorizontalOrganizationChart"/>
-    <dgm:cxn modelId="{D558BBCD-E5EC-46C0-BD33-C15B5DA3A9CA}" type="presOf" srcId="{F4BD8484-48A1-4DE3-BE8D-D879FAD8D09E}" destId="{B20634C1-DCC1-4A8D-A964-5688DA7096F9}" srcOrd="0" destOrd="0" presId="urn:microsoft.com/office/officeart/2009/3/layout/HorizontalOrganizationChart"/>
-    <dgm:cxn modelId="{A903D4A6-96D8-4E8A-97B3-67AD20F92690}" type="presOf" srcId="{B512FE59-57E2-4855-8910-E52EA291DB9D}" destId="{BA30D14F-3C09-4CF2-8F99-C5FB7EA67774}" srcOrd="1" destOrd="0" presId="urn:microsoft.com/office/officeart/2009/3/layout/HorizontalOrganizationChart"/>
-    <dgm:cxn modelId="{D633C020-3353-41F5-986C-F6A8B8F6D892}" type="presOf" srcId="{14C9A289-80CA-4069-B335-87512E4420E9}" destId="{F017536A-34CF-4F99-ADBA-D7196A9A82C8}" srcOrd="1" destOrd="0" presId="urn:microsoft.com/office/officeart/2009/3/layout/HorizontalOrganizationChart"/>
-    <dgm:cxn modelId="{237FBFE4-8A7D-4A69-9C7C-7047BDAC9170}" srcId="{B7CF9243-6627-44A1-9FAB-4B72FF3EE2AC}" destId="{D9FCCE53-9F31-4F19-9299-55FCF1B99927}" srcOrd="3" destOrd="0" parTransId="{A899DEE4-19C1-4EA0-A519-647D8E611124}" sibTransId="{A52D3505-3D9C-4F86-B2FB-849996EDF470}"/>
-    <dgm:cxn modelId="{3270DE4C-602F-4A3E-B6FA-28E2CFE2CFAC}" type="presOf" srcId="{451EA6D2-094D-40D7-873A-EA421158D77B}" destId="{E3A33533-5E1A-4847-9005-4123197D704A}" srcOrd="0" destOrd="0" presId="urn:microsoft.com/office/officeart/2009/3/layout/HorizontalOrganizationChart"/>
-    <dgm:cxn modelId="{35E8958B-B32B-4856-894C-E8AC7D9CAD39}" srcId="{B7CF9243-6627-44A1-9FAB-4B72FF3EE2AC}" destId="{C8F3F2EA-7059-4C03-A81E-DEE5B1CE1C11}" srcOrd="0" destOrd="0" parTransId="{7C14353A-35F0-44F8-9E4B-53CC893E0BE5}" sibTransId="{BA6A07B1-0BD4-4B98-BF07-E58072035DC8}"/>
-    <dgm:cxn modelId="{0756016F-F793-4ACD-9940-A77722B327A2}" type="presOf" srcId="{86002A33-5D11-4E63-867C-10EB6B6B78CC}" destId="{DDF48C9E-15B2-49A4-BC4C-85192ABBAAD6}" srcOrd="0" destOrd="0" presId="urn:microsoft.com/office/officeart/2009/3/layout/HorizontalOrganizationChart"/>
-    <dgm:cxn modelId="{DD0B17D5-FF3F-417C-933D-4B66FA8271B6}" type="presOf" srcId="{53C6AA40-CD10-4251-83C5-924502AE77AB}" destId="{2B8057A4-4D8C-48DD-A64D-5B00015F1D8A}" srcOrd="0" destOrd="0" presId="urn:microsoft.com/office/officeart/2009/3/layout/HorizontalOrganizationChart"/>
-    <dgm:cxn modelId="{329FE4DA-34C4-4745-8A8A-8BB75F89BD0E}" srcId="{B7CF9243-6627-44A1-9FAB-4B72FF3EE2AC}" destId="{53C6AA40-CD10-4251-83C5-924502AE77AB}" srcOrd="2" destOrd="0" parTransId="{A67D69A1-88C4-48BD-BD1D-5A051D395D3A}" sibTransId="{606BFAE6-3E97-4FDD-99B8-BF82F77215FE}"/>
-    <dgm:cxn modelId="{5043D290-1D5D-450F-BB4E-DD124836EDDF}" type="presOf" srcId="{2C54A090-43BA-4A0C-BF1A-2F3E07947523}" destId="{3DE257E9-7886-42DA-B003-2804A2AB107A}" srcOrd="0" destOrd="0" presId="urn:microsoft.com/office/officeart/2009/3/layout/HorizontalOrganizationChart"/>
+    <dgm:cxn modelId="{B058E7AF-EDAA-45B8-A6B4-A88B4D7B5896}" type="presOf" srcId="{5EBDB6F1-58FE-46F6-944D-2A9629ACB58E}" destId="{EAEA87D6-C588-4318-9016-89C0740CB136}" srcOrd="0" destOrd="0" presId="urn:microsoft.com/office/officeart/2005/8/layout/hierarchy5"/>
+    <dgm:cxn modelId="{86750D89-BC20-4462-9AC6-1B6C07CD75E7}" type="presOf" srcId="{82894191-B59F-48F4-80EF-48853235A85C}" destId="{D216FF89-59CF-407C-8E9F-F8EB7B546317}" srcOrd="0" destOrd="0" presId="urn:microsoft.com/office/officeart/2005/8/layout/hierarchy5"/>
+    <dgm:cxn modelId="{30101BCD-628F-405F-88FA-638CFC33C071}" srcId="{7FA5C735-9514-40F5-9888-D44FF5CF3E72}" destId="{C007623E-DD32-427D-9C56-5144B4781206}" srcOrd="3" destOrd="0" parTransId="{D019A228-DC3E-4747-9314-B8BA1DBA54FC}" sibTransId="{9C929763-0561-4C43-B085-42DBC21CD131}"/>
+    <dgm:cxn modelId="{F5DE09D5-E79D-40AF-BD79-22C9CCE83C57}" type="presOf" srcId="{12E17947-2E97-4D9D-8984-7223CE36EB82}" destId="{E5332C44-8D7E-4744-A98D-DE3B9374D346}" srcOrd="0" destOrd="0" presId="urn:microsoft.com/office/officeart/2005/8/layout/hierarchy5"/>
+    <dgm:cxn modelId="{985664C5-C4E4-4CEE-953E-AB662E3D2E3C}" type="presOf" srcId="{ACC65157-63D1-4EB4-B2D3-AF3B4971E259}" destId="{E58F3F45-C471-44A6-B8C0-CFAFA47CC422}" srcOrd="1" destOrd="0" presId="urn:microsoft.com/office/officeart/2005/8/layout/hierarchy5"/>
+    <dgm:cxn modelId="{B999A04B-81A1-43B1-9ECA-048DFA737909}" type="presOf" srcId="{B4E0F2A9-6D0F-4A0D-9811-1E78FC1189EF}" destId="{A086076C-4F96-4AA8-96F5-CEEC38610E54}" srcOrd="0" destOrd="0" presId="urn:microsoft.com/office/officeart/2005/8/layout/hierarchy5"/>
+    <dgm:cxn modelId="{237FBFE4-8A7D-4A69-9C7C-7047BDAC9170}" srcId="{75855875-986C-4EFF-BFEF-B440071A1576}" destId="{D9FCCE53-9F31-4F19-9299-55FCF1B99927}" srcOrd="3" destOrd="0" parTransId="{A899DEE4-19C1-4EA0-A519-647D8E611124}" sibTransId="{A52D3505-3D9C-4F86-B2FB-849996EDF470}"/>
+    <dgm:cxn modelId="{81C31746-DE11-48FA-8E55-C61C1ED6BE32}" type="presOf" srcId="{0E70462D-83B3-4E2A-BF88-78C23F4C0D5B}" destId="{0024411A-9C27-4F9D-819C-FE413754B953}" srcOrd="1" destOrd="0" presId="urn:microsoft.com/office/officeart/2005/8/layout/hierarchy5"/>
+    <dgm:cxn modelId="{C3391309-CF4B-4B55-942D-46556414C711}" type="presOf" srcId="{D019A228-DC3E-4747-9314-B8BA1DBA54FC}" destId="{70084BCC-31F2-4AA8-93E5-86D97708CD62}" srcOrd="1" destOrd="0" presId="urn:microsoft.com/office/officeart/2005/8/layout/hierarchy5"/>
+    <dgm:cxn modelId="{35E8958B-B32B-4856-894C-E8AC7D9CAD39}" srcId="{75855875-986C-4EFF-BFEF-B440071A1576}" destId="{C8F3F2EA-7059-4C03-A81E-DEE5B1CE1C11}" srcOrd="0" destOrd="0" parTransId="{7C14353A-35F0-44F8-9E4B-53CC893E0BE5}" sibTransId="{BA6A07B1-0BD4-4B98-BF07-E58072035DC8}"/>
+    <dgm:cxn modelId="{2C539CD3-FDDD-4581-9A31-4FF3114C4885}" type="presOf" srcId="{58BC884A-142A-4EEF-9FC8-CC0B8F1DF052}" destId="{8CDE05C6-F82A-4CC5-A940-8E739D35F362}" srcOrd="0" destOrd="0" presId="urn:microsoft.com/office/officeart/2005/8/layout/hierarchy5"/>
+    <dgm:cxn modelId="{329FE4DA-34C4-4745-8A8A-8BB75F89BD0E}" srcId="{75855875-986C-4EFF-BFEF-B440071A1576}" destId="{53C6AA40-CD10-4251-83C5-924502AE77AB}" srcOrd="2" destOrd="0" parTransId="{A67D69A1-88C4-48BD-BD1D-5A051D395D3A}" sibTransId="{606BFAE6-3E97-4FDD-99B8-BF82F77215FE}"/>
+    <dgm:cxn modelId="{1710224D-FFA3-4271-B994-745911421038}" type="presOf" srcId="{762886AA-DB88-4925-99C1-9563BD7316F8}" destId="{E8351212-3A6B-49CE-B5EC-D77217A32BFA}" srcOrd="0" destOrd="0" presId="urn:microsoft.com/office/officeart/2005/8/layout/hierarchy5"/>
+    <dgm:cxn modelId="{E9689036-DF5D-4C22-8042-7B2B9152B01D}" type="presOf" srcId="{2C36EC94-0068-4479-8BB7-EB1D87F4A630}" destId="{14ED5812-5CDA-45D9-860C-E57EEB475FF8}" srcOrd="0" destOrd="0" presId="urn:microsoft.com/office/officeart/2005/8/layout/hierarchy5"/>
     <dgm:cxn modelId="{CE785B75-7074-4E0A-8DF3-9EA05E6CEEA6}" srcId="{2C36EC94-0068-4479-8BB7-EB1D87F4A630}" destId="{B2721FE7-7A20-4CE4-9164-6A38469E5E20}" srcOrd="2" destOrd="0" parTransId="{58BC884A-142A-4EEF-9FC8-CC0B8F1DF052}" sibTransId="{E8A8ECC8-DB9D-4839-BB97-08EDEA8E7C16}"/>
-    <dgm:cxn modelId="{14BC636E-0305-4651-982D-72160E041E27}" type="presOf" srcId="{D9FCCE53-9F31-4F19-9299-55FCF1B99927}" destId="{F1A85DA0-1AC2-4D45-86F9-C696DED5C861}" srcOrd="1" destOrd="0" presId="urn:microsoft.com/office/officeart/2009/3/layout/HorizontalOrganizationChart"/>
-    <dgm:cxn modelId="{6005C16A-3038-40EC-9F9E-5E4A97D2A379}" type="presOf" srcId="{82894191-B59F-48F4-80EF-48853235A85C}" destId="{13BB70B0-5D4D-4AF2-A30E-561CDBC24500}" srcOrd="0" destOrd="0" presId="urn:microsoft.com/office/officeart/2009/3/layout/HorizontalOrganizationChart"/>
+    <dgm:cxn modelId="{6809C52B-6948-4695-91BA-39A86705B5D9}" type="presOf" srcId="{53C6AA40-CD10-4251-83C5-924502AE77AB}" destId="{4C161E02-B1B2-4516-9474-FA1020EE878F}" srcOrd="0" destOrd="0" presId="urn:microsoft.com/office/officeart/2005/8/layout/hierarchy5"/>
+    <dgm:cxn modelId="{33F773A8-FF39-48E5-ACD4-5001E329A5D0}" srcId="{7FA5C735-9514-40F5-9888-D44FF5CF3E72}" destId="{12E17947-2E97-4D9D-8984-7223CE36EB82}" srcOrd="2" destOrd="0" parTransId="{14A28D02-5BE5-4D94-A5C4-42D049FE7F12}" sibTransId="{56A1386D-EF5F-4361-BD02-0194923614BA}"/>
+    <dgm:cxn modelId="{2D45C192-D7BB-4656-A8E5-AE1376C38874}" type="presOf" srcId="{79F1BEAC-F853-4493-B1E8-07B1CE0F9EAD}" destId="{7B35945B-ECBE-480C-8125-E29FCBC38067}" srcOrd="1" destOrd="0" presId="urn:microsoft.com/office/officeart/2005/8/layout/hierarchy5"/>
+    <dgm:cxn modelId="{3796F642-A284-4AC7-95F3-7D872AE54E12}" type="presOf" srcId="{86002A33-5D11-4E63-867C-10EB6B6B78CC}" destId="{24E54D4C-C7FA-4718-911B-27430E6369A1}" srcOrd="1" destOrd="0" presId="urn:microsoft.com/office/officeart/2005/8/layout/hierarchy5"/>
+    <dgm:cxn modelId="{8A022417-E0E6-4255-94BC-803602CCB4B1}" type="presOf" srcId="{44EDA945-72E9-40FD-9BAF-2F1FE7BBA483}" destId="{D3CB03B0-1027-46FB-9F5E-2422A122F540}" srcOrd="0" destOrd="0" presId="urn:microsoft.com/office/officeart/2005/8/layout/hierarchy5"/>
+    <dgm:cxn modelId="{A6756522-996F-4CE1-AC1D-3DB892BB88FD}" type="presOf" srcId="{46036771-6E01-4590-8F92-B7B5854941E8}" destId="{DFB100D3-81A2-4841-B387-02B5E7998CF7}" srcOrd="0" destOrd="0" presId="urn:microsoft.com/office/officeart/2005/8/layout/hierarchy5"/>
+    <dgm:cxn modelId="{CA475B54-70F7-4E9F-AAA5-23C8E1DA1823}" type="presOf" srcId="{A67D69A1-88C4-48BD-BD1D-5A051D395D3A}" destId="{5BED1CB9-BE2C-4025-9A9E-28BC97B5ADA8}" srcOrd="1" destOrd="0" presId="urn:microsoft.com/office/officeart/2005/8/layout/hierarchy5"/>
     <dgm:cxn modelId="{18361EA9-19AA-4B41-A332-13CDC29B492E}" srcId="{39DFFD8D-C245-4DBB-B529-2BF6D1CD3131}" destId="{2C54A090-43BA-4A0C-BF1A-2F3E07947523}" srcOrd="4" destOrd="0" parTransId="{451EA6D2-094D-40D7-873A-EA421158D77B}" sibTransId="{55AE6003-F1B5-46B5-BEEF-100218866E28}"/>
-    <dgm:cxn modelId="{815D423B-4CB9-4905-92C8-8F7148745B5A}" type="presOf" srcId="{39DFFD8D-C245-4DBB-B529-2BF6D1CD3131}" destId="{55C2893E-0B63-425A-BB47-BF94C18E857E}" srcOrd="0" destOrd="0" presId="urn:microsoft.com/office/officeart/2009/3/layout/HorizontalOrganizationChart"/>
-    <dgm:cxn modelId="{D8515F56-C72A-4BF9-BF10-A4D57BFDE9B0}" type="presOf" srcId="{79F1BEAC-F853-4493-B1E8-07B1CE0F9EAD}" destId="{5D594BE4-2701-4342-AF0D-5B79AB0B97CE}" srcOrd="0" destOrd="0" presId="urn:microsoft.com/office/officeart/2009/3/layout/HorizontalOrganizationChart"/>
-    <dgm:cxn modelId="{392C9310-5F4B-4229-A478-1B9771FAAEB2}" type="presOf" srcId="{82894191-B59F-48F4-80EF-48853235A85C}" destId="{5D863073-60FA-42F0-AFD7-8628316717FB}" srcOrd="1" destOrd="0" presId="urn:microsoft.com/office/officeart/2009/3/layout/HorizontalOrganizationChart"/>
-    <dgm:cxn modelId="{1C8C4592-BF96-43C0-AFB0-28E148D8EB16}" type="presOf" srcId="{D26CB297-D262-4CC5-9A8D-ACAFC2A5B1F0}" destId="{DCF90B2B-9D4F-4F8F-BD9D-866007EA7278}" srcOrd="0" destOrd="0" presId="urn:microsoft.com/office/officeart/2009/3/layout/HorizontalOrganizationChart"/>
-    <dgm:cxn modelId="{D70F229F-49C9-4D01-8A46-B4EF2DD5B2C2}" type="presOf" srcId="{DAEED446-168F-4B22-B341-97E6E5CF8165}" destId="{914E37DF-2F8D-44F8-8A90-362A0BC5D13C}" srcOrd="0" destOrd="0" presId="urn:microsoft.com/office/officeart/2009/3/layout/HorizontalOrganizationChart"/>
-    <dgm:cxn modelId="{1D590770-F915-4571-A2DB-87210EC95BBC}" type="presOf" srcId="{14C9A289-80CA-4069-B335-87512E4420E9}" destId="{D6F92C14-A39B-4E77-8B1F-40D0D9818D56}" srcOrd="0" destOrd="0" presId="urn:microsoft.com/office/officeart/2009/3/layout/HorizontalOrganizationChart"/>
-    <dgm:cxn modelId="{B2348F93-AA7E-439C-96B7-A4BF1AFC7914}" type="presOf" srcId="{762886AA-DB88-4925-99C1-9563BD7316F8}" destId="{07E4E327-D50C-4AA3-ABBC-EF91FF425EDF}" srcOrd="1" destOrd="0" presId="urn:microsoft.com/office/officeart/2009/3/layout/HorizontalOrganizationChart"/>
-    <dgm:cxn modelId="{2E44FCDA-E6CA-4D76-AB00-4072637E68D6}" type="presOf" srcId="{B7CF9243-6627-44A1-9FAB-4B72FF3EE2AC}" destId="{8063184D-364A-4E33-836A-32D1B7BD100F}" srcOrd="0" destOrd="0" presId="urn:microsoft.com/office/officeart/2009/3/layout/HorizontalOrganizationChart"/>
-    <dgm:cxn modelId="{F9B91E6B-FFE5-49D9-A164-087227CDCC17}" type="presOf" srcId="{44EDA945-72E9-40FD-9BAF-2F1FE7BBA483}" destId="{F8D2C4A0-68C0-4EED-BB0F-C753F0FBD437}" srcOrd="0" destOrd="0" presId="urn:microsoft.com/office/officeart/2009/3/layout/HorizontalOrganizationChart"/>
+    <dgm:cxn modelId="{9774B409-81C0-440B-99C6-B577BB55EA0B}" type="presOf" srcId="{7FA5C735-9514-40F5-9888-D44FF5CF3E72}" destId="{1C8F3354-9A52-4B74-8297-51160B305767}" srcOrd="0" destOrd="0" presId="urn:microsoft.com/office/officeart/2005/8/layout/hierarchy5"/>
+    <dgm:cxn modelId="{5173C0EE-5D8D-4C6A-BD70-25454637D05A}" type="presOf" srcId="{86002A33-5D11-4E63-867C-10EB6B6B78CC}" destId="{7C4F74D4-8813-4467-922D-58912BDBDC85}" srcOrd="0" destOrd="0" presId="urn:microsoft.com/office/officeart/2005/8/layout/hierarchy5"/>
+    <dgm:cxn modelId="{4BAAACAD-4129-420A-8A66-09239C16AB28}" type="presOf" srcId="{DAEED446-168F-4B22-B341-97E6E5CF8165}" destId="{C7A60226-1D9E-4007-B0F2-C2BD5A8EE03C}" srcOrd="1" destOrd="0" presId="urn:microsoft.com/office/officeart/2005/8/layout/hierarchy5"/>
+    <dgm:cxn modelId="{2BF54FA5-874F-4864-9F1C-B4F9BEF2A908}" type="presOf" srcId="{C8F3F2EA-7059-4C03-A81E-DEE5B1CE1C11}" destId="{E6A786C2-D11B-4200-BCE7-4AD68BACAF4E}" srcOrd="0" destOrd="0" presId="urn:microsoft.com/office/officeart/2005/8/layout/hierarchy5"/>
+    <dgm:cxn modelId="{07A96832-52B6-450D-A76D-3FEFB4ED4631}" type="presOf" srcId="{B7CF9243-6627-44A1-9FAB-4B72FF3EE2AC}" destId="{CB60E10B-0415-4CDC-BA12-7A1AA6D0FAF7}" srcOrd="0" destOrd="0" presId="urn:microsoft.com/office/officeart/2005/8/layout/hierarchy5"/>
+    <dgm:cxn modelId="{9185EEB1-AF31-48D9-A8BB-255C628D41EF}" type="presOf" srcId="{ACC65157-63D1-4EB4-B2D3-AF3B4971E259}" destId="{F96D4316-A747-4AFA-BEFF-D0A43863D540}" srcOrd="0" destOrd="0" presId="urn:microsoft.com/office/officeart/2005/8/layout/hierarchy5"/>
+    <dgm:cxn modelId="{E36115ED-5800-426D-9128-3813C577E76C}" type="presOf" srcId="{A899DEE4-19C1-4EA0-A519-647D8E611124}" destId="{C5C3702E-5B2B-49C6-B4D3-694D5EF8BA0F}" srcOrd="0" destOrd="0" presId="urn:microsoft.com/office/officeart/2005/8/layout/hierarchy5"/>
+    <dgm:cxn modelId="{A0519EBC-E13E-477E-B843-26A17636468E}" srcId="{B7CF9243-6627-44A1-9FAB-4B72FF3EE2AC}" destId="{7FA5C735-9514-40F5-9888-D44FF5CF3E72}" srcOrd="1" destOrd="0" parTransId="{46036771-6E01-4590-8F92-B7B5854941E8}" sibTransId="{D8D22B78-A722-4C23-A232-318ACBD53593}"/>
+    <dgm:cxn modelId="{D1969AB1-860E-4AF6-8C4C-9D66DE15B929}" type="presOf" srcId="{46036771-6E01-4590-8F92-B7B5854941E8}" destId="{CA84E49D-871D-4FEE-AD67-461BE0AB1569}" srcOrd="1" destOrd="0" presId="urn:microsoft.com/office/officeart/2005/8/layout/hierarchy5"/>
+    <dgm:cxn modelId="{68FB6973-BE3F-4F08-938A-32718EF14C8A}" type="presOf" srcId="{DAEED446-168F-4B22-B341-97E6E5CF8165}" destId="{A7576431-FADA-4C62-8A3A-274A89B766F9}" srcOrd="0" destOrd="0" presId="urn:microsoft.com/office/officeart/2005/8/layout/hierarchy5"/>
+    <dgm:cxn modelId="{5BC7BEAC-4A54-4D8B-B8A0-C4A32CB0C3A6}" type="presOf" srcId="{D26CB297-D262-4CC5-9A8D-ACAFC2A5B1F0}" destId="{4CA13BFE-955B-4177-A0F7-E9A3FC9085C7}" srcOrd="0" destOrd="0" presId="urn:microsoft.com/office/officeart/2005/8/layout/hierarchy5"/>
     <dgm:cxn modelId="{5ADBA43E-9339-4EEF-BF76-C920B488ADC7}" srcId="{39DFFD8D-C245-4DBB-B529-2BF6D1CD3131}" destId="{2C36EC94-0068-4479-8BB7-EB1D87F4A630}" srcOrd="1" destOrd="0" parTransId="{79F1BEAC-F853-4493-B1E8-07B1CE0F9EAD}" sibTransId="{077DACC0-808B-4143-BB65-13C1954165EA}"/>
-    <dgm:cxn modelId="{935D54C0-FB64-4EC5-A3A1-481BFBC4964F}" srcId="{B7CF9243-6627-44A1-9FAB-4B72FF3EE2AC}" destId="{D26CB297-D262-4CC5-9A8D-ACAFC2A5B1F0}" srcOrd="1" destOrd="0" parTransId="{DAEED446-168F-4B22-B341-97E6E5CF8165}" sibTransId="{0F46FA0F-8F1F-4545-BCC4-164DA0836F68}"/>
-    <dgm:cxn modelId="{EBA8A866-1F9A-4DAB-8764-C8156817BAA1}" type="presOf" srcId="{C8F3F2EA-7059-4C03-A81E-DEE5B1CE1C11}" destId="{4FFCADDF-4DEF-4003-9783-B0DAC96B4229}" srcOrd="0" destOrd="0" presId="urn:microsoft.com/office/officeart/2009/3/layout/HorizontalOrganizationChart"/>
-    <dgm:cxn modelId="{A37CE155-D7CB-464C-847B-E3691786F8EC}" type="presOf" srcId="{58BC884A-142A-4EEF-9FC8-CC0B8F1DF052}" destId="{047DF2D4-F60D-4A9C-A399-3706F9A9FE0D}" srcOrd="0" destOrd="0" presId="urn:microsoft.com/office/officeart/2009/3/layout/HorizontalOrganizationChart"/>
-    <dgm:cxn modelId="{C790729E-F924-4111-A5B0-0C08365CC19A}" type="presOf" srcId="{B512FE59-57E2-4855-8910-E52EA291DB9D}" destId="{77693F97-6529-485D-9E4D-8ACAA6EA84A9}" srcOrd="0" destOrd="0" presId="urn:microsoft.com/office/officeart/2009/3/layout/HorizontalOrganizationChart"/>
-    <dgm:cxn modelId="{9CA6473D-6BDF-4082-AEDF-60215BD2DF5D}" type="presOf" srcId="{3308A852-FF8D-48D3-A423-B1C9D4D33628}" destId="{F8F5DA83-C835-41BB-A5D0-83323D6159E4}" srcOrd="0" destOrd="0" presId="urn:microsoft.com/office/officeart/2009/3/layout/HorizontalOrganizationChart"/>
-    <dgm:cxn modelId="{D04B6761-B1EF-473E-BA5A-A14BE6AC66C4}" type="presOf" srcId="{5EBDB6F1-58FE-46F6-944D-2A9629ACB58E}" destId="{E56F035E-8417-44AF-A5E5-7A20BD30CE2E}" srcOrd="0" destOrd="0" presId="urn:microsoft.com/office/officeart/2009/3/layout/HorizontalOrganizationChart"/>
+    <dgm:cxn modelId="{BBBFD91C-5039-4CE2-9C13-5E82997B1B75}" type="presOf" srcId="{2ABF4815-FEDE-4BF8-AEAC-2FEE3E971CA7}" destId="{6F00B833-0239-4F34-863B-3E96EC842E8F}" srcOrd="1" destOrd="0" presId="urn:microsoft.com/office/officeart/2005/8/layout/hierarchy5"/>
+    <dgm:cxn modelId="{935D54C0-FB64-4EC5-A3A1-481BFBC4964F}" srcId="{75855875-986C-4EFF-BFEF-B440071A1576}" destId="{D26CB297-D262-4CC5-9A8D-ACAFC2A5B1F0}" srcOrd="1" destOrd="0" parTransId="{DAEED446-168F-4B22-B341-97E6E5CF8165}" sibTransId="{0F46FA0F-8F1F-4545-BCC4-164DA0836F68}"/>
+    <dgm:cxn modelId="{9F546948-3381-4CCC-AF48-5AFAEAEC521E}" type="presOf" srcId="{E3186C36-A20A-476F-88ED-2F4E489B42C2}" destId="{303ECFB9-7750-44CB-AEB1-538A2C233E84}" srcOrd="0" destOrd="0" presId="urn:microsoft.com/office/officeart/2005/8/layout/hierarchy5"/>
+    <dgm:cxn modelId="{F97646DA-319B-4797-91E8-B6B76F624789}" type="presOf" srcId="{6A6FD7E5-A453-460E-8628-3F99617D1A6B}" destId="{D0AF2088-4643-47C1-8234-9A2EB659FC54}" srcOrd="0" destOrd="0" presId="urn:microsoft.com/office/officeart/2005/8/layout/hierarchy5"/>
+    <dgm:cxn modelId="{1469AAF7-F58D-41C2-A8AF-A44270B43254}" type="presOf" srcId="{2C54A090-43BA-4A0C-BF1A-2F3E07947523}" destId="{D746E41F-F5D4-46C0-8188-63CA1BF1C131}" srcOrd="0" destOrd="0" presId="urn:microsoft.com/office/officeart/2005/8/layout/hierarchy5"/>
+    <dgm:cxn modelId="{8C2F5CAA-AA2A-4C77-BF0A-26B0BD4835F1}" type="presOf" srcId="{2ABF4815-FEDE-4BF8-AEAC-2FEE3E971CA7}" destId="{34DDF560-6762-4D37-92E7-A0BDA8D7A4B2}" srcOrd="0" destOrd="0" presId="urn:microsoft.com/office/officeart/2005/8/layout/hierarchy5"/>
+    <dgm:cxn modelId="{81AEE7C3-7E0C-4EC0-AB22-639BB14D638A}" type="presOf" srcId="{E3186C36-A20A-476F-88ED-2F4E489B42C2}" destId="{081758E9-814C-4286-873F-810CAE631E40}" srcOrd="1" destOrd="0" presId="urn:microsoft.com/office/officeart/2005/8/layout/hierarchy5"/>
     <dgm:cxn modelId="{E4DE55E3-5593-47F7-B557-67CD5CEE73F1}" srcId="{39DFFD8D-C245-4DBB-B529-2BF6D1CD3131}" destId="{14C9A289-80CA-4069-B335-87512E4420E9}" srcOrd="3" destOrd="0" parTransId="{0E70462D-83B3-4E2A-BF88-78C23F4C0D5B}" sibTransId="{FD5BAE56-D95E-4667-AC42-332A624557EC}"/>
+    <dgm:cxn modelId="{DDD12D68-9620-42A7-A5C9-ED4198ABE1AE}" type="presOf" srcId="{0E70462D-83B3-4E2A-BF88-78C23F4C0D5B}" destId="{4841A176-3A15-4DA5-B2B7-CC0B3101BC21}" srcOrd="0" destOrd="0" presId="urn:microsoft.com/office/officeart/2005/8/layout/hierarchy5"/>
     <dgm:cxn modelId="{EB6776D7-3F85-412C-82E8-14456BA75C85}" srcId="{2C36EC94-0068-4479-8BB7-EB1D87F4A630}" destId="{82894191-B59F-48F4-80EF-48853235A85C}" srcOrd="0" destOrd="0" parTransId="{6A6FD7E5-A453-460E-8628-3F99617D1A6B}" sibTransId="{45A47EFD-4813-4E7F-89A2-4ED7B69A8436}"/>
-    <dgm:cxn modelId="{305012F7-D4EB-4BC2-8B8F-E8306047847E}" type="presOf" srcId="{E3186C36-A20A-476F-88ED-2F4E489B42C2}" destId="{89BB0E75-DD63-4E1E-AA81-8A18D82CE3B6}" srcOrd="0" destOrd="0" presId="urn:microsoft.com/office/officeart/2009/3/layout/HorizontalOrganizationChart"/>
+    <dgm:cxn modelId="{E3714146-0533-4096-97C0-0C671C77081C}" type="presOf" srcId="{F4BD8484-48A1-4DE3-BE8D-D879FAD8D09E}" destId="{9194BFAA-FCF3-455F-94B9-6783DE64A2A2}" srcOrd="0" destOrd="0" presId="urn:microsoft.com/office/officeart/2005/8/layout/hierarchy5"/>
     <dgm:cxn modelId="{57254B98-E2C1-4594-8163-CC87F60198C9}" srcId="{2C36EC94-0068-4479-8BB7-EB1D87F4A630}" destId="{5EBDB6F1-58FE-46F6-944D-2A9629ACB58E}" srcOrd="3" destOrd="0" parTransId="{86002A33-5D11-4E63-867C-10EB6B6B78CC}" sibTransId="{495EFD3F-EFED-4813-817E-D689B2AB762B}"/>
+    <dgm:cxn modelId="{6D4CB804-7042-41E2-BC82-1CB5E8357B05}" srcId="{7FA5C735-9514-40F5-9888-D44FF5CF3E72}" destId="{7B070A8A-362D-4C89-87DA-46F7A6ECA120}" srcOrd="0" destOrd="0" parTransId="{2ABF4815-FEDE-4BF8-AEAC-2FEE3E971CA7}" sibTransId="{33629810-C570-452B-B1F3-F340AD09475C}"/>
+    <dgm:cxn modelId="{215500F6-60B4-47C6-B43B-E8770D29AA27}" type="presOf" srcId="{7B070A8A-362D-4C89-87DA-46F7A6ECA120}" destId="{A2AE73AE-8FAC-45BE-9E44-2CEC6CB87B45}" srcOrd="0" destOrd="0" presId="urn:microsoft.com/office/officeart/2005/8/layout/hierarchy5"/>
+    <dgm:cxn modelId="{DD099682-9C0E-41C4-9B99-070022860BC1}" type="presOf" srcId="{451EA6D2-094D-40D7-873A-EA421158D77B}" destId="{B0EB042C-6E04-4AB3-99A2-CE0B443F2471}" srcOrd="1" destOrd="0" presId="urn:microsoft.com/office/officeart/2005/8/layout/hierarchy5"/>
+    <dgm:cxn modelId="{8D6373F0-C19B-4BDB-9073-08BFB8EC888B}" type="presOf" srcId="{3308A852-FF8D-48D3-A423-B1C9D4D33628}" destId="{6FB218B6-6466-4155-AC7A-D7D18DD81040}" srcOrd="0" destOrd="0" presId="urn:microsoft.com/office/officeart/2005/8/layout/hierarchy5"/>
+    <dgm:cxn modelId="{3A87D447-AF6F-4447-8EC4-A3A9649F6A26}" type="presOf" srcId="{B2721FE7-7A20-4CE4-9164-6A38469E5E20}" destId="{B15797B0-9C3D-417A-A75B-FDAB0672D8AD}" srcOrd="0" destOrd="0" presId="urn:microsoft.com/office/officeart/2005/8/layout/hierarchy5"/>
+    <dgm:cxn modelId="{0EF7778D-82A7-4115-BB45-5CD4D42F3790}" type="presOf" srcId="{7C14353A-35F0-44F8-9E4B-53CC893E0BE5}" destId="{1D3C08BF-2720-4F5C-911C-B2BC9FB74D30}" srcOrd="0" destOrd="0" presId="urn:microsoft.com/office/officeart/2005/8/layout/hierarchy5"/>
     <dgm:cxn modelId="{5BF02947-5D45-498B-B620-187855D1548F}" srcId="{F4BD8484-48A1-4DE3-BE8D-D879FAD8D09E}" destId="{39DFFD8D-C245-4DBB-B529-2BF6D1CD3131}" srcOrd="0" destOrd="0" parTransId="{AD20E2A7-0E43-4DF6-8277-9584D8C1CDA0}" sibTransId="{28CDB95F-04DB-44B3-BCB5-6A0FA6D9B4E8}"/>
-    <dgm:cxn modelId="{5D05F558-6447-4A70-9A59-97EE315B21D4}" type="presOf" srcId="{39DFFD8D-C245-4DBB-B529-2BF6D1CD3131}" destId="{70E7936E-EF0D-4366-8C10-28C834139D35}" srcOrd="1" destOrd="0" presId="urn:microsoft.com/office/officeart/2009/3/layout/HorizontalOrganizationChart"/>
+    <dgm:cxn modelId="{3F6667C8-CC55-42F3-BEC8-106D4F628E38}" type="presOf" srcId="{FAC15F60-5357-41E4-9FD4-C75B221A68D5}" destId="{F14100D3-AF2D-4C55-ACFC-7E3D26C366E2}" srcOrd="0" destOrd="0" presId="urn:microsoft.com/office/officeart/2005/8/layout/hierarchy5"/>
+    <dgm:cxn modelId="{35C0F9A6-A4A5-4CB2-8643-2CA7F072AF2C}" type="presOf" srcId="{A899DEE4-19C1-4EA0-A519-647D8E611124}" destId="{85A36EC5-21E7-4287-B323-24EDADD570AE}" srcOrd="1" destOrd="0" presId="urn:microsoft.com/office/officeart/2005/8/layout/hierarchy5"/>
+    <dgm:cxn modelId="{50FAD2C8-9C07-4753-BA36-10F93DB6AD8F}" type="presOf" srcId="{D9FCCE53-9F31-4F19-9299-55FCF1B99927}" destId="{D07A12A9-E37E-41E2-ABA7-1C63E55FEEDB}" srcOrd="0" destOrd="0" presId="urn:microsoft.com/office/officeart/2005/8/layout/hierarchy5"/>
+    <dgm:cxn modelId="{861D2A8B-61FA-4597-80FE-B42AC9C6A4CF}" type="presOf" srcId="{14C9A289-80CA-4069-B335-87512E4420E9}" destId="{B2B8C3E1-4BBB-417F-82D5-22D109F3B63D}" srcOrd="0" destOrd="0" presId="urn:microsoft.com/office/officeart/2005/8/layout/hierarchy5"/>
+    <dgm:cxn modelId="{04E4AAC3-94C1-4E64-9AC8-BCE3D77EBA36}" srcId="{B7CF9243-6627-44A1-9FAB-4B72FF3EE2AC}" destId="{75855875-986C-4EFF-BFEF-B440071A1576}" srcOrd="0" destOrd="0" parTransId="{FAC15F60-5357-41E4-9FD4-C75B221A68D5}" sibTransId="{6E9EBD36-84FA-4389-9A36-16C84B818697}"/>
     <dgm:cxn modelId="{5AC703BD-B98D-4002-8526-114454FE4836}" srcId="{2C36EC94-0068-4479-8BB7-EB1D87F4A630}" destId="{B512FE59-57E2-4855-8910-E52EA291DB9D}" srcOrd="1" destOrd="0" parTransId="{3308A852-FF8D-48D3-A423-B1C9D4D33628}" sibTransId="{215CE314-9720-4794-A63C-8ECA87D47770}"/>
-    <dgm:cxn modelId="{C6451CDB-6393-464D-A235-B9567267A1D2}" type="presOf" srcId="{D9FCCE53-9F31-4F19-9299-55FCF1B99927}" destId="{8640EAD1-C455-45F4-934E-6D0E11CC0C70}" srcOrd="0" destOrd="0" presId="urn:microsoft.com/office/officeart/2009/3/layout/HorizontalOrganizationChart"/>
-    <dgm:cxn modelId="{7CC09964-A265-43D6-83E3-84346FA3D43E}" type="presOf" srcId="{C8F3F2EA-7059-4C03-A81E-DEE5B1CE1C11}" destId="{B98AAF02-17D7-4CDD-AA1F-68621D17A234}" srcOrd="1" destOrd="0" presId="urn:microsoft.com/office/officeart/2009/3/layout/HorizontalOrganizationChart"/>
-    <dgm:cxn modelId="{B6A49983-38C7-4AD3-BBDB-A8CDA278FAE5}" type="presOf" srcId="{2C36EC94-0068-4479-8BB7-EB1D87F4A630}" destId="{BB70072E-641D-4565-833D-E5A5C38EBEFF}" srcOrd="1" destOrd="0" presId="urn:microsoft.com/office/officeart/2009/3/layout/HorizontalOrganizationChart"/>
-    <dgm:cxn modelId="{4157F502-6F1B-4393-90C4-005213704102}" type="presOf" srcId="{5EBDB6F1-58FE-46F6-944D-2A9629ACB58E}" destId="{B7CE2A61-B232-41B7-A00D-BB3A37B5B506}" srcOrd="1" destOrd="0" presId="urn:microsoft.com/office/officeart/2009/3/layout/HorizontalOrganizationChart"/>
-    <dgm:cxn modelId="{9AC06484-2F42-4A09-A5E1-2905552123CA}" type="presOf" srcId="{B2721FE7-7A20-4CE4-9164-6A38469E5E20}" destId="{DDED89CD-A8EE-4C7C-B791-24AED972CEF7}" srcOrd="1" destOrd="0" presId="urn:microsoft.com/office/officeart/2009/3/layout/HorizontalOrganizationChart"/>
-    <dgm:cxn modelId="{8CCCA756-AF70-45A5-88AB-957C5EE72D7F}" type="presOf" srcId="{A899DEE4-19C1-4EA0-A519-647D8E611124}" destId="{E3B69848-DE76-4B30-88B6-1A079031884C}" srcOrd="0" destOrd="0" presId="urn:microsoft.com/office/officeart/2009/3/layout/HorizontalOrganizationChart"/>
-    <dgm:cxn modelId="{3E5C1987-AFD9-4432-A325-61C6498002E3}" type="presOf" srcId="{7C14353A-35F0-44F8-9E4B-53CC893E0BE5}" destId="{3D681F3E-26FE-4DF7-9633-5CE4F7E82E0D}" srcOrd="0" destOrd="0" presId="urn:microsoft.com/office/officeart/2009/3/layout/HorizontalOrganizationChart"/>
+    <dgm:cxn modelId="{B5F99C0C-8382-4B1A-B445-1728A645B711}" type="presOf" srcId="{C007623E-DD32-427D-9C56-5144B4781206}" destId="{55256D5D-7773-440E-AD57-EFD367D65297}" srcOrd="0" destOrd="0" presId="urn:microsoft.com/office/officeart/2005/8/layout/hierarchy5"/>
+    <dgm:cxn modelId="{E88A382C-8681-4129-80D8-7C1C3342607D}" type="presOf" srcId="{FAC15F60-5357-41E4-9FD4-C75B221A68D5}" destId="{84A4EE3F-CCD6-44C2-B2EF-087722AD1FFD}" srcOrd="1" destOrd="0" presId="urn:microsoft.com/office/officeart/2005/8/layout/hierarchy5"/>
+    <dgm:cxn modelId="{297A69BD-CCA7-424E-A2F6-F1968E7EB023}" type="presOf" srcId="{79F1BEAC-F853-4493-B1E8-07B1CE0F9EAD}" destId="{2A74444A-84EA-47A7-A74E-E268217ABFD8}" srcOrd="0" destOrd="0" presId="urn:microsoft.com/office/officeart/2005/8/layout/hierarchy5"/>
+    <dgm:cxn modelId="{FDC00A66-DB09-4FF2-B49A-725B2C099178}" type="presOf" srcId="{3308A852-FF8D-48D3-A423-B1C9D4D33628}" destId="{CA0FA190-4EFA-4DD5-A928-F3E515175209}" srcOrd="1" destOrd="0" presId="urn:microsoft.com/office/officeart/2005/8/layout/hierarchy5"/>
+    <dgm:cxn modelId="{7249082A-1D3F-4439-9A29-8F59C449A5E7}" srcId="{7FA5C735-9514-40F5-9888-D44FF5CF3E72}" destId="{B4E0F2A9-6D0F-4A0D-9811-1E78FC1189EF}" srcOrd="1" destOrd="0" parTransId="{ACC65157-63D1-4EB4-B2D3-AF3B4971E259}" sibTransId="{F15E9B9B-BD30-4AAF-85A1-0085769C310D}"/>
+    <dgm:cxn modelId="{E27F5C54-CEDA-445E-B3CB-200E5B6D20B6}" type="presOf" srcId="{14A28D02-5BE5-4D94-A5C4-42D049FE7F12}" destId="{1F3E2C37-F3DA-4B7B-B432-51221861F80A}" srcOrd="0" destOrd="0" presId="urn:microsoft.com/office/officeart/2005/8/layout/hierarchy5"/>
+    <dgm:cxn modelId="{4635D682-DBF9-4192-B183-38912A7000D4}" type="presOf" srcId="{6A6FD7E5-A453-460E-8628-3F99617D1A6B}" destId="{E99BBE15-374E-45D9-BC86-8DEF39BEFAF4}" srcOrd="1" destOrd="0" presId="urn:microsoft.com/office/officeart/2005/8/layout/hierarchy5"/>
+    <dgm:cxn modelId="{5F041956-29F3-46D2-A88C-5AE54D6ACD16}" type="presOf" srcId="{58BC884A-142A-4EEF-9FC8-CC0B8F1DF052}" destId="{2716C842-40B6-47AD-9DE3-D07361626387}" srcOrd="1" destOrd="0" presId="urn:microsoft.com/office/officeart/2005/8/layout/hierarchy5"/>
     <dgm:cxn modelId="{56A670CD-8FCB-4AE9-87C5-7ED7F8DE9CD5}" srcId="{39DFFD8D-C245-4DBB-B529-2BF6D1CD3131}" destId="{762886AA-DB88-4925-99C1-9563BD7316F8}" srcOrd="2" destOrd="0" parTransId="{E3186C36-A20A-476F-88ED-2F4E489B42C2}" sibTransId="{F7946714-7FC9-471D-9748-2833856606F4}"/>
-    <dgm:cxn modelId="{24B68227-9025-4EF1-8A63-8E0B934D8360}" type="presOf" srcId="{D26CB297-D262-4CC5-9A8D-ACAFC2A5B1F0}" destId="{41CCE200-7D9B-4643-A593-4752DD28E365}" srcOrd="1" destOrd="0" presId="urn:microsoft.com/office/officeart/2009/3/layout/HorizontalOrganizationChart"/>
-    <dgm:cxn modelId="{171AB187-D0DA-4DB0-8681-58209E5F2115}" type="presParOf" srcId="{B20634C1-DCC1-4A8D-A964-5688DA7096F9}" destId="{F43E2331-77FC-4F36-A06B-9838345293C5}" srcOrd="0" destOrd="0" presId="urn:microsoft.com/office/officeart/2009/3/layout/HorizontalOrganizationChart"/>
-    <dgm:cxn modelId="{3FA667AB-296F-4AA7-A384-EC20372ADA40}" type="presParOf" srcId="{F43E2331-77FC-4F36-A06B-9838345293C5}" destId="{5F8E48F5-EBDB-4CDE-B049-F86814FE4E2C}" srcOrd="0" destOrd="0" presId="urn:microsoft.com/office/officeart/2009/3/layout/HorizontalOrganizationChart"/>
-    <dgm:cxn modelId="{0FD41C1F-91F2-4DF0-A1F6-9A4401FDCAD5}" type="presParOf" srcId="{5F8E48F5-EBDB-4CDE-B049-F86814FE4E2C}" destId="{55C2893E-0B63-425A-BB47-BF94C18E857E}" srcOrd="0" destOrd="0" presId="urn:microsoft.com/office/officeart/2009/3/layout/HorizontalOrganizationChart"/>
-    <dgm:cxn modelId="{E17CF25F-38CC-49DE-97C3-E10CD670D6E5}" type="presParOf" srcId="{5F8E48F5-EBDB-4CDE-B049-F86814FE4E2C}" destId="{70E7936E-EF0D-4366-8C10-28C834139D35}" srcOrd="1" destOrd="0" presId="urn:microsoft.com/office/officeart/2009/3/layout/HorizontalOrganizationChart"/>
-    <dgm:cxn modelId="{BAF4B2A9-7596-4826-9247-5D473F3685AC}" type="presParOf" srcId="{F43E2331-77FC-4F36-A06B-9838345293C5}" destId="{D1FF5537-F5F0-45FB-B26D-C44C8B313D30}" srcOrd="1" destOrd="0" presId="urn:microsoft.com/office/officeart/2009/3/layout/HorizontalOrganizationChart"/>
-    <dgm:cxn modelId="{67254D95-118C-4568-B863-D5CC6E255A34}" type="presParOf" srcId="{D1FF5537-F5F0-45FB-B26D-C44C8B313D30}" destId="{F8D2C4A0-68C0-4EED-BB0F-C753F0FBD437}" srcOrd="0" destOrd="0" presId="urn:microsoft.com/office/officeart/2009/3/layout/HorizontalOrganizationChart"/>
-    <dgm:cxn modelId="{B09C3968-5972-4F92-AE3E-3E7A3DB1564C}" type="presParOf" srcId="{D1FF5537-F5F0-45FB-B26D-C44C8B313D30}" destId="{8200B3DA-E3C7-419F-BCDD-FBCC356CB21F}" srcOrd="1" destOrd="0" presId="urn:microsoft.com/office/officeart/2009/3/layout/HorizontalOrganizationChart"/>
-    <dgm:cxn modelId="{BDD5F529-F385-4EBE-A369-1C0B4C166C09}" type="presParOf" srcId="{8200B3DA-E3C7-419F-BCDD-FBCC356CB21F}" destId="{48A8B28B-C050-4989-9763-0D84117C467C}" srcOrd="0" destOrd="0" presId="urn:microsoft.com/office/officeart/2009/3/layout/HorizontalOrganizationChart"/>
-    <dgm:cxn modelId="{6CD46F61-1166-4D97-BD35-989F41342590}" type="presParOf" srcId="{48A8B28B-C050-4989-9763-0D84117C467C}" destId="{8063184D-364A-4E33-836A-32D1B7BD100F}" srcOrd="0" destOrd="0" presId="urn:microsoft.com/office/officeart/2009/3/layout/HorizontalOrganizationChart"/>
-    <dgm:cxn modelId="{626A554E-CA08-4CE5-8F07-44E27E0300A0}" type="presParOf" srcId="{48A8B28B-C050-4989-9763-0D84117C467C}" destId="{BBC2F6AD-B741-4E9B-B573-1EB264AF2972}" srcOrd="1" destOrd="0" presId="urn:microsoft.com/office/officeart/2009/3/layout/HorizontalOrganizationChart"/>
-    <dgm:cxn modelId="{5D506B58-9539-408A-83B2-19616C815B12}" type="presParOf" srcId="{8200B3DA-E3C7-419F-BCDD-FBCC356CB21F}" destId="{2CF9D276-D528-4F2B-A63B-FB59AD831737}" srcOrd="1" destOrd="0" presId="urn:microsoft.com/office/officeart/2009/3/layout/HorizontalOrganizationChart"/>
-    <dgm:cxn modelId="{21BA2ABD-2E91-47DE-9AE2-741C131D5DBA}" type="presParOf" srcId="{2CF9D276-D528-4F2B-A63B-FB59AD831737}" destId="{3D681F3E-26FE-4DF7-9633-5CE4F7E82E0D}" srcOrd="0" destOrd="0" presId="urn:microsoft.com/office/officeart/2009/3/layout/HorizontalOrganizationChart"/>
-    <dgm:cxn modelId="{5BAA4A67-C060-4142-A700-FBF689D37A7F}" type="presParOf" srcId="{2CF9D276-D528-4F2B-A63B-FB59AD831737}" destId="{5501EF01-49E8-4CE4-8729-63A7B21E4875}" srcOrd="1" destOrd="0" presId="urn:microsoft.com/office/officeart/2009/3/layout/HorizontalOrganizationChart"/>
-    <dgm:cxn modelId="{90F8836D-9D01-4354-971A-482454EF13B0}" type="presParOf" srcId="{5501EF01-49E8-4CE4-8729-63A7B21E4875}" destId="{DEE1B802-51DC-4F64-B4DF-5CC9A4D0E273}" srcOrd="0" destOrd="0" presId="urn:microsoft.com/office/officeart/2009/3/layout/HorizontalOrganizationChart"/>
-    <dgm:cxn modelId="{3C667C04-2967-45C9-B75D-DA8C5C0B52A8}" type="presParOf" srcId="{DEE1B802-51DC-4F64-B4DF-5CC9A4D0E273}" destId="{4FFCADDF-4DEF-4003-9783-B0DAC96B4229}" srcOrd="0" destOrd="0" presId="urn:microsoft.com/office/officeart/2009/3/layout/HorizontalOrganizationChart"/>
-    <dgm:cxn modelId="{74A1A526-F004-4933-9714-D8BCDB1B5B58}" type="presParOf" srcId="{DEE1B802-51DC-4F64-B4DF-5CC9A4D0E273}" destId="{B98AAF02-17D7-4CDD-AA1F-68621D17A234}" srcOrd="1" destOrd="0" presId="urn:microsoft.com/office/officeart/2009/3/layout/HorizontalOrganizationChart"/>
-    <dgm:cxn modelId="{4EBDD19D-F646-4369-8E0D-83940AEDECB0}" type="presParOf" srcId="{5501EF01-49E8-4CE4-8729-63A7B21E4875}" destId="{B308BF7C-EC04-4E76-A3A1-2618F2A54071}" srcOrd="1" destOrd="0" presId="urn:microsoft.com/office/officeart/2009/3/layout/HorizontalOrganizationChart"/>
-    <dgm:cxn modelId="{FED41408-B5C5-4A3D-949A-72C734C431B8}" type="presParOf" srcId="{5501EF01-49E8-4CE4-8729-63A7B21E4875}" destId="{6976DF7C-39EC-4129-8E7F-2E513B9E5121}" srcOrd="2" destOrd="0" presId="urn:microsoft.com/office/officeart/2009/3/layout/HorizontalOrganizationChart"/>
-    <dgm:cxn modelId="{5464B397-ADA6-4541-B6AE-984B9E98AB5B}" type="presParOf" srcId="{2CF9D276-D528-4F2B-A63B-FB59AD831737}" destId="{914E37DF-2F8D-44F8-8A90-362A0BC5D13C}" srcOrd="2" destOrd="0" presId="urn:microsoft.com/office/officeart/2009/3/layout/HorizontalOrganizationChart"/>
-    <dgm:cxn modelId="{ED625777-A221-4E05-9815-A0B230C6CE49}" type="presParOf" srcId="{2CF9D276-D528-4F2B-A63B-FB59AD831737}" destId="{D2D91073-2834-4F9C-A92D-9E8CDB81B42E}" srcOrd="3" destOrd="0" presId="urn:microsoft.com/office/officeart/2009/3/layout/HorizontalOrganizationChart"/>
-    <dgm:cxn modelId="{513D3255-85B1-4A2A-90AC-FC89FBC6E400}" type="presParOf" srcId="{D2D91073-2834-4F9C-A92D-9E8CDB81B42E}" destId="{CA0BF5A0-B06B-40ED-881D-F6C1F7D8923A}" srcOrd="0" destOrd="0" presId="urn:microsoft.com/office/officeart/2009/3/layout/HorizontalOrganizationChart"/>
-    <dgm:cxn modelId="{4640B6E1-F5C0-4A22-B570-92E51C3C2FA4}" type="presParOf" srcId="{CA0BF5A0-B06B-40ED-881D-F6C1F7D8923A}" destId="{DCF90B2B-9D4F-4F8F-BD9D-866007EA7278}" srcOrd="0" destOrd="0" presId="urn:microsoft.com/office/officeart/2009/3/layout/HorizontalOrganizationChart"/>
-    <dgm:cxn modelId="{06AA7BA3-9B00-4AE2-8BAA-E10E1725A887}" type="presParOf" srcId="{CA0BF5A0-B06B-40ED-881D-F6C1F7D8923A}" destId="{41CCE200-7D9B-4643-A593-4752DD28E365}" srcOrd="1" destOrd="0" presId="urn:microsoft.com/office/officeart/2009/3/layout/HorizontalOrganizationChart"/>
-    <dgm:cxn modelId="{4E3228E5-B0CB-4B30-A4E5-87FDDE1BF994}" type="presParOf" srcId="{D2D91073-2834-4F9C-A92D-9E8CDB81B42E}" destId="{DF2C1D01-60EC-4D15-ADF7-978369420A69}" srcOrd="1" destOrd="0" presId="urn:microsoft.com/office/officeart/2009/3/layout/HorizontalOrganizationChart"/>
-    <dgm:cxn modelId="{44639379-E130-4CF2-800B-6EDB4118637C}" type="presParOf" srcId="{D2D91073-2834-4F9C-A92D-9E8CDB81B42E}" destId="{84D5D1C0-4062-42D8-A699-149D4BDB19B2}" srcOrd="2" destOrd="0" presId="urn:microsoft.com/office/officeart/2009/3/layout/HorizontalOrganizationChart"/>
-    <dgm:cxn modelId="{D944D982-6598-472D-A006-FA00FBE3AE2A}" type="presParOf" srcId="{2CF9D276-D528-4F2B-A63B-FB59AD831737}" destId="{169B290F-E846-4835-9854-6768376DA6DA}" srcOrd="4" destOrd="0" presId="urn:microsoft.com/office/officeart/2009/3/layout/HorizontalOrganizationChart"/>
-    <dgm:cxn modelId="{3B08E61D-3359-4B87-B0BB-D70E5CA60622}" type="presParOf" srcId="{2CF9D276-D528-4F2B-A63B-FB59AD831737}" destId="{F74385FB-C75B-4328-BB12-95094993361C}" srcOrd="5" destOrd="0" presId="urn:microsoft.com/office/officeart/2009/3/layout/HorizontalOrganizationChart"/>
-    <dgm:cxn modelId="{EF342527-9EB1-4B17-B2A3-D3916B5F3D27}" type="presParOf" srcId="{F74385FB-C75B-4328-BB12-95094993361C}" destId="{838E112C-DBFB-47AC-94FB-2782DB484B0D}" srcOrd="0" destOrd="0" presId="urn:microsoft.com/office/officeart/2009/3/layout/HorizontalOrganizationChart"/>
-    <dgm:cxn modelId="{6F0CB885-403F-4E16-9DF2-8A1CF034088D}" type="presParOf" srcId="{838E112C-DBFB-47AC-94FB-2782DB484B0D}" destId="{2B8057A4-4D8C-48DD-A64D-5B00015F1D8A}" srcOrd="0" destOrd="0" presId="urn:microsoft.com/office/officeart/2009/3/layout/HorizontalOrganizationChart"/>
-    <dgm:cxn modelId="{3FF280DB-BCEF-46E6-BDF0-1A059C117260}" type="presParOf" srcId="{838E112C-DBFB-47AC-94FB-2782DB484B0D}" destId="{714EFDE0-32F0-4A46-BA4D-23DE4EAFCAC1}" srcOrd="1" destOrd="0" presId="urn:microsoft.com/office/officeart/2009/3/layout/HorizontalOrganizationChart"/>
-    <dgm:cxn modelId="{86EC5D21-ECEA-48B5-87C0-AFC346B6870E}" type="presParOf" srcId="{F74385FB-C75B-4328-BB12-95094993361C}" destId="{735DF6DB-E08F-49F9-B204-0A5974A22206}" srcOrd="1" destOrd="0" presId="urn:microsoft.com/office/officeart/2009/3/layout/HorizontalOrganizationChart"/>
-    <dgm:cxn modelId="{15E04072-2C9E-4DBC-8564-FA5D6B1F3C38}" type="presParOf" srcId="{F74385FB-C75B-4328-BB12-95094993361C}" destId="{AE61AC13-CE00-486A-A85D-91819DB0B823}" srcOrd="2" destOrd="0" presId="urn:microsoft.com/office/officeart/2009/3/layout/HorizontalOrganizationChart"/>
-    <dgm:cxn modelId="{312D9524-24E8-4D8E-8417-B7884D177DAD}" type="presParOf" srcId="{2CF9D276-D528-4F2B-A63B-FB59AD831737}" destId="{E3B69848-DE76-4B30-88B6-1A079031884C}" srcOrd="6" destOrd="0" presId="urn:microsoft.com/office/officeart/2009/3/layout/HorizontalOrganizationChart"/>
-    <dgm:cxn modelId="{891A6A72-3E05-4A28-A6D6-C49D962DBF9F}" type="presParOf" srcId="{2CF9D276-D528-4F2B-A63B-FB59AD831737}" destId="{3F2D1F4B-37BF-46A6-AC56-6A12064C9799}" srcOrd="7" destOrd="0" presId="urn:microsoft.com/office/officeart/2009/3/layout/HorizontalOrganizationChart"/>
-    <dgm:cxn modelId="{23426003-583D-42C3-B574-69A8BB1C2EBA}" type="presParOf" srcId="{3F2D1F4B-37BF-46A6-AC56-6A12064C9799}" destId="{140DD966-2870-4570-B8F4-8A79242A2963}" srcOrd="0" destOrd="0" presId="urn:microsoft.com/office/officeart/2009/3/layout/HorizontalOrganizationChart"/>
-    <dgm:cxn modelId="{BC9802A4-8614-407F-8ECC-F579F1D7A7B0}" type="presParOf" srcId="{140DD966-2870-4570-B8F4-8A79242A2963}" destId="{8640EAD1-C455-45F4-934E-6D0E11CC0C70}" srcOrd="0" destOrd="0" presId="urn:microsoft.com/office/officeart/2009/3/layout/HorizontalOrganizationChart"/>
-    <dgm:cxn modelId="{741E0FAF-6E0F-4784-9D86-CFBAF0A2A5A7}" type="presParOf" srcId="{140DD966-2870-4570-B8F4-8A79242A2963}" destId="{F1A85DA0-1AC2-4D45-86F9-C696DED5C861}" srcOrd="1" destOrd="0" presId="urn:microsoft.com/office/officeart/2009/3/layout/HorizontalOrganizationChart"/>
-    <dgm:cxn modelId="{660F5DED-AF64-4CEF-AA6F-D22A437197E0}" type="presParOf" srcId="{3F2D1F4B-37BF-46A6-AC56-6A12064C9799}" destId="{40FF8155-AC33-41DF-B30B-309A7E718A49}" srcOrd="1" destOrd="0" presId="urn:microsoft.com/office/officeart/2009/3/layout/HorizontalOrganizationChart"/>
-    <dgm:cxn modelId="{4733385E-CB14-4F81-8AD1-FEAE45F821FA}" type="presParOf" srcId="{3F2D1F4B-37BF-46A6-AC56-6A12064C9799}" destId="{F9091F2E-8BE3-4DCE-A820-8174110CF48D}" srcOrd="2" destOrd="0" presId="urn:microsoft.com/office/officeart/2009/3/layout/HorizontalOrganizationChart"/>
-    <dgm:cxn modelId="{AA610C85-DB8F-4871-9BAB-983F50048F16}" type="presParOf" srcId="{8200B3DA-E3C7-419F-BCDD-FBCC356CB21F}" destId="{31DAE673-FC21-490C-86AD-3372A60E3037}" srcOrd="2" destOrd="0" presId="urn:microsoft.com/office/officeart/2009/3/layout/HorizontalOrganizationChart"/>
-    <dgm:cxn modelId="{641C1684-8D8A-4C6A-8B11-43C086E9B81A}" type="presParOf" srcId="{D1FF5537-F5F0-45FB-B26D-C44C8B313D30}" destId="{5D594BE4-2701-4342-AF0D-5B79AB0B97CE}" srcOrd="2" destOrd="0" presId="urn:microsoft.com/office/officeart/2009/3/layout/HorizontalOrganizationChart"/>
-    <dgm:cxn modelId="{E792226A-ED51-4A22-9C79-EEC0A75AB9C6}" type="presParOf" srcId="{D1FF5537-F5F0-45FB-B26D-C44C8B313D30}" destId="{57477E68-F6DE-40D4-9D94-65C70D2B70C6}" srcOrd="3" destOrd="0" presId="urn:microsoft.com/office/officeart/2009/3/layout/HorizontalOrganizationChart"/>
-    <dgm:cxn modelId="{B5A00FF4-5810-4016-84C2-956B209A85F6}" type="presParOf" srcId="{57477E68-F6DE-40D4-9D94-65C70D2B70C6}" destId="{1B73366D-CABD-475C-BA77-1724FB9CAC4C}" srcOrd="0" destOrd="0" presId="urn:microsoft.com/office/officeart/2009/3/layout/HorizontalOrganizationChart"/>
-    <dgm:cxn modelId="{760ED2BD-B83E-4D53-ADEA-C44CBA21C06A}" type="presParOf" srcId="{1B73366D-CABD-475C-BA77-1724FB9CAC4C}" destId="{E6385650-ECCB-4AE1-B129-75476538797D}" srcOrd="0" destOrd="0" presId="urn:microsoft.com/office/officeart/2009/3/layout/HorizontalOrganizationChart"/>
-    <dgm:cxn modelId="{0EF8B134-AC1D-40A9-9FA6-F40DD1BAB7DF}" type="presParOf" srcId="{1B73366D-CABD-475C-BA77-1724FB9CAC4C}" destId="{BB70072E-641D-4565-833D-E5A5C38EBEFF}" srcOrd="1" destOrd="0" presId="urn:microsoft.com/office/officeart/2009/3/layout/HorizontalOrganizationChart"/>
-    <dgm:cxn modelId="{59D17343-7FA3-4C0C-A97C-8E224C358416}" type="presParOf" srcId="{57477E68-F6DE-40D4-9D94-65C70D2B70C6}" destId="{9C89F724-C5C1-43F0-BD05-F347286EB49A}" srcOrd="1" destOrd="0" presId="urn:microsoft.com/office/officeart/2009/3/layout/HorizontalOrganizationChart"/>
-    <dgm:cxn modelId="{25A155D2-3A07-4AD1-971D-BD3815DD714E}" type="presParOf" srcId="{9C89F724-C5C1-43F0-BD05-F347286EB49A}" destId="{609A87D6-8096-4402-B397-CAE63D556C55}" srcOrd="0" destOrd="0" presId="urn:microsoft.com/office/officeart/2009/3/layout/HorizontalOrganizationChart"/>
-    <dgm:cxn modelId="{4A0F11A8-6748-484C-867D-360DE5C24AED}" type="presParOf" srcId="{9C89F724-C5C1-43F0-BD05-F347286EB49A}" destId="{822A29F1-5894-48A8-B4B2-85FE0CB1F82C}" srcOrd="1" destOrd="0" presId="urn:microsoft.com/office/officeart/2009/3/layout/HorizontalOrganizationChart"/>
-    <dgm:cxn modelId="{7DEDF8EE-4295-45AF-A37F-D11FA39C7E4C}" type="presParOf" srcId="{822A29F1-5894-48A8-B4B2-85FE0CB1F82C}" destId="{219B598A-F6B5-4413-A816-5F1C83E22454}" srcOrd="0" destOrd="0" presId="urn:microsoft.com/office/officeart/2009/3/layout/HorizontalOrganizationChart"/>
-    <dgm:cxn modelId="{54062AF6-389B-4BF8-8C7C-F9AD2E472C08}" type="presParOf" srcId="{219B598A-F6B5-4413-A816-5F1C83E22454}" destId="{13BB70B0-5D4D-4AF2-A30E-561CDBC24500}" srcOrd="0" destOrd="0" presId="urn:microsoft.com/office/officeart/2009/3/layout/HorizontalOrganizationChart"/>
-    <dgm:cxn modelId="{CCFDCD3B-46C3-407D-8310-185955FBC9EC}" type="presParOf" srcId="{219B598A-F6B5-4413-A816-5F1C83E22454}" destId="{5D863073-60FA-42F0-AFD7-8628316717FB}" srcOrd="1" destOrd="0" presId="urn:microsoft.com/office/officeart/2009/3/layout/HorizontalOrganizationChart"/>
-    <dgm:cxn modelId="{5E7DE805-37CD-4BDB-9C3D-6B8D43CD271E}" type="presParOf" srcId="{822A29F1-5894-48A8-B4B2-85FE0CB1F82C}" destId="{8575809A-0F4B-4EEE-94AD-490D7EE3C2AE}" srcOrd="1" destOrd="0" presId="urn:microsoft.com/office/officeart/2009/3/layout/HorizontalOrganizationChart"/>
-    <dgm:cxn modelId="{F6C5D405-476C-4341-8E4B-575B2D8FF2B2}" type="presParOf" srcId="{822A29F1-5894-48A8-B4B2-85FE0CB1F82C}" destId="{A6E458F4-E05A-4526-8C5E-0161378391C4}" srcOrd="2" destOrd="0" presId="urn:microsoft.com/office/officeart/2009/3/layout/HorizontalOrganizationChart"/>
-    <dgm:cxn modelId="{D83B648B-380D-433F-A74B-ACA48442640F}" type="presParOf" srcId="{9C89F724-C5C1-43F0-BD05-F347286EB49A}" destId="{F8F5DA83-C835-41BB-A5D0-83323D6159E4}" srcOrd="2" destOrd="0" presId="urn:microsoft.com/office/officeart/2009/3/layout/HorizontalOrganizationChart"/>
-    <dgm:cxn modelId="{E9BDE4F1-AEA2-409C-AFA3-E4B6D6473722}" type="presParOf" srcId="{9C89F724-C5C1-43F0-BD05-F347286EB49A}" destId="{94032CE9-1A3E-46DD-B209-2204F3767918}" srcOrd="3" destOrd="0" presId="urn:microsoft.com/office/officeart/2009/3/layout/HorizontalOrganizationChart"/>
-    <dgm:cxn modelId="{D73200A4-92C8-46F4-9DA1-9D25DC348F17}" type="presParOf" srcId="{94032CE9-1A3E-46DD-B209-2204F3767918}" destId="{39E93A5D-ED77-4352-A9B9-074557E9629D}" srcOrd="0" destOrd="0" presId="urn:microsoft.com/office/officeart/2009/3/layout/HorizontalOrganizationChart"/>
-    <dgm:cxn modelId="{DFEE690F-5BC8-459A-9FCD-8C5671693C83}" type="presParOf" srcId="{39E93A5D-ED77-4352-A9B9-074557E9629D}" destId="{77693F97-6529-485D-9E4D-8ACAA6EA84A9}" srcOrd="0" destOrd="0" presId="urn:microsoft.com/office/officeart/2009/3/layout/HorizontalOrganizationChart"/>
-    <dgm:cxn modelId="{701EA99C-0DA2-4706-84BB-66634D0C2AA7}" type="presParOf" srcId="{39E93A5D-ED77-4352-A9B9-074557E9629D}" destId="{BA30D14F-3C09-4CF2-8F99-C5FB7EA67774}" srcOrd="1" destOrd="0" presId="urn:microsoft.com/office/officeart/2009/3/layout/HorizontalOrganizationChart"/>
-    <dgm:cxn modelId="{39DC2E6E-F0B6-4E73-B723-89230ED44E7E}" type="presParOf" srcId="{94032CE9-1A3E-46DD-B209-2204F3767918}" destId="{45F8157A-4F32-4E87-A8C9-B1177C9055AB}" srcOrd="1" destOrd="0" presId="urn:microsoft.com/office/officeart/2009/3/layout/HorizontalOrganizationChart"/>
-    <dgm:cxn modelId="{E46CBE60-BBF2-4D50-8B76-0188BCDE79AC}" type="presParOf" srcId="{94032CE9-1A3E-46DD-B209-2204F3767918}" destId="{B85BC334-D7F6-4F78-B142-0399B94AC7A5}" srcOrd="2" destOrd="0" presId="urn:microsoft.com/office/officeart/2009/3/layout/HorizontalOrganizationChart"/>
-    <dgm:cxn modelId="{9FFB27C4-253A-4750-BC9C-29BC890E8C30}" type="presParOf" srcId="{9C89F724-C5C1-43F0-BD05-F347286EB49A}" destId="{047DF2D4-F60D-4A9C-A399-3706F9A9FE0D}" srcOrd="4" destOrd="0" presId="urn:microsoft.com/office/officeart/2009/3/layout/HorizontalOrganizationChart"/>
-    <dgm:cxn modelId="{B5164711-C650-4B40-82D4-AE007447ABF4}" type="presParOf" srcId="{9C89F724-C5C1-43F0-BD05-F347286EB49A}" destId="{6EA32C4E-4304-4A3D-B21B-506B2D5706CB}" srcOrd="5" destOrd="0" presId="urn:microsoft.com/office/officeart/2009/3/layout/HorizontalOrganizationChart"/>
-    <dgm:cxn modelId="{D6FE5F25-99D1-476E-9E8C-CDA7DC686C8B}" type="presParOf" srcId="{6EA32C4E-4304-4A3D-B21B-506B2D5706CB}" destId="{903C8613-48B6-499A-B38F-4F36EAA4A61F}" srcOrd="0" destOrd="0" presId="urn:microsoft.com/office/officeart/2009/3/layout/HorizontalOrganizationChart"/>
-    <dgm:cxn modelId="{62D19BC6-0CA4-4EC7-B63E-DE58E3DF940A}" type="presParOf" srcId="{903C8613-48B6-499A-B38F-4F36EAA4A61F}" destId="{F3C33801-9A26-415E-86F9-96CEEEB4583B}" srcOrd="0" destOrd="0" presId="urn:microsoft.com/office/officeart/2009/3/layout/HorizontalOrganizationChart"/>
-    <dgm:cxn modelId="{F12216FD-C437-4EB7-9800-5DDE7386E93A}" type="presParOf" srcId="{903C8613-48B6-499A-B38F-4F36EAA4A61F}" destId="{DDED89CD-A8EE-4C7C-B791-24AED972CEF7}" srcOrd="1" destOrd="0" presId="urn:microsoft.com/office/officeart/2009/3/layout/HorizontalOrganizationChart"/>
-    <dgm:cxn modelId="{D41E180A-265A-4251-B7C1-6420C32571A3}" type="presParOf" srcId="{6EA32C4E-4304-4A3D-B21B-506B2D5706CB}" destId="{165A101C-7D6F-4A29-BD04-FDA4DB5C2809}" srcOrd="1" destOrd="0" presId="urn:microsoft.com/office/officeart/2009/3/layout/HorizontalOrganizationChart"/>
-    <dgm:cxn modelId="{00B90D5B-D068-416B-A4F3-831089FA6B68}" type="presParOf" srcId="{6EA32C4E-4304-4A3D-B21B-506B2D5706CB}" destId="{36BB4300-64FC-4BFE-B42C-96BBE63E360D}" srcOrd="2" destOrd="0" presId="urn:microsoft.com/office/officeart/2009/3/layout/HorizontalOrganizationChart"/>
-    <dgm:cxn modelId="{A0E21DFE-EA49-40D6-88AD-52704A868722}" type="presParOf" srcId="{9C89F724-C5C1-43F0-BD05-F347286EB49A}" destId="{DDF48C9E-15B2-49A4-BC4C-85192ABBAAD6}" srcOrd="6" destOrd="0" presId="urn:microsoft.com/office/officeart/2009/3/layout/HorizontalOrganizationChart"/>
-    <dgm:cxn modelId="{7726309D-8A78-4088-8578-315C2B4005D8}" type="presParOf" srcId="{9C89F724-C5C1-43F0-BD05-F347286EB49A}" destId="{E5FA4080-A408-4B27-BE27-DEE83F9B4B90}" srcOrd="7" destOrd="0" presId="urn:microsoft.com/office/officeart/2009/3/layout/HorizontalOrganizationChart"/>
-    <dgm:cxn modelId="{3FBC6E88-8B09-417F-AAB5-9555556182FE}" type="presParOf" srcId="{E5FA4080-A408-4B27-BE27-DEE83F9B4B90}" destId="{CB7682C8-0AF1-466A-AB3D-A66A4772D988}" srcOrd="0" destOrd="0" presId="urn:microsoft.com/office/officeart/2009/3/layout/HorizontalOrganizationChart"/>
-    <dgm:cxn modelId="{03C3A29D-A6E1-446C-951F-C4D1FEFCB770}" type="presParOf" srcId="{CB7682C8-0AF1-466A-AB3D-A66A4772D988}" destId="{E56F035E-8417-44AF-A5E5-7A20BD30CE2E}" srcOrd="0" destOrd="0" presId="urn:microsoft.com/office/officeart/2009/3/layout/HorizontalOrganizationChart"/>
-    <dgm:cxn modelId="{A0424912-15B2-4D2A-9093-85CAD51DAFEF}" type="presParOf" srcId="{CB7682C8-0AF1-466A-AB3D-A66A4772D988}" destId="{B7CE2A61-B232-41B7-A00D-BB3A37B5B506}" srcOrd="1" destOrd="0" presId="urn:microsoft.com/office/officeart/2009/3/layout/HorizontalOrganizationChart"/>
-    <dgm:cxn modelId="{A36FB774-A2C8-4FED-9C7E-AA954C045FCE}" type="presParOf" srcId="{E5FA4080-A408-4B27-BE27-DEE83F9B4B90}" destId="{FC6021B2-DA4F-4A32-BBE3-BFC1A8566F07}" srcOrd="1" destOrd="0" presId="urn:microsoft.com/office/officeart/2009/3/layout/HorizontalOrganizationChart"/>
-    <dgm:cxn modelId="{2B95DBFB-371B-48FC-8C51-AC972EF27E9A}" type="presParOf" srcId="{E5FA4080-A408-4B27-BE27-DEE83F9B4B90}" destId="{D7BB167E-6D20-4EED-8B7F-035DA2D3386E}" srcOrd="2" destOrd="0" presId="urn:microsoft.com/office/officeart/2009/3/layout/HorizontalOrganizationChart"/>
-    <dgm:cxn modelId="{68B5CDFB-A07D-4533-8113-AF20148825CC}" type="presParOf" srcId="{57477E68-F6DE-40D4-9D94-65C70D2B70C6}" destId="{FA741E00-0A83-419E-9F7A-DF73A44C272E}" srcOrd="2" destOrd="0" presId="urn:microsoft.com/office/officeart/2009/3/layout/HorizontalOrganizationChart"/>
-    <dgm:cxn modelId="{B1FE706B-D5AF-412F-8F6B-C210358F1AA7}" type="presParOf" srcId="{D1FF5537-F5F0-45FB-B26D-C44C8B313D30}" destId="{89BB0E75-DD63-4E1E-AA81-8A18D82CE3B6}" srcOrd="4" destOrd="0" presId="urn:microsoft.com/office/officeart/2009/3/layout/HorizontalOrganizationChart"/>
-    <dgm:cxn modelId="{E024DCA0-245D-4479-8EC0-E71B8A815466}" type="presParOf" srcId="{D1FF5537-F5F0-45FB-B26D-C44C8B313D30}" destId="{B6968128-3AD1-465B-9133-3F011B0109DB}" srcOrd="5" destOrd="0" presId="urn:microsoft.com/office/officeart/2009/3/layout/HorizontalOrganizationChart"/>
-    <dgm:cxn modelId="{4897E885-91F3-4EF3-963F-C07D6739ACE1}" type="presParOf" srcId="{B6968128-3AD1-465B-9133-3F011B0109DB}" destId="{94A60314-EA1F-4660-BF5E-5E96F86D223F}" srcOrd="0" destOrd="0" presId="urn:microsoft.com/office/officeart/2009/3/layout/HorizontalOrganizationChart"/>
-    <dgm:cxn modelId="{6F241477-14EF-46E7-A3B5-26935692D67D}" type="presParOf" srcId="{94A60314-EA1F-4660-BF5E-5E96F86D223F}" destId="{93206299-B676-4CE9-92E9-023DC1CB00EB}" srcOrd="0" destOrd="0" presId="urn:microsoft.com/office/officeart/2009/3/layout/HorizontalOrganizationChart"/>
-    <dgm:cxn modelId="{96E01A69-DCE9-4756-B236-1B517E8A6425}" type="presParOf" srcId="{94A60314-EA1F-4660-BF5E-5E96F86D223F}" destId="{07E4E327-D50C-4AA3-ABBC-EF91FF425EDF}" srcOrd="1" destOrd="0" presId="urn:microsoft.com/office/officeart/2009/3/layout/HorizontalOrganizationChart"/>
-    <dgm:cxn modelId="{6E95D2E8-19C9-4FB9-9043-CDACD08324DC}" type="presParOf" srcId="{B6968128-3AD1-465B-9133-3F011B0109DB}" destId="{B4699563-EB7D-4D39-B922-2CB7F6F3A311}" srcOrd="1" destOrd="0" presId="urn:microsoft.com/office/officeart/2009/3/layout/HorizontalOrganizationChart"/>
-    <dgm:cxn modelId="{16F37AA6-16FD-45F2-8691-DD50C4740260}" type="presParOf" srcId="{B6968128-3AD1-465B-9133-3F011B0109DB}" destId="{803957AF-624F-42E6-B1A9-006AC48D8354}" srcOrd="2" destOrd="0" presId="urn:microsoft.com/office/officeart/2009/3/layout/HorizontalOrganizationChart"/>
-    <dgm:cxn modelId="{68014BFE-FA8E-444D-A02F-7848B9049B1E}" type="presParOf" srcId="{D1FF5537-F5F0-45FB-B26D-C44C8B313D30}" destId="{C8E9813E-5BC8-45C1-98A1-C42E679C1FB1}" srcOrd="6" destOrd="0" presId="urn:microsoft.com/office/officeart/2009/3/layout/HorizontalOrganizationChart"/>
-    <dgm:cxn modelId="{EB8864AD-E922-4237-BCBD-87A4CCE25F84}" type="presParOf" srcId="{D1FF5537-F5F0-45FB-B26D-C44C8B313D30}" destId="{54A5D9D6-C437-46A6-A6D8-A8B6D63421F2}" srcOrd="7" destOrd="0" presId="urn:microsoft.com/office/officeart/2009/3/layout/HorizontalOrganizationChart"/>
-    <dgm:cxn modelId="{BE91ED7B-A8FE-4AC8-8B91-2802F33512FD}" type="presParOf" srcId="{54A5D9D6-C437-46A6-A6D8-A8B6D63421F2}" destId="{98E7834C-EDDF-4B2C-9E6F-3F301BEEC8D4}" srcOrd="0" destOrd="0" presId="urn:microsoft.com/office/officeart/2009/3/layout/HorizontalOrganizationChart"/>
-    <dgm:cxn modelId="{43A6BDBD-1D86-4107-A35E-A1C120344756}" type="presParOf" srcId="{98E7834C-EDDF-4B2C-9E6F-3F301BEEC8D4}" destId="{D6F92C14-A39B-4E77-8B1F-40D0D9818D56}" srcOrd="0" destOrd="0" presId="urn:microsoft.com/office/officeart/2009/3/layout/HorizontalOrganizationChart"/>
-    <dgm:cxn modelId="{D1B72FCB-C477-48D1-B8A8-BB232D696A95}" type="presParOf" srcId="{98E7834C-EDDF-4B2C-9E6F-3F301BEEC8D4}" destId="{F017536A-34CF-4F99-ADBA-D7196A9A82C8}" srcOrd="1" destOrd="0" presId="urn:microsoft.com/office/officeart/2009/3/layout/HorizontalOrganizationChart"/>
-    <dgm:cxn modelId="{6733CE23-0BE9-4BC1-8691-79886B95B20D}" type="presParOf" srcId="{54A5D9D6-C437-46A6-A6D8-A8B6D63421F2}" destId="{0BF577FB-8F12-4B69-9AEC-BA0A0B5B891D}" srcOrd="1" destOrd="0" presId="urn:microsoft.com/office/officeart/2009/3/layout/HorizontalOrganizationChart"/>
-    <dgm:cxn modelId="{97BFE7B8-AC62-471D-A706-06141F11829D}" type="presParOf" srcId="{54A5D9D6-C437-46A6-A6D8-A8B6D63421F2}" destId="{B45FE37E-58E8-4782-A635-650FB5A68697}" srcOrd="2" destOrd="0" presId="urn:microsoft.com/office/officeart/2009/3/layout/HorizontalOrganizationChart"/>
-    <dgm:cxn modelId="{CD465839-A735-4D06-AC9F-F32EB86A97AC}" type="presParOf" srcId="{D1FF5537-F5F0-45FB-B26D-C44C8B313D30}" destId="{E3A33533-5E1A-4847-9005-4123197D704A}" srcOrd="8" destOrd="0" presId="urn:microsoft.com/office/officeart/2009/3/layout/HorizontalOrganizationChart"/>
-    <dgm:cxn modelId="{DC055C46-AE70-4220-8FB0-6E874A5F9156}" type="presParOf" srcId="{D1FF5537-F5F0-45FB-B26D-C44C8B313D30}" destId="{EFC26630-9D90-40BF-95EC-D3801A39E738}" srcOrd="9" destOrd="0" presId="urn:microsoft.com/office/officeart/2009/3/layout/HorizontalOrganizationChart"/>
-    <dgm:cxn modelId="{96C15F4A-7F1A-400F-A675-0A91219882A5}" type="presParOf" srcId="{EFC26630-9D90-40BF-95EC-D3801A39E738}" destId="{0C8696B6-A446-4353-B2BE-ACEE32998F27}" srcOrd="0" destOrd="0" presId="urn:microsoft.com/office/officeart/2009/3/layout/HorizontalOrganizationChart"/>
-    <dgm:cxn modelId="{9838E8BE-03FD-4842-AFB0-2BEDF7897539}" type="presParOf" srcId="{0C8696B6-A446-4353-B2BE-ACEE32998F27}" destId="{3DE257E9-7886-42DA-B003-2804A2AB107A}" srcOrd="0" destOrd="0" presId="urn:microsoft.com/office/officeart/2009/3/layout/HorizontalOrganizationChart"/>
-    <dgm:cxn modelId="{30126620-90D3-497D-8A2B-D66EB9EEC200}" type="presParOf" srcId="{0C8696B6-A446-4353-B2BE-ACEE32998F27}" destId="{1D554323-CB1E-4ACD-8742-E63FA27BE7C1}" srcOrd="1" destOrd="0" presId="urn:microsoft.com/office/officeart/2009/3/layout/HorizontalOrganizationChart"/>
-    <dgm:cxn modelId="{26EB1681-119A-4152-A669-F32E5739EFF7}" type="presParOf" srcId="{EFC26630-9D90-40BF-95EC-D3801A39E738}" destId="{D0D780DE-2B9D-495C-B008-CC9391227979}" srcOrd="1" destOrd="0" presId="urn:microsoft.com/office/officeart/2009/3/layout/HorizontalOrganizationChart"/>
-    <dgm:cxn modelId="{8EF6AD99-EDFB-4149-A8A0-27D03C1E5BDE}" type="presParOf" srcId="{EFC26630-9D90-40BF-95EC-D3801A39E738}" destId="{C30703D5-873B-4184-8FDE-0486557918BD}" srcOrd="2" destOrd="0" presId="urn:microsoft.com/office/officeart/2009/3/layout/HorizontalOrganizationChart"/>
-    <dgm:cxn modelId="{B2C56471-CD3A-4F5F-88A9-4DED04F7C9E7}" type="presParOf" srcId="{F43E2331-77FC-4F36-A06B-9838345293C5}" destId="{FE43C883-69DA-4C80-AD1F-332AF0912E79}" srcOrd="2" destOrd="0" presId="urn:microsoft.com/office/officeart/2009/3/layout/HorizontalOrganizationChart"/>
+    <dgm:cxn modelId="{D8CA89A7-0D05-4F81-8C2C-3557650E09BB}" type="presOf" srcId="{7C14353A-35F0-44F8-9E4B-53CC893E0BE5}" destId="{49004D6E-8E0D-4C89-8666-A79CC4287C64}" srcOrd="1" destOrd="0" presId="urn:microsoft.com/office/officeart/2005/8/layout/hierarchy5"/>
+    <dgm:cxn modelId="{7CDF8852-27A8-47A2-9056-228D944C9EA4}" type="presParOf" srcId="{9194BFAA-FCF3-455F-94B9-6783DE64A2A2}" destId="{1182F618-CDB8-44D5-AD06-1FF1A96C8ECD}" srcOrd="0" destOrd="0" presId="urn:microsoft.com/office/officeart/2005/8/layout/hierarchy5"/>
+    <dgm:cxn modelId="{B55110E6-E7A5-471D-9DD4-26C9D5E27BD1}" type="presParOf" srcId="{1182F618-CDB8-44D5-AD06-1FF1A96C8ECD}" destId="{45812E2D-1F36-4AF1-A271-580A60CEF8E4}" srcOrd="0" destOrd="0" presId="urn:microsoft.com/office/officeart/2005/8/layout/hierarchy5"/>
+    <dgm:cxn modelId="{BA783800-AA7C-4F4C-9226-313CD87FAC90}" type="presParOf" srcId="{45812E2D-1F36-4AF1-A271-580A60CEF8E4}" destId="{F81C5FF3-7A14-40D0-83BD-5AE69B8B681B}" srcOrd="0" destOrd="0" presId="urn:microsoft.com/office/officeart/2005/8/layout/hierarchy5"/>
+    <dgm:cxn modelId="{DF908288-3B24-4DD8-B8E4-4D7390642A02}" type="presParOf" srcId="{F81C5FF3-7A14-40D0-83BD-5AE69B8B681B}" destId="{EA5208EC-5708-4FA3-814F-48911A00664C}" srcOrd="0" destOrd="0" presId="urn:microsoft.com/office/officeart/2005/8/layout/hierarchy5"/>
+    <dgm:cxn modelId="{B4346AF3-1E28-4043-819E-1171434359A0}" type="presParOf" srcId="{F81C5FF3-7A14-40D0-83BD-5AE69B8B681B}" destId="{78958AE7-C1AE-42C9-980D-92D471E6B760}" srcOrd="1" destOrd="0" presId="urn:microsoft.com/office/officeart/2005/8/layout/hierarchy5"/>
+    <dgm:cxn modelId="{1BFF03E9-B305-49CE-96C5-FB9E180851A2}" type="presParOf" srcId="{78958AE7-C1AE-42C9-980D-92D471E6B760}" destId="{D3CB03B0-1027-46FB-9F5E-2422A122F540}" srcOrd="0" destOrd="0" presId="urn:microsoft.com/office/officeart/2005/8/layout/hierarchy5"/>
+    <dgm:cxn modelId="{55EF9664-6C17-420B-A53D-AA0DA41919D9}" type="presParOf" srcId="{D3CB03B0-1027-46FB-9F5E-2422A122F540}" destId="{3958D169-B32D-4261-A6B9-DC4C9077A931}" srcOrd="0" destOrd="0" presId="urn:microsoft.com/office/officeart/2005/8/layout/hierarchy5"/>
+    <dgm:cxn modelId="{426BB3BC-D380-4C6A-8CBC-8B70129C0A0E}" type="presParOf" srcId="{78958AE7-C1AE-42C9-980D-92D471E6B760}" destId="{B0E3ECCF-092E-479A-9BC1-3CFA5329DF82}" srcOrd="1" destOrd="0" presId="urn:microsoft.com/office/officeart/2005/8/layout/hierarchy5"/>
+    <dgm:cxn modelId="{D2F0F5CB-8C7F-4E62-A77A-F0609A710B4F}" type="presParOf" srcId="{B0E3ECCF-092E-479A-9BC1-3CFA5329DF82}" destId="{CB60E10B-0415-4CDC-BA12-7A1AA6D0FAF7}" srcOrd="0" destOrd="0" presId="urn:microsoft.com/office/officeart/2005/8/layout/hierarchy5"/>
+    <dgm:cxn modelId="{F234C5DC-98D6-4B5D-921E-2F413F4D30B6}" type="presParOf" srcId="{B0E3ECCF-092E-479A-9BC1-3CFA5329DF82}" destId="{E8727107-5BE5-4FD2-9A64-A6FDB4391832}" srcOrd="1" destOrd="0" presId="urn:microsoft.com/office/officeart/2005/8/layout/hierarchy5"/>
+    <dgm:cxn modelId="{4F14071C-5E7F-4F2B-B1AD-A5F8EA83EC28}" type="presParOf" srcId="{E8727107-5BE5-4FD2-9A64-A6FDB4391832}" destId="{F14100D3-AF2D-4C55-ACFC-7E3D26C366E2}" srcOrd="0" destOrd="0" presId="urn:microsoft.com/office/officeart/2005/8/layout/hierarchy5"/>
+    <dgm:cxn modelId="{16C98564-C27D-4B64-9DB6-AEE1AE09436B}" type="presParOf" srcId="{F14100D3-AF2D-4C55-ACFC-7E3D26C366E2}" destId="{84A4EE3F-CCD6-44C2-B2EF-087722AD1FFD}" srcOrd="0" destOrd="0" presId="urn:microsoft.com/office/officeart/2005/8/layout/hierarchy5"/>
+    <dgm:cxn modelId="{3FEFF3F9-FA3D-40E1-890A-675B0D405009}" type="presParOf" srcId="{E8727107-5BE5-4FD2-9A64-A6FDB4391832}" destId="{4B41F677-2D51-4D6B-B372-EAEA0F27E634}" srcOrd="1" destOrd="0" presId="urn:microsoft.com/office/officeart/2005/8/layout/hierarchy5"/>
+    <dgm:cxn modelId="{5D48DB1B-0BF7-462D-BADD-61A3226C5114}" type="presParOf" srcId="{4B41F677-2D51-4D6B-B372-EAEA0F27E634}" destId="{784964E3-728D-4CBF-A777-FCD6B2AAA912}" srcOrd="0" destOrd="0" presId="urn:microsoft.com/office/officeart/2005/8/layout/hierarchy5"/>
+    <dgm:cxn modelId="{85D28AD2-3C1A-44AF-8D97-4FB8874BD9E5}" type="presParOf" srcId="{4B41F677-2D51-4D6B-B372-EAEA0F27E634}" destId="{7207C601-837B-415F-892C-7EB706C16474}" srcOrd="1" destOrd="0" presId="urn:microsoft.com/office/officeart/2005/8/layout/hierarchy5"/>
+    <dgm:cxn modelId="{71FFBA06-1C9D-4540-B260-4B3FC1B10279}" type="presParOf" srcId="{7207C601-837B-415F-892C-7EB706C16474}" destId="{1D3C08BF-2720-4F5C-911C-B2BC9FB74D30}" srcOrd="0" destOrd="0" presId="urn:microsoft.com/office/officeart/2005/8/layout/hierarchy5"/>
+    <dgm:cxn modelId="{208F1DCF-CE8B-4F36-9D74-4F56EF15BAB3}" type="presParOf" srcId="{1D3C08BF-2720-4F5C-911C-B2BC9FB74D30}" destId="{49004D6E-8E0D-4C89-8666-A79CC4287C64}" srcOrd="0" destOrd="0" presId="urn:microsoft.com/office/officeart/2005/8/layout/hierarchy5"/>
+    <dgm:cxn modelId="{BAE4FD45-EAE7-4D1E-821A-654D78F701A0}" type="presParOf" srcId="{7207C601-837B-415F-892C-7EB706C16474}" destId="{BC3529AA-49D8-4C29-A2D9-4299CD90B0B0}" srcOrd="1" destOrd="0" presId="urn:microsoft.com/office/officeart/2005/8/layout/hierarchy5"/>
+    <dgm:cxn modelId="{C154800C-0F61-481A-8FFF-34412AA65C2F}" type="presParOf" srcId="{BC3529AA-49D8-4C29-A2D9-4299CD90B0B0}" destId="{E6A786C2-D11B-4200-BCE7-4AD68BACAF4E}" srcOrd="0" destOrd="0" presId="urn:microsoft.com/office/officeart/2005/8/layout/hierarchy5"/>
+    <dgm:cxn modelId="{B14B0834-976E-44E7-B8A0-5DE0C8B75F72}" type="presParOf" srcId="{BC3529AA-49D8-4C29-A2D9-4299CD90B0B0}" destId="{A34064D3-2555-4FF6-9B3D-02128EFE39AF}" srcOrd="1" destOrd="0" presId="urn:microsoft.com/office/officeart/2005/8/layout/hierarchy5"/>
+    <dgm:cxn modelId="{F2C5D477-E438-4C3C-BD76-40CD083BE1ED}" type="presParOf" srcId="{7207C601-837B-415F-892C-7EB706C16474}" destId="{A7576431-FADA-4C62-8A3A-274A89B766F9}" srcOrd="2" destOrd="0" presId="urn:microsoft.com/office/officeart/2005/8/layout/hierarchy5"/>
+    <dgm:cxn modelId="{C6CDA7BF-53E1-4AE3-98A6-16351794391B}" type="presParOf" srcId="{A7576431-FADA-4C62-8A3A-274A89B766F9}" destId="{C7A60226-1D9E-4007-B0F2-C2BD5A8EE03C}" srcOrd="0" destOrd="0" presId="urn:microsoft.com/office/officeart/2005/8/layout/hierarchy5"/>
+    <dgm:cxn modelId="{3675E0F2-6647-463D-BB33-B662DDFD1263}" type="presParOf" srcId="{7207C601-837B-415F-892C-7EB706C16474}" destId="{81627211-1A65-4B6F-A96C-86FEF89AE131}" srcOrd="3" destOrd="0" presId="urn:microsoft.com/office/officeart/2005/8/layout/hierarchy5"/>
+    <dgm:cxn modelId="{BD40DF6F-8B39-4C34-84E2-C2EE7128924F}" type="presParOf" srcId="{81627211-1A65-4B6F-A96C-86FEF89AE131}" destId="{4CA13BFE-955B-4177-A0F7-E9A3FC9085C7}" srcOrd="0" destOrd="0" presId="urn:microsoft.com/office/officeart/2005/8/layout/hierarchy5"/>
+    <dgm:cxn modelId="{4EA9CAE3-3A72-40AE-8678-CAD468FBED50}" type="presParOf" srcId="{81627211-1A65-4B6F-A96C-86FEF89AE131}" destId="{80319FD8-590A-4B21-AAFD-AC1FE6B466B8}" srcOrd="1" destOrd="0" presId="urn:microsoft.com/office/officeart/2005/8/layout/hierarchy5"/>
+    <dgm:cxn modelId="{D5CADFD6-E39B-43DD-BD9A-A774E779856A}" type="presParOf" srcId="{7207C601-837B-415F-892C-7EB706C16474}" destId="{52E671D4-AD69-4462-8776-9088633CE2BB}" srcOrd="4" destOrd="0" presId="urn:microsoft.com/office/officeart/2005/8/layout/hierarchy5"/>
+    <dgm:cxn modelId="{898124CA-6488-406E-8FBF-71BA47381BC7}" type="presParOf" srcId="{52E671D4-AD69-4462-8776-9088633CE2BB}" destId="{5BED1CB9-BE2C-4025-9A9E-28BC97B5ADA8}" srcOrd="0" destOrd="0" presId="urn:microsoft.com/office/officeart/2005/8/layout/hierarchy5"/>
+    <dgm:cxn modelId="{221E2AF5-BCBF-42AC-B55C-4274EB1667FC}" type="presParOf" srcId="{7207C601-837B-415F-892C-7EB706C16474}" destId="{8AF1E1AC-9D5A-4F4D-864B-1ED47C7F7476}" srcOrd="5" destOrd="0" presId="urn:microsoft.com/office/officeart/2005/8/layout/hierarchy5"/>
+    <dgm:cxn modelId="{DB36BC1D-0A5F-42DE-823A-0F28E16013A1}" type="presParOf" srcId="{8AF1E1AC-9D5A-4F4D-864B-1ED47C7F7476}" destId="{4C161E02-B1B2-4516-9474-FA1020EE878F}" srcOrd="0" destOrd="0" presId="urn:microsoft.com/office/officeart/2005/8/layout/hierarchy5"/>
+    <dgm:cxn modelId="{7C4B7D78-CB24-4E42-8348-DF5FD509BD0D}" type="presParOf" srcId="{8AF1E1AC-9D5A-4F4D-864B-1ED47C7F7476}" destId="{88D7DC1F-B125-4414-8915-8658171847FE}" srcOrd="1" destOrd="0" presId="urn:microsoft.com/office/officeart/2005/8/layout/hierarchy5"/>
+    <dgm:cxn modelId="{CA0BD807-1762-44A1-A6A8-5B62E09825BF}" type="presParOf" srcId="{7207C601-837B-415F-892C-7EB706C16474}" destId="{C5C3702E-5B2B-49C6-B4D3-694D5EF8BA0F}" srcOrd="6" destOrd="0" presId="urn:microsoft.com/office/officeart/2005/8/layout/hierarchy5"/>
+    <dgm:cxn modelId="{EFC6CBA5-2D92-4148-B6EA-A34041CA00F3}" type="presParOf" srcId="{C5C3702E-5B2B-49C6-B4D3-694D5EF8BA0F}" destId="{85A36EC5-21E7-4287-B323-24EDADD570AE}" srcOrd="0" destOrd="0" presId="urn:microsoft.com/office/officeart/2005/8/layout/hierarchy5"/>
+    <dgm:cxn modelId="{79ECF4F3-97F2-403A-9D24-D00C931BCF4D}" type="presParOf" srcId="{7207C601-837B-415F-892C-7EB706C16474}" destId="{613C838B-E22D-4AC3-8D96-00A64358772A}" srcOrd="7" destOrd="0" presId="urn:microsoft.com/office/officeart/2005/8/layout/hierarchy5"/>
+    <dgm:cxn modelId="{9BBD2B75-315E-49C4-A2C9-2D7F3F7F00D0}" type="presParOf" srcId="{613C838B-E22D-4AC3-8D96-00A64358772A}" destId="{D07A12A9-E37E-41E2-ABA7-1C63E55FEEDB}" srcOrd="0" destOrd="0" presId="urn:microsoft.com/office/officeart/2005/8/layout/hierarchy5"/>
+    <dgm:cxn modelId="{B50E728B-E03A-4C75-B544-E20105F585C6}" type="presParOf" srcId="{613C838B-E22D-4AC3-8D96-00A64358772A}" destId="{F0003608-07DD-4791-AD41-37FB4F06F2C6}" srcOrd="1" destOrd="0" presId="urn:microsoft.com/office/officeart/2005/8/layout/hierarchy5"/>
+    <dgm:cxn modelId="{5FFD008C-7283-42EF-ADC1-EE7F1A74695B}" type="presParOf" srcId="{E8727107-5BE5-4FD2-9A64-A6FDB4391832}" destId="{DFB100D3-81A2-4841-B387-02B5E7998CF7}" srcOrd="2" destOrd="0" presId="urn:microsoft.com/office/officeart/2005/8/layout/hierarchy5"/>
+    <dgm:cxn modelId="{9EE76A63-CDC9-42C2-BE3C-093C1CAEDF65}" type="presParOf" srcId="{DFB100D3-81A2-4841-B387-02B5E7998CF7}" destId="{CA84E49D-871D-4FEE-AD67-461BE0AB1569}" srcOrd="0" destOrd="0" presId="urn:microsoft.com/office/officeart/2005/8/layout/hierarchy5"/>
+    <dgm:cxn modelId="{EABB8D01-72FB-4B4C-86A9-B4270AE1FF4F}" type="presParOf" srcId="{E8727107-5BE5-4FD2-9A64-A6FDB4391832}" destId="{FD3D5FB7-F4FB-400D-A2B0-0765EFEAAD32}" srcOrd="3" destOrd="0" presId="urn:microsoft.com/office/officeart/2005/8/layout/hierarchy5"/>
+    <dgm:cxn modelId="{818E5556-F684-4E6B-8AFA-7024A52E0EB9}" type="presParOf" srcId="{FD3D5FB7-F4FB-400D-A2B0-0765EFEAAD32}" destId="{1C8F3354-9A52-4B74-8297-51160B305767}" srcOrd="0" destOrd="0" presId="urn:microsoft.com/office/officeart/2005/8/layout/hierarchy5"/>
+    <dgm:cxn modelId="{09D22832-0801-4ACB-96A1-B08114443A27}" type="presParOf" srcId="{FD3D5FB7-F4FB-400D-A2B0-0765EFEAAD32}" destId="{93671D87-1FBC-4553-881A-B9FACCB94569}" srcOrd="1" destOrd="0" presId="urn:microsoft.com/office/officeart/2005/8/layout/hierarchy5"/>
+    <dgm:cxn modelId="{DCE84CF6-A77B-42E6-8563-9DF7CC658ED5}" type="presParOf" srcId="{93671D87-1FBC-4553-881A-B9FACCB94569}" destId="{34DDF560-6762-4D37-92E7-A0BDA8D7A4B2}" srcOrd="0" destOrd="0" presId="urn:microsoft.com/office/officeart/2005/8/layout/hierarchy5"/>
+    <dgm:cxn modelId="{4B8178AD-161E-4A37-8332-712DA7BE506B}" type="presParOf" srcId="{34DDF560-6762-4D37-92E7-A0BDA8D7A4B2}" destId="{6F00B833-0239-4F34-863B-3E96EC842E8F}" srcOrd="0" destOrd="0" presId="urn:microsoft.com/office/officeart/2005/8/layout/hierarchy5"/>
+    <dgm:cxn modelId="{D3028124-B4C2-456F-8F32-AFC91AC85356}" type="presParOf" srcId="{93671D87-1FBC-4553-881A-B9FACCB94569}" destId="{4A343072-22EB-4A8D-9A8A-CD23E3644A9E}" srcOrd="1" destOrd="0" presId="urn:microsoft.com/office/officeart/2005/8/layout/hierarchy5"/>
+    <dgm:cxn modelId="{9B77DDD5-242F-4F57-9245-173B07448B6D}" type="presParOf" srcId="{4A343072-22EB-4A8D-9A8A-CD23E3644A9E}" destId="{A2AE73AE-8FAC-45BE-9E44-2CEC6CB87B45}" srcOrd="0" destOrd="0" presId="urn:microsoft.com/office/officeart/2005/8/layout/hierarchy5"/>
+    <dgm:cxn modelId="{6DF8319F-587E-4463-A59E-C9973EC6EB3C}" type="presParOf" srcId="{4A343072-22EB-4A8D-9A8A-CD23E3644A9E}" destId="{0BAB263A-6F57-45BE-BD13-055982C84DB2}" srcOrd="1" destOrd="0" presId="urn:microsoft.com/office/officeart/2005/8/layout/hierarchy5"/>
+    <dgm:cxn modelId="{93A92974-9460-476F-B5CF-9239CBDAAF0F}" type="presParOf" srcId="{93671D87-1FBC-4553-881A-B9FACCB94569}" destId="{F96D4316-A747-4AFA-BEFF-D0A43863D540}" srcOrd="2" destOrd="0" presId="urn:microsoft.com/office/officeart/2005/8/layout/hierarchy5"/>
+    <dgm:cxn modelId="{D3031C29-62E0-49A7-A31D-D320D675AB0F}" type="presParOf" srcId="{F96D4316-A747-4AFA-BEFF-D0A43863D540}" destId="{E58F3F45-C471-44A6-B8C0-CFAFA47CC422}" srcOrd="0" destOrd="0" presId="urn:microsoft.com/office/officeart/2005/8/layout/hierarchy5"/>
+    <dgm:cxn modelId="{1D75299A-4A2E-4E1C-BF58-9E97698B2701}" type="presParOf" srcId="{93671D87-1FBC-4553-881A-B9FACCB94569}" destId="{5D88148C-0770-483A-9071-2DF29556B4FC}" srcOrd="3" destOrd="0" presId="urn:microsoft.com/office/officeart/2005/8/layout/hierarchy5"/>
+    <dgm:cxn modelId="{71C4AA41-1DE2-4ECA-8DA6-4CBAC7FB6C64}" type="presParOf" srcId="{5D88148C-0770-483A-9071-2DF29556B4FC}" destId="{A086076C-4F96-4AA8-96F5-CEEC38610E54}" srcOrd="0" destOrd="0" presId="urn:microsoft.com/office/officeart/2005/8/layout/hierarchy5"/>
+    <dgm:cxn modelId="{95C60F0A-3309-4FB0-80EA-9FD479502E12}" type="presParOf" srcId="{5D88148C-0770-483A-9071-2DF29556B4FC}" destId="{686E7FE0-9EF4-40C5-B143-26525EC1292D}" srcOrd="1" destOrd="0" presId="urn:microsoft.com/office/officeart/2005/8/layout/hierarchy5"/>
+    <dgm:cxn modelId="{6CCDA4A3-484D-42FE-A307-42A69FA30C5F}" type="presParOf" srcId="{93671D87-1FBC-4553-881A-B9FACCB94569}" destId="{1F3E2C37-F3DA-4B7B-B432-51221861F80A}" srcOrd="4" destOrd="0" presId="urn:microsoft.com/office/officeart/2005/8/layout/hierarchy5"/>
+    <dgm:cxn modelId="{1E97F5BB-6401-4840-B7EF-552638BC21BD}" type="presParOf" srcId="{1F3E2C37-F3DA-4B7B-B432-51221861F80A}" destId="{460C92E1-BBF4-4592-9FF1-5BA1290C948D}" srcOrd="0" destOrd="0" presId="urn:microsoft.com/office/officeart/2005/8/layout/hierarchy5"/>
+    <dgm:cxn modelId="{15723E27-8D05-4FE4-90EA-150692276245}" type="presParOf" srcId="{93671D87-1FBC-4553-881A-B9FACCB94569}" destId="{C35F8033-251C-4402-9CDA-E79E53EA498D}" srcOrd="5" destOrd="0" presId="urn:microsoft.com/office/officeart/2005/8/layout/hierarchy5"/>
+    <dgm:cxn modelId="{9E92CB9D-C4FF-4D09-8713-B679DB2F7A73}" type="presParOf" srcId="{C35F8033-251C-4402-9CDA-E79E53EA498D}" destId="{E5332C44-8D7E-4744-A98D-DE3B9374D346}" srcOrd="0" destOrd="0" presId="urn:microsoft.com/office/officeart/2005/8/layout/hierarchy5"/>
+    <dgm:cxn modelId="{ADD008E8-6A21-4141-801B-55A52E96EA47}" type="presParOf" srcId="{C35F8033-251C-4402-9CDA-E79E53EA498D}" destId="{D245D402-E668-45F6-B2D7-7361B2B0CC7C}" srcOrd="1" destOrd="0" presId="urn:microsoft.com/office/officeart/2005/8/layout/hierarchy5"/>
+    <dgm:cxn modelId="{AB73A290-CF71-4F1D-BB27-780DAF6AE056}" type="presParOf" srcId="{93671D87-1FBC-4553-881A-B9FACCB94569}" destId="{4EFAC71E-8FB8-41A8-809D-DC0C8E9B5655}" srcOrd="6" destOrd="0" presId="urn:microsoft.com/office/officeart/2005/8/layout/hierarchy5"/>
+    <dgm:cxn modelId="{30D2A763-D2A3-4C60-AEEF-8A260D413CCE}" type="presParOf" srcId="{4EFAC71E-8FB8-41A8-809D-DC0C8E9B5655}" destId="{70084BCC-31F2-4AA8-93E5-86D97708CD62}" srcOrd="0" destOrd="0" presId="urn:microsoft.com/office/officeart/2005/8/layout/hierarchy5"/>
+    <dgm:cxn modelId="{9FA9D422-0DD4-405F-B25E-20D433FA8AA8}" type="presParOf" srcId="{93671D87-1FBC-4553-881A-B9FACCB94569}" destId="{238752D1-4534-46F7-8411-3459D689840E}" srcOrd="7" destOrd="0" presId="urn:microsoft.com/office/officeart/2005/8/layout/hierarchy5"/>
+    <dgm:cxn modelId="{4502BB0F-4066-4D7D-A252-28C9588FC6A4}" type="presParOf" srcId="{238752D1-4534-46F7-8411-3459D689840E}" destId="{55256D5D-7773-440E-AD57-EFD367D65297}" srcOrd="0" destOrd="0" presId="urn:microsoft.com/office/officeart/2005/8/layout/hierarchy5"/>
+    <dgm:cxn modelId="{071BAF95-2AF4-480F-98D9-4647FF8922F6}" type="presParOf" srcId="{238752D1-4534-46F7-8411-3459D689840E}" destId="{984F02F9-6A3B-4BC6-AD4D-48732F37A23C}" srcOrd="1" destOrd="0" presId="urn:microsoft.com/office/officeart/2005/8/layout/hierarchy5"/>
+    <dgm:cxn modelId="{3F962281-02BE-4EA6-B800-0FA63874A6FE}" type="presParOf" srcId="{78958AE7-C1AE-42C9-980D-92D471E6B760}" destId="{2A74444A-84EA-47A7-A74E-E268217ABFD8}" srcOrd="2" destOrd="0" presId="urn:microsoft.com/office/officeart/2005/8/layout/hierarchy5"/>
+    <dgm:cxn modelId="{2F86E240-C884-46A8-9C51-A8E94CE16C54}" type="presParOf" srcId="{2A74444A-84EA-47A7-A74E-E268217ABFD8}" destId="{7B35945B-ECBE-480C-8125-E29FCBC38067}" srcOrd="0" destOrd="0" presId="urn:microsoft.com/office/officeart/2005/8/layout/hierarchy5"/>
+    <dgm:cxn modelId="{9EB975E0-BAAB-4CCD-98FB-00BAD8D07911}" type="presParOf" srcId="{78958AE7-C1AE-42C9-980D-92D471E6B760}" destId="{417C4AAE-0951-4969-963E-029AF5CA18B8}" srcOrd="3" destOrd="0" presId="urn:microsoft.com/office/officeart/2005/8/layout/hierarchy5"/>
+    <dgm:cxn modelId="{7B0BE347-6963-4740-9009-C06BD6314F93}" type="presParOf" srcId="{417C4AAE-0951-4969-963E-029AF5CA18B8}" destId="{14ED5812-5CDA-45D9-860C-E57EEB475FF8}" srcOrd="0" destOrd="0" presId="urn:microsoft.com/office/officeart/2005/8/layout/hierarchy5"/>
+    <dgm:cxn modelId="{351D4286-B6E6-4C29-8CE0-8F8C53A60D33}" type="presParOf" srcId="{417C4AAE-0951-4969-963E-029AF5CA18B8}" destId="{DB3809A9-BDB5-4031-A8EE-5F4AD1A70826}" srcOrd="1" destOrd="0" presId="urn:microsoft.com/office/officeart/2005/8/layout/hierarchy5"/>
+    <dgm:cxn modelId="{135D1BF0-2565-42A9-9A37-1F0054D9E759}" type="presParOf" srcId="{DB3809A9-BDB5-4031-A8EE-5F4AD1A70826}" destId="{D0AF2088-4643-47C1-8234-9A2EB659FC54}" srcOrd="0" destOrd="0" presId="urn:microsoft.com/office/officeart/2005/8/layout/hierarchy5"/>
+    <dgm:cxn modelId="{4C296849-4D4D-40EA-9C53-D8F47FF3B922}" type="presParOf" srcId="{D0AF2088-4643-47C1-8234-9A2EB659FC54}" destId="{E99BBE15-374E-45D9-BC86-8DEF39BEFAF4}" srcOrd="0" destOrd="0" presId="urn:microsoft.com/office/officeart/2005/8/layout/hierarchy5"/>
+    <dgm:cxn modelId="{2C1520AC-5955-4640-BBE6-5C93FCCA0414}" type="presParOf" srcId="{DB3809A9-BDB5-4031-A8EE-5F4AD1A70826}" destId="{7BE6979E-11ED-471E-8213-83E89EB6F346}" srcOrd="1" destOrd="0" presId="urn:microsoft.com/office/officeart/2005/8/layout/hierarchy5"/>
+    <dgm:cxn modelId="{3A7D6553-3DC3-40FC-A986-1B1063694241}" type="presParOf" srcId="{7BE6979E-11ED-471E-8213-83E89EB6F346}" destId="{D216FF89-59CF-407C-8E9F-F8EB7B546317}" srcOrd="0" destOrd="0" presId="urn:microsoft.com/office/officeart/2005/8/layout/hierarchy5"/>
+    <dgm:cxn modelId="{D2F9CE51-6C08-43C2-B678-F3BD4B303EB8}" type="presParOf" srcId="{7BE6979E-11ED-471E-8213-83E89EB6F346}" destId="{C6B1B073-A937-4A00-99D4-2BEDE7194193}" srcOrd="1" destOrd="0" presId="urn:microsoft.com/office/officeart/2005/8/layout/hierarchy5"/>
+    <dgm:cxn modelId="{3B7AEEB5-D669-475F-9419-CC7586789A51}" type="presParOf" srcId="{DB3809A9-BDB5-4031-A8EE-5F4AD1A70826}" destId="{6FB218B6-6466-4155-AC7A-D7D18DD81040}" srcOrd="2" destOrd="0" presId="urn:microsoft.com/office/officeart/2005/8/layout/hierarchy5"/>
+    <dgm:cxn modelId="{0FF6CC83-72BB-4B93-8DED-A6BA83BAC352}" type="presParOf" srcId="{6FB218B6-6466-4155-AC7A-D7D18DD81040}" destId="{CA0FA190-4EFA-4DD5-A928-F3E515175209}" srcOrd="0" destOrd="0" presId="urn:microsoft.com/office/officeart/2005/8/layout/hierarchy5"/>
+    <dgm:cxn modelId="{6672BA32-D595-4E80-B94D-D9DAD6442D49}" type="presParOf" srcId="{DB3809A9-BDB5-4031-A8EE-5F4AD1A70826}" destId="{7655222E-9511-4A01-B77A-2A4156821069}" srcOrd="3" destOrd="0" presId="urn:microsoft.com/office/officeart/2005/8/layout/hierarchy5"/>
+    <dgm:cxn modelId="{2F94C93B-2089-4DDC-852D-DFA4D24A8AF8}" type="presParOf" srcId="{7655222E-9511-4A01-B77A-2A4156821069}" destId="{9C1CCCC1-4C9A-4C45-AC33-E3ACB7BE7530}" srcOrd="0" destOrd="0" presId="urn:microsoft.com/office/officeart/2005/8/layout/hierarchy5"/>
+    <dgm:cxn modelId="{49C370EF-DCF3-4B49-8238-373C4F157071}" type="presParOf" srcId="{7655222E-9511-4A01-B77A-2A4156821069}" destId="{BCCE3631-F936-4C49-B703-23EDD40D67A2}" srcOrd="1" destOrd="0" presId="urn:microsoft.com/office/officeart/2005/8/layout/hierarchy5"/>
+    <dgm:cxn modelId="{9D96097E-11C8-4796-84EC-44FF3C22ADC5}" type="presParOf" srcId="{DB3809A9-BDB5-4031-A8EE-5F4AD1A70826}" destId="{8CDE05C6-F82A-4CC5-A940-8E739D35F362}" srcOrd="4" destOrd="0" presId="urn:microsoft.com/office/officeart/2005/8/layout/hierarchy5"/>
+    <dgm:cxn modelId="{8F476AA9-D688-4458-8718-3E66925E4B6C}" type="presParOf" srcId="{8CDE05C6-F82A-4CC5-A940-8E739D35F362}" destId="{2716C842-40B6-47AD-9DE3-D07361626387}" srcOrd="0" destOrd="0" presId="urn:microsoft.com/office/officeart/2005/8/layout/hierarchy5"/>
+    <dgm:cxn modelId="{D0116F0B-F0FD-4320-846D-660BDF722AFA}" type="presParOf" srcId="{DB3809A9-BDB5-4031-A8EE-5F4AD1A70826}" destId="{40CB0297-8170-40BF-8A27-B9EADC3289CB}" srcOrd="5" destOrd="0" presId="urn:microsoft.com/office/officeart/2005/8/layout/hierarchy5"/>
+    <dgm:cxn modelId="{4853F3AC-F02E-48DF-8675-3A2397A06D2F}" type="presParOf" srcId="{40CB0297-8170-40BF-8A27-B9EADC3289CB}" destId="{B15797B0-9C3D-417A-A75B-FDAB0672D8AD}" srcOrd="0" destOrd="0" presId="urn:microsoft.com/office/officeart/2005/8/layout/hierarchy5"/>
+    <dgm:cxn modelId="{84EB0D64-2207-4751-9727-8D84F78336BE}" type="presParOf" srcId="{40CB0297-8170-40BF-8A27-B9EADC3289CB}" destId="{E3FFAD4F-3925-4B79-8FE1-7A19A6CFCC0D}" srcOrd="1" destOrd="0" presId="urn:microsoft.com/office/officeart/2005/8/layout/hierarchy5"/>
+    <dgm:cxn modelId="{AE6308C2-A3DC-43A4-9F48-9F050B1F735B}" type="presParOf" srcId="{DB3809A9-BDB5-4031-A8EE-5F4AD1A70826}" destId="{7C4F74D4-8813-4467-922D-58912BDBDC85}" srcOrd="6" destOrd="0" presId="urn:microsoft.com/office/officeart/2005/8/layout/hierarchy5"/>
+    <dgm:cxn modelId="{7DFC673E-E2B1-494A-9EBE-CA0DA634E83C}" type="presParOf" srcId="{7C4F74D4-8813-4467-922D-58912BDBDC85}" destId="{24E54D4C-C7FA-4718-911B-27430E6369A1}" srcOrd="0" destOrd="0" presId="urn:microsoft.com/office/officeart/2005/8/layout/hierarchy5"/>
+    <dgm:cxn modelId="{739A588C-3227-45B3-A3C9-120FEBBDF5FA}" type="presParOf" srcId="{DB3809A9-BDB5-4031-A8EE-5F4AD1A70826}" destId="{54C662E9-5C00-498B-977E-05F50808BAD3}" srcOrd="7" destOrd="0" presId="urn:microsoft.com/office/officeart/2005/8/layout/hierarchy5"/>
+    <dgm:cxn modelId="{E61B85B0-0DC4-43E8-9A3C-FFFA10DAF0D3}" type="presParOf" srcId="{54C662E9-5C00-498B-977E-05F50808BAD3}" destId="{EAEA87D6-C588-4318-9016-89C0740CB136}" srcOrd="0" destOrd="0" presId="urn:microsoft.com/office/officeart/2005/8/layout/hierarchy5"/>
+    <dgm:cxn modelId="{87E8F631-DA0C-439D-8C5B-E3032295E2D6}" type="presParOf" srcId="{54C662E9-5C00-498B-977E-05F50808BAD3}" destId="{87612E71-9ADE-477D-AADB-74006F09709D}" srcOrd="1" destOrd="0" presId="urn:microsoft.com/office/officeart/2005/8/layout/hierarchy5"/>
+    <dgm:cxn modelId="{608DD6E8-8701-448B-9139-97A358B7D4BE}" type="presParOf" srcId="{78958AE7-C1AE-42C9-980D-92D471E6B760}" destId="{303ECFB9-7750-44CB-AEB1-538A2C233E84}" srcOrd="4" destOrd="0" presId="urn:microsoft.com/office/officeart/2005/8/layout/hierarchy5"/>
+    <dgm:cxn modelId="{FF21D420-6811-4D58-BBFE-FC1E83E40917}" type="presParOf" srcId="{303ECFB9-7750-44CB-AEB1-538A2C233E84}" destId="{081758E9-814C-4286-873F-810CAE631E40}" srcOrd="0" destOrd="0" presId="urn:microsoft.com/office/officeart/2005/8/layout/hierarchy5"/>
+    <dgm:cxn modelId="{479E4663-0D33-478C-9117-8D6E57D5E806}" type="presParOf" srcId="{78958AE7-C1AE-42C9-980D-92D471E6B760}" destId="{80919F7D-6366-4C78-B513-CDE89BE15916}" srcOrd="5" destOrd="0" presId="urn:microsoft.com/office/officeart/2005/8/layout/hierarchy5"/>
+    <dgm:cxn modelId="{D26BBEB1-F2FF-411C-BB24-10ACE481AE4A}" type="presParOf" srcId="{80919F7D-6366-4C78-B513-CDE89BE15916}" destId="{E8351212-3A6B-49CE-B5EC-D77217A32BFA}" srcOrd="0" destOrd="0" presId="urn:microsoft.com/office/officeart/2005/8/layout/hierarchy5"/>
+    <dgm:cxn modelId="{16973E58-EE7E-4E89-AAAD-E431101AE4B5}" type="presParOf" srcId="{80919F7D-6366-4C78-B513-CDE89BE15916}" destId="{7A4B7050-3A57-4D66-983F-E1C6CEF08055}" srcOrd="1" destOrd="0" presId="urn:microsoft.com/office/officeart/2005/8/layout/hierarchy5"/>
+    <dgm:cxn modelId="{2C8A57F6-1169-45E3-85CB-D2D51130335C}" type="presParOf" srcId="{78958AE7-C1AE-42C9-980D-92D471E6B760}" destId="{4841A176-3A15-4DA5-B2B7-CC0B3101BC21}" srcOrd="6" destOrd="0" presId="urn:microsoft.com/office/officeart/2005/8/layout/hierarchy5"/>
+    <dgm:cxn modelId="{5E689954-2FC7-4922-855A-EF628C4BA014}" type="presParOf" srcId="{4841A176-3A15-4DA5-B2B7-CC0B3101BC21}" destId="{0024411A-9C27-4F9D-819C-FE413754B953}" srcOrd="0" destOrd="0" presId="urn:microsoft.com/office/officeart/2005/8/layout/hierarchy5"/>
+    <dgm:cxn modelId="{27438A38-E220-4868-A1DC-901B4077954D}" type="presParOf" srcId="{78958AE7-C1AE-42C9-980D-92D471E6B760}" destId="{ADDDE6D4-22D6-4974-9677-85B3D222897F}" srcOrd="7" destOrd="0" presId="urn:microsoft.com/office/officeart/2005/8/layout/hierarchy5"/>
+    <dgm:cxn modelId="{B314731B-55D0-4D81-AA27-53EB306340F0}" type="presParOf" srcId="{ADDDE6D4-22D6-4974-9677-85B3D222897F}" destId="{B2B8C3E1-4BBB-417F-82D5-22D109F3B63D}" srcOrd="0" destOrd="0" presId="urn:microsoft.com/office/officeart/2005/8/layout/hierarchy5"/>
+    <dgm:cxn modelId="{1C24205C-BC55-4183-95F0-21D5087AFD24}" type="presParOf" srcId="{ADDDE6D4-22D6-4974-9677-85B3D222897F}" destId="{55A0D30A-030D-4C2E-B218-7591FC26CD0F}" srcOrd="1" destOrd="0" presId="urn:microsoft.com/office/officeart/2005/8/layout/hierarchy5"/>
+    <dgm:cxn modelId="{087CB591-EE93-4722-B341-7AAFF185460E}" type="presParOf" srcId="{78958AE7-C1AE-42C9-980D-92D471E6B760}" destId="{6A2DD93E-978C-4316-BF3F-2CB8381B0E4D}" srcOrd="8" destOrd="0" presId="urn:microsoft.com/office/officeart/2005/8/layout/hierarchy5"/>
+    <dgm:cxn modelId="{522BBDFB-0738-40A1-A5B1-A4477A8FF361}" type="presParOf" srcId="{6A2DD93E-978C-4316-BF3F-2CB8381B0E4D}" destId="{B0EB042C-6E04-4AB3-99A2-CE0B443F2471}" srcOrd="0" destOrd="0" presId="urn:microsoft.com/office/officeart/2005/8/layout/hierarchy5"/>
+    <dgm:cxn modelId="{BF52E50B-27CE-45D5-AC28-F848130EEA97}" type="presParOf" srcId="{78958AE7-C1AE-42C9-980D-92D471E6B760}" destId="{ACF8FFE6-DA3C-47C2-87DE-889CD7E7D6A4}" srcOrd="9" destOrd="0" presId="urn:microsoft.com/office/officeart/2005/8/layout/hierarchy5"/>
+    <dgm:cxn modelId="{62C95FEC-B18E-4B1E-81A8-1C6C7BF48867}" type="presParOf" srcId="{ACF8FFE6-DA3C-47C2-87DE-889CD7E7D6A4}" destId="{D746E41F-F5D4-46C0-8188-63CA1BF1C131}" srcOrd="0" destOrd="0" presId="urn:microsoft.com/office/officeart/2005/8/layout/hierarchy5"/>
+    <dgm:cxn modelId="{AB1224F3-9314-4D74-A0DA-32BB6C8524A0}" type="presParOf" srcId="{ACF8FFE6-DA3C-47C2-87DE-889CD7E7D6A4}" destId="{20095DC5-72B6-42C1-AC5A-ED7869648CB5}" srcOrd="1" destOrd="0" presId="urn:microsoft.com/office/officeart/2005/8/layout/hierarchy5"/>
+    <dgm:cxn modelId="{E7A3714B-BEC1-4BB6-8BEC-677307677C43}" type="presParOf" srcId="{9194BFAA-FCF3-455F-94B9-6783DE64A2A2}" destId="{C5054819-C169-4091-9891-E4CCF89273C7}" srcOrd="1" destOrd="0" presId="urn:microsoft.com/office/officeart/2005/8/layout/hierarchy5"/>
   </dgm:cxnLst>
   <dgm:bg/>
   <dgm:whole/>
@@ -2148,15 +3001,95 @@
       <dsp:cNvGrpSpPr/>
     </dsp:nvGrpSpPr>
     <dsp:grpSpPr/>
-    <dsp:sp modelId="{E3A33533-5E1A-4847-9005-4123197D704A}">
+    <dsp:sp modelId="{EA5208EC-5708-4FA3-814F-48911A00664C}">
       <dsp:nvSpPr>
         <dsp:cNvPr id="0" name=""/>
         <dsp:cNvSpPr/>
       </dsp:nvSpPr>
       <dsp:spPr>
         <a:xfrm>
-          <a:off x="2743735" y="3415434"/>
-          <a:ext cx="971194" cy="2280438"/>
+          <a:off x="1270397" y="3894378"/>
+          <a:ext cx="933997" cy="466998"/>
+        </a:xfrm>
+        <a:prstGeom prst="roundRect">
+          <a:avLst>
+            <a:gd name="adj" fmla="val 10000"/>
+          </a:avLst>
+        </a:prstGeom>
+        <a:solidFill>
+          <a:schemeClr val="accent2">
+            <a:hueOff val="0"/>
+            <a:satOff val="0"/>
+            <a:lumOff val="0"/>
+            <a:alphaOff val="0"/>
+          </a:schemeClr>
+        </a:solidFill>
+        <a:ln w="12700" cap="flat" cmpd="sng" algn="ctr">
+          <a:solidFill>
+            <a:schemeClr val="lt1">
+              <a:hueOff val="0"/>
+              <a:satOff val="0"/>
+              <a:lumOff val="0"/>
+              <a:alphaOff val="0"/>
+            </a:schemeClr>
+          </a:solidFill>
+          <a:prstDash val="solid"/>
+          <a:miter lim="800000"/>
+        </a:ln>
+        <a:effectLst/>
+      </dsp:spPr>
+      <dsp:style>
+        <a:lnRef idx="2">
+          <a:scrgbClr r="0" g="0" b="0"/>
+        </a:lnRef>
+        <a:fillRef idx="1">
+          <a:scrgbClr r="0" g="0" b="0"/>
+        </a:fillRef>
+        <a:effectRef idx="0">
+          <a:scrgbClr r="0" g="0" b="0"/>
+        </a:effectRef>
+        <a:fontRef idx="minor">
+          <a:schemeClr val="lt1"/>
+        </a:fontRef>
+      </dsp:style>
+      <dsp:txBody>
+        <a:bodyPr spcFirstLastPara="0" vert="horz" wrap="square" lIns="6350" tIns="6350" rIns="6350" bIns="6350" numCol="1" spcCol="1270" anchor="ctr" anchorCtr="0">
+          <a:noAutofit/>
+        </a:bodyPr>
+        <a:lstStyle/>
+        <a:p>
+          <a:pPr lvl="0" algn="ctr" defTabSz="444500">
+            <a:lnSpc>
+              <a:spcPct val="90000"/>
+            </a:lnSpc>
+            <a:spcBef>
+              <a:spcPct val="0"/>
+            </a:spcBef>
+            <a:spcAft>
+              <a:spcPct val="35000"/>
+            </a:spcAft>
+          </a:pPr>
+          <a:r>
+            <a:rPr lang="en-US" sz="1000" kern="1200" dirty="0" smtClean="0"/>
+            <a:t>PhenStatAgeing</a:t>
+          </a:r>
+          <a:endParaRPr lang="en-US" sz="1000" kern="1200" dirty="0"/>
+        </a:p>
+      </dsp:txBody>
+      <dsp:txXfrm>
+        <a:off x="1284075" y="3908056"/>
+        <a:ext cx="906641" cy="439642"/>
+      </dsp:txXfrm>
+    </dsp:sp>
+    <dsp:sp modelId="{D3CB03B0-1027-46FB-9F5E-2422A122F540}">
+      <dsp:nvSpPr>
+        <dsp:cNvPr id="0" name=""/>
+        <dsp:cNvSpPr/>
+      </dsp:nvSpPr>
+      <dsp:spPr>
+        <a:xfrm rot="16830559">
+          <a:off x="1367048" y="3114320"/>
+          <a:ext cx="2048290" cy="13183"/>
         </a:xfrm>
         <a:custGeom>
           <a:avLst/>
@@ -2167,16 +3100,10 @@
           <a:pathLst>
             <a:path>
               <a:moveTo>
-                <a:pt x="0" y="0"/>
+                <a:pt x="0" y="6591"/>
               </a:moveTo>
               <a:lnTo>
-                <a:pt x="901612" y="0"/>
-              </a:lnTo>
-              <a:lnTo>
-                <a:pt x="901612" y="2280438"/>
-              </a:lnTo>
-              <a:lnTo>
-                <a:pt x="971194" y="2280438"/>
+                <a:pt x="2048290" y="6591"/>
               </a:lnTo>
             </a:path>
           </a:pathLst>
@@ -2208,16 +3135,120 @@
         </a:effectRef>
         <a:fontRef idx="minor"/>
       </dsp:style>
+      <dsp:txBody>
+        <a:bodyPr spcFirstLastPara="0" vert="horz" wrap="square" lIns="12700" tIns="0" rIns="12700" bIns="0" numCol="1" spcCol="1270" anchor="ctr" anchorCtr="0">
+          <a:noAutofit/>
+        </a:bodyPr>
+        <a:lstStyle/>
+        <a:p>
+          <a:pPr lvl="0" algn="ctr" defTabSz="311150">
+            <a:lnSpc>
+              <a:spcPct val="90000"/>
+            </a:lnSpc>
+            <a:spcBef>
+              <a:spcPct val="0"/>
+            </a:spcBef>
+            <a:spcAft>
+              <a:spcPct val="35000"/>
+            </a:spcAft>
+          </a:pPr>
+          <a:endParaRPr lang="en-US" sz="700" kern="1200"/>
+        </a:p>
+      </dsp:txBody>
+      <dsp:txXfrm>
+        <a:off x="2339986" y="3069705"/>
+        <a:ext cx="102414" cy="102414"/>
+      </dsp:txXfrm>
     </dsp:sp>
-    <dsp:sp modelId="{C8E9813E-5BC8-45C1-98A1-C42E679C1FB1}">
+    <dsp:sp modelId="{CB60E10B-0415-4CDC-BA12-7A1AA6D0FAF7}">
       <dsp:nvSpPr>
         <dsp:cNvPr id="0" name=""/>
         <dsp:cNvSpPr/>
       </dsp:nvSpPr>
       <dsp:spPr>
         <a:xfrm>
-          <a:off x="2743735" y="3415434"/>
-          <a:ext cx="971194" cy="1643006"/>
+          <a:off x="2577993" y="1880447"/>
+          <a:ext cx="933997" cy="466998"/>
+        </a:xfrm>
+        <a:prstGeom prst="roundRect">
+          <a:avLst>
+            <a:gd name="adj" fmla="val 10000"/>
+          </a:avLst>
+        </a:prstGeom>
+        <a:solidFill>
+          <a:schemeClr val="accent4">
+            <a:hueOff val="0"/>
+            <a:satOff val="0"/>
+            <a:lumOff val="0"/>
+            <a:alphaOff val="0"/>
+          </a:schemeClr>
+        </a:solidFill>
+        <a:ln w="12700" cap="flat" cmpd="sng" algn="ctr">
+          <a:solidFill>
+            <a:schemeClr val="lt1">
+              <a:hueOff val="0"/>
+              <a:satOff val="0"/>
+              <a:lumOff val="0"/>
+              <a:alphaOff val="0"/>
+            </a:schemeClr>
+          </a:solidFill>
+          <a:prstDash val="solid"/>
+          <a:miter lim="800000"/>
+        </a:ln>
+        <a:effectLst/>
+      </dsp:spPr>
+      <dsp:style>
+        <a:lnRef idx="2">
+          <a:scrgbClr r="0" g="0" b="0"/>
+        </a:lnRef>
+        <a:fillRef idx="1">
+          <a:scrgbClr r="0" g="0" b="0"/>
+        </a:fillRef>
+        <a:effectRef idx="0">
+          <a:scrgbClr r="0" g="0" b="0"/>
+        </a:effectRef>
+        <a:fontRef idx="minor">
+          <a:schemeClr val="lt1"/>
+        </a:fontRef>
+      </dsp:style>
+      <dsp:txBody>
+        <a:bodyPr spcFirstLastPara="0" vert="horz" wrap="square" lIns="6350" tIns="6350" rIns="6350" bIns="6350" numCol="1" spcCol="1270" anchor="ctr" anchorCtr="0">
+          <a:noAutofit/>
+        </a:bodyPr>
+        <a:lstStyle/>
+        <a:p>
+          <a:pPr lvl="0" algn="ctr" defTabSz="444500">
+            <a:lnSpc>
+              <a:spcPct val="90000"/>
+            </a:lnSpc>
+            <a:spcBef>
+              <a:spcPct val="0"/>
+            </a:spcBef>
+            <a:spcAft>
+              <a:spcPct val="35000"/>
+            </a:spcAft>
+          </a:pPr>
+          <a:r>
+            <a:rPr lang="en-US" sz="1000" kern="1200" dirty="0" smtClean="0"/>
+            <a:t>1. Categorical</a:t>
+          </a:r>
+          <a:endParaRPr lang="en-US" sz="1000" kern="1200" dirty="0"/>
+        </a:p>
+      </dsp:txBody>
+      <dsp:txXfrm>
+        <a:off x="2591671" y="1894125"/>
+        <a:ext cx="906641" cy="439642"/>
+      </dsp:txXfrm>
+    </dsp:sp>
+    <dsp:sp modelId="{F14100D3-AF2D-4C55-ACFC-7E3D26C366E2}">
+      <dsp:nvSpPr>
+        <dsp:cNvPr id="0" name=""/>
+        <dsp:cNvSpPr/>
+      </dsp:nvSpPr>
+      <dsp:spPr>
+        <a:xfrm rot="17350740">
+          <a:off x="3130182" y="1570306"/>
+          <a:ext cx="1137215" cy="13183"/>
         </a:xfrm>
         <a:custGeom>
           <a:avLst/>
@@ -2228,16 +3259,1612 @@
           <a:pathLst>
             <a:path>
               <a:moveTo>
-                <a:pt x="0" y="0"/>
+                <a:pt x="0" y="6591"/>
               </a:moveTo>
               <a:lnTo>
-                <a:pt x="901612" y="0"/>
+                <a:pt x="1137215" y="6591"/>
               </a:lnTo>
+            </a:path>
+          </a:pathLst>
+        </a:custGeom>
+        <a:noFill/>
+        <a:ln w="12700" cap="flat" cmpd="sng" algn="ctr">
+          <a:solidFill>
+            <a:schemeClr val="accent5">
+              <a:hueOff val="0"/>
+              <a:satOff val="0"/>
+              <a:lumOff val="0"/>
+              <a:alphaOff val="0"/>
+            </a:schemeClr>
+          </a:solidFill>
+          <a:prstDash val="solid"/>
+          <a:miter lim="800000"/>
+        </a:ln>
+        <a:effectLst/>
+      </dsp:spPr>
+      <dsp:style>
+        <a:lnRef idx="2">
+          <a:scrgbClr r="0" g="0" b="0"/>
+        </a:lnRef>
+        <a:fillRef idx="0">
+          <a:scrgbClr r="0" g="0" b="0"/>
+        </a:fillRef>
+        <a:effectRef idx="0">
+          <a:scrgbClr r="0" g="0" b="0"/>
+        </a:effectRef>
+        <a:fontRef idx="minor"/>
+      </dsp:style>
+      <dsp:txBody>
+        <a:bodyPr spcFirstLastPara="0" vert="horz" wrap="square" lIns="12700" tIns="0" rIns="12700" bIns="0" numCol="1" spcCol="1270" anchor="ctr" anchorCtr="0">
+          <a:noAutofit/>
+        </a:bodyPr>
+        <a:lstStyle/>
+        <a:p>
+          <a:pPr lvl="0" algn="ctr" defTabSz="222250">
+            <a:lnSpc>
+              <a:spcPct val="90000"/>
+            </a:lnSpc>
+            <a:spcBef>
+              <a:spcPct val="0"/>
+            </a:spcBef>
+            <a:spcAft>
+              <a:spcPct val="35000"/>
+            </a:spcAft>
+          </a:pPr>
+          <a:endParaRPr lang="en-US" sz="500" kern="1200"/>
+        </a:p>
+      </dsp:txBody>
+      <dsp:txXfrm>
+        <a:off x="3670359" y="1548468"/>
+        <a:ext cx="56860" cy="56860"/>
+      </dsp:txXfrm>
+    </dsp:sp>
+    <dsp:sp modelId="{784964E3-728D-4CBF-A777-FCD6B2AAA912}">
+      <dsp:nvSpPr>
+        <dsp:cNvPr id="0" name=""/>
+        <dsp:cNvSpPr/>
+      </dsp:nvSpPr>
+      <dsp:spPr>
+        <a:xfrm>
+          <a:off x="3885589" y="806350"/>
+          <a:ext cx="933997" cy="466998"/>
+        </a:xfrm>
+        <a:prstGeom prst="roundRect">
+          <a:avLst>
+            <a:gd name="adj" fmla="val 10000"/>
+          </a:avLst>
+        </a:prstGeom>
+        <a:solidFill>
+          <a:schemeClr val="accent5">
+            <a:hueOff val="0"/>
+            <a:satOff val="0"/>
+            <a:lumOff val="0"/>
+            <a:alphaOff val="0"/>
+          </a:schemeClr>
+        </a:solidFill>
+        <a:ln w="12700" cap="flat" cmpd="sng" algn="ctr">
+          <a:solidFill>
+            <a:schemeClr val="lt1">
+              <a:hueOff val="0"/>
+              <a:satOff val="0"/>
+              <a:lumOff val="0"/>
+              <a:alphaOff val="0"/>
+            </a:schemeClr>
+          </a:solidFill>
+          <a:prstDash val="solid"/>
+          <a:miter lim="800000"/>
+        </a:ln>
+        <a:effectLst/>
+      </dsp:spPr>
+      <dsp:style>
+        <a:lnRef idx="2">
+          <a:scrgbClr r="0" g="0" b="0"/>
+        </a:lnRef>
+        <a:fillRef idx="1">
+          <a:scrgbClr r="0" g="0" b="0"/>
+        </a:fillRef>
+        <a:effectRef idx="0">
+          <a:scrgbClr r="0" g="0" b="0"/>
+        </a:effectRef>
+        <a:fontRef idx="minor">
+          <a:schemeClr val="lt1"/>
+        </a:fontRef>
+      </dsp:style>
+      <dsp:txBody>
+        <a:bodyPr spcFirstLastPara="0" vert="horz" wrap="square" lIns="6350" tIns="6350" rIns="6350" bIns="6350" numCol="1" spcCol="1270" anchor="ctr" anchorCtr="0">
+          <a:noAutofit/>
+        </a:bodyPr>
+        <a:lstStyle/>
+        <a:p>
+          <a:pPr lvl="0" algn="ctr" defTabSz="444500">
+            <a:lnSpc>
+              <a:spcPct val="90000"/>
+            </a:lnSpc>
+            <a:spcBef>
+              <a:spcPct val="0"/>
+            </a:spcBef>
+            <a:spcAft>
+              <a:spcPct val="35000"/>
+            </a:spcAft>
+          </a:pPr>
+          <a:r>
+            <a:rPr lang="en-US" sz="1000" kern="1200" dirty="0" smtClean="0"/>
+            <a:t>FE</a:t>
+          </a:r>
+          <a:endParaRPr lang="en-US" sz="1000" kern="1200" dirty="0"/>
+        </a:p>
+      </dsp:txBody>
+      <dsp:txXfrm>
+        <a:off x="3899267" y="820028"/>
+        <a:ext cx="906641" cy="439642"/>
+      </dsp:txXfrm>
+    </dsp:sp>
+    <dsp:sp modelId="{1D3C08BF-2720-4F5C-911C-B2BC9FB74D30}">
+      <dsp:nvSpPr>
+        <dsp:cNvPr id="0" name=""/>
+        <dsp:cNvSpPr/>
+      </dsp:nvSpPr>
+      <dsp:spPr>
+        <a:xfrm rot="17692822">
+          <a:off x="4562391" y="630472"/>
+          <a:ext cx="887988" cy="13183"/>
+        </a:xfrm>
+        <a:custGeom>
+          <a:avLst/>
+          <a:gdLst/>
+          <a:ahLst/>
+          <a:cxnLst/>
+          <a:rect l="0" t="0" r="0" b="0"/>
+          <a:pathLst>
+            <a:path>
+              <a:moveTo>
+                <a:pt x="0" y="6591"/>
+              </a:moveTo>
               <a:lnTo>
-                <a:pt x="901612" y="1643006"/>
+                <a:pt x="887988" y="6591"/>
               </a:lnTo>
+            </a:path>
+          </a:pathLst>
+        </a:custGeom>
+        <a:noFill/>
+        <a:ln w="12700" cap="flat" cmpd="sng" algn="ctr">
+          <a:solidFill>
+            <a:schemeClr val="accent6">
+              <a:hueOff val="0"/>
+              <a:satOff val="0"/>
+              <a:lumOff val="0"/>
+              <a:alphaOff val="0"/>
+            </a:schemeClr>
+          </a:solidFill>
+          <a:prstDash val="solid"/>
+          <a:miter lim="800000"/>
+        </a:ln>
+        <a:effectLst/>
+      </dsp:spPr>
+      <dsp:style>
+        <a:lnRef idx="2">
+          <a:scrgbClr r="0" g="0" b="0"/>
+        </a:lnRef>
+        <a:fillRef idx="0">
+          <a:scrgbClr r="0" g="0" b="0"/>
+        </a:fillRef>
+        <a:effectRef idx="0">
+          <a:scrgbClr r="0" g="0" b="0"/>
+        </a:effectRef>
+        <a:fontRef idx="minor"/>
+      </dsp:style>
+      <dsp:txBody>
+        <a:bodyPr spcFirstLastPara="0" vert="horz" wrap="square" lIns="12700" tIns="0" rIns="12700" bIns="0" numCol="1" spcCol="1270" anchor="ctr" anchorCtr="0">
+          <a:noAutofit/>
+        </a:bodyPr>
+        <a:lstStyle/>
+        <a:p>
+          <a:pPr lvl="0" algn="ctr" defTabSz="222250">
+            <a:lnSpc>
+              <a:spcPct val="90000"/>
+            </a:lnSpc>
+            <a:spcBef>
+              <a:spcPct val="0"/>
+            </a:spcBef>
+            <a:spcAft>
+              <a:spcPct val="35000"/>
+            </a:spcAft>
+          </a:pPr>
+          <a:endParaRPr lang="en-US" sz="500" kern="1200"/>
+        </a:p>
+      </dsp:txBody>
+      <dsp:txXfrm>
+        <a:off x="4984186" y="614864"/>
+        <a:ext cx="44399" cy="44399"/>
+      </dsp:txXfrm>
+    </dsp:sp>
+    <dsp:sp modelId="{E6A786C2-D11B-4200-BCE7-4AD68BACAF4E}">
+      <dsp:nvSpPr>
+        <dsp:cNvPr id="0" name=""/>
+        <dsp:cNvSpPr/>
+      </dsp:nvSpPr>
+      <dsp:spPr>
+        <a:xfrm>
+          <a:off x="5193185" y="778"/>
+          <a:ext cx="933997" cy="466998"/>
+        </a:xfrm>
+        <a:prstGeom prst="roundRect">
+          <a:avLst>
+            <a:gd name="adj" fmla="val 10000"/>
+          </a:avLst>
+        </a:prstGeom>
+        <a:solidFill>
+          <a:schemeClr val="accent6">
+            <a:hueOff val="0"/>
+            <a:satOff val="0"/>
+            <a:lumOff val="0"/>
+            <a:alphaOff val="0"/>
+          </a:schemeClr>
+        </a:solidFill>
+        <a:ln w="12700" cap="flat" cmpd="sng" algn="ctr">
+          <a:solidFill>
+            <a:schemeClr val="lt1">
+              <a:hueOff val="0"/>
+              <a:satOff val="0"/>
+              <a:lumOff val="0"/>
+              <a:alphaOff val="0"/>
+            </a:schemeClr>
+          </a:solidFill>
+          <a:prstDash val="solid"/>
+          <a:miter lim="800000"/>
+        </a:ln>
+        <a:effectLst/>
+      </dsp:spPr>
+      <dsp:style>
+        <a:lnRef idx="2">
+          <a:scrgbClr r="0" g="0" b="0"/>
+        </a:lnRef>
+        <a:fillRef idx="1">
+          <a:scrgbClr r="0" g="0" b="0"/>
+        </a:fillRef>
+        <a:effectRef idx="0">
+          <a:scrgbClr r="0" g="0" b="0"/>
+        </a:effectRef>
+        <a:fontRef idx="minor">
+          <a:schemeClr val="lt1"/>
+        </a:fontRef>
+      </dsp:style>
+      <dsp:txBody>
+        <a:bodyPr spcFirstLastPara="0" vert="horz" wrap="square" lIns="6350" tIns="6350" rIns="6350" bIns="6350" numCol="1" spcCol="1270" anchor="ctr" anchorCtr="0">
+          <a:noAutofit/>
+        </a:bodyPr>
+        <a:lstStyle/>
+        <a:p>
+          <a:pPr lvl="0" algn="ctr" defTabSz="444500">
+            <a:lnSpc>
+              <a:spcPct val="90000"/>
+            </a:lnSpc>
+            <a:spcBef>
+              <a:spcPct val="0"/>
+            </a:spcBef>
+            <a:spcAft>
+              <a:spcPct val="35000"/>
+            </a:spcAft>
+          </a:pPr>
+          <a:r>
+            <a:rPr lang="en-US" sz="1000" kern="1200" dirty="0" smtClean="0"/>
+            <a:t>1.1 Analysis</a:t>
+          </a:r>
+          <a:endParaRPr lang="en-US" sz="1000" kern="1200" dirty="0"/>
+        </a:p>
+      </dsp:txBody>
+      <dsp:txXfrm>
+        <a:off x="5206863" y="14456"/>
+        <a:ext cx="906641" cy="439642"/>
+      </dsp:txXfrm>
+    </dsp:sp>
+    <dsp:sp modelId="{A7576431-FADA-4C62-8A3A-274A89B766F9}">
+      <dsp:nvSpPr>
+        <dsp:cNvPr id="0" name=""/>
+        <dsp:cNvSpPr/>
+      </dsp:nvSpPr>
+      <dsp:spPr>
+        <a:xfrm rot="19457599">
+          <a:off x="4776341" y="898996"/>
+          <a:ext cx="460088" cy="13183"/>
+        </a:xfrm>
+        <a:custGeom>
+          <a:avLst/>
+          <a:gdLst/>
+          <a:ahLst/>
+          <a:cxnLst/>
+          <a:rect l="0" t="0" r="0" b="0"/>
+          <a:pathLst>
+            <a:path>
+              <a:moveTo>
+                <a:pt x="0" y="6591"/>
+              </a:moveTo>
               <a:lnTo>
-                <a:pt x="971194" y="1643006"/>
+                <a:pt x="460088" y="6591"/>
+              </a:lnTo>
+            </a:path>
+          </a:pathLst>
+        </a:custGeom>
+        <a:noFill/>
+        <a:ln w="12700" cap="flat" cmpd="sng" algn="ctr">
+          <a:solidFill>
+            <a:schemeClr val="accent6">
+              <a:hueOff val="0"/>
+              <a:satOff val="0"/>
+              <a:lumOff val="0"/>
+              <a:alphaOff val="0"/>
+            </a:schemeClr>
+          </a:solidFill>
+          <a:prstDash val="solid"/>
+          <a:miter lim="800000"/>
+        </a:ln>
+        <a:effectLst/>
+      </dsp:spPr>
+      <dsp:style>
+        <a:lnRef idx="2">
+          <a:scrgbClr r="0" g="0" b="0"/>
+        </a:lnRef>
+        <a:fillRef idx="0">
+          <a:scrgbClr r="0" g="0" b="0"/>
+        </a:fillRef>
+        <a:effectRef idx="0">
+          <a:scrgbClr r="0" g="0" b="0"/>
+        </a:effectRef>
+        <a:fontRef idx="minor"/>
+      </dsp:style>
+      <dsp:txBody>
+        <a:bodyPr spcFirstLastPara="0" vert="horz" wrap="square" lIns="12700" tIns="0" rIns="12700" bIns="0" numCol="1" spcCol="1270" anchor="ctr" anchorCtr="0">
+          <a:noAutofit/>
+        </a:bodyPr>
+        <a:lstStyle/>
+        <a:p>
+          <a:pPr lvl="0" algn="ctr" defTabSz="222250">
+            <a:lnSpc>
+              <a:spcPct val="90000"/>
+            </a:lnSpc>
+            <a:spcBef>
+              <a:spcPct val="0"/>
+            </a:spcBef>
+            <a:spcAft>
+              <a:spcPct val="35000"/>
+            </a:spcAft>
+          </a:pPr>
+          <a:endParaRPr lang="en-US" sz="500" kern="1200"/>
+        </a:p>
+      </dsp:txBody>
+      <dsp:txXfrm>
+        <a:off x="4994883" y="894085"/>
+        <a:ext cx="23004" cy="23004"/>
+      </dsp:txXfrm>
+    </dsp:sp>
+    <dsp:sp modelId="{4CA13BFE-955B-4177-A0F7-E9A3FC9085C7}">
+      <dsp:nvSpPr>
+        <dsp:cNvPr id="0" name=""/>
+        <dsp:cNvSpPr/>
+      </dsp:nvSpPr>
+      <dsp:spPr>
+        <a:xfrm>
+          <a:off x="5193185" y="537826"/>
+          <a:ext cx="933997" cy="466998"/>
+        </a:xfrm>
+        <a:prstGeom prst="roundRect">
+          <a:avLst>
+            <a:gd name="adj" fmla="val 10000"/>
+          </a:avLst>
+        </a:prstGeom>
+        <a:solidFill>
+          <a:schemeClr val="accent6">
+            <a:hueOff val="0"/>
+            <a:satOff val="0"/>
+            <a:lumOff val="0"/>
+            <a:alphaOff val="0"/>
+          </a:schemeClr>
+        </a:solidFill>
+        <a:ln w="12700" cap="flat" cmpd="sng" algn="ctr">
+          <a:solidFill>
+            <a:schemeClr val="lt1">
+              <a:hueOff val="0"/>
+              <a:satOff val="0"/>
+              <a:lumOff val="0"/>
+              <a:alphaOff val="0"/>
+            </a:schemeClr>
+          </a:solidFill>
+          <a:prstDash val="solid"/>
+          <a:miter lim="800000"/>
+        </a:ln>
+        <a:effectLst/>
+      </dsp:spPr>
+      <dsp:style>
+        <a:lnRef idx="2">
+          <a:scrgbClr r="0" g="0" b="0"/>
+        </a:lnRef>
+        <a:fillRef idx="1">
+          <a:scrgbClr r="0" g="0" b="0"/>
+        </a:fillRef>
+        <a:effectRef idx="0">
+          <a:scrgbClr r="0" g="0" b="0"/>
+        </a:effectRef>
+        <a:fontRef idx="minor">
+          <a:schemeClr val="lt1"/>
+        </a:fontRef>
+      </dsp:style>
+      <dsp:txBody>
+        <a:bodyPr spcFirstLastPara="0" vert="horz" wrap="square" lIns="6350" tIns="6350" rIns="6350" bIns="6350" numCol="1" spcCol="1270" anchor="ctr" anchorCtr="0">
+          <a:noAutofit/>
+        </a:bodyPr>
+        <a:lstStyle/>
+        <a:p>
+          <a:pPr lvl="0" algn="ctr" defTabSz="444500">
+            <a:lnSpc>
+              <a:spcPct val="90000"/>
+            </a:lnSpc>
+            <a:spcBef>
+              <a:spcPct val="0"/>
+            </a:spcBef>
+            <a:spcAft>
+              <a:spcPct val="35000"/>
+            </a:spcAft>
+          </a:pPr>
+          <a:r>
+            <a:rPr lang="en-US" sz="1000" kern="1200" dirty="0" smtClean="0"/>
+            <a:t>1.2 Summary</a:t>
+          </a:r>
+          <a:endParaRPr lang="en-US" sz="1000" kern="1200" dirty="0"/>
+        </a:p>
+      </dsp:txBody>
+      <dsp:txXfrm>
+        <a:off x="5206863" y="551504"/>
+        <a:ext cx="906641" cy="439642"/>
+      </dsp:txXfrm>
+    </dsp:sp>
+    <dsp:sp modelId="{52E671D4-AD69-4462-8776-9088633CE2BB}">
+      <dsp:nvSpPr>
+        <dsp:cNvPr id="0" name=""/>
+        <dsp:cNvSpPr/>
+      </dsp:nvSpPr>
+      <dsp:spPr>
+        <a:xfrm rot="2142401">
+          <a:off x="4776341" y="1167520"/>
+          <a:ext cx="460088" cy="13183"/>
+        </a:xfrm>
+        <a:custGeom>
+          <a:avLst/>
+          <a:gdLst/>
+          <a:ahLst/>
+          <a:cxnLst/>
+          <a:rect l="0" t="0" r="0" b="0"/>
+          <a:pathLst>
+            <a:path>
+              <a:moveTo>
+                <a:pt x="0" y="6591"/>
+              </a:moveTo>
+              <a:lnTo>
+                <a:pt x="460088" y="6591"/>
+              </a:lnTo>
+            </a:path>
+          </a:pathLst>
+        </a:custGeom>
+        <a:noFill/>
+        <a:ln w="12700" cap="flat" cmpd="sng" algn="ctr">
+          <a:solidFill>
+            <a:schemeClr val="accent6">
+              <a:hueOff val="0"/>
+              <a:satOff val="0"/>
+              <a:lumOff val="0"/>
+              <a:alphaOff val="0"/>
+            </a:schemeClr>
+          </a:solidFill>
+          <a:prstDash val="solid"/>
+          <a:miter lim="800000"/>
+        </a:ln>
+        <a:effectLst/>
+      </dsp:spPr>
+      <dsp:style>
+        <a:lnRef idx="2">
+          <a:scrgbClr r="0" g="0" b="0"/>
+        </a:lnRef>
+        <a:fillRef idx="0">
+          <a:scrgbClr r="0" g="0" b="0"/>
+        </a:fillRef>
+        <a:effectRef idx="0">
+          <a:scrgbClr r="0" g="0" b="0"/>
+        </a:effectRef>
+        <a:fontRef idx="minor"/>
+      </dsp:style>
+      <dsp:txBody>
+        <a:bodyPr spcFirstLastPara="0" vert="horz" wrap="square" lIns="12700" tIns="0" rIns="12700" bIns="0" numCol="1" spcCol="1270" anchor="ctr" anchorCtr="0">
+          <a:noAutofit/>
+        </a:bodyPr>
+        <a:lstStyle/>
+        <a:p>
+          <a:pPr lvl="0" algn="ctr" defTabSz="222250">
+            <a:lnSpc>
+              <a:spcPct val="90000"/>
+            </a:lnSpc>
+            <a:spcBef>
+              <a:spcPct val="0"/>
+            </a:spcBef>
+            <a:spcAft>
+              <a:spcPct val="35000"/>
+            </a:spcAft>
+          </a:pPr>
+          <a:endParaRPr lang="en-US" sz="500" kern="1200"/>
+        </a:p>
+      </dsp:txBody>
+      <dsp:txXfrm>
+        <a:off x="4994883" y="1162610"/>
+        <a:ext cx="23004" cy="23004"/>
+      </dsp:txXfrm>
+    </dsp:sp>
+    <dsp:sp modelId="{4C161E02-B1B2-4516-9474-FA1020EE878F}">
+      <dsp:nvSpPr>
+        <dsp:cNvPr id="0" name=""/>
+        <dsp:cNvSpPr/>
+      </dsp:nvSpPr>
+      <dsp:spPr>
+        <a:xfrm>
+          <a:off x="5193185" y="1074875"/>
+          <a:ext cx="933997" cy="466998"/>
+        </a:xfrm>
+        <a:prstGeom prst="roundRect">
+          <a:avLst>
+            <a:gd name="adj" fmla="val 10000"/>
+          </a:avLst>
+        </a:prstGeom>
+        <a:solidFill>
+          <a:schemeClr val="accent6">
+            <a:hueOff val="0"/>
+            <a:satOff val="0"/>
+            <a:lumOff val="0"/>
+            <a:alphaOff val="0"/>
+          </a:schemeClr>
+        </a:solidFill>
+        <a:ln w="12700" cap="flat" cmpd="sng" algn="ctr">
+          <a:solidFill>
+            <a:schemeClr val="lt1">
+              <a:hueOff val="0"/>
+              <a:satOff val="0"/>
+              <a:lumOff val="0"/>
+              <a:alphaOff val="0"/>
+            </a:schemeClr>
+          </a:solidFill>
+          <a:prstDash val="solid"/>
+          <a:miter lim="800000"/>
+        </a:ln>
+        <a:effectLst/>
+      </dsp:spPr>
+      <dsp:style>
+        <a:lnRef idx="2">
+          <a:scrgbClr r="0" g="0" b="0"/>
+        </a:lnRef>
+        <a:fillRef idx="1">
+          <a:scrgbClr r="0" g="0" b="0"/>
+        </a:fillRef>
+        <a:effectRef idx="0">
+          <a:scrgbClr r="0" g="0" b="0"/>
+        </a:effectRef>
+        <a:fontRef idx="minor">
+          <a:schemeClr val="lt1"/>
+        </a:fontRef>
+      </dsp:style>
+      <dsp:txBody>
+        <a:bodyPr spcFirstLastPara="0" vert="horz" wrap="square" lIns="6350" tIns="6350" rIns="6350" bIns="6350" numCol="1" spcCol="1270" anchor="ctr" anchorCtr="0">
+          <a:noAutofit/>
+        </a:bodyPr>
+        <a:lstStyle/>
+        <a:p>
+          <a:pPr lvl="0" algn="ctr" defTabSz="444500">
+            <a:lnSpc>
+              <a:spcPct val="90000"/>
+            </a:lnSpc>
+            <a:spcBef>
+              <a:spcPct val="0"/>
+            </a:spcBef>
+            <a:spcAft>
+              <a:spcPct val="35000"/>
+            </a:spcAft>
+          </a:pPr>
+          <a:r>
+            <a:rPr lang="en-US" sz="1000" kern="1200" dirty="0" smtClean="0"/>
+            <a:t>1.3 Plot</a:t>
+          </a:r>
+          <a:endParaRPr lang="en-US" sz="1000" kern="1200" dirty="0"/>
+        </a:p>
+      </dsp:txBody>
+      <dsp:txXfrm>
+        <a:off x="5206863" y="1088553"/>
+        <a:ext cx="906641" cy="439642"/>
+      </dsp:txXfrm>
+    </dsp:sp>
+    <dsp:sp modelId="{C5C3702E-5B2B-49C6-B4D3-694D5EF8BA0F}">
+      <dsp:nvSpPr>
+        <dsp:cNvPr id="0" name=""/>
+        <dsp:cNvSpPr/>
+      </dsp:nvSpPr>
+      <dsp:spPr>
+        <a:xfrm rot="3907178">
+          <a:off x="4562391" y="1436044"/>
+          <a:ext cx="887988" cy="13183"/>
+        </a:xfrm>
+        <a:custGeom>
+          <a:avLst/>
+          <a:gdLst/>
+          <a:ahLst/>
+          <a:cxnLst/>
+          <a:rect l="0" t="0" r="0" b="0"/>
+          <a:pathLst>
+            <a:path>
+              <a:moveTo>
+                <a:pt x="0" y="6591"/>
+              </a:moveTo>
+              <a:lnTo>
+                <a:pt x="887988" y="6591"/>
+              </a:lnTo>
+            </a:path>
+          </a:pathLst>
+        </a:custGeom>
+        <a:noFill/>
+        <a:ln w="12700" cap="flat" cmpd="sng" algn="ctr">
+          <a:solidFill>
+            <a:schemeClr val="accent6">
+              <a:hueOff val="0"/>
+              <a:satOff val="0"/>
+              <a:lumOff val="0"/>
+              <a:alphaOff val="0"/>
+            </a:schemeClr>
+          </a:solidFill>
+          <a:prstDash val="solid"/>
+          <a:miter lim="800000"/>
+        </a:ln>
+        <a:effectLst/>
+      </dsp:spPr>
+      <dsp:style>
+        <a:lnRef idx="2">
+          <a:scrgbClr r="0" g="0" b="0"/>
+        </a:lnRef>
+        <a:fillRef idx="0">
+          <a:scrgbClr r="0" g="0" b="0"/>
+        </a:fillRef>
+        <a:effectRef idx="0">
+          <a:scrgbClr r="0" g="0" b="0"/>
+        </a:effectRef>
+        <a:fontRef idx="minor"/>
+      </dsp:style>
+      <dsp:txBody>
+        <a:bodyPr spcFirstLastPara="0" vert="horz" wrap="square" lIns="12700" tIns="0" rIns="12700" bIns="0" numCol="1" spcCol="1270" anchor="ctr" anchorCtr="0">
+          <a:noAutofit/>
+        </a:bodyPr>
+        <a:lstStyle/>
+        <a:p>
+          <a:pPr lvl="0" algn="ctr" defTabSz="222250">
+            <a:lnSpc>
+              <a:spcPct val="90000"/>
+            </a:lnSpc>
+            <a:spcBef>
+              <a:spcPct val="0"/>
+            </a:spcBef>
+            <a:spcAft>
+              <a:spcPct val="35000"/>
+            </a:spcAft>
+          </a:pPr>
+          <a:endParaRPr lang="en-US" sz="500" kern="1200"/>
+        </a:p>
+      </dsp:txBody>
+      <dsp:txXfrm>
+        <a:off x="4984186" y="1420436"/>
+        <a:ext cx="44399" cy="44399"/>
+      </dsp:txXfrm>
+    </dsp:sp>
+    <dsp:sp modelId="{D07A12A9-E37E-41E2-ABA7-1C63E55FEEDB}">
+      <dsp:nvSpPr>
+        <dsp:cNvPr id="0" name=""/>
+        <dsp:cNvSpPr/>
+      </dsp:nvSpPr>
+      <dsp:spPr>
+        <a:xfrm>
+          <a:off x="5193185" y="1611923"/>
+          <a:ext cx="933997" cy="466998"/>
+        </a:xfrm>
+        <a:prstGeom prst="roundRect">
+          <a:avLst>
+            <a:gd name="adj" fmla="val 10000"/>
+          </a:avLst>
+        </a:prstGeom>
+        <a:solidFill>
+          <a:schemeClr val="accent6">
+            <a:hueOff val="0"/>
+            <a:satOff val="0"/>
+            <a:lumOff val="0"/>
+            <a:alphaOff val="0"/>
+          </a:schemeClr>
+        </a:solidFill>
+        <a:ln w="12700" cap="flat" cmpd="sng" algn="ctr">
+          <a:solidFill>
+            <a:schemeClr val="lt1">
+              <a:hueOff val="0"/>
+              <a:satOff val="0"/>
+              <a:lumOff val="0"/>
+              <a:alphaOff val="0"/>
+            </a:schemeClr>
+          </a:solidFill>
+          <a:prstDash val="solid"/>
+          <a:miter lim="800000"/>
+        </a:ln>
+        <a:effectLst/>
+      </dsp:spPr>
+      <dsp:style>
+        <a:lnRef idx="2">
+          <a:scrgbClr r="0" g="0" b="0"/>
+        </a:lnRef>
+        <a:fillRef idx="1">
+          <a:scrgbClr r="0" g="0" b="0"/>
+        </a:fillRef>
+        <a:effectRef idx="0">
+          <a:scrgbClr r="0" g="0" b="0"/>
+        </a:effectRef>
+        <a:fontRef idx="minor">
+          <a:schemeClr val="lt1"/>
+        </a:fontRef>
+      </dsp:style>
+      <dsp:txBody>
+        <a:bodyPr spcFirstLastPara="0" vert="horz" wrap="square" lIns="6350" tIns="6350" rIns="6350" bIns="6350" numCol="1" spcCol="1270" anchor="ctr" anchorCtr="0">
+          <a:noAutofit/>
+        </a:bodyPr>
+        <a:lstStyle/>
+        <a:p>
+          <a:pPr lvl="0" algn="ctr" defTabSz="444500">
+            <a:lnSpc>
+              <a:spcPct val="90000"/>
+            </a:lnSpc>
+            <a:spcBef>
+              <a:spcPct val="0"/>
+            </a:spcBef>
+            <a:spcAft>
+              <a:spcPct val="35000"/>
+            </a:spcAft>
+          </a:pPr>
+          <a:r>
+            <a:rPr lang="en-US" sz="1000" kern="1200" dirty="0" smtClean="0"/>
+            <a:t>1.4 Report</a:t>
+          </a:r>
+          <a:endParaRPr lang="en-US" sz="1000" kern="1200" dirty="0"/>
+        </a:p>
+      </dsp:txBody>
+      <dsp:txXfrm>
+        <a:off x="5206863" y="1625601"/>
+        <a:ext cx="906641" cy="439642"/>
+      </dsp:txXfrm>
+    </dsp:sp>
+    <dsp:sp modelId="{DFB100D3-81A2-4841-B387-02B5E7998CF7}">
+      <dsp:nvSpPr>
+        <dsp:cNvPr id="0" name=""/>
+        <dsp:cNvSpPr/>
+      </dsp:nvSpPr>
+      <dsp:spPr>
+        <a:xfrm rot="4249260">
+          <a:off x="3130182" y="2644403"/>
+          <a:ext cx="1137215" cy="13183"/>
+        </a:xfrm>
+        <a:custGeom>
+          <a:avLst/>
+          <a:gdLst/>
+          <a:ahLst/>
+          <a:cxnLst/>
+          <a:rect l="0" t="0" r="0" b="0"/>
+          <a:pathLst>
+            <a:path>
+              <a:moveTo>
+                <a:pt x="0" y="6591"/>
+              </a:moveTo>
+              <a:lnTo>
+                <a:pt x="1137215" y="6591"/>
+              </a:lnTo>
+            </a:path>
+          </a:pathLst>
+        </a:custGeom>
+        <a:noFill/>
+        <a:ln w="12700" cap="flat" cmpd="sng" algn="ctr">
+          <a:solidFill>
+            <a:schemeClr val="accent5">
+              <a:hueOff val="0"/>
+              <a:satOff val="0"/>
+              <a:lumOff val="0"/>
+              <a:alphaOff val="0"/>
+            </a:schemeClr>
+          </a:solidFill>
+          <a:prstDash val="solid"/>
+          <a:miter lim="800000"/>
+        </a:ln>
+        <a:effectLst/>
+      </dsp:spPr>
+      <dsp:style>
+        <a:lnRef idx="2">
+          <a:scrgbClr r="0" g="0" b="0"/>
+        </a:lnRef>
+        <a:fillRef idx="0">
+          <a:scrgbClr r="0" g="0" b="0"/>
+        </a:fillRef>
+        <a:effectRef idx="0">
+          <a:scrgbClr r="0" g="0" b="0"/>
+        </a:effectRef>
+        <a:fontRef idx="minor"/>
+      </dsp:style>
+      <dsp:txBody>
+        <a:bodyPr spcFirstLastPara="0" vert="horz" wrap="square" lIns="12700" tIns="0" rIns="12700" bIns="0" numCol="1" spcCol="1270" anchor="ctr" anchorCtr="0">
+          <a:noAutofit/>
+        </a:bodyPr>
+        <a:lstStyle/>
+        <a:p>
+          <a:pPr lvl="0" algn="ctr" defTabSz="222250">
+            <a:lnSpc>
+              <a:spcPct val="90000"/>
+            </a:lnSpc>
+            <a:spcBef>
+              <a:spcPct val="0"/>
+            </a:spcBef>
+            <a:spcAft>
+              <a:spcPct val="35000"/>
+            </a:spcAft>
+          </a:pPr>
+          <a:endParaRPr lang="en-US" sz="500" kern="1200"/>
+        </a:p>
+      </dsp:txBody>
+      <dsp:txXfrm>
+        <a:off x="3670359" y="2622564"/>
+        <a:ext cx="56860" cy="56860"/>
+      </dsp:txXfrm>
+    </dsp:sp>
+    <dsp:sp modelId="{1C8F3354-9A52-4B74-8297-51160B305767}">
+      <dsp:nvSpPr>
+        <dsp:cNvPr id="0" name=""/>
+        <dsp:cNvSpPr/>
+      </dsp:nvSpPr>
+      <dsp:spPr>
+        <a:xfrm>
+          <a:off x="3885589" y="2954544"/>
+          <a:ext cx="933997" cy="466998"/>
+        </a:xfrm>
+        <a:prstGeom prst="roundRect">
+          <a:avLst>
+            <a:gd name="adj" fmla="val 10000"/>
+          </a:avLst>
+        </a:prstGeom>
+        <a:solidFill>
+          <a:schemeClr val="accent5">
+            <a:hueOff val="0"/>
+            <a:satOff val="0"/>
+            <a:lumOff val="0"/>
+            <a:alphaOff val="0"/>
+          </a:schemeClr>
+        </a:solidFill>
+        <a:ln w="12700" cap="flat" cmpd="sng" algn="ctr">
+          <a:solidFill>
+            <a:schemeClr val="lt1">
+              <a:hueOff val="0"/>
+              <a:satOff val="0"/>
+              <a:lumOff val="0"/>
+              <a:alphaOff val="0"/>
+            </a:schemeClr>
+          </a:solidFill>
+          <a:prstDash val="solid"/>
+          <a:miter lim="800000"/>
+        </a:ln>
+        <a:effectLst/>
+      </dsp:spPr>
+      <dsp:style>
+        <a:lnRef idx="2">
+          <a:scrgbClr r="0" g="0" b="0"/>
+        </a:lnRef>
+        <a:fillRef idx="1">
+          <a:scrgbClr r="0" g="0" b="0"/>
+        </a:fillRef>
+        <a:effectRef idx="0">
+          <a:scrgbClr r="0" g="0" b="0"/>
+        </a:effectRef>
+        <a:fontRef idx="minor">
+          <a:schemeClr val="lt1"/>
+        </a:fontRef>
+      </dsp:style>
+      <dsp:txBody>
+        <a:bodyPr spcFirstLastPara="0" vert="horz" wrap="square" lIns="6350" tIns="6350" rIns="6350" bIns="6350" numCol="1" spcCol="1270" anchor="ctr" anchorCtr="0">
+          <a:noAutofit/>
+        </a:bodyPr>
+        <a:lstStyle/>
+        <a:p>
+          <a:pPr lvl="0" algn="ctr" defTabSz="444500">
+            <a:lnSpc>
+              <a:spcPct val="90000"/>
+            </a:lnSpc>
+            <a:spcBef>
+              <a:spcPct val="0"/>
+            </a:spcBef>
+            <a:spcAft>
+              <a:spcPct val="35000"/>
+            </a:spcAft>
+          </a:pPr>
+          <a:r>
+            <a:rPr lang="en-US" sz="1000" kern="1200" dirty="0" smtClean="0"/>
+            <a:t>RR </a:t>
+          </a:r>
+          <a:endParaRPr lang="en-US" sz="1000" kern="1200" dirty="0"/>
+        </a:p>
+      </dsp:txBody>
+      <dsp:txXfrm>
+        <a:off x="3899267" y="2968222"/>
+        <a:ext cx="906641" cy="439642"/>
+      </dsp:txXfrm>
+    </dsp:sp>
+    <dsp:sp modelId="{34DDF560-6762-4D37-92E7-A0BDA8D7A4B2}">
+      <dsp:nvSpPr>
+        <dsp:cNvPr id="0" name=""/>
+        <dsp:cNvSpPr/>
+      </dsp:nvSpPr>
+      <dsp:spPr>
+        <a:xfrm rot="17692822">
+          <a:off x="4562391" y="2778665"/>
+          <a:ext cx="887988" cy="13183"/>
+        </a:xfrm>
+        <a:custGeom>
+          <a:avLst/>
+          <a:gdLst/>
+          <a:ahLst/>
+          <a:cxnLst/>
+          <a:rect l="0" t="0" r="0" b="0"/>
+          <a:pathLst>
+            <a:path>
+              <a:moveTo>
+                <a:pt x="0" y="6591"/>
+              </a:moveTo>
+              <a:lnTo>
+                <a:pt x="887988" y="6591"/>
+              </a:lnTo>
+            </a:path>
+          </a:pathLst>
+        </a:custGeom>
+        <a:noFill/>
+        <a:ln w="12700" cap="flat" cmpd="sng" algn="ctr">
+          <a:solidFill>
+            <a:schemeClr val="accent6">
+              <a:hueOff val="0"/>
+              <a:satOff val="0"/>
+              <a:lumOff val="0"/>
+              <a:alphaOff val="0"/>
+            </a:schemeClr>
+          </a:solidFill>
+          <a:prstDash val="solid"/>
+          <a:miter lim="800000"/>
+        </a:ln>
+        <a:effectLst/>
+      </dsp:spPr>
+      <dsp:style>
+        <a:lnRef idx="2">
+          <a:scrgbClr r="0" g="0" b="0"/>
+        </a:lnRef>
+        <a:fillRef idx="0">
+          <a:scrgbClr r="0" g="0" b="0"/>
+        </a:fillRef>
+        <a:effectRef idx="0">
+          <a:scrgbClr r="0" g="0" b="0"/>
+        </a:effectRef>
+        <a:fontRef idx="minor"/>
+      </dsp:style>
+      <dsp:txBody>
+        <a:bodyPr spcFirstLastPara="0" vert="horz" wrap="square" lIns="12700" tIns="0" rIns="12700" bIns="0" numCol="1" spcCol="1270" anchor="ctr" anchorCtr="0">
+          <a:noAutofit/>
+        </a:bodyPr>
+        <a:lstStyle/>
+        <a:p>
+          <a:pPr lvl="0" algn="ctr" defTabSz="222250">
+            <a:lnSpc>
+              <a:spcPct val="90000"/>
+            </a:lnSpc>
+            <a:spcBef>
+              <a:spcPct val="0"/>
+            </a:spcBef>
+            <a:spcAft>
+              <a:spcPct val="35000"/>
+            </a:spcAft>
+          </a:pPr>
+          <a:endParaRPr lang="en-US" sz="500" kern="1200"/>
+        </a:p>
+      </dsp:txBody>
+      <dsp:txXfrm>
+        <a:off x="4984186" y="2763057"/>
+        <a:ext cx="44399" cy="44399"/>
+      </dsp:txXfrm>
+    </dsp:sp>
+    <dsp:sp modelId="{A2AE73AE-8FAC-45BE-9E44-2CEC6CB87B45}">
+      <dsp:nvSpPr>
+        <dsp:cNvPr id="0" name=""/>
+        <dsp:cNvSpPr/>
+      </dsp:nvSpPr>
+      <dsp:spPr>
+        <a:xfrm>
+          <a:off x="5193185" y="2148971"/>
+          <a:ext cx="933997" cy="466998"/>
+        </a:xfrm>
+        <a:prstGeom prst="roundRect">
+          <a:avLst>
+            <a:gd name="adj" fmla="val 10000"/>
+          </a:avLst>
+        </a:prstGeom>
+        <a:solidFill>
+          <a:schemeClr val="accent6">
+            <a:hueOff val="0"/>
+            <a:satOff val="0"/>
+            <a:lumOff val="0"/>
+            <a:alphaOff val="0"/>
+          </a:schemeClr>
+        </a:solidFill>
+        <a:ln w="12700" cap="flat" cmpd="sng" algn="ctr">
+          <a:solidFill>
+            <a:schemeClr val="lt1">
+              <a:hueOff val="0"/>
+              <a:satOff val="0"/>
+              <a:lumOff val="0"/>
+              <a:alphaOff val="0"/>
+            </a:schemeClr>
+          </a:solidFill>
+          <a:prstDash val="solid"/>
+          <a:miter lim="800000"/>
+        </a:ln>
+        <a:effectLst/>
+      </dsp:spPr>
+      <dsp:style>
+        <a:lnRef idx="2">
+          <a:scrgbClr r="0" g="0" b="0"/>
+        </a:lnRef>
+        <a:fillRef idx="1">
+          <a:scrgbClr r="0" g="0" b="0"/>
+        </a:fillRef>
+        <a:effectRef idx="0">
+          <a:scrgbClr r="0" g="0" b="0"/>
+        </a:effectRef>
+        <a:fontRef idx="minor">
+          <a:schemeClr val="lt1"/>
+        </a:fontRef>
+      </dsp:style>
+      <dsp:txBody>
+        <a:bodyPr spcFirstLastPara="0" vert="horz" wrap="square" lIns="6350" tIns="6350" rIns="6350" bIns="6350" numCol="1" spcCol="1270" anchor="ctr" anchorCtr="0">
+          <a:noAutofit/>
+        </a:bodyPr>
+        <a:lstStyle/>
+        <a:p>
+          <a:pPr lvl="0" algn="ctr" defTabSz="444500">
+            <a:lnSpc>
+              <a:spcPct val="90000"/>
+            </a:lnSpc>
+            <a:spcBef>
+              <a:spcPct val="0"/>
+            </a:spcBef>
+            <a:spcAft>
+              <a:spcPct val="35000"/>
+            </a:spcAft>
+          </a:pPr>
+          <a:r>
+            <a:rPr lang="en-US" sz="1000" kern="1200" dirty="0" smtClean="0"/>
+            <a:t>3.1 Analysis</a:t>
+          </a:r>
+          <a:endParaRPr lang="en-US" sz="1000" kern="1200" dirty="0"/>
+        </a:p>
+      </dsp:txBody>
+      <dsp:txXfrm>
+        <a:off x="5206863" y="2162649"/>
+        <a:ext cx="906641" cy="439642"/>
+      </dsp:txXfrm>
+    </dsp:sp>
+    <dsp:sp modelId="{F96D4316-A747-4AFA-BEFF-D0A43863D540}">
+      <dsp:nvSpPr>
+        <dsp:cNvPr id="0" name=""/>
+        <dsp:cNvSpPr/>
+      </dsp:nvSpPr>
+      <dsp:spPr>
+        <a:xfrm rot="19457599">
+          <a:off x="4776341" y="3047189"/>
+          <a:ext cx="460088" cy="13183"/>
+        </a:xfrm>
+        <a:custGeom>
+          <a:avLst/>
+          <a:gdLst/>
+          <a:ahLst/>
+          <a:cxnLst/>
+          <a:rect l="0" t="0" r="0" b="0"/>
+          <a:pathLst>
+            <a:path>
+              <a:moveTo>
+                <a:pt x="0" y="6591"/>
+              </a:moveTo>
+              <a:lnTo>
+                <a:pt x="460088" y="6591"/>
+              </a:lnTo>
+            </a:path>
+          </a:pathLst>
+        </a:custGeom>
+        <a:noFill/>
+        <a:ln w="12700" cap="flat" cmpd="sng" algn="ctr">
+          <a:solidFill>
+            <a:schemeClr val="accent6">
+              <a:hueOff val="0"/>
+              <a:satOff val="0"/>
+              <a:lumOff val="0"/>
+              <a:alphaOff val="0"/>
+            </a:schemeClr>
+          </a:solidFill>
+          <a:prstDash val="solid"/>
+          <a:miter lim="800000"/>
+        </a:ln>
+        <a:effectLst/>
+      </dsp:spPr>
+      <dsp:style>
+        <a:lnRef idx="2">
+          <a:scrgbClr r="0" g="0" b="0"/>
+        </a:lnRef>
+        <a:fillRef idx="0">
+          <a:scrgbClr r="0" g="0" b="0"/>
+        </a:fillRef>
+        <a:effectRef idx="0">
+          <a:scrgbClr r="0" g="0" b="0"/>
+        </a:effectRef>
+        <a:fontRef idx="minor"/>
+      </dsp:style>
+      <dsp:txBody>
+        <a:bodyPr spcFirstLastPara="0" vert="horz" wrap="square" lIns="12700" tIns="0" rIns="12700" bIns="0" numCol="1" spcCol="1270" anchor="ctr" anchorCtr="0">
+          <a:noAutofit/>
+        </a:bodyPr>
+        <a:lstStyle/>
+        <a:p>
+          <a:pPr lvl="0" algn="ctr" defTabSz="222250">
+            <a:lnSpc>
+              <a:spcPct val="90000"/>
+            </a:lnSpc>
+            <a:spcBef>
+              <a:spcPct val="0"/>
+            </a:spcBef>
+            <a:spcAft>
+              <a:spcPct val="35000"/>
+            </a:spcAft>
+          </a:pPr>
+          <a:endParaRPr lang="en-US" sz="500" kern="1200"/>
+        </a:p>
+      </dsp:txBody>
+      <dsp:txXfrm>
+        <a:off x="4994883" y="3042279"/>
+        <a:ext cx="23004" cy="23004"/>
+      </dsp:txXfrm>
+    </dsp:sp>
+    <dsp:sp modelId="{A086076C-4F96-4AA8-96F5-CEEC38610E54}">
+      <dsp:nvSpPr>
+        <dsp:cNvPr id="0" name=""/>
+        <dsp:cNvSpPr/>
+      </dsp:nvSpPr>
+      <dsp:spPr>
+        <a:xfrm>
+          <a:off x="5193185" y="2686020"/>
+          <a:ext cx="933997" cy="466998"/>
+        </a:xfrm>
+        <a:prstGeom prst="roundRect">
+          <a:avLst>
+            <a:gd name="adj" fmla="val 10000"/>
+          </a:avLst>
+        </a:prstGeom>
+        <a:solidFill>
+          <a:schemeClr val="accent6">
+            <a:hueOff val="0"/>
+            <a:satOff val="0"/>
+            <a:lumOff val="0"/>
+            <a:alphaOff val="0"/>
+          </a:schemeClr>
+        </a:solidFill>
+        <a:ln w="12700" cap="flat" cmpd="sng" algn="ctr">
+          <a:solidFill>
+            <a:schemeClr val="lt1">
+              <a:hueOff val="0"/>
+              <a:satOff val="0"/>
+              <a:lumOff val="0"/>
+              <a:alphaOff val="0"/>
+            </a:schemeClr>
+          </a:solidFill>
+          <a:prstDash val="solid"/>
+          <a:miter lim="800000"/>
+        </a:ln>
+        <a:effectLst/>
+      </dsp:spPr>
+      <dsp:style>
+        <a:lnRef idx="2">
+          <a:scrgbClr r="0" g="0" b="0"/>
+        </a:lnRef>
+        <a:fillRef idx="1">
+          <a:scrgbClr r="0" g="0" b="0"/>
+        </a:fillRef>
+        <a:effectRef idx="0">
+          <a:scrgbClr r="0" g="0" b="0"/>
+        </a:effectRef>
+        <a:fontRef idx="minor">
+          <a:schemeClr val="lt1"/>
+        </a:fontRef>
+      </dsp:style>
+      <dsp:txBody>
+        <a:bodyPr spcFirstLastPara="0" vert="horz" wrap="square" lIns="6350" tIns="6350" rIns="6350" bIns="6350" numCol="1" spcCol="1270" anchor="ctr" anchorCtr="0">
+          <a:noAutofit/>
+        </a:bodyPr>
+        <a:lstStyle/>
+        <a:p>
+          <a:pPr lvl="0" algn="ctr" defTabSz="444500">
+            <a:lnSpc>
+              <a:spcPct val="90000"/>
+            </a:lnSpc>
+            <a:spcBef>
+              <a:spcPct val="0"/>
+            </a:spcBef>
+            <a:spcAft>
+              <a:spcPct val="35000"/>
+            </a:spcAft>
+          </a:pPr>
+          <a:r>
+            <a:rPr lang="en-US" sz="1000" kern="1200" dirty="0" smtClean="0"/>
+            <a:t>3.2 </a:t>
+          </a:r>
+          <a:r>
+            <a:rPr lang="en-US" sz="1000" kern="1200" dirty="0" smtClean="0"/>
+            <a:t>Summary</a:t>
+          </a:r>
+          <a:endParaRPr lang="en-US" sz="1000" kern="1200" dirty="0"/>
+        </a:p>
+      </dsp:txBody>
+      <dsp:txXfrm>
+        <a:off x="5206863" y="2699698"/>
+        <a:ext cx="906641" cy="439642"/>
+      </dsp:txXfrm>
+    </dsp:sp>
+    <dsp:sp modelId="{1F3E2C37-F3DA-4B7B-B432-51221861F80A}">
+      <dsp:nvSpPr>
+        <dsp:cNvPr id="0" name=""/>
+        <dsp:cNvSpPr/>
+      </dsp:nvSpPr>
+      <dsp:spPr>
+        <a:xfrm rot="2142401">
+          <a:off x="4776341" y="3315713"/>
+          <a:ext cx="460088" cy="13183"/>
+        </a:xfrm>
+        <a:custGeom>
+          <a:avLst/>
+          <a:gdLst/>
+          <a:ahLst/>
+          <a:cxnLst/>
+          <a:rect l="0" t="0" r="0" b="0"/>
+          <a:pathLst>
+            <a:path>
+              <a:moveTo>
+                <a:pt x="0" y="6591"/>
+              </a:moveTo>
+              <a:lnTo>
+                <a:pt x="460088" y="6591"/>
+              </a:lnTo>
+            </a:path>
+          </a:pathLst>
+        </a:custGeom>
+        <a:noFill/>
+        <a:ln w="12700" cap="flat" cmpd="sng" algn="ctr">
+          <a:solidFill>
+            <a:schemeClr val="accent6">
+              <a:hueOff val="0"/>
+              <a:satOff val="0"/>
+              <a:lumOff val="0"/>
+              <a:alphaOff val="0"/>
+            </a:schemeClr>
+          </a:solidFill>
+          <a:prstDash val="solid"/>
+          <a:miter lim="800000"/>
+        </a:ln>
+        <a:effectLst/>
+      </dsp:spPr>
+      <dsp:style>
+        <a:lnRef idx="2">
+          <a:scrgbClr r="0" g="0" b="0"/>
+        </a:lnRef>
+        <a:fillRef idx="0">
+          <a:scrgbClr r="0" g="0" b="0"/>
+        </a:fillRef>
+        <a:effectRef idx="0">
+          <a:scrgbClr r="0" g="0" b="0"/>
+        </a:effectRef>
+        <a:fontRef idx="minor"/>
+      </dsp:style>
+      <dsp:txBody>
+        <a:bodyPr spcFirstLastPara="0" vert="horz" wrap="square" lIns="12700" tIns="0" rIns="12700" bIns="0" numCol="1" spcCol="1270" anchor="ctr" anchorCtr="0">
+          <a:noAutofit/>
+        </a:bodyPr>
+        <a:lstStyle/>
+        <a:p>
+          <a:pPr lvl="0" algn="ctr" defTabSz="222250">
+            <a:lnSpc>
+              <a:spcPct val="90000"/>
+            </a:lnSpc>
+            <a:spcBef>
+              <a:spcPct val="0"/>
+            </a:spcBef>
+            <a:spcAft>
+              <a:spcPct val="35000"/>
+            </a:spcAft>
+          </a:pPr>
+          <a:endParaRPr lang="en-US" sz="500" kern="1200"/>
+        </a:p>
+      </dsp:txBody>
+      <dsp:txXfrm>
+        <a:off x="4994883" y="3310803"/>
+        <a:ext cx="23004" cy="23004"/>
+      </dsp:txXfrm>
+    </dsp:sp>
+    <dsp:sp modelId="{E5332C44-8D7E-4744-A98D-DE3B9374D346}">
+      <dsp:nvSpPr>
+        <dsp:cNvPr id="0" name=""/>
+        <dsp:cNvSpPr/>
+      </dsp:nvSpPr>
+      <dsp:spPr>
+        <a:xfrm>
+          <a:off x="5193185" y="3223068"/>
+          <a:ext cx="933997" cy="466998"/>
+        </a:xfrm>
+        <a:prstGeom prst="roundRect">
+          <a:avLst>
+            <a:gd name="adj" fmla="val 10000"/>
+          </a:avLst>
+        </a:prstGeom>
+        <a:solidFill>
+          <a:schemeClr val="accent6">
+            <a:hueOff val="0"/>
+            <a:satOff val="0"/>
+            <a:lumOff val="0"/>
+            <a:alphaOff val="0"/>
+          </a:schemeClr>
+        </a:solidFill>
+        <a:ln w="12700" cap="flat" cmpd="sng" algn="ctr">
+          <a:solidFill>
+            <a:schemeClr val="lt1">
+              <a:hueOff val="0"/>
+              <a:satOff val="0"/>
+              <a:lumOff val="0"/>
+              <a:alphaOff val="0"/>
+            </a:schemeClr>
+          </a:solidFill>
+          <a:prstDash val="solid"/>
+          <a:miter lim="800000"/>
+        </a:ln>
+        <a:effectLst/>
+      </dsp:spPr>
+      <dsp:style>
+        <a:lnRef idx="2">
+          <a:scrgbClr r="0" g="0" b="0"/>
+        </a:lnRef>
+        <a:fillRef idx="1">
+          <a:scrgbClr r="0" g="0" b="0"/>
+        </a:fillRef>
+        <a:effectRef idx="0">
+          <a:scrgbClr r="0" g="0" b="0"/>
+        </a:effectRef>
+        <a:fontRef idx="minor">
+          <a:schemeClr val="lt1"/>
+        </a:fontRef>
+      </dsp:style>
+      <dsp:txBody>
+        <a:bodyPr spcFirstLastPara="0" vert="horz" wrap="square" lIns="6350" tIns="6350" rIns="6350" bIns="6350" numCol="1" spcCol="1270" anchor="ctr" anchorCtr="0">
+          <a:noAutofit/>
+        </a:bodyPr>
+        <a:lstStyle/>
+        <a:p>
+          <a:pPr lvl="0" algn="ctr" defTabSz="444500">
+            <a:lnSpc>
+              <a:spcPct val="90000"/>
+            </a:lnSpc>
+            <a:spcBef>
+              <a:spcPct val="0"/>
+            </a:spcBef>
+            <a:spcAft>
+              <a:spcPct val="35000"/>
+            </a:spcAft>
+          </a:pPr>
+          <a:r>
+            <a:rPr lang="en-US" sz="1000" kern="1200" dirty="0" smtClean="0"/>
+            <a:t>3.3 </a:t>
+          </a:r>
+          <a:r>
+            <a:rPr lang="en-US" sz="1000" kern="1200" dirty="0" smtClean="0"/>
+            <a:t>Plot</a:t>
+          </a:r>
+          <a:endParaRPr lang="en-US" sz="1000" kern="1200" dirty="0"/>
+        </a:p>
+      </dsp:txBody>
+      <dsp:txXfrm>
+        <a:off x="5206863" y="3236746"/>
+        <a:ext cx="906641" cy="439642"/>
+      </dsp:txXfrm>
+    </dsp:sp>
+    <dsp:sp modelId="{4EFAC71E-8FB8-41A8-809D-DC0C8E9B5655}">
+      <dsp:nvSpPr>
+        <dsp:cNvPr id="0" name=""/>
+        <dsp:cNvSpPr/>
+      </dsp:nvSpPr>
+      <dsp:spPr>
+        <a:xfrm rot="3907178">
+          <a:off x="4562391" y="3584237"/>
+          <a:ext cx="887988" cy="13183"/>
+        </a:xfrm>
+        <a:custGeom>
+          <a:avLst/>
+          <a:gdLst/>
+          <a:ahLst/>
+          <a:cxnLst/>
+          <a:rect l="0" t="0" r="0" b="0"/>
+          <a:pathLst>
+            <a:path>
+              <a:moveTo>
+                <a:pt x="0" y="6591"/>
+              </a:moveTo>
+              <a:lnTo>
+                <a:pt x="887988" y="6591"/>
+              </a:lnTo>
+            </a:path>
+          </a:pathLst>
+        </a:custGeom>
+        <a:noFill/>
+        <a:ln w="12700" cap="flat" cmpd="sng" algn="ctr">
+          <a:solidFill>
+            <a:schemeClr val="accent6">
+              <a:hueOff val="0"/>
+              <a:satOff val="0"/>
+              <a:lumOff val="0"/>
+              <a:alphaOff val="0"/>
+            </a:schemeClr>
+          </a:solidFill>
+          <a:prstDash val="solid"/>
+          <a:miter lim="800000"/>
+        </a:ln>
+        <a:effectLst/>
+      </dsp:spPr>
+      <dsp:style>
+        <a:lnRef idx="2">
+          <a:scrgbClr r="0" g="0" b="0"/>
+        </a:lnRef>
+        <a:fillRef idx="0">
+          <a:scrgbClr r="0" g="0" b="0"/>
+        </a:fillRef>
+        <a:effectRef idx="0">
+          <a:scrgbClr r="0" g="0" b="0"/>
+        </a:effectRef>
+        <a:fontRef idx="minor"/>
+      </dsp:style>
+      <dsp:txBody>
+        <a:bodyPr spcFirstLastPara="0" vert="horz" wrap="square" lIns="12700" tIns="0" rIns="12700" bIns="0" numCol="1" spcCol="1270" anchor="ctr" anchorCtr="0">
+          <a:noAutofit/>
+        </a:bodyPr>
+        <a:lstStyle/>
+        <a:p>
+          <a:pPr lvl="0" algn="ctr" defTabSz="222250">
+            <a:lnSpc>
+              <a:spcPct val="90000"/>
+            </a:lnSpc>
+            <a:spcBef>
+              <a:spcPct val="0"/>
+            </a:spcBef>
+            <a:spcAft>
+              <a:spcPct val="35000"/>
+            </a:spcAft>
+          </a:pPr>
+          <a:endParaRPr lang="en-US" sz="500" kern="1200"/>
+        </a:p>
+      </dsp:txBody>
+      <dsp:txXfrm>
+        <a:off x="4984186" y="3568630"/>
+        <a:ext cx="44399" cy="44399"/>
+      </dsp:txXfrm>
+    </dsp:sp>
+    <dsp:sp modelId="{55256D5D-7773-440E-AD57-EFD367D65297}">
+      <dsp:nvSpPr>
+        <dsp:cNvPr id="0" name=""/>
+        <dsp:cNvSpPr/>
+      </dsp:nvSpPr>
+      <dsp:spPr>
+        <a:xfrm>
+          <a:off x="5193185" y="3760116"/>
+          <a:ext cx="933997" cy="466998"/>
+        </a:xfrm>
+        <a:prstGeom prst="roundRect">
+          <a:avLst>
+            <a:gd name="adj" fmla="val 10000"/>
+          </a:avLst>
+        </a:prstGeom>
+        <a:solidFill>
+          <a:schemeClr val="accent6">
+            <a:hueOff val="0"/>
+            <a:satOff val="0"/>
+            <a:lumOff val="0"/>
+            <a:alphaOff val="0"/>
+          </a:schemeClr>
+        </a:solidFill>
+        <a:ln w="12700" cap="flat" cmpd="sng" algn="ctr">
+          <a:solidFill>
+            <a:schemeClr val="lt1">
+              <a:hueOff val="0"/>
+              <a:satOff val="0"/>
+              <a:lumOff val="0"/>
+              <a:alphaOff val="0"/>
+            </a:schemeClr>
+          </a:solidFill>
+          <a:prstDash val="solid"/>
+          <a:miter lim="800000"/>
+        </a:ln>
+        <a:effectLst/>
+      </dsp:spPr>
+      <dsp:style>
+        <a:lnRef idx="2">
+          <a:scrgbClr r="0" g="0" b="0"/>
+        </a:lnRef>
+        <a:fillRef idx="1">
+          <a:scrgbClr r="0" g="0" b="0"/>
+        </a:fillRef>
+        <a:effectRef idx="0">
+          <a:scrgbClr r="0" g="0" b="0"/>
+        </a:effectRef>
+        <a:fontRef idx="minor">
+          <a:schemeClr val="lt1"/>
+        </a:fontRef>
+      </dsp:style>
+      <dsp:txBody>
+        <a:bodyPr spcFirstLastPara="0" vert="horz" wrap="square" lIns="6350" tIns="6350" rIns="6350" bIns="6350" numCol="1" spcCol="1270" anchor="ctr" anchorCtr="0">
+          <a:noAutofit/>
+        </a:bodyPr>
+        <a:lstStyle/>
+        <a:p>
+          <a:pPr lvl="0" algn="ctr" defTabSz="444500">
+            <a:lnSpc>
+              <a:spcPct val="90000"/>
+            </a:lnSpc>
+            <a:spcBef>
+              <a:spcPct val="0"/>
+            </a:spcBef>
+            <a:spcAft>
+              <a:spcPct val="35000"/>
+            </a:spcAft>
+          </a:pPr>
+          <a:r>
+            <a:rPr lang="en-US" sz="1000" kern="1200" dirty="0" smtClean="0"/>
+            <a:t>3.4 </a:t>
+          </a:r>
+          <a:r>
+            <a:rPr lang="en-US" sz="1000" kern="1200" dirty="0" smtClean="0"/>
+            <a:t>Report</a:t>
+          </a:r>
+          <a:endParaRPr lang="en-US" sz="1000" kern="1200" dirty="0"/>
+        </a:p>
+      </dsp:txBody>
+      <dsp:txXfrm>
+        <a:off x="5206863" y="3773794"/>
+        <a:ext cx="906641" cy="439642"/>
+      </dsp:txXfrm>
+    </dsp:sp>
+    <dsp:sp modelId="{2A74444A-84EA-47A7-A74E-E268217ABFD8}">
+      <dsp:nvSpPr>
+        <dsp:cNvPr id="0" name=""/>
+        <dsp:cNvSpPr/>
+      </dsp:nvSpPr>
+      <dsp:spPr>
+        <a:xfrm rot="2829178">
+          <a:off x="2116506" y="4322679"/>
+          <a:ext cx="549374" cy="13183"/>
+        </a:xfrm>
+        <a:custGeom>
+          <a:avLst/>
+          <a:gdLst/>
+          <a:ahLst/>
+          <a:cxnLst/>
+          <a:rect l="0" t="0" r="0" b="0"/>
+          <a:pathLst>
+            <a:path>
+              <a:moveTo>
+                <a:pt x="0" y="6591"/>
+              </a:moveTo>
+              <a:lnTo>
+                <a:pt x="549374" y="6591"/>
               </a:lnTo>
             </a:path>
           </a:pathLst>
@@ -2269,16 +4896,120 @@
         </a:effectRef>
         <a:fontRef idx="minor"/>
       </dsp:style>
+      <dsp:txBody>
+        <a:bodyPr spcFirstLastPara="0" vert="horz" wrap="square" lIns="12700" tIns="0" rIns="12700" bIns="0" numCol="1" spcCol="1270" anchor="ctr" anchorCtr="0">
+          <a:noAutofit/>
+        </a:bodyPr>
+        <a:lstStyle/>
+        <a:p>
+          <a:pPr lvl="0" algn="ctr" defTabSz="222250">
+            <a:lnSpc>
+              <a:spcPct val="90000"/>
+            </a:lnSpc>
+            <a:spcBef>
+              <a:spcPct val="0"/>
+            </a:spcBef>
+            <a:spcAft>
+              <a:spcPct val="35000"/>
+            </a:spcAft>
+          </a:pPr>
+          <a:endParaRPr lang="en-US" sz="500" kern="1200"/>
+        </a:p>
+      </dsp:txBody>
+      <dsp:txXfrm>
+        <a:off x="2377459" y="4315536"/>
+        <a:ext cx="27468" cy="27468"/>
+      </dsp:txXfrm>
     </dsp:sp>
-    <dsp:sp modelId="{89BB0E75-DD63-4E1E-AA81-8A18D82CE3B6}">
+    <dsp:sp modelId="{14ED5812-5CDA-45D9-860C-E57EEB475FF8}">
       <dsp:nvSpPr>
         <dsp:cNvPr id="0" name=""/>
         <dsp:cNvSpPr/>
       </dsp:nvSpPr>
       <dsp:spPr>
         <a:xfrm>
-          <a:off x="2743735" y="3415434"/>
-          <a:ext cx="971194" cy="1005574"/>
+          <a:off x="2577993" y="4297165"/>
+          <a:ext cx="933997" cy="466998"/>
+        </a:xfrm>
+        <a:prstGeom prst="roundRect">
+          <a:avLst>
+            <a:gd name="adj" fmla="val 10000"/>
+          </a:avLst>
+        </a:prstGeom>
+        <a:solidFill>
+          <a:schemeClr val="accent4">
+            <a:hueOff val="0"/>
+            <a:satOff val="0"/>
+            <a:lumOff val="0"/>
+            <a:alphaOff val="0"/>
+          </a:schemeClr>
+        </a:solidFill>
+        <a:ln w="12700" cap="flat" cmpd="sng" algn="ctr">
+          <a:solidFill>
+            <a:schemeClr val="lt1">
+              <a:hueOff val="0"/>
+              <a:satOff val="0"/>
+              <a:lumOff val="0"/>
+              <a:alphaOff val="0"/>
+            </a:schemeClr>
+          </a:solidFill>
+          <a:prstDash val="solid"/>
+          <a:miter lim="800000"/>
+        </a:ln>
+        <a:effectLst/>
+      </dsp:spPr>
+      <dsp:style>
+        <a:lnRef idx="2">
+          <a:scrgbClr r="0" g="0" b="0"/>
+        </a:lnRef>
+        <a:fillRef idx="1">
+          <a:scrgbClr r="0" g="0" b="0"/>
+        </a:fillRef>
+        <a:effectRef idx="0">
+          <a:scrgbClr r="0" g="0" b="0"/>
+        </a:effectRef>
+        <a:fontRef idx="minor">
+          <a:schemeClr val="lt1"/>
+        </a:fontRef>
+      </dsp:style>
+      <dsp:txBody>
+        <a:bodyPr spcFirstLastPara="0" vert="horz" wrap="square" lIns="6350" tIns="6350" rIns="6350" bIns="6350" numCol="1" spcCol="1270" anchor="ctr" anchorCtr="0">
+          <a:noAutofit/>
+        </a:bodyPr>
+        <a:lstStyle/>
+        <a:p>
+          <a:pPr lvl="0" algn="ctr" defTabSz="444500">
+            <a:lnSpc>
+              <a:spcPct val="90000"/>
+            </a:lnSpc>
+            <a:spcBef>
+              <a:spcPct val="0"/>
+            </a:spcBef>
+            <a:spcAft>
+              <a:spcPct val="35000"/>
+            </a:spcAft>
+          </a:pPr>
+          <a:r>
+            <a:rPr lang="en-US" sz="1000" kern="1200" dirty="0" smtClean="0"/>
+            <a:t>2. Continuous</a:t>
+          </a:r>
+          <a:endParaRPr lang="en-US" sz="1000" kern="1200" dirty="0"/>
+        </a:p>
+      </dsp:txBody>
+      <dsp:txXfrm>
+        <a:off x="2591671" y="4310843"/>
+        <a:ext cx="906641" cy="439642"/>
+      </dsp:txXfrm>
+    </dsp:sp>
+    <dsp:sp modelId="{D0AF2088-4643-47C1-8234-9A2EB659FC54}">
+      <dsp:nvSpPr>
+        <dsp:cNvPr id="0" name=""/>
+        <dsp:cNvSpPr/>
+      </dsp:nvSpPr>
+      <dsp:spPr>
+        <a:xfrm rot="17692822">
+          <a:off x="3254795" y="4121286"/>
+          <a:ext cx="887988" cy="13183"/>
         </a:xfrm>
         <a:custGeom>
           <a:avLst/>
@@ -2289,16 +5020,646 @@
           <a:pathLst>
             <a:path>
               <a:moveTo>
-                <a:pt x="0" y="0"/>
+                <a:pt x="0" y="6591"/>
               </a:moveTo>
               <a:lnTo>
-                <a:pt x="901612" y="0"/>
+                <a:pt x="887988" y="6591"/>
               </a:lnTo>
+            </a:path>
+          </a:pathLst>
+        </a:custGeom>
+        <a:noFill/>
+        <a:ln w="12700" cap="flat" cmpd="sng" algn="ctr">
+          <a:solidFill>
+            <a:schemeClr val="accent5">
+              <a:hueOff val="0"/>
+              <a:satOff val="0"/>
+              <a:lumOff val="0"/>
+              <a:alphaOff val="0"/>
+            </a:schemeClr>
+          </a:solidFill>
+          <a:prstDash val="solid"/>
+          <a:miter lim="800000"/>
+        </a:ln>
+        <a:effectLst/>
+      </dsp:spPr>
+      <dsp:style>
+        <a:lnRef idx="2">
+          <a:scrgbClr r="0" g="0" b="0"/>
+        </a:lnRef>
+        <a:fillRef idx="0">
+          <a:scrgbClr r="0" g="0" b="0"/>
+        </a:fillRef>
+        <a:effectRef idx="0">
+          <a:scrgbClr r="0" g="0" b="0"/>
+        </a:effectRef>
+        <a:fontRef idx="minor"/>
+      </dsp:style>
+      <dsp:txBody>
+        <a:bodyPr spcFirstLastPara="0" vert="horz" wrap="square" lIns="12700" tIns="0" rIns="12700" bIns="0" numCol="1" spcCol="1270" anchor="ctr" anchorCtr="0">
+          <a:noAutofit/>
+        </a:bodyPr>
+        <a:lstStyle/>
+        <a:p>
+          <a:pPr lvl="0" algn="ctr" defTabSz="222250">
+            <a:lnSpc>
+              <a:spcPct val="90000"/>
+            </a:lnSpc>
+            <a:spcBef>
+              <a:spcPct val="0"/>
+            </a:spcBef>
+            <a:spcAft>
+              <a:spcPct val="35000"/>
+            </a:spcAft>
+          </a:pPr>
+          <a:endParaRPr lang="en-US" sz="500" kern="1200"/>
+        </a:p>
+      </dsp:txBody>
+      <dsp:txXfrm>
+        <a:off x="3676590" y="4105678"/>
+        <a:ext cx="44399" cy="44399"/>
+      </dsp:txXfrm>
+    </dsp:sp>
+    <dsp:sp modelId="{D216FF89-59CF-407C-8E9F-F8EB7B546317}">
+      <dsp:nvSpPr>
+        <dsp:cNvPr id="0" name=""/>
+        <dsp:cNvSpPr/>
+      </dsp:nvSpPr>
+      <dsp:spPr>
+        <a:xfrm>
+          <a:off x="3885589" y="3491592"/>
+          <a:ext cx="933997" cy="466998"/>
+        </a:xfrm>
+        <a:prstGeom prst="roundRect">
+          <a:avLst>
+            <a:gd name="adj" fmla="val 10000"/>
+          </a:avLst>
+        </a:prstGeom>
+        <a:solidFill>
+          <a:schemeClr val="accent5">
+            <a:hueOff val="0"/>
+            <a:satOff val="0"/>
+            <a:lumOff val="0"/>
+            <a:alphaOff val="0"/>
+          </a:schemeClr>
+        </a:solidFill>
+        <a:ln w="12700" cap="flat" cmpd="sng" algn="ctr">
+          <a:solidFill>
+            <a:schemeClr val="lt1">
+              <a:hueOff val="0"/>
+              <a:satOff val="0"/>
+              <a:lumOff val="0"/>
+              <a:alphaOff val="0"/>
+            </a:schemeClr>
+          </a:solidFill>
+          <a:prstDash val="solid"/>
+          <a:miter lim="800000"/>
+        </a:ln>
+        <a:effectLst/>
+      </dsp:spPr>
+      <dsp:style>
+        <a:lnRef idx="2">
+          <a:scrgbClr r="0" g="0" b="0"/>
+        </a:lnRef>
+        <a:fillRef idx="1">
+          <a:scrgbClr r="0" g="0" b="0"/>
+        </a:fillRef>
+        <a:effectRef idx="0">
+          <a:scrgbClr r="0" g="0" b="0"/>
+        </a:effectRef>
+        <a:fontRef idx="minor">
+          <a:schemeClr val="lt1"/>
+        </a:fontRef>
+      </dsp:style>
+      <dsp:txBody>
+        <a:bodyPr spcFirstLastPara="0" vert="horz" wrap="square" lIns="6350" tIns="6350" rIns="6350" bIns="6350" numCol="1" spcCol="1270" anchor="ctr" anchorCtr="0">
+          <a:noAutofit/>
+        </a:bodyPr>
+        <a:lstStyle/>
+        <a:p>
+          <a:pPr lvl="0" algn="ctr" defTabSz="444500">
+            <a:lnSpc>
+              <a:spcPct val="90000"/>
+            </a:lnSpc>
+            <a:spcBef>
+              <a:spcPct val="0"/>
+            </a:spcBef>
+            <a:spcAft>
+              <a:spcPct val="35000"/>
+            </a:spcAft>
+          </a:pPr>
+          <a:r>
+            <a:rPr lang="en-US" sz="1000" kern="1200" dirty="0" smtClean="0"/>
+            <a:t>2.1 Analysis</a:t>
+          </a:r>
+          <a:endParaRPr lang="en-US" sz="1000" kern="1200" dirty="0"/>
+        </a:p>
+      </dsp:txBody>
+      <dsp:txXfrm>
+        <a:off x="3899267" y="3505270"/>
+        <a:ext cx="906641" cy="439642"/>
+      </dsp:txXfrm>
+    </dsp:sp>
+    <dsp:sp modelId="{6FB218B6-6466-4155-AC7A-D7D18DD81040}">
+      <dsp:nvSpPr>
+        <dsp:cNvPr id="0" name=""/>
+        <dsp:cNvSpPr/>
+      </dsp:nvSpPr>
+      <dsp:spPr>
+        <a:xfrm rot="19457599">
+          <a:off x="3468745" y="4389810"/>
+          <a:ext cx="460088" cy="13183"/>
+        </a:xfrm>
+        <a:custGeom>
+          <a:avLst/>
+          <a:gdLst/>
+          <a:ahLst/>
+          <a:cxnLst/>
+          <a:rect l="0" t="0" r="0" b="0"/>
+          <a:pathLst>
+            <a:path>
+              <a:moveTo>
+                <a:pt x="0" y="6591"/>
+              </a:moveTo>
               <a:lnTo>
-                <a:pt x="901612" y="1005574"/>
+                <a:pt x="460088" y="6591"/>
               </a:lnTo>
+            </a:path>
+          </a:pathLst>
+        </a:custGeom>
+        <a:noFill/>
+        <a:ln w="12700" cap="flat" cmpd="sng" algn="ctr">
+          <a:solidFill>
+            <a:schemeClr val="accent5">
+              <a:hueOff val="0"/>
+              <a:satOff val="0"/>
+              <a:lumOff val="0"/>
+              <a:alphaOff val="0"/>
+            </a:schemeClr>
+          </a:solidFill>
+          <a:prstDash val="solid"/>
+          <a:miter lim="800000"/>
+        </a:ln>
+        <a:effectLst/>
+      </dsp:spPr>
+      <dsp:style>
+        <a:lnRef idx="2">
+          <a:scrgbClr r="0" g="0" b="0"/>
+        </a:lnRef>
+        <a:fillRef idx="0">
+          <a:scrgbClr r="0" g="0" b="0"/>
+        </a:fillRef>
+        <a:effectRef idx="0">
+          <a:scrgbClr r="0" g="0" b="0"/>
+        </a:effectRef>
+        <a:fontRef idx="minor"/>
+      </dsp:style>
+      <dsp:txBody>
+        <a:bodyPr spcFirstLastPara="0" vert="horz" wrap="square" lIns="12700" tIns="0" rIns="12700" bIns="0" numCol="1" spcCol="1270" anchor="ctr" anchorCtr="0">
+          <a:noAutofit/>
+        </a:bodyPr>
+        <a:lstStyle/>
+        <a:p>
+          <a:pPr lvl="0" algn="ctr" defTabSz="222250">
+            <a:lnSpc>
+              <a:spcPct val="90000"/>
+            </a:lnSpc>
+            <a:spcBef>
+              <a:spcPct val="0"/>
+            </a:spcBef>
+            <a:spcAft>
+              <a:spcPct val="35000"/>
+            </a:spcAft>
+          </a:pPr>
+          <a:endParaRPr lang="en-US" sz="500" kern="1200"/>
+        </a:p>
+      </dsp:txBody>
+      <dsp:txXfrm>
+        <a:off x="3687287" y="4384900"/>
+        <a:ext cx="23004" cy="23004"/>
+      </dsp:txXfrm>
+    </dsp:sp>
+    <dsp:sp modelId="{9C1CCCC1-4C9A-4C45-AC33-E3ACB7BE7530}">
+      <dsp:nvSpPr>
+        <dsp:cNvPr id="0" name=""/>
+        <dsp:cNvSpPr/>
+      </dsp:nvSpPr>
+      <dsp:spPr>
+        <a:xfrm>
+          <a:off x="3885589" y="4028640"/>
+          <a:ext cx="933997" cy="466998"/>
+        </a:xfrm>
+        <a:prstGeom prst="roundRect">
+          <a:avLst>
+            <a:gd name="adj" fmla="val 10000"/>
+          </a:avLst>
+        </a:prstGeom>
+        <a:solidFill>
+          <a:schemeClr val="accent5">
+            <a:hueOff val="0"/>
+            <a:satOff val="0"/>
+            <a:lumOff val="0"/>
+            <a:alphaOff val="0"/>
+          </a:schemeClr>
+        </a:solidFill>
+        <a:ln w="12700" cap="flat" cmpd="sng" algn="ctr">
+          <a:solidFill>
+            <a:schemeClr val="lt1">
+              <a:hueOff val="0"/>
+              <a:satOff val="0"/>
+              <a:lumOff val="0"/>
+              <a:alphaOff val="0"/>
+            </a:schemeClr>
+          </a:solidFill>
+          <a:prstDash val="solid"/>
+          <a:miter lim="800000"/>
+        </a:ln>
+        <a:effectLst/>
+      </dsp:spPr>
+      <dsp:style>
+        <a:lnRef idx="2">
+          <a:scrgbClr r="0" g="0" b="0"/>
+        </a:lnRef>
+        <a:fillRef idx="1">
+          <a:scrgbClr r="0" g="0" b="0"/>
+        </a:fillRef>
+        <a:effectRef idx="0">
+          <a:scrgbClr r="0" g="0" b="0"/>
+        </a:effectRef>
+        <a:fontRef idx="minor">
+          <a:schemeClr val="lt1"/>
+        </a:fontRef>
+      </dsp:style>
+      <dsp:txBody>
+        <a:bodyPr spcFirstLastPara="0" vert="horz" wrap="square" lIns="6350" tIns="6350" rIns="6350" bIns="6350" numCol="1" spcCol="1270" anchor="ctr" anchorCtr="0">
+          <a:noAutofit/>
+        </a:bodyPr>
+        <a:lstStyle/>
+        <a:p>
+          <a:pPr lvl="0" algn="ctr" defTabSz="444500">
+            <a:lnSpc>
+              <a:spcPct val="90000"/>
+            </a:lnSpc>
+            <a:spcBef>
+              <a:spcPct val="0"/>
+            </a:spcBef>
+            <a:spcAft>
+              <a:spcPct val="35000"/>
+            </a:spcAft>
+          </a:pPr>
+          <a:r>
+            <a:rPr lang="en-US" sz="1000" kern="1200" dirty="0" smtClean="0"/>
+            <a:t>2.2 Summary</a:t>
+          </a:r>
+          <a:endParaRPr lang="en-US" sz="1000" kern="1200" dirty="0"/>
+        </a:p>
+      </dsp:txBody>
+      <dsp:txXfrm>
+        <a:off x="3899267" y="4042318"/>
+        <a:ext cx="906641" cy="439642"/>
+      </dsp:txXfrm>
+    </dsp:sp>
+    <dsp:sp modelId="{8CDE05C6-F82A-4CC5-A940-8E739D35F362}">
+      <dsp:nvSpPr>
+        <dsp:cNvPr id="0" name=""/>
+        <dsp:cNvSpPr/>
+      </dsp:nvSpPr>
+      <dsp:spPr>
+        <a:xfrm rot="2142401">
+          <a:off x="3468745" y="4658334"/>
+          <a:ext cx="460088" cy="13183"/>
+        </a:xfrm>
+        <a:custGeom>
+          <a:avLst/>
+          <a:gdLst/>
+          <a:ahLst/>
+          <a:cxnLst/>
+          <a:rect l="0" t="0" r="0" b="0"/>
+          <a:pathLst>
+            <a:path>
+              <a:moveTo>
+                <a:pt x="0" y="6591"/>
+              </a:moveTo>
               <a:lnTo>
-                <a:pt x="971194" y="1005574"/>
+                <a:pt x="460088" y="6591"/>
+              </a:lnTo>
+            </a:path>
+          </a:pathLst>
+        </a:custGeom>
+        <a:noFill/>
+        <a:ln w="12700" cap="flat" cmpd="sng" algn="ctr">
+          <a:solidFill>
+            <a:schemeClr val="accent5">
+              <a:hueOff val="0"/>
+              <a:satOff val="0"/>
+              <a:lumOff val="0"/>
+              <a:alphaOff val="0"/>
+            </a:schemeClr>
+          </a:solidFill>
+          <a:prstDash val="solid"/>
+          <a:miter lim="800000"/>
+        </a:ln>
+        <a:effectLst/>
+      </dsp:spPr>
+      <dsp:style>
+        <a:lnRef idx="2">
+          <a:scrgbClr r="0" g="0" b="0"/>
+        </a:lnRef>
+        <a:fillRef idx="0">
+          <a:scrgbClr r="0" g="0" b="0"/>
+        </a:fillRef>
+        <a:effectRef idx="0">
+          <a:scrgbClr r="0" g="0" b="0"/>
+        </a:effectRef>
+        <a:fontRef idx="minor"/>
+      </dsp:style>
+      <dsp:txBody>
+        <a:bodyPr spcFirstLastPara="0" vert="horz" wrap="square" lIns="12700" tIns="0" rIns="12700" bIns="0" numCol="1" spcCol="1270" anchor="ctr" anchorCtr="0">
+          <a:noAutofit/>
+        </a:bodyPr>
+        <a:lstStyle/>
+        <a:p>
+          <a:pPr lvl="0" algn="ctr" defTabSz="222250">
+            <a:lnSpc>
+              <a:spcPct val="90000"/>
+            </a:lnSpc>
+            <a:spcBef>
+              <a:spcPct val="0"/>
+            </a:spcBef>
+            <a:spcAft>
+              <a:spcPct val="35000"/>
+            </a:spcAft>
+          </a:pPr>
+          <a:endParaRPr lang="en-US" sz="500" kern="1200"/>
+        </a:p>
+      </dsp:txBody>
+      <dsp:txXfrm>
+        <a:off x="3687287" y="4653424"/>
+        <a:ext cx="23004" cy="23004"/>
+      </dsp:txXfrm>
+    </dsp:sp>
+    <dsp:sp modelId="{B15797B0-9C3D-417A-A75B-FDAB0672D8AD}">
+      <dsp:nvSpPr>
+        <dsp:cNvPr id="0" name=""/>
+        <dsp:cNvSpPr/>
+      </dsp:nvSpPr>
+      <dsp:spPr>
+        <a:xfrm>
+          <a:off x="3885589" y="4565689"/>
+          <a:ext cx="933997" cy="466998"/>
+        </a:xfrm>
+        <a:prstGeom prst="roundRect">
+          <a:avLst>
+            <a:gd name="adj" fmla="val 10000"/>
+          </a:avLst>
+        </a:prstGeom>
+        <a:solidFill>
+          <a:schemeClr val="accent5">
+            <a:hueOff val="0"/>
+            <a:satOff val="0"/>
+            <a:lumOff val="0"/>
+            <a:alphaOff val="0"/>
+          </a:schemeClr>
+        </a:solidFill>
+        <a:ln w="12700" cap="flat" cmpd="sng" algn="ctr">
+          <a:solidFill>
+            <a:schemeClr val="lt1">
+              <a:hueOff val="0"/>
+              <a:satOff val="0"/>
+              <a:lumOff val="0"/>
+              <a:alphaOff val="0"/>
+            </a:schemeClr>
+          </a:solidFill>
+          <a:prstDash val="solid"/>
+          <a:miter lim="800000"/>
+        </a:ln>
+        <a:effectLst/>
+      </dsp:spPr>
+      <dsp:style>
+        <a:lnRef idx="2">
+          <a:scrgbClr r="0" g="0" b="0"/>
+        </a:lnRef>
+        <a:fillRef idx="1">
+          <a:scrgbClr r="0" g="0" b="0"/>
+        </a:fillRef>
+        <a:effectRef idx="0">
+          <a:scrgbClr r="0" g="0" b="0"/>
+        </a:effectRef>
+        <a:fontRef idx="minor">
+          <a:schemeClr val="lt1"/>
+        </a:fontRef>
+      </dsp:style>
+      <dsp:txBody>
+        <a:bodyPr spcFirstLastPara="0" vert="horz" wrap="square" lIns="6350" tIns="6350" rIns="6350" bIns="6350" numCol="1" spcCol="1270" anchor="ctr" anchorCtr="0">
+          <a:noAutofit/>
+        </a:bodyPr>
+        <a:lstStyle/>
+        <a:p>
+          <a:pPr lvl="0" algn="ctr" defTabSz="444500">
+            <a:lnSpc>
+              <a:spcPct val="90000"/>
+            </a:lnSpc>
+            <a:spcBef>
+              <a:spcPct val="0"/>
+            </a:spcBef>
+            <a:spcAft>
+              <a:spcPct val="35000"/>
+            </a:spcAft>
+          </a:pPr>
+          <a:r>
+            <a:rPr lang="en-US" sz="1000" kern="1200" dirty="0" smtClean="0"/>
+            <a:t>2.3 Plot</a:t>
+          </a:r>
+          <a:endParaRPr lang="en-US" sz="1000" kern="1200" dirty="0"/>
+        </a:p>
+      </dsp:txBody>
+      <dsp:txXfrm>
+        <a:off x="3899267" y="4579367"/>
+        <a:ext cx="906641" cy="439642"/>
+      </dsp:txXfrm>
+    </dsp:sp>
+    <dsp:sp modelId="{7C4F74D4-8813-4467-922D-58912BDBDC85}">
+      <dsp:nvSpPr>
+        <dsp:cNvPr id="0" name=""/>
+        <dsp:cNvSpPr/>
+      </dsp:nvSpPr>
+      <dsp:spPr>
+        <a:xfrm rot="3907178">
+          <a:off x="3254795" y="4926858"/>
+          <a:ext cx="887988" cy="13183"/>
+        </a:xfrm>
+        <a:custGeom>
+          <a:avLst/>
+          <a:gdLst/>
+          <a:ahLst/>
+          <a:cxnLst/>
+          <a:rect l="0" t="0" r="0" b="0"/>
+          <a:pathLst>
+            <a:path>
+              <a:moveTo>
+                <a:pt x="0" y="6591"/>
+              </a:moveTo>
+              <a:lnTo>
+                <a:pt x="887988" y="6591"/>
+              </a:lnTo>
+            </a:path>
+          </a:pathLst>
+        </a:custGeom>
+        <a:noFill/>
+        <a:ln w="12700" cap="flat" cmpd="sng" algn="ctr">
+          <a:solidFill>
+            <a:schemeClr val="accent5">
+              <a:hueOff val="0"/>
+              <a:satOff val="0"/>
+              <a:lumOff val="0"/>
+              <a:alphaOff val="0"/>
+            </a:schemeClr>
+          </a:solidFill>
+          <a:prstDash val="solid"/>
+          <a:miter lim="800000"/>
+        </a:ln>
+        <a:effectLst/>
+      </dsp:spPr>
+      <dsp:style>
+        <a:lnRef idx="2">
+          <a:scrgbClr r="0" g="0" b="0"/>
+        </a:lnRef>
+        <a:fillRef idx="0">
+          <a:scrgbClr r="0" g="0" b="0"/>
+        </a:fillRef>
+        <a:effectRef idx="0">
+          <a:scrgbClr r="0" g="0" b="0"/>
+        </a:effectRef>
+        <a:fontRef idx="minor"/>
+      </dsp:style>
+      <dsp:txBody>
+        <a:bodyPr spcFirstLastPara="0" vert="horz" wrap="square" lIns="12700" tIns="0" rIns="12700" bIns="0" numCol="1" spcCol="1270" anchor="ctr" anchorCtr="0">
+          <a:noAutofit/>
+        </a:bodyPr>
+        <a:lstStyle/>
+        <a:p>
+          <a:pPr lvl="0" algn="ctr" defTabSz="222250">
+            <a:lnSpc>
+              <a:spcPct val="90000"/>
+            </a:lnSpc>
+            <a:spcBef>
+              <a:spcPct val="0"/>
+            </a:spcBef>
+            <a:spcAft>
+              <a:spcPct val="35000"/>
+            </a:spcAft>
+          </a:pPr>
+          <a:endParaRPr lang="en-US" sz="500" kern="1200"/>
+        </a:p>
+      </dsp:txBody>
+      <dsp:txXfrm>
+        <a:off x="3676590" y="4911250"/>
+        <a:ext cx="44399" cy="44399"/>
+      </dsp:txXfrm>
+    </dsp:sp>
+    <dsp:sp modelId="{EAEA87D6-C588-4318-9016-89C0740CB136}">
+      <dsp:nvSpPr>
+        <dsp:cNvPr id="0" name=""/>
+        <dsp:cNvSpPr/>
+      </dsp:nvSpPr>
+      <dsp:spPr>
+        <a:xfrm>
+          <a:off x="3885589" y="5102737"/>
+          <a:ext cx="933997" cy="466998"/>
+        </a:xfrm>
+        <a:prstGeom prst="roundRect">
+          <a:avLst>
+            <a:gd name="adj" fmla="val 10000"/>
+          </a:avLst>
+        </a:prstGeom>
+        <a:solidFill>
+          <a:schemeClr val="accent5">
+            <a:hueOff val="0"/>
+            <a:satOff val="0"/>
+            <a:lumOff val="0"/>
+            <a:alphaOff val="0"/>
+          </a:schemeClr>
+        </a:solidFill>
+        <a:ln w="12700" cap="flat" cmpd="sng" algn="ctr">
+          <a:solidFill>
+            <a:schemeClr val="lt1">
+              <a:hueOff val="0"/>
+              <a:satOff val="0"/>
+              <a:lumOff val="0"/>
+              <a:alphaOff val="0"/>
+            </a:schemeClr>
+          </a:solidFill>
+          <a:prstDash val="solid"/>
+          <a:miter lim="800000"/>
+        </a:ln>
+        <a:effectLst/>
+      </dsp:spPr>
+      <dsp:style>
+        <a:lnRef idx="2">
+          <a:scrgbClr r="0" g="0" b="0"/>
+        </a:lnRef>
+        <a:fillRef idx="1">
+          <a:scrgbClr r="0" g="0" b="0"/>
+        </a:fillRef>
+        <a:effectRef idx="0">
+          <a:scrgbClr r="0" g="0" b="0"/>
+        </a:effectRef>
+        <a:fontRef idx="minor">
+          <a:schemeClr val="lt1"/>
+        </a:fontRef>
+      </dsp:style>
+      <dsp:txBody>
+        <a:bodyPr spcFirstLastPara="0" vert="horz" wrap="square" lIns="6350" tIns="6350" rIns="6350" bIns="6350" numCol="1" spcCol="1270" anchor="ctr" anchorCtr="0">
+          <a:noAutofit/>
+        </a:bodyPr>
+        <a:lstStyle/>
+        <a:p>
+          <a:pPr lvl="0" algn="ctr" defTabSz="444500">
+            <a:lnSpc>
+              <a:spcPct val="90000"/>
+            </a:lnSpc>
+            <a:spcBef>
+              <a:spcPct val="0"/>
+            </a:spcBef>
+            <a:spcAft>
+              <a:spcPct val="35000"/>
+            </a:spcAft>
+          </a:pPr>
+          <a:r>
+            <a:rPr lang="en-US" sz="1000" kern="1200" dirty="0" smtClean="0"/>
+            <a:t>2.4 Report</a:t>
+          </a:r>
+          <a:endParaRPr lang="en-US" sz="1000" kern="1200" dirty="0"/>
+        </a:p>
+      </dsp:txBody>
+      <dsp:txXfrm>
+        <a:off x="3899267" y="5116415"/>
+        <a:ext cx="906641" cy="439642"/>
+      </dsp:txXfrm>
+    </dsp:sp>
+    <dsp:sp modelId="{303ECFB9-7750-44CB-AEB1-538A2C233E84}">
+      <dsp:nvSpPr>
+        <dsp:cNvPr id="0" name=""/>
+        <dsp:cNvSpPr/>
+      </dsp:nvSpPr>
+      <dsp:spPr>
+        <a:xfrm rot="4099285">
+          <a:off x="1885510" y="4591203"/>
+          <a:ext cx="1011367" cy="13183"/>
+        </a:xfrm>
+        <a:custGeom>
+          <a:avLst/>
+          <a:gdLst/>
+          <a:ahLst/>
+          <a:cxnLst/>
+          <a:rect l="0" t="0" r="0" b="0"/>
+          <a:pathLst>
+            <a:path>
+              <a:moveTo>
+                <a:pt x="0" y="6591"/>
+              </a:moveTo>
+              <a:lnTo>
+                <a:pt x="1011367" y="6591"/>
               </a:lnTo>
             </a:path>
           </a:pathLst>
@@ -2330,44 +5691,57 @@
         </a:effectRef>
         <a:fontRef idx="minor"/>
       </dsp:style>
+      <dsp:txBody>
+        <a:bodyPr spcFirstLastPara="0" vert="horz" wrap="square" lIns="12700" tIns="0" rIns="12700" bIns="0" numCol="1" spcCol="1270" anchor="ctr" anchorCtr="0">
+          <a:noAutofit/>
+        </a:bodyPr>
+        <a:lstStyle/>
+        <a:p>
+          <a:pPr lvl="0" algn="ctr" defTabSz="222250">
+            <a:lnSpc>
+              <a:spcPct val="90000"/>
+            </a:lnSpc>
+            <a:spcBef>
+              <a:spcPct val="0"/>
+            </a:spcBef>
+            <a:spcAft>
+              <a:spcPct val="35000"/>
+            </a:spcAft>
+          </a:pPr>
+          <a:endParaRPr lang="en-US" sz="500" kern="1200"/>
+        </a:p>
+      </dsp:txBody>
+      <dsp:txXfrm>
+        <a:off x="2365909" y="4572511"/>
+        <a:ext cx="50568" cy="50568"/>
+      </dsp:txXfrm>
     </dsp:sp>
-    <dsp:sp modelId="{DDF48C9E-15B2-49A4-BC4C-85192ABBAAD6}">
+    <dsp:sp modelId="{E8351212-3A6B-49CE-B5EC-D77217A32BFA}">
       <dsp:nvSpPr>
         <dsp:cNvPr id="0" name=""/>
         <dsp:cNvSpPr/>
       </dsp:nvSpPr>
       <dsp:spPr>
         <a:xfrm>
-          <a:off x="5519698" y="3783577"/>
-          <a:ext cx="1498400" cy="956147"/>
+          <a:off x="2577993" y="4834213"/>
+          <a:ext cx="933997" cy="466998"/>
         </a:xfrm>
-        <a:custGeom>
-          <a:avLst/>
-          <a:gdLst/>
-          <a:ahLst/>
-          <a:cxnLst/>
-          <a:rect l="0" t="0" r="0" b="0"/>
-          <a:pathLst>
-            <a:path>
-              <a:moveTo>
-                <a:pt x="0" y="0"/>
-              </a:moveTo>
-              <a:lnTo>
-                <a:pt x="1428819" y="0"/>
-              </a:lnTo>
-              <a:lnTo>
-                <a:pt x="1428819" y="956147"/>
-              </a:lnTo>
-              <a:lnTo>
-                <a:pt x="1498400" y="956147"/>
-              </a:lnTo>
-            </a:path>
-          </a:pathLst>
-        </a:custGeom>
-        <a:noFill/>
+        <a:prstGeom prst="roundRect">
+          <a:avLst>
+            <a:gd name="adj" fmla="val 10000"/>
+          </a:avLst>
+        </a:prstGeom>
+        <a:solidFill>
+          <a:schemeClr val="accent4">
+            <a:hueOff val="0"/>
+            <a:satOff val="0"/>
+            <a:lumOff val="0"/>
+            <a:alphaOff val="0"/>
+          </a:schemeClr>
+        </a:solidFill>
         <a:ln w="12700" cap="flat" cmpd="sng" algn="ctr">
           <a:solidFill>
-            <a:schemeClr val="accent5">
+            <a:schemeClr val="lt1">
               <a:hueOff val="0"/>
               <a:satOff val="0"/>
               <a:lumOff val="0"/>
@@ -2383,24 +5757,54 @@
         <a:lnRef idx="2">
           <a:scrgbClr r="0" g="0" b="0"/>
         </a:lnRef>
-        <a:fillRef idx="0">
+        <a:fillRef idx="1">
           <a:scrgbClr r="0" g="0" b="0"/>
         </a:fillRef>
         <a:effectRef idx="0">
           <a:scrgbClr r="0" g="0" b="0"/>
         </a:effectRef>
-        <a:fontRef idx="minor"/>
+        <a:fontRef idx="minor">
+          <a:schemeClr val="lt1"/>
+        </a:fontRef>
       </dsp:style>
+      <dsp:txBody>
+        <a:bodyPr spcFirstLastPara="0" vert="horz" wrap="square" lIns="6350" tIns="6350" rIns="6350" bIns="6350" numCol="1" spcCol="1270" anchor="ctr" anchorCtr="0">
+          <a:noAutofit/>
+        </a:bodyPr>
+        <a:lstStyle/>
+        <a:p>
+          <a:pPr lvl="0" algn="ctr" defTabSz="444500">
+            <a:lnSpc>
+              <a:spcPct val="90000"/>
+            </a:lnSpc>
+            <a:spcBef>
+              <a:spcPct val="0"/>
+            </a:spcBef>
+            <a:spcAft>
+              <a:spcPct val="35000"/>
+            </a:spcAft>
+          </a:pPr>
+          <a:r>
+            <a:rPr lang="en-US" sz="1000" kern="1200" dirty="0" smtClean="0"/>
+            <a:t>Normalizing</a:t>
+          </a:r>
+          <a:endParaRPr lang="en-US" sz="1000" kern="1200" dirty="0"/>
+        </a:p>
+      </dsp:txBody>
+      <dsp:txXfrm>
+        <a:off x="2591671" y="4847891"/>
+        <a:ext cx="906641" cy="439642"/>
+      </dsp:txXfrm>
     </dsp:sp>
-    <dsp:sp modelId="{047DF2D4-F60D-4A9C-A399-3706F9A9FE0D}">
+    <dsp:sp modelId="{4841A176-3A15-4DA5-B2B7-CC0B3101BC21}">
       <dsp:nvSpPr>
         <dsp:cNvPr id="0" name=""/>
         <dsp:cNvSpPr/>
       </dsp:nvSpPr>
       <dsp:spPr>
-        <a:xfrm>
-          <a:off x="5519698" y="3783577"/>
-          <a:ext cx="1498400" cy="318715"/>
+        <a:xfrm rot="4548241">
+          <a:off x="1629492" y="4859727"/>
+          <a:ext cx="1523403" cy="13183"/>
         </a:xfrm>
         <a:custGeom>
           <a:avLst/>
@@ -2411,199 +5815,10 @@
           <a:pathLst>
             <a:path>
               <a:moveTo>
-                <a:pt x="0" y="0"/>
+                <a:pt x="0" y="6591"/>
               </a:moveTo>
               <a:lnTo>
-                <a:pt x="1428819" y="0"/>
-              </a:lnTo>
-              <a:lnTo>
-                <a:pt x="1428819" y="318715"/>
-              </a:lnTo>
-              <a:lnTo>
-                <a:pt x="1498400" y="318715"/>
-              </a:lnTo>
-            </a:path>
-          </a:pathLst>
-        </a:custGeom>
-        <a:noFill/>
-        <a:ln w="12700" cap="flat" cmpd="sng" algn="ctr">
-          <a:solidFill>
-            <a:schemeClr val="accent5">
-              <a:hueOff val="0"/>
-              <a:satOff val="0"/>
-              <a:lumOff val="0"/>
-              <a:alphaOff val="0"/>
-            </a:schemeClr>
-          </a:solidFill>
-          <a:prstDash val="solid"/>
-          <a:miter lim="800000"/>
-        </a:ln>
-        <a:effectLst/>
-      </dsp:spPr>
-      <dsp:style>
-        <a:lnRef idx="2">
-          <a:scrgbClr r="0" g="0" b="0"/>
-        </a:lnRef>
-        <a:fillRef idx="0">
-          <a:scrgbClr r="0" g="0" b="0"/>
-        </a:fillRef>
-        <a:effectRef idx="0">
-          <a:scrgbClr r="0" g="0" b="0"/>
-        </a:effectRef>
-        <a:fontRef idx="minor"/>
-      </dsp:style>
-    </dsp:sp>
-    <dsp:sp modelId="{F8F5DA83-C835-41BB-A5D0-83323D6159E4}">
-      <dsp:nvSpPr>
-        <dsp:cNvPr id="0" name=""/>
-        <dsp:cNvSpPr/>
-      </dsp:nvSpPr>
-      <dsp:spPr>
-        <a:xfrm>
-          <a:off x="5519698" y="3464861"/>
-          <a:ext cx="1498400" cy="318715"/>
-        </a:xfrm>
-        <a:custGeom>
-          <a:avLst/>
-          <a:gdLst/>
-          <a:ahLst/>
-          <a:cxnLst/>
-          <a:rect l="0" t="0" r="0" b="0"/>
-          <a:pathLst>
-            <a:path>
-              <a:moveTo>
-                <a:pt x="0" y="318715"/>
-              </a:moveTo>
-              <a:lnTo>
-                <a:pt x="1428819" y="318715"/>
-              </a:lnTo>
-              <a:lnTo>
-                <a:pt x="1428819" y="0"/>
-              </a:lnTo>
-              <a:lnTo>
-                <a:pt x="1498400" y="0"/>
-              </a:lnTo>
-            </a:path>
-          </a:pathLst>
-        </a:custGeom>
-        <a:noFill/>
-        <a:ln w="12700" cap="flat" cmpd="sng" algn="ctr">
-          <a:solidFill>
-            <a:schemeClr val="accent5">
-              <a:hueOff val="0"/>
-              <a:satOff val="0"/>
-              <a:lumOff val="0"/>
-              <a:alphaOff val="0"/>
-            </a:schemeClr>
-          </a:solidFill>
-          <a:prstDash val="solid"/>
-          <a:miter lim="800000"/>
-        </a:ln>
-        <a:effectLst/>
-      </dsp:spPr>
-      <dsp:style>
-        <a:lnRef idx="2">
-          <a:scrgbClr r="0" g="0" b="0"/>
-        </a:lnRef>
-        <a:fillRef idx="0">
-          <a:scrgbClr r="0" g="0" b="0"/>
-        </a:fillRef>
-        <a:effectRef idx="0">
-          <a:scrgbClr r="0" g="0" b="0"/>
-        </a:effectRef>
-        <a:fontRef idx="minor"/>
-      </dsp:style>
-    </dsp:sp>
-    <dsp:sp modelId="{609A87D6-8096-4402-B397-CAE63D556C55}">
-      <dsp:nvSpPr>
-        <dsp:cNvPr id="0" name=""/>
-        <dsp:cNvSpPr/>
-      </dsp:nvSpPr>
-      <dsp:spPr>
-        <a:xfrm>
-          <a:off x="5519698" y="2827430"/>
-          <a:ext cx="1498400" cy="956147"/>
-        </a:xfrm>
-        <a:custGeom>
-          <a:avLst/>
-          <a:gdLst/>
-          <a:ahLst/>
-          <a:cxnLst/>
-          <a:rect l="0" t="0" r="0" b="0"/>
-          <a:pathLst>
-            <a:path>
-              <a:moveTo>
-                <a:pt x="0" y="956147"/>
-              </a:moveTo>
-              <a:lnTo>
-                <a:pt x="1428819" y="956147"/>
-              </a:lnTo>
-              <a:lnTo>
-                <a:pt x="1428819" y="0"/>
-              </a:lnTo>
-              <a:lnTo>
-                <a:pt x="1498400" y="0"/>
-              </a:lnTo>
-            </a:path>
-          </a:pathLst>
-        </a:custGeom>
-        <a:noFill/>
-        <a:ln w="12700" cap="flat" cmpd="sng" algn="ctr">
-          <a:solidFill>
-            <a:schemeClr val="accent5">
-              <a:hueOff val="0"/>
-              <a:satOff val="0"/>
-              <a:lumOff val="0"/>
-              <a:alphaOff val="0"/>
-            </a:schemeClr>
-          </a:solidFill>
-          <a:prstDash val="solid"/>
-          <a:miter lim="800000"/>
-        </a:ln>
-        <a:effectLst/>
-      </dsp:spPr>
-      <dsp:style>
-        <a:lnRef idx="2">
-          <a:scrgbClr r="0" g="0" b="0"/>
-        </a:lnRef>
-        <a:fillRef idx="0">
-          <a:scrgbClr r="0" g="0" b="0"/>
-        </a:fillRef>
-        <a:effectRef idx="0">
-          <a:scrgbClr r="0" g="0" b="0"/>
-        </a:effectRef>
-        <a:fontRef idx="minor"/>
-      </dsp:style>
-    </dsp:sp>
-    <dsp:sp modelId="{5D594BE4-2701-4342-AF0D-5B79AB0B97CE}">
-      <dsp:nvSpPr>
-        <dsp:cNvPr id="0" name=""/>
-        <dsp:cNvSpPr/>
-      </dsp:nvSpPr>
-      <dsp:spPr>
-        <a:xfrm>
-          <a:off x="2743735" y="3415434"/>
-          <a:ext cx="971194" cy="368142"/>
-        </a:xfrm>
-        <a:custGeom>
-          <a:avLst/>
-          <a:gdLst/>
-          <a:ahLst/>
-          <a:cxnLst/>
-          <a:rect l="0" t="0" r="0" b="0"/>
-          <a:pathLst>
-            <a:path>
-              <a:moveTo>
-                <a:pt x="0" y="0"/>
-              </a:moveTo>
-              <a:lnTo>
-                <a:pt x="901612" y="0"/>
-              </a:lnTo>
-              <a:lnTo>
-                <a:pt x="901612" y="368142"/>
-              </a:lnTo>
-              <a:lnTo>
-                <a:pt x="971194" y="368142"/>
+                <a:pt x="1523403" y="6591"/>
               </a:lnTo>
             </a:path>
           </a:pathLst>
@@ -2635,44 +5850,57 @@
         </a:effectRef>
         <a:fontRef idx="minor"/>
       </dsp:style>
+      <dsp:txBody>
+        <a:bodyPr spcFirstLastPara="0" vert="horz" wrap="square" lIns="12700" tIns="0" rIns="12700" bIns="0" numCol="1" spcCol="1270" anchor="ctr" anchorCtr="0">
+          <a:noAutofit/>
+        </a:bodyPr>
+        <a:lstStyle/>
+        <a:p>
+          <a:pPr lvl="0" algn="ctr" defTabSz="222250">
+            <a:lnSpc>
+              <a:spcPct val="90000"/>
+            </a:lnSpc>
+            <a:spcBef>
+              <a:spcPct val="0"/>
+            </a:spcBef>
+            <a:spcAft>
+              <a:spcPct val="35000"/>
+            </a:spcAft>
+          </a:pPr>
+          <a:endParaRPr lang="en-US" sz="500" kern="1200"/>
+        </a:p>
+      </dsp:txBody>
+      <dsp:txXfrm>
+        <a:off x="2353108" y="4828234"/>
+        <a:ext cx="76170" cy="76170"/>
+      </dsp:txXfrm>
     </dsp:sp>
-    <dsp:sp modelId="{E3B69848-DE76-4B30-88B6-1A079031884C}">
+    <dsp:sp modelId="{B2B8C3E1-4BBB-417F-82D5-22D109F3B63D}">
       <dsp:nvSpPr>
         <dsp:cNvPr id="0" name=""/>
         <dsp:cNvSpPr/>
       </dsp:nvSpPr>
       <dsp:spPr>
         <a:xfrm>
-          <a:off x="5519691" y="1192661"/>
-          <a:ext cx="1498407" cy="997336"/>
+          <a:off x="2577993" y="5371261"/>
+          <a:ext cx="933997" cy="466998"/>
         </a:xfrm>
-        <a:custGeom>
-          <a:avLst/>
-          <a:gdLst/>
-          <a:ahLst/>
-          <a:cxnLst/>
-          <a:rect l="0" t="0" r="0" b="0"/>
-          <a:pathLst>
-            <a:path>
-              <a:moveTo>
-                <a:pt x="0" y="0"/>
-              </a:moveTo>
-              <a:lnTo>
-                <a:pt x="1428826" y="0"/>
-              </a:lnTo>
-              <a:lnTo>
-                <a:pt x="1428826" y="997336"/>
-              </a:lnTo>
-              <a:lnTo>
-                <a:pt x="1498407" y="997336"/>
-              </a:lnTo>
-            </a:path>
-          </a:pathLst>
-        </a:custGeom>
-        <a:noFill/>
+        <a:prstGeom prst="roundRect">
+          <a:avLst>
+            <a:gd name="adj" fmla="val 10000"/>
+          </a:avLst>
+        </a:prstGeom>
+        <a:solidFill>
+          <a:schemeClr val="accent4">
+            <a:hueOff val="0"/>
+            <a:satOff val="0"/>
+            <a:lumOff val="0"/>
+            <a:alphaOff val="0"/>
+          </a:schemeClr>
+        </a:solidFill>
         <a:ln w="12700" cap="flat" cmpd="sng" algn="ctr">
           <a:solidFill>
-            <a:schemeClr val="accent5">
+            <a:schemeClr val="lt1">
               <a:hueOff val="0"/>
               <a:satOff val="0"/>
               <a:lumOff val="0"/>
@@ -2688,24 +5916,54 @@
         <a:lnRef idx="2">
           <a:scrgbClr r="0" g="0" b="0"/>
         </a:lnRef>
-        <a:fillRef idx="0">
+        <a:fillRef idx="1">
           <a:scrgbClr r="0" g="0" b="0"/>
         </a:fillRef>
         <a:effectRef idx="0">
           <a:scrgbClr r="0" g="0" b="0"/>
         </a:effectRef>
-        <a:fontRef idx="minor"/>
+        <a:fontRef idx="minor">
+          <a:schemeClr val="lt1"/>
+        </a:fontRef>
       </dsp:style>
+      <dsp:txBody>
+        <a:bodyPr spcFirstLastPara="0" vert="horz" wrap="square" lIns="6350" tIns="6350" rIns="6350" bIns="6350" numCol="1" spcCol="1270" anchor="ctr" anchorCtr="0">
+          <a:noAutofit/>
+        </a:bodyPr>
+        <a:lstStyle/>
+        <a:p>
+          <a:pPr lvl="0" algn="ctr" defTabSz="444500">
+            <a:lnSpc>
+              <a:spcPct val="90000"/>
+            </a:lnSpc>
+            <a:spcBef>
+              <a:spcPct val="0"/>
+            </a:spcBef>
+            <a:spcAft>
+              <a:spcPct val="35000"/>
+            </a:spcAft>
+          </a:pPr>
+          <a:r>
+            <a:rPr lang="en-US" sz="1000" kern="1200" dirty="0" smtClean="0"/>
+            <a:t>Test</a:t>
+          </a:r>
+          <a:endParaRPr lang="en-US" sz="1000" kern="1200" dirty="0"/>
+        </a:p>
+      </dsp:txBody>
+      <dsp:txXfrm>
+        <a:off x="2591671" y="5384939"/>
+        <a:ext cx="906641" cy="439642"/>
+      </dsp:txXfrm>
     </dsp:sp>
-    <dsp:sp modelId="{169B290F-E846-4835-9854-6768376DA6DA}">
+    <dsp:sp modelId="{6A2DD93E-978C-4316-BF3F-2CB8381B0E4D}">
       <dsp:nvSpPr>
         <dsp:cNvPr id="0" name=""/>
         <dsp:cNvSpPr/>
       </dsp:nvSpPr>
       <dsp:spPr>
-        <a:xfrm>
-          <a:off x="5519691" y="1192661"/>
-          <a:ext cx="1498407" cy="359904"/>
+        <a:xfrm rot="4769441">
+          <a:off x="1367048" y="5128251"/>
+          <a:ext cx="2048290" cy="13183"/>
         </a:xfrm>
         <a:custGeom>
           <a:avLst/>
@@ -2716,199 +5974,10 @@
           <a:pathLst>
             <a:path>
               <a:moveTo>
-                <a:pt x="0" y="0"/>
+                <a:pt x="0" y="6591"/>
               </a:moveTo>
               <a:lnTo>
-                <a:pt x="1428826" y="0"/>
-              </a:lnTo>
-              <a:lnTo>
-                <a:pt x="1428826" y="359904"/>
-              </a:lnTo>
-              <a:lnTo>
-                <a:pt x="1498407" y="359904"/>
-              </a:lnTo>
-            </a:path>
-          </a:pathLst>
-        </a:custGeom>
-        <a:noFill/>
-        <a:ln w="12700" cap="flat" cmpd="sng" algn="ctr">
-          <a:solidFill>
-            <a:schemeClr val="accent5">
-              <a:hueOff val="0"/>
-              <a:satOff val="0"/>
-              <a:lumOff val="0"/>
-              <a:alphaOff val="0"/>
-            </a:schemeClr>
-          </a:solidFill>
-          <a:prstDash val="solid"/>
-          <a:miter lim="800000"/>
-        </a:ln>
-        <a:effectLst/>
-      </dsp:spPr>
-      <dsp:style>
-        <a:lnRef idx="2">
-          <a:scrgbClr r="0" g="0" b="0"/>
-        </a:lnRef>
-        <a:fillRef idx="0">
-          <a:scrgbClr r="0" g="0" b="0"/>
-        </a:fillRef>
-        <a:effectRef idx="0">
-          <a:scrgbClr r="0" g="0" b="0"/>
-        </a:effectRef>
-        <a:fontRef idx="minor"/>
-      </dsp:style>
-    </dsp:sp>
-    <dsp:sp modelId="{914E37DF-2F8D-44F8-8A90-362A0BC5D13C}">
-      <dsp:nvSpPr>
-        <dsp:cNvPr id="0" name=""/>
-        <dsp:cNvSpPr/>
-      </dsp:nvSpPr>
-      <dsp:spPr>
-        <a:xfrm>
-          <a:off x="5519691" y="915134"/>
-          <a:ext cx="1498407" cy="277527"/>
-        </a:xfrm>
-        <a:custGeom>
-          <a:avLst/>
-          <a:gdLst/>
-          <a:ahLst/>
-          <a:cxnLst/>
-          <a:rect l="0" t="0" r="0" b="0"/>
-          <a:pathLst>
-            <a:path>
-              <a:moveTo>
-                <a:pt x="0" y="277527"/>
-              </a:moveTo>
-              <a:lnTo>
-                <a:pt x="1428826" y="277527"/>
-              </a:lnTo>
-              <a:lnTo>
-                <a:pt x="1428826" y="0"/>
-              </a:lnTo>
-              <a:lnTo>
-                <a:pt x="1498407" y="0"/>
-              </a:lnTo>
-            </a:path>
-          </a:pathLst>
-        </a:custGeom>
-        <a:noFill/>
-        <a:ln w="12700" cap="flat" cmpd="sng" algn="ctr">
-          <a:solidFill>
-            <a:schemeClr val="accent5">
-              <a:hueOff val="0"/>
-              <a:satOff val="0"/>
-              <a:lumOff val="0"/>
-              <a:alphaOff val="0"/>
-            </a:schemeClr>
-          </a:solidFill>
-          <a:prstDash val="solid"/>
-          <a:miter lim="800000"/>
-        </a:ln>
-        <a:effectLst/>
-      </dsp:spPr>
-      <dsp:style>
-        <a:lnRef idx="2">
-          <a:scrgbClr r="0" g="0" b="0"/>
-        </a:lnRef>
-        <a:fillRef idx="0">
-          <a:scrgbClr r="0" g="0" b="0"/>
-        </a:fillRef>
-        <a:effectRef idx="0">
-          <a:scrgbClr r="0" g="0" b="0"/>
-        </a:effectRef>
-        <a:fontRef idx="minor"/>
-      </dsp:style>
-    </dsp:sp>
-    <dsp:sp modelId="{3D681F3E-26FE-4DF7-9633-5CE4F7E82E0D}">
-      <dsp:nvSpPr>
-        <dsp:cNvPr id="0" name=""/>
-        <dsp:cNvSpPr/>
-      </dsp:nvSpPr>
-      <dsp:spPr>
-        <a:xfrm>
-          <a:off x="5519691" y="277702"/>
-          <a:ext cx="1498407" cy="914959"/>
-        </a:xfrm>
-        <a:custGeom>
-          <a:avLst/>
-          <a:gdLst/>
-          <a:ahLst/>
-          <a:cxnLst/>
-          <a:rect l="0" t="0" r="0" b="0"/>
-          <a:pathLst>
-            <a:path>
-              <a:moveTo>
-                <a:pt x="0" y="914959"/>
-              </a:moveTo>
-              <a:lnTo>
-                <a:pt x="1428826" y="914959"/>
-              </a:lnTo>
-              <a:lnTo>
-                <a:pt x="1428826" y="0"/>
-              </a:lnTo>
-              <a:lnTo>
-                <a:pt x="1498407" y="0"/>
-              </a:lnTo>
-            </a:path>
-          </a:pathLst>
-        </a:custGeom>
-        <a:noFill/>
-        <a:ln w="12700" cap="flat" cmpd="sng" algn="ctr">
-          <a:solidFill>
-            <a:schemeClr val="accent5">
-              <a:hueOff val="0"/>
-              <a:satOff val="0"/>
-              <a:lumOff val="0"/>
-              <a:alphaOff val="0"/>
-            </a:schemeClr>
-          </a:solidFill>
-          <a:prstDash val="solid"/>
-          <a:miter lim="800000"/>
-        </a:ln>
-        <a:effectLst/>
-      </dsp:spPr>
-      <dsp:style>
-        <a:lnRef idx="2">
-          <a:scrgbClr r="0" g="0" b="0"/>
-        </a:lnRef>
-        <a:fillRef idx="0">
-          <a:scrgbClr r="0" g="0" b="0"/>
-        </a:fillRef>
-        <a:effectRef idx="0">
-          <a:scrgbClr r="0" g="0" b="0"/>
-        </a:effectRef>
-        <a:fontRef idx="minor"/>
-      </dsp:style>
-    </dsp:sp>
-    <dsp:sp modelId="{F8D2C4A0-68C0-4EED-BB0F-C753F0FBD437}">
-      <dsp:nvSpPr>
-        <dsp:cNvPr id="0" name=""/>
-        <dsp:cNvSpPr/>
-      </dsp:nvSpPr>
-      <dsp:spPr>
-        <a:xfrm>
-          <a:off x="2743735" y="1192661"/>
-          <a:ext cx="971187" cy="2222772"/>
-        </a:xfrm>
-        <a:custGeom>
-          <a:avLst/>
-          <a:gdLst/>
-          <a:ahLst/>
-          <a:cxnLst/>
-          <a:rect l="0" t="0" r="0" b="0"/>
-          <a:pathLst>
-            <a:path>
-              <a:moveTo>
-                <a:pt x="0" y="2222772"/>
-              </a:moveTo>
-              <a:lnTo>
-                <a:pt x="901605" y="2222772"/>
-              </a:lnTo>
-              <a:lnTo>
-                <a:pt x="901605" y="0"/>
-              </a:lnTo>
-              <a:lnTo>
-                <a:pt x="971187" y="0"/>
+                <a:pt x="2048290" y="6591"/>
               </a:lnTo>
             </a:path>
           </a:pathLst>
@@ -2940,91 +6009,89 @@
         </a:effectRef>
         <a:fontRef idx="minor"/>
       </dsp:style>
+      <dsp:txBody>
+        <a:bodyPr spcFirstLastPara="0" vert="horz" wrap="square" lIns="12700" tIns="0" rIns="12700" bIns="0" numCol="1" spcCol="1270" anchor="ctr" anchorCtr="0">
+          <a:noAutofit/>
+        </a:bodyPr>
+        <a:lstStyle/>
+        <a:p>
+          <a:pPr lvl="0" algn="ctr" defTabSz="311150">
+            <a:lnSpc>
+              <a:spcPct val="90000"/>
+            </a:lnSpc>
+            <a:spcBef>
+              <a:spcPct val="0"/>
+            </a:spcBef>
+            <a:spcAft>
+              <a:spcPct val="35000"/>
+            </a:spcAft>
+          </a:pPr>
+          <a:endParaRPr lang="en-US" sz="700" kern="1200"/>
+        </a:p>
+      </dsp:txBody>
+      <dsp:txXfrm>
+        <a:off x="2339986" y="5083636"/>
+        <a:ext cx="102414" cy="102414"/>
+      </dsp:txXfrm>
     </dsp:sp>
-    <dsp:sp modelId="{55C2893E-0B63-425A-BB47-BF94C18E857E}">
+    <dsp:sp modelId="{D746E41F-F5D4-46C0-8188-63CA1BF1C131}">
       <dsp:nvSpPr>
         <dsp:cNvPr id="0" name=""/>
         <dsp:cNvSpPr/>
       </dsp:nvSpPr>
       <dsp:spPr>
         <a:xfrm>
-          <a:off x="938965" y="3140207"/>
-          <a:ext cx="1804769" cy="550454"/>
+          <a:off x="2577993" y="5908310"/>
+          <a:ext cx="933997" cy="466998"/>
         </a:xfrm>
-        <a:prstGeom prst="rect">
-          <a:avLst/>
+        <a:prstGeom prst="roundRect">
+          <a:avLst>
+            <a:gd name="adj" fmla="val 10000"/>
+          </a:avLst>
         </a:prstGeom>
-        <a:gradFill rotWithShape="0">
-          <a:gsLst>
-            <a:gs pos="0">
-              <a:schemeClr val="accent2">
-                <a:hueOff val="0"/>
-                <a:satOff val="0"/>
-                <a:lumOff val="0"/>
-                <a:alphaOff val="0"/>
-                <a:lumMod val="110000"/>
-                <a:satMod val="105000"/>
-                <a:tint val="67000"/>
-              </a:schemeClr>
-            </a:gs>
-            <a:gs pos="50000">
-              <a:schemeClr val="accent2">
-                <a:hueOff val="0"/>
-                <a:satOff val="0"/>
-                <a:lumOff val="0"/>
-                <a:alphaOff val="0"/>
-                <a:lumMod val="105000"/>
-                <a:satMod val="103000"/>
-                <a:tint val="73000"/>
-              </a:schemeClr>
-            </a:gs>
-            <a:gs pos="100000">
-              <a:schemeClr val="accent2">
-                <a:hueOff val="0"/>
-                <a:satOff val="0"/>
-                <a:lumOff val="0"/>
-                <a:alphaOff val="0"/>
-                <a:lumMod val="105000"/>
-                <a:satMod val="109000"/>
-                <a:tint val="81000"/>
-              </a:schemeClr>
-            </a:gs>
-          </a:gsLst>
-          <a:lin ang="5400000" scaled="0"/>
-        </a:gradFill>
-        <a:ln>
-          <a:noFill/>
+        <a:solidFill>
+          <a:schemeClr val="accent4">
+            <a:hueOff val="0"/>
+            <a:satOff val="0"/>
+            <a:lumOff val="0"/>
+            <a:alphaOff val="0"/>
+          </a:schemeClr>
+        </a:solidFill>
+        <a:ln w="12700" cap="flat" cmpd="sng" algn="ctr">
+          <a:solidFill>
+            <a:schemeClr val="lt1">
+              <a:hueOff val="0"/>
+              <a:satOff val="0"/>
+              <a:lumOff val="0"/>
+              <a:alphaOff val="0"/>
+            </a:schemeClr>
+          </a:solidFill>
+          <a:prstDash val="solid"/>
+          <a:miter lim="800000"/>
         </a:ln>
         <a:effectLst/>
-        <a:scene3d>
-          <a:camera prst="orthographicFront"/>
-          <a:lightRig rig="flat" dir="t"/>
-        </a:scene3d>
-        <a:sp3d prstMaterial="dkEdge">
-          <a:bevelT w="8200" h="38100"/>
-        </a:sp3d>
       </dsp:spPr>
       <dsp:style>
-        <a:lnRef idx="0">
+        <a:lnRef idx="2">
           <a:scrgbClr r="0" g="0" b="0"/>
         </a:lnRef>
-        <a:fillRef idx="2">
+        <a:fillRef idx="1">
           <a:scrgbClr r="0" g="0" b="0"/>
         </a:fillRef>
-        <a:effectRef idx="1">
+        <a:effectRef idx="0">
           <a:scrgbClr r="0" g="0" b="0"/>
         </a:effectRef>
         <a:fontRef idx="minor">
-          <a:schemeClr val="dk1"/>
+          <a:schemeClr val="lt1"/>
         </a:fontRef>
       </dsp:style>
       <dsp:txBody>
-        <a:bodyPr spcFirstLastPara="0" vert="horz" wrap="square" lIns="13335" tIns="13335" rIns="13335" bIns="13335" numCol="1" spcCol="1270" anchor="ctr" anchorCtr="0">
+        <a:bodyPr spcFirstLastPara="0" vert="horz" wrap="square" lIns="6350" tIns="6350" rIns="6350" bIns="6350" numCol="1" spcCol="1270" anchor="ctr" anchorCtr="0">
           <a:noAutofit/>
         </a:bodyPr>
         <a:lstStyle/>
         <a:p>
-          <a:pPr lvl="0" algn="ctr" defTabSz="933450">
+          <a:pPr lvl="0" algn="ctr" defTabSz="444500">
             <a:lnSpc>
               <a:spcPct val="90000"/>
             </a:lnSpc>
@@ -3036,1160 +6103,15 @@
             </a:spcAft>
           </a:pPr>
           <a:r>
-            <a:rPr lang="en-US" sz="2100" kern="1200" dirty="0" smtClean="0"/>
-            <a:t>PhenStatAgeing</a:t>
+            <a:rPr lang="en-US" sz="1000" kern="1200" dirty="0" smtClean="0"/>
+            <a:t>Documentation</a:t>
           </a:r>
-          <a:endParaRPr lang="en-US" sz="2100" kern="1200" dirty="0"/>
+          <a:endParaRPr lang="en-US" sz="1000" kern="1200" dirty="0"/>
         </a:p>
       </dsp:txBody>
       <dsp:txXfrm>
-        <a:off x="938965" y="3140207"/>
-        <a:ext cx="1804769" cy="550454"/>
-      </dsp:txXfrm>
-    </dsp:sp>
-    <dsp:sp modelId="{8063184D-364A-4E33-836A-32D1B7BD100F}">
-      <dsp:nvSpPr>
-        <dsp:cNvPr id="0" name=""/>
-        <dsp:cNvSpPr/>
-      </dsp:nvSpPr>
-      <dsp:spPr>
-        <a:xfrm>
-          <a:off x="3714922" y="917434"/>
-          <a:ext cx="1804769" cy="550454"/>
-        </a:xfrm>
-        <a:prstGeom prst="rect">
-          <a:avLst/>
-        </a:prstGeom>
-        <a:gradFill rotWithShape="0">
-          <a:gsLst>
-            <a:gs pos="0">
-              <a:schemeClr val="accent4">
-                <a:hueOff val="0"/>
-                <a:satOff val="0"/>
-                <a:lumOff val="0"/>
-                <a:alphaOff val="0"/>
-                <a:lumMod val="110000"/>
-                <a:satMod val="105000"/>
-                <a:tint val="67000"/>
-              </a:schemeClr>
-            </a:gs>
-            <a:gs pos="50000">
-              <a:schemeClr val="accent4">
-                <a:hueOff val="0"/>
-                <a:satOff val="0"/>
-                <a:lumOff val="0"/>
-                <a:alphaOff val="0"/>
-                <a:lumMod val="105000"/>
-                <a:satMod val="103000"/>
-                <a:tint val="73000"/>
-              </a:schemeClr>
-            </a:gs>
-            <a:gs pos="100000">
-              <a:schemeClr val="accent4">
-                <a:hueOff val="0"/>
-                <a:satOff val="0"/>
-                <a:lumOff val="0"/>
-                <a:alphaOff val="0"/>
-                <a:lumMod val="105000"/>
-                <a:satMod val="109000"/>
-                <a:tint val="81000"/>
-              </a:schemeClr>
-            </a:gs>
-          </a:gsLst>
-          <a:lin ang="5400000" scaled="0"/>
-        </a:gradFill>
-        <a:ln>
-          <a:noFill/>
-        </a:ln>
-        <a:effectLst/>
-        <a:scene3d>
-          <a:camera prst="orthographicFront"/>
-          <a:lightRig rig="flat" dir="t"/>
-        </a:scene3d>
-        <a:sp3d prstMaterial="dkEdge">
-          <a:bevelT w="8200" h="38100"/>
-        </a:sp3d>
-      </dsp:spPr>
-      <dsp:style>
-        <a:lnRef idx="0">
-          <a:scrgbClr r="0" g="0" b="0"/>
-        </a:lnRef>
-        <a:fillRef idx="2">
-          <a:scrgbClr r="0" g="0" b="0"/>
-        </a:fillRef>
-        <a:effectRef idx="1">
-          <a:scrgbClr r="0" g="0" b="0"/>
-        </a:effectRef>
-        <a:fontRef idx="minor">
-          <a:schemeClr val="dk1"/>
-        </a:fontRef>
-      </dsp:style>
-      <dsp:txBody>
-        <a:bodyPr spcFirstLastPara="0" vert="horz" wrap="square" lIns="13335" tIns="13335" rIns="13335" bIns="13335" numCol="1" spcCol="1270" anchor="ctr" anchorCtr="0">
-          <a:noAutofit/>
-        </a:bodyPr>
-        <a:lstStyle/>
-        <a:p>
-          <a:pPr lvl="0" algn="ctr" defTabSz="933450">
-            <a:lnSpc>
-              <a:spcPct val="90000"/>
-            </a:lnSpc>
-            <a:spcBef>
-              <a:spcPct val="0"/>
-            </a:spcBef>
-            <a:spcAft>
-              <a:spcPct val="35000"/>
-            </a:spcAft>
-          </a:pPr>
-          <a:r>
-            <a:rPr lang="en-US" sz="2100" kern="1200" dirty="0" smtClean="0"/>
-            <a:t>1. Categorical</a:t>
-          </a:r>
-          <a:endParaRPr lang="en-US" sz="2100" kern="1200" dirty="0"/>
-        </a:p>
-      </dsp:txBody>
-      <dsp:txXfrm>
-        <a:off x="3714922" y="917434"/>
-        <a:ext cx="1804769" cy="550454"/>
-      </dsp:txXfrm>
-    </dsp:sp>
-    <dsp:sp modelId="{4FFCADDF-4DEF-4003-9783-B0DAC96B4229}">
-      <dsp:nvSpPr>
-        <dsp:cNvPr id="0" name=""/>
-        <dsp:cNvSpPr/>
-      </dsp:nvSpPr>
-      <dsp:spPr>
-        <a:xfrm>
-          <a:off x="7018099" y="2475"/>
-          <a:ext cx="1804769" cy="550454"/>
-        </a:xfrm>
-        <a:prstGeom prst="rect">
-          <a:avLst/>
-        </a:prstGeom>
-        <a:gradFill rotWithShape="0">
-          <a:gsLst>
-            <a:gs pos="0">
-              <a:schemeClr val="accent5">
-                <a:hueOff val="0"/>
-                <a:satOff val="0"/>
-                <a:lumOff val="0"/>
-                <a:alphaOff val="0"/>
-                <a:lumMod val="110000"/>
-                <a:satMod val="105000"/>
-                <a:tint val="67000"/>
-              </a:schemeClr>
-            </a:gs>
-            <a:gs pos="50000">
-              <a:schemeClr val="accent5">
-                <a:hueOff val="0"/>
-                <a:satOff val="0"/>
-                <a:lumOff val="0"/>
-                <a:alphaOff val="0"/>
-                <a:lumMod val="105000"/>
-                <a:satMod val="103000"/>
-                <a:tint val="73000"/>
-              </a:schemeClr>
-            </a:gs>
-            <a:gs pos="100000">
-              <a:schemeClr val="accent5">
-                <a:hueOff val="0"/>
-                <a:satOff val="0"/>
-                <a:lumOff val="0"/>
-                <a:alphaOff val="0"/>
-                <a:lumMod val="105000"/>
-                <a:satMod val="109000"/>
-                <a:tint val="81000"/>
-              </a:schemeClr>
-            </a:gs>
-          </a:gsLst>
-          <a:lin ang="5400000" scaled="0"/>
-        </a:gradFill>
-        <a:ln>
-          <a:noFill/>
-        </a:ln>
-        <a:effectLst/>
-        <a:scene3d>
-          <a:camera prst="orthographicFront"/>
-          <a:lightRig rig="flat" dir="t"/>
-        </a:scene3d>
-        <a:sp3d prstMaterial="dkEdge">
-          <a:bevelT w="8200" h="38100"/>
-        </a:sp3d>
-      </dsp:spPr>
-      <dsp:style>
-        <a:lnRef idx="0">
-          <a:scrgbClr r="0" g="0" b="0"/>
-        </a:lnRef>
-        <a:fillRef idx="2">
-          <a:scrgbClr r="0" g="0" b="0"/>
-        </a:fillRef>
-        <a:effectRef idx="1">
-          <a:scrgbClr r="0" g="0" b="0"/>
-        </a:effectRef>
-        <a:fontRef idx="minor">
-          <a:schemeClr val="dk1"/>
-        </a:fontRef>
-      </dsp:style>
-      <dsp:txBody>
-        <a:bodyPr spcFirstLastPara="0" vert="horz" wrap="square" lIns="13335" tIns="13335" rIns="13335" bIns="13335" numCol="1" spcCol="1270" anchor="ctr" anchorCtr="0">
-          <a:noAutofit/>
-        </a:bodyPr>
-        <a:lstStyle/>
-        <a:p>
-          <a:pPr lvl="0" algn="ctr" defTabSz="933450">
-            <a:lnSpc>
-              <a:spcPct val="90000"/>
-            </a:lnSpc>
-            <a:spcBef>
-              <a:spcPct val="0"/>
-            </a:spcBef>
-            <a:spcAft>
-              <a:spcPct val="35000"/>
-            </a:spcAft>
-          </a:pPr>
-          <a:r>
-            <a:rPr lang="en-US" sz="2100" kern="1200" dirty="0" smtClean="0"/>
-            <a:t>1.1 Analysis</a:t>
-          </a:r>
-          <a:endParaRPr lang="en-US" sz="2100" kern="1200" dirty="0"/>
-        </a:p>
-      </dsp:txBody>
-      <dsp:txXfrm>
-        <a:off x="7018099" y="2475"/>
-        <a:ext cx="1804769" cy="550454"/>
-      </dsp:txXfrm>
-    </dsp:sp>
-    <dsp:sp modelId="{DCF90B2B-9D4F-4F8F-BD9D-866007EA7278}">
-      <dsp:nvSpPr>
-        <dsp:cNvPr id="0" name=""/>
-        <dsp:cNvSpPr/>
-      </dsp:nvSpPr>
-      <dsp:spPr>
-        <a:xfrm>
-          <a:off x="7018099" y="639907"/>
-          <a:ext cx="1804769" cy="550454"/>
-        </a:xfrm>
-        <a:prstGeom prst="rect">
-          <a:avLst/>
-        </a:prstGeom>
-        <a:gradFill rotWithShape="0">
-          <a:gsLst>
-            <a:gs pos="0">
-              <a:schemeClr val="accent5">
-                <a:hueOff val="0"/>
-                <a:satOff val="0"/>
-                <a:lumOff val="0"/>
-                <a:alphaOff val="0"/>
-                <a:lumMod val="110000"/>
-                <a:satMod val="105000"/>
-                <a:tint val="67000"/>
-              </a:schemeClr>
-            </a:gs>
-            <a:gs pos="50000">
-              <a:schemeClr val="accent5">
-                <a:hueOff val="0"/>
-                <a:satOff val="0"/>
-                <a:lumOff val="0"/>
-                <a:alphaOff val="0"/>
-                <a:lumMod val="105000"/>
-                <a:satMod val="103000"/>
-                <a:tint val="73000"/>
-              </a:schemeClr>
-            </a:gs>
-            <a:gs pos="100000">
-              <a:schemeClr val="accent5">
-                <a:hueOff val="0"/>
-                <a:satOff val="0"/>
-                <a:lumOff val="0"/>
-                <a:alphaOff val="0"/>
-                <a:lumMod val="105000"/>
-                <a:satMod val="109000"/>
-                <a:tint val="81000"/>
-              </a:schemeClr>
-            </a:gs>
-          </a:gsLst>
-          <a:lin ang="5400000" scaled="0"/>
-        </a:gradFill>
-        <a:ln>
-          <a:noFill/>
-        </a:ln>
-        <a:effectLst/>
-        <a:scene3d>
-          <a:camera prst="orthographicFront"/>
-          <a:lightRig rig="flat" dir="t"/>
-        </a:scene3d>
-        <a:sp3d prstMaterial="dkEdge">
-          <a:bevelT w="8200" h="38100"/>
-        </a:sp3d>
-      </dsp:spPr>
-      <dsp:style>
-        <a:lnRef idx="0">
-          <a:scrgbClr r="0" g="0" b="0"/>
-        </a:lnRef>
-        <a:fillRef idx="2">
-          <a:scrgbClr r="0" g="0" b="0"/>
-        </a:fillRef>
-        <a:effectRef idx="1">
-          <a:scrgbClr r="0" g="0" b="0"/>
-        </a:effectRef>
-        <a:fontRef idx="minor">
-          <a:schemeClr val="dk1"/>
-        </a:fontRef>
-      </dsp:style>
-      <dsp:txBody>
-        <a:bodyPr spcFirstLastPara="0" vert="horz" wrap="square" lIns="13335" tIns="13335" rIns="13335" bIns="13335" numCol="1" spcCol="1270" anchor="ctr" anchorCtr="0">
-          <a:noAutofit/>
-        </a:bodyPr>
-        <a:lstStyle/>
-        <a:p>
-          <a:pPr lvl="0" algn="ctr" defTabSz="933450">
-            <a:lnSpc>
-              <a:spcPct val="90000"/>
-            </a:lnSpc>
-            <a:spcBef>
-              <a:spcPct val="0"/>
-            </a:spcBef>
-            <a:spcAft>
-              <a:spcPct val="35000"/>
-            </a:spcAft>
-          </a:pPr>
-          <a:r>
-            <a:rPr lang="en-US" sz="2100" kern="1200" dirty="0" smtClean="0"/>
-            <a:t>1.2 Summary</a:t>
-          </a:r>
-          <a:endParaRPr lang="en-US" sz="2100" kern="1200" dirty="0"/>
-        </a:p>
-      </dsp:txBody>
-      <dsp:txXfrm>
-        <a:off x="7018099" y="639907"/>
-        <a:ext cx="1804769" cy="550454"/>
-      </dsp:txXfrm>
-    </dsp:sp>
-    <dsp:sp modelId="{2B8057A4-4D8C-48DD-A64D-5B00015F1D8A}">
-      <dsp:nvSpPr>
-        <dsp:cNvPr id="0" name=""/>
-        <dsp:cNvSpPr/>
-      </dsp:nvSpPr>
-      <dsp:spPr>
-        <a:xfrm>
-          <a:off x="7018099" y="1277339"/>
-          <a:ext cx="1804769" cy="550454"/>
-        </a:xfrm>
-        <a:prstGeom prst="rect">
-          <a:avLst/>
-        </a:prstGeom>
-        <a:gradFill rotWithShape="0">
-          <a:gsLst>
-            <a:gs pos="0">
-              <a:schemeClr val="accent5">
-                <a:hueOff val="0"/>
-                <a:satOff val="0"/>
-                <a:lumOff val="0"/>
-                <a:alphaOff val="0"/>
-                <a:lumMod val="110000"/>
-                <a:satMod val="105000"/>
-                <a:tint val="67000"/>
-              </a:schemeClr>
-            </a:gs>
-            <a:gs pos="50000">
-              <a:schemeClr val="accent5">
-                <a:hueOff val="0"/>
-                <a:satOff val="0"/>
-                <a:lumOff val="0"/>
-                <a:alphaOff val="0"/>
-                <a:lumMod val="105000"/>
-                <a:satMod val="103000"/>
-                <a:tint val="73000"/>
-              </a:schemeClr>
-            </a:gs>
-            <a:gs pos="100000">
-              <a:schemeClr val="accent5">
-                <a:hueOff val="0"/>
-                <a:satOff val="0"/>
-                <a:lumOff val="0"/>
-                <a:alphaOff val="0"/>
-                <a:lumMod val="105000"/>
-                <a:satMod val="109000"/>
-                <a:tint val="81000"/>
-              </a:schemeClr>
-            </a:gs>
-          </a:gsLst>
-          <a:lin ang="5400000" scaled="0"/>
-        </a:gradFill>
-        <a:ln>
-          <a:noFill/>
-        </a:ln>
-        <a:effectLst/>
-        <a:scene3d>
-          <a:camera prst="orthographicFront"/>
-          <a:lightRig rig="flat" dir="t"/>
-        </a:scene3d>
-        <a:sp3d prstMaterial="dkEdge">
-          <a:bevelT w="8200" h="38100"/>
-        </a:sp3d>
-      </dsp:spPr>
-      <dsp:style>
-        <a:lnRef idx="0">
-          <a:scrgbClr r="0" g="0" b="0"/>
-        </a:lnRef>
-        <a:fillRef idx="2">
-          <a:scrgbClr r="0" g="0" b="0"/>
-        </a:fillRef>
-        <a:effectRef idx="1">
-          <a:scrgbClr r="0" g="0" b="0"/>
-        </a:effectRef>
-        <a:fontRef idx="minor">
-          <a:schemeClr val="dk1"/>
-        </a:fontRef>
-      </dsp:style>
-      <dsp:txBody>
-        <a:bodyPr spcFirstLastPara="0" vert="horz" wrap="square" lIns="13335" tIns="13335" rIns="13335" bIns="13335" numCol="1" spcCol="1270" anchor="ctr" anchorCtr="0">
-          <a:noAutofit/>
-        </a:bodyPr>
-        <a:lstStyle/>
-        <a:p>
-          <a:pPr lvl="0" algn="ctr" defTabSz="933450">
-            <a:lnSpc>
-              <a:spcPct val="90000"/>
-            </a:lnSpc>
-            <a:spcBef>
-              <a:spcPct val="0"/>
-            </a:spcBef>
-            <a:spcAft>
-              <a:spcPct val="35000"/>
-            </a:spcAft>
-          </a:pPr>
-          <a:r>
-            <a:rPr lang="en-US" sz="2100" kern="1200" dirty="0" smtClean="0"/>
-            <a:t>1.3 Plot</a:t>
-          </a:r>
-          <a:endParaRPr lang="en-US" sz="2100" kern="1200" dirty="0"/>
-        </a:p>
-      </dsp:txBody>
-      <dsp:txXfrm>
-        <a:off x="7018099" y="1277339"/>
-        <a:ext cx="1804769" cy="550454"/>
-      </dsp:txXfrm>
-    </dsp:sp>
-    <dsp:sp modelId="{8640EAD1-C455-45F4-934E-6D0E11CC0C70}">
-      <dsp:nvSpPr>
-        <dsp:cNvPr id="0" name=""/>
-        <dsp:cNvSpPr/>
-      </dsp:nvSpPr>
-      <dsp:spPr>
-        <a:xfrm>
-          <a:off x="7018099" y="1914770"/>
-          <a:ext cx="1804769" cy="550454"/>
-        </a:xfrm>
-        <a:prstGeom prst="rect">
-          <a:avLst/>
-        </a:prstGeom>
-        <a:gradFill rotWithShape="0">
-          <a:gsLst>
-            <a:gs pos="0">
-              <a:schemeClr val="accent5">
-                <a:hueOff val="0"/>
-                <a:satOff val="0"/>
-                <a:lumOff val="0"/>
-                <a:alphaOff val="0"/>
-                <a:lumMod val="110000"/>
-                <a:satMod val="105000"/>
-                <a:tint val="67000"/>
-              </a:schemeClr>
-            </a:gs>
-            <a:gs pos="50000">
-              <a:schemeClr val="accent5">
-                <a:hueOff val="0"/>
-                <a:satOff val="0"/>
-                <a:lumOff val="0"/>
-                <a:alphaOff val="0"/>
-                <a:lumMod val="105000"/>
-                <a:satMod val="103000"/>
-                <a:tint val="73000"/>
-              </a:schemeClr>
-            </a:gs>
-            <a:gs pos="100000">
-              <a:schemeClr val="accent5">
-                <a:hueOff val="0"/>
-                <a:satOff val="0"/>
-                <a:lumOff val="0"/>
-                <a:alphaOff val="0"/>
-                <a:lumMod val="105000"/>
-                <a:satMod val="109000"/>
-                <a:tint val="81000"/>
-              </a:schemeClr>
-            </a:gs>
-          </a:gsLst>
-          <a:lin ang="5400000" scaled="0"/>
-        </a:gradFill>
-        <a:ln>
-          <a:noFill/>
-        </a:ln>
-        <a:effectLst/>
-        <a:scene3d>
-          <a:camera prst="orthographicFront"/>
-          <a:lightRig rig="flat" dir="t"/>
-        </a:scene3d>
-        <a:sp3d prstMaterial="dkEdge">
-          <a:bevelT w="8200" h="38100"/>
-        </a:sp3d>
-      </dsp:spPr>
-      <dsp:style>
-        <a:lnRef idx="0">
-          <a:scrgbClr r="0" g="0" b="0"/>
-        </a:lnRef>
-        <a:fillRef idx="2">
-          <a:scrgbClr r="0" g="0" b="0"/>
-        </a:fillRef>
-        <a:effectRef idx="1">
-          <a:scrgbClr r="0" g="0" b="0"/>
-        </a:effectRef>
-        <a:fontRef idx="minor">
-          <a:schemeClr val="dk1"/>
-        </a:fontRef>
-      </dsp:style>
-      <dsp:txBody>
-        <a:bodyPr spcFirstLastPara="0" vert="horz" wrap="square" lIns="13335" tIns="13335" rIns="13335" bIns="13335" numCol="1" spcCol="1270" anchor="ctr" anchorCtr="0">
-          <a:noAutofit/>
-        </a:bodyPr>
-        <a:lstStyle/>
-        <a:p>
-          <a:pPr lvl="0" algn="ctr" defTabSz="933450">
-            <a:lnSpc>
-              <a:spcPct val="90000"/>
-            </a:lnSpc>
-            <a:spcBef>
-              <a:spcPct val="0"/>
-            </a:spcBef>
-            <a:spcAft>
-              <a:spcPct val="35000"/>
-            </a:spcAft>
-          </a:pPr>
-          <a:r>
-            <a:rPr lang="en-US" sz="2100" kern="1200" dirty="0" smtClean="0"/>
-            <a:t>1.4 Report</a:t>
-          </a:r>
-          <a:endParaRPr lang="en-US" sz="2100" kern="1200" dirty="0"/>
-        </a:p>
-      </dsp:txBody>
-      <dsp:txXfrm>
-        <a:off x="7018099" y="1914770"/>
-        <a:ext cx="1804769" cy="550454"/>
-      </dsp:txXfrm>
-    </dsp:sp>
-    <dsp:sp modelId="{E6385650-ECCB-4AE1-B129-75476538797D}">
-      <dsp:nvSpPr>
-        <dsp:cNvPr id="0" name=""/>
-        <dsp:cNvSpPr/>
-      </dsp:nvSpPr>
-      <dsp:spPr>
-        <a:xfrm>
-          <a:off x="3714929" y="3508350"/>
-          <a:ext cx="1804769" cy="550454"/>
-        </a:xfrm>
-        <a:prstGeom prst="rect">
-          <a:avLst/>
-        </a:prstGeom>
-        <a:gradFill rotWithShape="0">
-          <a:gsLst>
-            <a:gs pos="0">
-              <a:schemeClr val="accent4">
-                <a:hueOff val="0"/>
-                <a:satOff val="0"/>
-                <a:lumOff val="0"/>
-                <a:alphaOff val="0"/>
-                <a:lumMod val="110000"/>
-                <a:satMod val="105000"/>
-                <a:tint val="67000"/>
-              </a:schemeClr>
-            </a:gs>
-            <a:gs pos="50000">
-              <a:schemeClr val="accent4">
-                <a:hueOff val="0"/>
-                <a:satOff val="0"/>
-                <a:lumOff val="0"/>
-                <a:alphaOff val="0"/>
-                <a:lumMod val="105000"/>
-                <a:satMod val="103000"/>
-                <a:tint val="73000"/>
-              </a:schemeClr>
-            </a:gs>
-            <a:gs pos="100000">
-              <a:schemeClr val="accent4">
-                <a:hueOff val="0"/>
-                <a:satOff val="0"/>
-                <a:lumOff val="0"/>
-                <a:alphaOff val="0"/>
-                <a:lumMod val="105000"/>
-                <a:satMod val="109000"/>
-                <a:tint val="81000"/>
-              </a:schemeClr>
-            </a:gs>
-          </a:gsLst>
-          <a:lin ang="5400000" scaled="0"/>
-        </a:gradFill>
-        <a:ln>
-          <a:noFill/>
-        </a:ln>
-        <a:effectLst/>
-        <a:scene3d>
-          <a:camera prst="orthographicFront"/>
-          <a:lightRig rig="flat" dir="t"/>
-        </a:scene3d>
-        <a:sp3d prstMaterial="dkEdge">
-          <a:bevelT w="8200" h="38100"/>
-        </a:sp3d>
-      </dsp:spPr>
-      <dsp:style>
-        <a:lnRef idx="0">
-          <a:scrgbClr r="0" g="0" b="0"/>
-        </a:lnRef>
-        <a:fillRef idx="2">
-          <a:scrgbClr r="0" g="0" b="0"/>
-        </a:fillRef>
-        <a:effectRef idx="1">
-          <a:scrgbClr r="0" g="0" b="0"/>
-        </a:effectRef>
-        <a:fontRef idx="minor">
-          <a:schemeClr val="dk1"/>
-        </a:fontRef>
-      </dsp:style>
-      <dsp:txBody>
-        <a:bodyPr spcFirstLastPara="0" vert="horz" wrap="square" lIns="13335" tIns="13335" rIns="13335" bIns="13335" numCol="1" spcCol="1270" anchor="ctr" anchorCtr="0">
-          <a:noAutofit/>
-        </a:bodyPr>
-        <a:lstStyle/>
-        <a:p>
-          <a:pPr lvl="0" algn="ctr" defTabSz="933450">
-            <a:lnSpc>
-              <a:spcPct val="90000"/>
-            </a:lnSpc>
-            <a:spcBef>
-              <a:spcPct val="0"/>
-            </a:spcBef>
-            <a:spcAft>
-              <a:spcPct val="35000"/>
-            </a:spcAft>
-          </a:pPr>
-          <a:r>
-            <a:rPr lang="en-US" sz="2100" kern="1200" dirty="0" smtClean="0"/>
-            <a:t>2. Continuous</a:t>
-          </a:r>
-          <a:endParaRPr lang="en-US" sz="2100" kern="1200" dirty="0"/>
-        </a:p>
-      </dsp:txBody>
-      <dsp:txXfrm>
-        <a:off x="3714929" y="3508350"/>
-        <a:ext cx="1804769" cy="550454"/>
-      </dsp:txXfrm>
-    </dsp:sp>
-    <dsp:sp modelId="{13BB70B0-5D4D-4AF2-A30E-561CDBC24500}">
-      <dsp:nvSpPr>
-        <dsp:cNvPr id="0" name=""/>
-        <dsp:cNvSpPr/>
-      </dsp:nvSpPr>
-      <dsp:spPr>
-        <a:xfrm>
-          <a:off x="7018099" y="2552202"/>
-          <a:ext cx="1804769" cy="550454"/>
-        </a:xfrm>
-        <a:prstGeom prst="rect">
-          <a:avLst/>
-        </a:prstGeom>
-        <a:solidFill>
-          <a:schemeClr val="accent2">
-            <a:lumMod val="60000"/>
-            <a:lumOff val="40000"/>
-          </a:schemeClr>
-        </a:solidFill>
-        <a:ln>
-          <a:noFill/>
-        </a:ln>
-        <a:effectLst/>
-        <a:scene3d>
-          <a:camera prst="orthographicFront"/>
-          <a:lightRig rig="flat" dir="t"/>
-        </a:scene3d>
-        <a:sp3d prstMaterial="dkEdge">
-          <a:bevelT w="8200" h="38100"/>
-        </a:sp3d>
-      </dsp:spPr>
-      <dsp:style>
-        <a:lnRef idx="0">
-          <a:scrgbClr r="0" g="0" b="0"/>
-        </a:lnRef>
-        <a:fillRef idx="2">
-          <a:scrgbClr r="0" g="0" b="0"/>
-        </a:fillRef>
-        <a:effectRef idx="1">
-          <a:scrgbClr r="0" g="0" b="0"/>
-        </a:effectRef>
-        <a:fontRef idx="minor">
-          <a:schemeClr val="dk1"/>
-        </a:fontRef>
-      </dsp:style>
-      <dsp:txBody>
-        <a:bodyPr spcFirstLastPara="0" vert="horz" wrap="square" lIns="13335" tIns="13335" rIns="13335" bIns="13335" numCol="1" spcCol="1270" anchor="ctr" anchorCtr="0">
-          <a:noAutofit/>
-        </a:bodyPr>
-        <a:lstStyle/>
-        <a:p>
-          <a:pPr lvl="0" algn="ctr" defTabSz="933450">
-            <a:lnSpc>
-              <a:spcPct val="90000"/>
-            </a:lnSpc>
-            <a:spcBef>
-              <a:spcPct val="0"/>
-            </a:spcBef>
-            <a:spcAft>
-              <a:spcPct val="35000"/>
-            </a:spcAft>
-          </a:pPr>
-          <a:r>
-            <a:rPr lang="en-US" sz="2100" kern="1200" dirty="0" smtClean="0"/>
-            <a:t>2.1 Analysis</a:t>
-          </a:r>
-          <a:endParaRPr lang="en-US" sz="2100" kern="1200" dirty="0"/>
-        </a:p>
-      </dsp:txBody>
-      <dsp:txXfrm>
-        <a:off x="7018099" y="2552202"/>
-        <a:ext cx="1804769" cy="550454"/>
-      </dsp:txXfrm>
-    </dsp:sp>
-    <dsp:sp modelId="{77693F97-6529-485D-9E4D-8ACAA6EA84A9}">
-      <dsp:nvSpPr>
-        <dsp:cNvPr id="0" name=""/>
-        <dsp:cNvSpPr/>
-      </dsp:nvSpPr>
-      <dsp:spPr>
-        <a:xfrm>
-          <a:off x="7018099" y="3189634"/>
-          <a:ext cx="1804769" cy="550454"/>
-        </a:xfrm>
-        <a:prstGeom prst="rect">
-          <a:avLst/>
-        </a:prstGeom>
-        <a:solidFill>
-          <a:schemeClr val="accent2">
-            <a:lumMod val="60000"/>
-            <a:lumOff val="40000"/>
-          </a:schemeClr>
-        </a:solidFill>
-        <a:ln>
-          <a:noFill/>
-        </a:ln>
-        <a:effectLst/>
-        <a:scene3d>
-          <a:camera prst="orthographicFront"/>
-          <a:lightRig rig="flat" dir="t"/>
-        </a:scene3d>
-        <a:sp3d prstMaterial="dkEdge">
-          <a:bevelT w="8200" h="38100"/>
-        </a:sp3d>
-      </dsp:spPr>
-      <dsp:style>
-        <a:lnRef idx="0">
-          <a:scrgbClr r="0" g="0" b="0"/>
-        </a:lnRef>
-        <a:fillRef idx="2">
-          <a:scrgbClr r="0" g="0" b="0"/>
-        </a:fillRef>
-        <a:effectRef idx="1">
-          <a:scrgbClr r="0" g="0" b="0"/>
-        </a:effectRef>
-        <a:fontRef idx="minor">
-          <a:schemeClr val="dk1"/>
-        </a:fontRef>
-      </dsp:style>
-      <dsp:txBody>
-        <a:bodyPr spcFirstLastPara="0" vert="horz" wrap="square" lIns="13335" tIns="13335" rIns="13335" bIns="13335" numCol="1" spcCol="1270" anchor="ctr" anchorCtr="0">
-          <a:noAutofit/>
-        </a:bodyPr>
-        <a:lstStyle/>
-        <a:p>
-          <a:pPr lvl="0" algn="ctr" defTabSz="933450">
-            <a:lnSpc>
-              <a:spcPct val="90000"/>
-            </a:lnSpc>
-            <a:spcBef>
-              <a:spcPct val="0"/>
-            </a:spcBef>
-            <a:spcAft>
-              <a:spcPct val="35000"/>
-            </a:spcAft>
-          </a:pPr>
-          <a:r>
-            <a:rPr lang="en-US" sz="2100" kern="1200" dirty="0" smtClean="0"/>
-            <a:t>2.2 Summary</a:t>
-          </a:r>
-          <a:endParaRPr lang="en-US" sz="2100" kern="1200" dirty="0"/>
-        </a:p>
-      </dsp:txBody>
-      <dsp:txXfrm>
-        <a:off x="7018099" y="3189634"/>
-        <a:ext cx="1804769" cy="550454"/>
-      </dsp:txXfrm>
-    </dsp:sp>
-    <dsp:sp modelId="{F3C33801-9A26-415E-86F9-96CEEEB4583B}">
-      <dsp:nvSpPr>
-        <dsp:cNvPr id="0" name=""/>
-        <dsp:cNvSpPr/>
-      </dsp:nvSpPr>
-      <dsp:spPr>
-        <a:xfrm>
-          <a:off x="7018099" y="3827066"/>
-          <a:ext cx="1804769" cy="550454"/>
-        </a:xfrm>
-        <a:prstGeom prst="rect">
-          <a:avLst/>
-        </a:prstGeom>
-        <a:solidFill>
-          <a:schemeClr val="accent2">
-            <a:lumMod val="60000"/>
-            <a:lumOff val="40000"/>
-          </a:schemeClr>
-        </a:solidFill>
-        <a:ln>
-          <a:noFill/>
-        </a:ln>
-        <a:effectLst/>
-        <a:scene3d>
-          <a:camera prst="orthographicFront"/>
-          <a:lightRig rig="flat" dir="t"/>
-        </a:scene3d>
-        <a:sp3d prstMaterial="dkEdge">
-          <a:bevelT w="8200" h="38100"/>
-        </a:sp3d>
-      </dsp:spPr>
-      <dsp:style>
-        <a:lnRef idx="0">
-          <a:scrgbClr r="0" g="0" b="0"/>
-        </a:lnRef>
-        <a:fillRef idx="2">
-          <a:scrgbClr r="0" g="0" b="0"/>
-        </a:fillRef>
-        <a:effectRef idx="1">
-          <a:scrgbClr r="0" g="0" b="0"/>
-        </a:effectRef>
-        <a:fontRef idx="minor">
-          <a:schemeClr val="dk1"/>
-        </a:fontRef>
-      </dsp:style>
-      <dsp:txBody>
-        <a:bodyPr spcFirstLastPara="0" vert="horz" wrap="square" lIns="13335" tIns="13335" rIns="13335" bIns="13335" numCol="1" spcCol="1270" anchor="ctr" anchorCtr="0">
-          <a:noAutofit/>
-        </a:bodyPr>
-        <a:lstStyle/>
-        <a:p>
-          <a:pPr lvl="0" algn="ctr" defTabSz="933450">
-            <a:lnSpc>
-              <a:spcPct val="90000"/>
-            </a:lnSpc>
-            <a:spcBef>
-              <a:spcPct val="0"/>
-            </a:spcBef>
-            <a:spcAft>
-              <a:spcPct val="35000"/>
-            </a:spcAft>
-          </a:pPr>
-          <a:r>
-            <a:rPr lang="en-US" sz="2100" kern="1200" dirty="0" smtClean="0"/>
-            <a:t>2.3 Plot</a:t>
-          </a:r>
-          <a:endParaRPr lang="en-US" sz="2100" kern="1200" dirty="0"/>
-        </a:p>
-      </dsp:txBody>
-      <dsp:txXfrm>
-        <a:off x="7018099" y="3827066"/>
-        <a:ext cx="1804769" cy="550454"/>
-      </dsp:txXfrm>
-    </dsp:sp>
-    <dsp:sp modelId="{E56F035E-8417-44AF-A5E5-7A20BD30CE2E}">
-      <dsp:nvSpPr>
-        <dsp:cNvPr id="0" name=""/>
-        <dsp:cNvSpPr/>
-      </dsp:nvSpPr>
-      <dsp:spPr>
-        <a:xfrm>
-          <a:off x="7018099" y="4464498"/>
-          <a:ext cx="1804769" cy="550454"/>
-        </a:xfrm>
-        <a:prstGeom prst="rect">
-          <a:avLst/>
-        </a:prstGeom>
-        <a:solidFill>
-          <a:schemeClr val="accent2">
-            <a:lumMod val="60000"/>
-            <a:lumOff val="40000"/>
-          </a:schemeClr>
-        </a:solidFill>
-        <a:ln>
-          <a:noFill/>
-        </a:ln>
-        <a:effectLst/>
-        <a:scene3d>
-          <a:camera prst="orthographicFront"/>
-          <a:lightRig rig="flat" dir="t"/>
-        </a:scene3d>
-        <a:sp3d prstMaterial="dkEdge">
-          <a:bevelT w="8200" h="38100"/>
-        </a:sp3d>
-      </dsp:spPr>
-      <dsp:style>
-        <a:lnRef idx="0">
-          <a:scrgbClr r="0" g="0" b="0"/>
-        </a:lnRef>
-        <a:fillRef idx="2">
-          <a:scrgbClr r="0" g="0" b="0"/>
-        </a:fillRef>
-        <a:effectRef idx="1">
-          <a:scrgbClr r="0" g="0" b="0"/>
-        </a:effectRef>
-        <a:fontRef idx="minor">
-          <a:schemeClr val="dk1"/>
-        </a:fontRef>
-      </dsp:style>
-      <dsp:txBody>
-        <a:bodyPr spcFirstLastPara="0" vert="horz" wrap="square" lIns="13335" tIns="13335" rIns="13335" bIns="13335" numCol="1" spcCol="1270" anchor="ctr" anchorCtr="0">
-          <a:noAutofit/>
-        </a:bodyPr>
-        <a:lstStyle/>
-        <a:p>
-          <a:pPr lvl="0" algn="ctr" defTabSz="933450">
-            <a:lnSpc>
-              <a:spcPct val="90000"/>
-            </a:lnSpc>
-            <a:spcBef>
-              <a:spcPct val="0"/>
-            </a:spcBef>
-            <a:spcAft>
-              <a:spcPct val="35000"/>
-            </a:spcAft>
-          </a:pPr>
-          <a:r>
-            <a:rPr lang="en-US" sz="2100" kern="1200" dirty="0" smtClean="0"/>
-            <a:t>2.4 Report</a:t>
-          </a:r>
-          <a:endParaRPr lang="en-US" sz="2100" kern="1200" dirty="0"/>
-        </a:p>
-      </dsp:txBody>
-      <dsp:txXfrm>
-        <a:off x="7018099" y="4464498"/>
-        <a:ext cx="1804769" cy="550454"/>
-      </dsp:txXfrm>
-    </dsp:sp>
-    <dsp:sp modelId="{93206299-B676-4CE9-92E9-023DC1CB00EB}">
-      <dsp:nvSpPr>
-        <dsp:cNvPr id="0" name=""/>
-        <dsp:cNvSpPr/>
-      </dsp:nvSpPr>
-      <dsp:spPr>
-        <a:xfrm>
-          <a:off x="3714929" y="4145782"/>
-          <a:ext cx="1804769" cy="550454"/>
-        </a:xfrm>
-        <a:prstGeom prst="rect">
-          <a:avLst/>
-        </a:prstGeom>
-        <a:solidFill>
-          <a:schemeClr val="accent6"/>
-        </a:solidFill>
-        <a:ln>
-          <a:noFill/>
-        </a:ln>
-        <a:effectLst/>
-        <a:scene3d>
-          <a:camera prst="orthographicFront"/>
-          <a:lightRig rig="flat" dir="t"/>
-        </a:scene3d>
-        <a:sp3d prstMaterial="dkEdge">
-          <a:bevelT w="8200" h="38100"/>
-        </a:sp3d>
-      </dsp:spPr>
-      <dsp:style>
-        <a:lnRef idx="0">
-          <a:scrgbClr r="0" g="0" b="0"/>
-        </a:lnRef>
-        <a:fillRef idx="2">
-          <a:scrgbClr r="0" g="0" b="0"/>
-        </a:fillRef>
-        <a:effectRef idx="1">
-          <a:scrgbClr r="0" g="0" b="0"/>
-        </a:effectRef>
-        <a:fontRef idx="minor">
-          <a:schemeClr val="dk1"/>
-        </a:fontRef>
-      </dsp:style>
-      <dsp:txBody>
-        <a:bodyPr spcFirstLastPara="0" vert="horz" wrap="square" lIns="13335" tIns="13335" rIns="13335" bIns="13335" numCol="1" spcCol="1270" anchor="ctr" anchorCtr="0">
-          <a:noAutofit/>
-        </a:bodyPr>
-        <a:lstStyle/>
-        <a:p>
-          <a:pPr lvl="0" algn="ctr" defTabSz="933450">
-            <a:lnSpc>
-              <a:spcPct val="90000"/>
-            </a:lnSpc>
-            <a:spcBef>
-              <a:spcPct val="0"/>
-            </a:spcBef>
-            <a:spcAft>
-              <a:spcPct val="35000"/>
-            </a:spcAft>
-          </a:pPr>
-          <a:r>
-            <a:rPr lang="en-US" sz="2100" kern="1200" dirty="0" smtClean="0"/>
-            <a:t>Normalizing</a:t>
-          </a:r>
-          <a:endParaRPr lang="en-US" sz="2100" kern="1200" dirty="0"/>
-        </a:p>
-      </dsp:txBody>
-      <dsp:txXfrm>
-        <a:off x="3714929" y="4145782"/>
-        <a:ext cx="1804769" cy="550454"/>
-      </dsp:txXfrm>
-    </dsp:sp>
-    <dsp:sp modelId="{D6F92C14-A39B-4E77-8B1F-40D0D9818D56}">
-      <dsp:nvSpPr>
-        <dsp:cNvPr id="0" name=""/>
-        <dsp:cNvSpPr/>
-      </dsp:nvSpPr>
-      <dsp:spPr>
-        <a:xfrm>
-          <a:off x="3714929" y="4783214"/>
-          <a:ext cx="1804769" cy="550454"/>
-        </a:xfrm>
-        <a:prstGeom prst="rect">
-          <a:avLst/>
-        </a:prstGeom>
-        <a:solidFill>
-          <a:schemeClr val="accent6"/>
-        </a:solidFill>
-        <a:ln>
-          <a:noFill/>
-        </a:ln>
-        <a:effectLst/>
-        <a:scene3d>
-          <a:camera prst="orthographicFront"/>
-          <a:lightRig rig="flat" dir="t"/>
-        </a:scene3d>
-        <a:sp3d prstMaterial="dkEdge">
-          <a:bevelT w="8200" h="38100"/>
-        </a:sp3d>
-      </dsp:spPr>
-      <dsp:style>
-        <a:lnRef idx="0">
-          <a:scrgbClr r="0" g="0" b="0"/>
-        </a:lnRef>
-        <a:fillRef idx="2">
-          <a:scrgbClr r="0" g="0" b="0"/>
-        </a:fillRef>
-        <a:effectRef idx="1">
-          <a:scrgbClr r="0" g="0" b="0"/>
-        </a:effectRef>
-        <a:fontRef idx="minor">
-          <a:schemeClr val="dk1"/>
-        </a:fontRef>
-      </dsp:style>
-      <dsp:txBody>
-        <a:bodyPr spcFirstLastPara="0" vert="horz" wrap="square" lIns="13335" tIns="13335" rIns="13335" bIns="13335" numCol="1" spcCol="1270" anchor="ctr" anchorCtr="0">
-          <a:noAutofit/>
-        </a:bodyPr>
-        <a:lstStyle/>
-        <a:p>
-          <a:pPr lvl="0" algn="ctr" defTabSz="933450">
-            <a:lnSpc>
-              <a:spcPct val="90000"/>
-            </a:lnSpc>
-            <a:spcBef>
-              <a:spcPct val="0"/>
-            </a:spcBef>
-            <a:spcAft>
-              <a:spcPct val="35000"/>
-            </a:spcAft>
-          </a:pPr>
-          <a:r>
-            <a:rPr lang="en-US" sz="2100" kern="1200" dirty="0" smtClean="0"/>
-            <a:t>Test</a:t>
-          </a:r>
-          <a:endParaRPr lang="en-US" sz="2100" kern="1200" dirty="0"/>
-        </a:p>
-      </dsp:txBody>
-      <dsp:txXfrm>
-        <a:off x="3714929" y="4783214"/>
-        <a:ext cx="1804769" cy="550454"/>
-      </dsp:txXfrm>
-    </dsp:sp>
-    <dsp:sp modelId="{3DE257E9-7886-42DA-B003-2804A2AB107A}">
-      <dsp:nvSpPr>
-        <dsp:cNvPr id="0" name=""/>
-        <dsp:cNvSpPr/>
-      </dsp:nvSpPr>
-      <dsp:spPr>
-        <a:xfrm>
-          <a:off x="3714929" y="5420645"/>
-          <a:ext cx="1804769" cy="550454"/>
-        </a:xfrm>
-        <a:prstGeom prst="rect">
-          <a:avLst/>
-        </a:prstGeom>
-        <a:solidFill>
-          <a:schemeClr val="accent6"/>
-        </a:solidFill>
-        <a:ln>
-          <a:noFill/>
-        </a:ln>
-        <a:effectLst/>
-        <a:scene3d>
-          <a:camera prst="orthographicFront"/>
-          <a:lightRig rig="flat" dir="t"/>
-        </a:scene3d>
-        <a:sp3d prstMaterial="dkEdge">
-          <a:bevelT w="8200" h="38100"/>
-        </a:sp3d>
-      </dsp:spPr>
-      <dsp:style>
-        <a:lnRef idx="0">
-          <a:scrgbClr r="0" g="0" b="0"/>
-        </a:lnRef>
-        <a:fillRef idx="2">
-          <a:scrgbClr r="0" g="0" b="0"/>
-        </a:fillRef>
-        <a:effectRef idx="1">
-          <a:scrgbClr r="0" g="0" b="0"/>
-        </a:effectRef>
-        <a:fontRef idx="minor">
-          <a:schemeClr val="dk1"/>
-        </a:fontRef>
-      </dsp:style>
-      <dsp:txBody>
-        <a:bodyPr spcFirstLastPara="0" vert="horz" wrap="square" lIns="13335" tIns="13335" rIns="13335" bIns="13335" numCol="1" spcCol="1270" anchor="ctr" anchorCtr="0">
-          <a:noAutofit/>
-        </a:bodyPr>
-        <a:lstStyle/>
-        <a:p>
-          <a:pPr lvl="0" algn="ctr" defTabSz="933450">
-            <a:lnSpc>
-              <a:spcPct val="90000"/>
-            </a:lnSpc>
-            <a:spcBef>
-              <a:spcPct val="0"/>
-            </a:spcBef>
-            <a:spcAft>
-              <a:spcPct val="35000"/>
-            </a:spcAft>
-          </a:pPr>
-          <a:r>
-            <a:rPr lang="en-US" sz="2100" kern="1200" dirty="0" smtClean="0"/>
-            <a:t>Documentation</a:t>
-          </a:r>
-          <a:endParaRPr lang="en-US" sz="2100" kern="1200" dirty="0"/>
-        </a:p>
-      </dsp:txBody>
-      <dsp:txXfrm>
-        <a:off x="3714929" y="5420645"/>
-        <a:ext cx="1804769" cy="550454"/>
+        <a:off x="2591671" y="5921988"/>
+        <a:ext cx="906641" cy="439642"/>
       </dsp:txXfrm>
     </dsp:sp>
   </dsp:spTree>
@@ -4197,11 +6119,11 @@
 </file>
 
 <file path=ppt/diagrams/layout1.xml><?xml version="1.0" encoding="utf-8"?>
-<dgm:layoutDef xmlns:dgm="http://schemas.openxmlformats.org/drawingml/2006/diagram" xmlns:a="http://schemas.openxmlformats.org/drawingml/2006/main" uniqueId="urn:microsoft.com/office/officeart/2009/3/layout/HorizontalOrganizationChart">
+<dgm:layoutDef xmlns:dgm="http://schemas.openxmlformats.org/drawingml/2006/diagram" xmlns:a="http://schemas.openxmlformats.org/drawingml/2006/main" uniqueId="urn:microsoft.com/office/officeart/2005/8/layout/hierarchy5">
   <dgm:title val=""/>
   <dgm:desc val=""/>
   <dgm:catLst>
-    <dgm:cat type="hierarchy" pri="4300"/>
+    <dgm:cat type="hierarchy" pri="6000"/>
   </dgm:catLst>
   <dgm:sampData>
     <dgm:dataModel>
@@ -4210,10 +6132,19 @@
         <dgm:pt modelId="1">
           <dgm:prSet phldr="1"/>
         </dgm:pt>
-        <dgm:pt modelId="2" type="asst">
+        <dgm:pt modelId="2">
+          <dgm:prSet phldr="1"/>
+        </dgm:pt>
+        <dgm:pt modelId="21">
+          <dgm:prSet phldr="1"/>
+        </dgm:pt>
+        <dgm:pt modelId="22">
           <dgm:prSet phldr="1"/>
         </dgm:pt>
         <dgm:pt modelId="3">
+          <dgm:prSet phldr="1"/>
+        </dgm:pt>
+        <dgm:pt modelId="31">
           <dgm:prSet phldr="1"/>
         </dgm:pt>
         <dgm:pt modelId="4">
@@ -4222,13 +6153,20 @@
         <dgm:pt modelId="5">
           <dgm:prSet phldr="1"/>
         </dgm:pt>
+        <dgm:pt modelId="6">
+          <dgm:prSet phldr="1"/>
+        </dgm:pt>
       </dgm:ptLst>
       <dgm:cxnLst>
-        <dgm:cxn modelId="5" srcId="0" destId="1" srcOrd="0" destOrd="0"/>
-        <dgm:cxn modelId="6" srcId="1" destId="2" srcOrd="0" destOrd="0"/>
-        <dgm:cxn modelId="7" srcId="1" destId="3" srcOrd="1" destOrd="0"/>
-        <dgm:cxn modelId="8" srcId="1" destId="4" srcOrd="2" destOrd="0"/>
-        <dgm:cxn modelId="9" srcId="1" destId="5" srcOrd="3" destOrd="0"/>
+        <dgm:cxn modelId="7" srcId="0" destId="1" srcOrd="0" destOrd="0"/>
+        <dgm:cxn modelId="8" srcId="1" destId="2" srcOrd="0" destOrd="0"/>
+        <dgm:cxn modelId="9" srcId="1" destId="3" srcOrd="1" destOrd="0"/>
+        <dgm:cxn modelId="23" srcId="2" destId="21" srcOrd="0" destOrd="0"/>
+        <dgm:cxn modelId="24" srcId="2" destId="22" srcOrd="1" destOrd="0"/>
+        <dgm:cxn modelId="33" srcId="3" destId="31" srcOrd="0" destOrd="0"/>
+        <dgm:cxn modelId="10" srcId="0" destId="4" srcOrd="1" destOrd="0"/>
+        <dgm:cxn modelId="11" srcId="0" destId="5" srcOrd="2" destOrd="0"/>
+        <dgm:cxn modelId="12" srcId="0" destId="6" srcOrd="3" destOrd="0"/>
       </dgm:cxnLst>
       <dgm:bg/>
       <dgm:whole/>
@@ -4239,13 +6177,17 @@
       <dgm:ptLst>
         <dgm:pt modelId="0" type="doc"/>
         <dgm:pt modelId="1"/>
+        <dgm:pt modelId="11"/>
         <dgm:pt modelId="12"/>
-        <dgm:pt modelId="13"/>
+        <dgm:pt modelId="2"/>
+        <dgm:pt modelId="3"/>
       </dgm:ptLst>
       <dgm:cxnLst>
-        <dgm:cxn modelId="2" srcId="0" destId="1" srcOrd="0" destOrd="0"/>
-        <dgm:cxn modelId="16" srcId="1" destId="12" srcOrd="1" destOrd="0"/>
-        <dgm:cxn modelId="17" srcId="1" destId="13" srcOrd="2" destOrd="0"/>
+        <dgm:cxn modelId="4" srcId="0" destId="1" srcOrd="0" destOrd="0"/>
+        <dgm:cxn modelId="13" srcId="1" destId="11" srcOrd="0" destOrd="0"/>
+        <dgm:cxn modelId="14" srcId="1" destId="12" srcOrd="1" destOrd="0"/>
+        <dgm:cxn modelId="5" srcId="0" destId="2" srcOrd="1" destOrd="0"/>
+        <dgm:cxn modelId="6" srcId="0" destId="3" srcOrd="2" destOrd="0"/>
       </dgm:cxnLst>
       <dgm:bg/>
       <dgm:whole/>
@@ -4256,1136 +6198,506 @@
       <dgm:ptLst>
         <dgm:pt modelId="0" type="doc"/>
         <dgm:pt modelId="1"/>
-        <dgm:pt modelId="11" type="asst"/>
-        <dgm:pt modelId="12"/>
-        <dgm:pt modelId="13"/>
-        <dgm:pt modelId="14"/>
+        <dgm:pt modelId="2"/>
+        <dgm:pt modelId="21"/>
+        <dgm:pt modelId="211"/>
+        <dgm:pt modelId="3"/>
+        <dgm:pt modelId="31"/>
+        <dgm:pt modelId="311"/>
+        <dgm:pt modelId="4"/>
+        <dgm:pt modelId="5"/>
+        <dgm:pt modelId="6"/>
+        <dgm:pt modelId="7"/>
       </dgm:ptLst>
       <dgm:cxnLst>
-        <dgm:cxn modelId="2" srcId="0" destId="1" srcOrd="0" destOrd="0"/>
-        <dgm:cxn modelId="15" srcId="1" destId="11" srcOrd="0" destOrd="0"/>
-        <dgm:cxn modelId="16" srcId="1" destId="12" srcOrd="1" destOrd="0"/>
-        <dgm:cxn modelId="17" srcId="1" destId="13" srcOrd="2" destOrd="0"/>
-        <dgm:cxn modelId="18" srcId="1" destId="14" srcOrd="2" destOrd="0"/>
+        <dgm:cxn modelId="8" srcId="0" destId="1" srcOrd="0" destOrd="0"/>
+        <dgm:cxn modelId="9" srcId="1" destId="2" srcOrd="0" destOrd="0"/>
+        <dgm:cxn modelId="10" srcId="1" destId="3" srcOrd="1" destOrd="0"/>
+        <dgm:cxn modelId="23" srcId="2" destId="21" srcOrd="0" destOrd="0"/>
+        <dgm:cxn modelId="24" srcId="21" destId="211" srcOrd="0" destOrd="0"/>
+        <dgm:cxn modelId="33" srcId="3" destId="31" srcOrd="0" destOrd="0"/>
+        <dgm:cxn modelId="34" srcId="31" destId="311" srcOrd="0" destOrd="0"/>
+        <dgm:cxn modelId="11" srcId="0" destId="4" srcOrd="1" destOrd="0"/>
+        <dgm:cxn modelId="12" srcId="0" destId="5" srcOrd="2" destOrd="0"/>
+        <dgm:cxn modelId="13" srcId="0" destId="6" srcOrd="3" destOrd="0"/>
+        <dgm:cxn modelId="14" srcId="0" destId="7" srcOrd="4" destOrd="0"/>
       </dgm:cxnLst>
       <dgm:bg/>
       <dgm:whole/>
     </dgm:dataModel>
   </dgm:clrData>
-  <dgm:layoutNode name="hierChild1">
+  <dgm:layoutNode name="mainComposite">
     <dgm:varLst>
-      <dgm:orgChart val="1"/>
       <dgm:chPref val="1"/>
       <dgm:dir/>
       <dgm:animOne val="branch"/>
       <dgm:animLvl val="lvl"/>
-      <dgm:resizeHandles/>
+      <dgm:resizeHandles val="exact"/>
     </dgm:varLst>
-    <dgm:choose name="Name0">
-      <dgm:if name="Name1" func="var" arg="dir" op="equ" val="norm">
-        <dgm:alg type="hierChild">
-          <dgm:param type="linDir" val="fromT"/>
-          <dgm:param type="chAlign" val="l"/>
-        </dgm:alg>
-      </dgm:if>
-      <dgm:else name="Name2">
-        <dgm:alg type="hierChild">
-          <dgm:param type="linDir" val="fromT"/>
-          <dgm:param type="chAlign" val="r"/>
-        </dgm:alg>
-      </dgm:else>
-    </dgm:choose>
+    <dgm:alg type="composite"/>
+    <dgm:presOf/>
     <dgm:shape xmlns:r="http://schemas.openxmlformats.org/officeDocument/2006/relationships" r:blip="">
       <dgm:adjLst/>
     </dgm:shape>
-    <dgm:presOf/>
-    <dgm:constrLst>
-      <dgm:constr type="w" for="des" forName="rootComposite1" refType="w" fact="10"/>
-      <dgm:constr type="h" for="des" forName="rootComposite1" refType="w" refFor="des" refForName="rootComposite1" fact="0.305"/>
-      <dgm:constr type="w" for="des" forName="rootComposite" refType="w" fact="10"/>
-      <dgm:constr type="h" for="des" forName="rootComposite" refType="w" refFor="des" refForName="rootComposite1" fact="0.305"/>
-      <dgm:constr type="w" for="des" forName="rootComposite3" refType="w" fact="10"/>
-      <dgm:constr type="h" for="des" forName="rootComposite3" refType="w" refFor="des" refForName="rootComposite1" fact="0.305"/>
-      <dgm:constr type="primFontSz" for="des" ptType="node" op="equ"/>
-      <dgm:constr type="sp" for="des" op="equ"/>
-      <dgm:constr type="sp" for="des" forName="hierRoot1" refType="w" refFor="des" refForName="rootComposite1" fact="0.2"/>
-      <dgm:constr type="sp" for="des" forName="hierRoot2" refType="sp" refFor="des" refForName="hierRoot1"/>
-      <dgm:constr type="sp" for="des" forName="hierRoot3" refType="sp" refFor="des" refForName="hierRoot1"/>
-      <dgm:constr type="sibSp" refType="w" refFor="des" refForName="rootComposite1" fact="0.125"/>
-      <dgm:constr type="sibSp" for="des" forName="hierChild2" refType="sibSp"/>
-      <dgm:constr type="sibSp" for="des" forName="hierChild3" refType="sibSp"/>
-      <dgm:constr type="sibSp" for="des" forName="hierChild4" refType="sibSp"/>
-      <dgm:constr type="sibSp" for="des" forName="hierChild5" refType="sibSp"/>
-      <dgm:constr type="sibSp" for="des" forName="hierChild6" refType="sibSp"/>
-      <dgm:constr type="sibSp" for="des" forName="hierChild7" refType="sibSp"/>
-      <dgm:constr type="secSibSp" refType="w" refFor="des" refForName="rootComposite1" fact="0.125"/>
-      <dgm:constr type="secSibSp" for="des" forName="hierChild2" refType="secSibSp"/>
-      <dgm:constr type="secSibSp" for="des" forName="hierChild3" refType="secSibSp"/>
-      <dgm:constr type="secSibSp" for="des" forName="hierChild4" refType="secSibSp"/>
-      <dgm:constr type="secSibSp" for="des" forName="hierChild5" refType="secSibSp"/>
-      <dgm:constr type="secSibSp" for="des" forName="hierChild6" refType="secSibSp"/>
-      <dgm:constr type="secSibSp" for="des" forName="hierChild7" refType="secSibSp"/>
-    </dgm:constrLst>
+    <dgm:choose name="Name0">
+      <dgm:if name="Name1" axis="ch" ptType="node" func="cnt" op="gte" val="2">
+        <dgm:choose name="Name2">
+          <dgm:if name="Name3" func="var" arg="dir" op="equ" val="norm">
+            <dgm:constrLst>
+              <dgm:constr type="l" for="ch" forName="hierFlow"/>
+              <dgm:constr type="t" for="ch" forName="hierFlow" refType="h" fact="0.3"/>
+              <dgm:constr type="r" for="ch" forName="hierFlow" refType="w" fact="0.98"/>
+              <dgm:constr type="b" for="ch" forName="hierFlow" refType="h" fact="0.96"/>
+              <dgm:constr type="l" for="ch" forName="bgShapesFlow"/>
+              <dgm:constr type="t" for="ch" forName="bgShapesFlow"/>
+              <dgm:constr type="r" for="ch" forName="bgShapesFlow" refType="w"/>
+              <dgm:constr type="b" for="ch" forName="bgShapesFlow" refType="h"/>
+              <dgm:constr type="h" for="des" forName="level1Shape" refType="h"/>
+              <dgm:constr type="w" for="des" forName="level1Shape" refType="h" refFor="des" refForName="level1Shape" fact="2"/>
+              <dgm:constr type="w" for="des" forName="level2Shape" refType="w" refFor="des" refForName="level1Shape" op="equ"/>
+              <dgm:constr type="h" for="des" forName="level2Shape" refType="h" refFor="des" refForName="level1Shape" op="equ"/>
+              <dgm:constr type="sp" for="des" refType="w" refFor="des" refForName="level1Shape" op="equ" fact="0.4"/>
+              <dgm:constr type="sibSp" for="des" forName="hierChild1" refType="h" refFor="des" refForName="level1Shape" op="equ" fact="0.15"/>
+              <dgm:constr type="sibSp" for="des" forName="hierChild2" refType="sibSp" refFor="des" refForName="hierChild1" op="equ"/>
+              <dgm:constr type="sibSp" for="des" forName="hierChild3" refType="sibSp" refFor="des" refForName="hierChild1" op="equ"/>
+              <dgm:constr type="userA" for="des" refType="w" refFor="des" refForName="level1Shape" op="equ"/>
+              <dgm:constr type="userB" for="des" refType="sp" refFor="des" op="equ"/>
+              <dgm:constr type="w" for="des" forName="firstBuf" refType="w" refFor="des" refForName="level1Shape" fact="0.1"/>
+            </dgm:constrLst>
+          </dgm:if>
+          <dgm:else name="Name4">
+            <dgm:constrLst>
+              <dgm:constr type="l" for="ch" forName="hierFlow" refType="w" fact="0.02"/>
+              <dgm:constr type="t" for="ch" forName="hierFlow" refType="h" fact="0.3"/>
+              <dgm:constr type="r" for="ch" forName="hierFlow" refType="w"/>
+              <dgm:constr type="b" for="ch" forName="hierFlow" refType="h" fact="0.96"/>
+              <dgm:constr type="l" for="ch" forName="bgShapesFlow"/>
+              <dgm:constr type="t" for="ch" forName="bgShapesFlow"/>
+              <dgm:constr type="r" for="ch" forName="bgShapesFlow" refType="w"/>
+              <dgm:constr type="b" for="ch" forName="bgShapesFlow" refType="h"/>
+              <dgm:constr type="h" for="des" forName="level1Shape" refType="h"/>
+              <dgm:constr type="w" for="des" forName="level1Shape" refType="h" refFor="des" refForName="level1Shape" fact="2"/>
+              <dgm:constr type="w" for="des" forName="level2Shape" refType="w" refFor="des" refForName="level1Shape" op="equ"/>
+              <dgm:constr type="h" for="des" forName="level2Shape" refType="h" refFor="des" refForName="level1Shape" op="equ"/>
+              <dgm:constr type="sp" for="des" refType="w" refFor="des" refForName="level1Shape" op="equ" fact="0.4"/>
+              <dgm:constr type="sibSp" for="des" forName="hierChild1" refType="h" refFor="des" refForName="level1Shape" op="equ" fact="0.15"/>
+              <dgm:constr type="sibSp" for="des" forName="hierChild2" refType="sibSp" refFor="des" refForName="hierChild1" op="equ"/>
+              <dgm:constr type="sibSp" for="des" forName="hierChild3" refType="sibSp" refFor="des" refForName="hierChild1" op="equ"/>
+              <dgm:constr type="userA" for="des" refType="w" refFor="des" refForName="level1Shape" op="equ"/>
+              <dgm:constr type="userB" for="des" refType="sp" refFor="des" op="equ"/>
+              <dgm:constr type="w" for="des" forName="firstBuf" refType="w" refFor="des" refForName="level1Shape" fact="0.1"/>
+            </dgm:constrLst>
+          </dgm:else>
+        </dgm:choose>
+      </dgm:if>
+      <dgm:else name="Name5">
+        <dgm:constrLst>
+          <dgm:constr type="l" for="ch" forName="hierFlow"/>
+          <dgm:constr type="t" for="ch" forName="hierFlow"/>
+          <dgm:constr type="r" for="ch" forName="hierFlow" refType="w"/>
+          <dgm:constr type="b" for="ch" forName="hierFlow" refType="h"/>
+          <dgm:constr type="l" for="ch" forName="bgShapesFlow"/>
+          <dgm:constr type="t" for="ch" forName="bgShapesFlow"/>
+          <dgm:constr type="r" for="ch" forName="bgShapesFlow" refType="w"/>
+          <dgm:constr type="b" for="ch" forName="bgShapesFlow" refType="h"/>
+          <dgm:constr type="h" for="des" forName="level1Shape" refType="h"/>
+          <dgm:constr type="w" for="des" forName="level1Shape" refType="h" refFor="des" refForName="level1Shape" fact="2"/>
+          <dgm:constr type="w" for="des" forName="level2Shape" refType="w" refFor="des" refForName="level1Shape" op="equ"/>
+          <dgm:constr type="h" for="des" forName="level2Shape" refType="h" refFor="des" refForName="level1Shape" op="equ"/>
+          <dgm:constr type="sp" for="des" refType="w" refFor="des" refForName="level1Shape" op="equ" fact="0.4"/>
+          <dgm:constr type="sibSp" for="des" forName="hierChild1" refType="h" refFor="des" refForName="level1Shape" op="equ" fact="0.15"/>
+          <dgm:constr type="sibSp" for="des" forName="hierChild2" refType="sibSp" refFor="des" refForName="hierChild1" op="equ"/>
+          <dgm:constr type="sibSp" for="des" forName="hierChild3" refType="sibSp" refFor="des" refForName="hierChild1" op="equ"/>
+          <dgm:constr type="userA" for="des" refType="w" refFor="des" refForName="level1Shape" op="equ"/>
+          <dgm:constr type="userB" for="des" refType="sp" refFor="des" op="equ"/>
+          <dgm:constr type="w" for="des" forName="firstBuf" refType="w" refFor="des" refForName="level1Shape" fact="0.1"/>
+        </dgm:constrLst>
+      </dgm:else>
+    </dgm:choose>
     <dgm:ruleLst/>
-    <dgm:forEach name="Name3" axis="ch">
-      <dgm:forEach name="Name4" axis="self" ptType="node">
-        <dgm:layoutNode name="hierRoot1">
-          <dgm:varLst>
-            <dgm:hierBranch val="init"/>
-          </dgm:varLst>
-          <dgm:choose name="Name5">
-            <dgm:if name="Name6" func="var" arg="hierBranch" op="equ" val="l">
-              <dgm:choose name="Name7">
-                <dgm:if name="Name8" func="var" arg="dir" op="equ" val="norm">
-                  <dgm:alg type="hierRoot">
-                    <dgm:param type="hierAlign" val="lT"/>
-                  </dgm:alg>
-                  <dgm:constrLst>
-                    <dgm:constr type="alignOff" val="0.75"/>
-                  </dgm:constrLst>
-                </dgm:if>
-                <dgm:else name="Name9">
-                  <dgm:alg type="hierRoot">
-                    <dgm:param type="hierAlign" val="rT"/>
-                  </dgm:alg>
-                  <dgm:constrLst>
-                    <dgm:constr type="alignOff" val="0.75"/>
-                  </dgm:constrLst>
-                </dgm:else>
-              </dgm:choose>
-            </dgm:if>
-            <dgm:if name="Name10" func="var" arg="hierBranch" op="equ" val="r">
-              <dgm:choose name="Name11">
-                <dgm:if name="Name12" func="var" arg="dir" op="equ" val="norm">
-                  <dgm:alg type="hierRoot">
-                    <dgm:param type="hierAlign" val="lB"/>
-                  </dgm:alg>
-                  <dgm:constrLst>
-                    <dgm:constr type="alignOff" val="0.75"/>
-                  </dgm:constrLst>
-                </dgm:if>
-                <dgm:else name="Name13">
-                  <dgm:alg type="hierRoot">
-                    <dgm:param type="hierAlign" val="rB"/>
-                  </dgm:alg>
-                  <dgm:constrLst>
-                    <dgm:constr type="alignOff" val="0.75"/>
-                  </dgm:constrLst>
-                </dgm:else>
-              </dgm:choose>
-            </dgm:if>
-            <dgm:if name="Name14" func="var" arg="hierBranch" op="equ" val="hang">
-              <dgm:choose name="Name15">
-                <dgm:if name="Name16" func="var" arg="dir" op="equ" val="norm">
+    <dgm:layoutNode name="hierFlow">
+      <dgm:choose name="Name6">
+        <dgm:if name="Name7" func="var" arg="dir" op="equ" val="norm">
+          <dgm:alg type="lin">
+            <dgm:param type="linDir" val="fromL"/>
+            <dgm:param type="nodeVertAlign" val="mid"/>
+            <dgm:param type="vertAlign" val="mid"/>
+            <dgm:param type="nodeHorzAlign" val="l"/>
+            <dgm:param type="horzAlign" val="l"/>
+            <dgm:param type="fallback" val="2D"/>
+          </dgm:alg>
+        </dgm:if>
+        <dgm:else name="Name8">
+          <dgm:alg type="lin">
+            <dgm:param type="linDir" val="fromR"/>
+            <dgm:param type="nodeVertAlign" val="mid"/>
+            <dgm:param type="vertAlign" val="mid"/>
+            <dgm:param type="nodeHorzAlign" val="r"/>
+            <dgm:param type="horzAlign" val="r"/>
+            <dgm:param type="fallback" val="2D"/>
+          </dgm:alg>
+        </dgm:else>
+      </dgm:choose>
+      <dgm:shape xmlns:r="http://schemas.openxmlformats.org/officeDocument/2006/relationships" r:blip="">
+        <dgm:adjLst/>
+      </dgm:shape>
+      <dgm:presOf/>
+      <dgm:constrLst>
+        <dgm:constr type="primFontSz" for="des" ptType="node" op="equ" val="65"/>
+        <dgm:constr type="primFontSz" for="des" forName="connTx" op="equ" val="55"/>
+        <dgm:constr type="primFontSz" for="des" forName="connTx" refType="primFontSz" refFor="des" refPtType="node" op="lte" fact="0.8"/>
+      </dgm:constrLst>
+      <dgm:ruleLst/>
+      <dgm:choose name="Name9">
+        <dgm:if name="Name10" axis="ch" ptType="node" func="cnt" op="gte" val="2">
+          <dgm:layoutNode name="firstBuf">
+            <dgm:alg type="sp"/>
+            <dgm:shape xmlns:r="http://schemas.openxmlformats.org/officeDocument/2006/relationships" r:blip="">
+              <dgm:adjLst/>
+            </dgm:shape>
+            <dgm:presOf/>
+            <dgm:constrLst/>
+            <dgm:ruleLst/>
+          </dgm:layoutNode>
+        </dgm:if>
+        <dgm:else name="Name11"/>
+      </dgm:choose>
+      <dgm:layoutNode name="hierChild1">
+        <dgm:varLst>
+          <dgm:chPref val="1"/>
+          <dgm:animOne val="branch"/>
+          <dgm:animLvl val="lvl"/>
+        </dgm:varLst>
+        <dgm:choose name="Name12">
+          <dgm:if name="Name13" func="var" arg="dir" op="equ" val="norm">
+            <dgm:alg type="hierChild">
+              <dgm:param type="linDir" val="fromT"/>
+              <dgm:param type="chAlign" val="l"/>
+            </dgm:alg>
+          </dgm:if>
+          <dgm:else name="Name14">
+            <dgm:alg type="hierChild">
+              <dgm:param type="linDir" val="fromT"/>
+              <dgm:param type="chAlign" val="r"/>
+            </dgm:alg>
+          </dgm:else>
+        </dgm:choose>
+        <dgm:shape xmlns:r="http://schemas.openxmlformats.org/officeDocument/2006/relationships" r:blip="">
+          <dgm:adjLst/>
+        </dgm:shape>
+        <dgm:presOf/>
+        <dgm:constrLst/>
+        <dgm:ruleLst/>
+        <dgm:forEach name="Name15" axis="ch" cnt="3">
+          <dgm:forEach name="Name16" axis="self" ptType="node">
+            <dgm:layoutNode name="Name17">
+              <dgm:choose name="Name18">
+                <dgm:if name="Name19" func="var" arg="dir" op="equ" val="norm">
                   <dgm:alg type="hierRoot">
                     <dgm:param type="hierAlign" val="lCtrCh"/>
                   </dgm:alg>
-                  <dgm:constrLst>
-                    <dgm:constr type="alignOff" val="0.65"/>
-                  </dgm:constrLst>
                 </dgm:if>
-                <dgm:else name="Name17">
+                <dgm:else name="Name20">
                   <dgm:alg type="hierRoot">
                     <dgm:param type="hierAlign" val="rCtrCh"/>
                   </dgm:alg>
-                  <dgm:constrLst>
-                    <dgm:constr type="alignOff" val="0.65"/>
-                  </dgm:constrLst>
                 </dgm:else>
               </dgm:choose>
-            </dgm:if>
-            <dgm:else name="Name18">
-              <dgm:choose name="Name19">
-                <dgm:if name="Name20" func="var" arg="dir" op="equ" val="norm">
-                  <dgm:alg type="hierRoot">
-                    <dgm:param type="hierAlign" val="lCtrCh"/>
-                  </dgm:alg>
-                  <dgm:constrLst>
-                    <dgm:constr type="alignOff"/>
-                    <dgm:constr type="bendDist" for="des" ptType="parTrans" refType="sp" fact="0.5"/>
-                  </dgm:constrLst>
-                </dgm:if>
-                <dgm:else name="Name21">
-                  <dgm:alg type="hierRoot">
-                    <dgm:param type="hierAlign" val="rCtrCh"/>
-                  </dgm:alg>
-                  <dgm:constrLst>
-                    <dgm:constr type="alignOff"/>
-                    <dgm:constr type="bendDist" for="des" ptType="parTrans" refType="sp" fact="0.5"/>
-                  </dgm:constrLst>
-                </dgm:else>
-              </dgm:choose>
-            </dgm:else>
-          </dgm:choose>
-          <dgm:shape xmlns:r="http://schemas.openxmlformats.org/officeDocument/2006/relationships" r:blip="">
-            <dgm:adjLst/>
-          </dgm:shape>
-          <dgm:presOf/>
-          <dgm:ruleLst/>
-          <dgm:layoutNode name="rootComposite1">
-            <dgm:alg type="composite"/>
-            <dgm:shape xmlns:r="http://schemas.openxmlformats.org/officeDocument/2006/relationships" r:blip="">
-              <dgm:adjLst/>
-            </dgm:shape>
-            <dgm:presOf axis="self" ptType="node" cnt="1"/>
-            <dgm:choose name="Name22">
-              <dgm:if name="Name23" func="var" arg="hierBranch" op="equ" val="init">
-                <dgm:constrLst>
-                  <dgm:constr type="l" for="ch" forName="rootText1"/>
-                  <dgm:constr type="t" for="ch" forName="rootText1"/>
-                  <dgm:constr type="w" for="ch" forName="rootText1" refType="w"/>
-                  <dgm:constr type="h" for="ch" forName="rootText1" refType="h"/>
-                  <dgm:constr type="l" for="ch" forName="rootConnector1"/>
-                  <dgm:constr type="t" for="ch" forName="rootConnector1"/>
-                  <dgm:constr type="w" for="ch" forName="rootConnector1" refType="w" refFor="ch" refForName="rootText1" fact="0.2"/>
-                  <dgm:constr type="h" for="ch" forName="rootConnector1" refType="h" refFor="ch" refForName="rootText1"/>
-                </dgm:constrLst>
-              </dgm:if>
-              <dgm:if name="Name24" func="var" arg="hierBranch" op="equ" val="l">
-                <dgm:constrLst>
-                  <dgm:constr type="l" for="ch" forName="rootText1"/>
-                  <dgm:constr type="t" for="ch" forName="rootText1"/>
-                  <dgm:constr type="w" for="ch" forName="rootText1" refType="w"/>
-                  <dgm:constr type="h" for="ch" forName="rootText1" refType="h"/>
-                  <dgm:constr type="r" for="ch" forName="rootConnector1" refType="w"/>
-                  <dgm:constr type="t" for="ch" forName="rootConnector1"/>
-                  <dgm:constr type="w" for="ch" forName="rootConnector1" refType="w" refFor="ch" refForName="rootText1" fact="0.2"/>
-                  <dgm:constr type="h" for="ch" forName="rootConnector1" refType="h" refFor="ch" refForName="rootText1"/>
-                </dgm:constrLst>
-              </dgm:if>
-              <dgm:if name="Name25" func="var" arg="hierBranch" op="equ" val="r">
-                <dgm:constrLst>
-                  <dgm:constr type="l" for="ch" forName="rootText1"/>
-                  <dgm:constr type="t" for="ch" forName="rootText1"/>
-                  <dgm:constr type="w" for="ch" forName="rootText1" refType="w"/>
-                  <dgm:constr type="h" for="ch" forName="rootText1" refType="h"/>
-                  <dgm:constr type="l" for="ch" forName="rootConnector1"/>
-                  <dgm:constr type="t" for="ch" forName="rootConnector1"/>
-                  <dgm:constr type="w" for="ch" forName="rootConnector1" refType="w" refFor="ch" refForName="rootText1" fact="0.2"/>
-                  <dgm:constr type="h" for="ch" forName="rootConnector1" refType="h" refFor="ch" refForName="rootText1"/>
-                </dgm:constrLst>
-              </dgm:if>
-              <dgm:else name="Name26">
-                <dgm:constrLst>
-                  <dgm:constr type="l" for="ch" forName="rootText1"/>
-                  <dgm:constr type="t" for="ch" forName="rootText1"/>
-                  <dgm:constr type="w" for="ch" forName="rootText1" refType="w"/>
-                  <dgm:constr type="h" for="ch" forName="rootText1" refType="h"/>
-                  <dgm:constr type="r" for="ch" forName="rootConnector1" refType="w"/>
-                  <dgm:constr type="t" for="ch" forName="rootConnector1"/>
-                  <dgm:constr type="w" for="ch" forName="rootConnector1" refType="w" refFor="ch" refForName="rootText1" fact="0.2"/>
-                  <dgm:constr type="h" for="ch" forName="rootConnector1" refType="h" refFor="ch" refForName="rootText1"/>
-                </dgm:constrLst>
-              </dgm:else>
-            </dgm:choose>
-            <dgm:ruleLst/>
-            <dgm:layoutNode name="rootText1" styleLbl="node0">
-              <dgm:varLst>
-                <dgm:chPref val="3"/>
-              </dgm:varLst>
-              <dgm:alg type="tx"/>
-              <dgm:shape xmlns:r="http://schemas.openxmlformats.org/officeDocument/2006/relationships" type="rect" r:blip="">
+              <dgm:shape xmlns:r="http://schemas.openxmlformats.org/officeDocument/2006/relationships" r:blip="">
                 <dgm:adjLst/>
               </dgm:shape>
-              <dgm:presOf axis="self" ptType="node" cnt="1"/>
-              <dgm:constrLst>
-                <dgm:constr type="primFontSz" val="65"/>
-                <dgm:constr type="lMarg" refType="primFontSz" fact="0.05"/>
-                <dgm:constr type="rMarg" refType="primFontSz" fact="0.05"/>
-                <dgm:constr type="tMarg" refType="primFontSz" fact="0.05"/>
-                <dgm:constr type="bMarg" refType="primFontSz" fact="0.05"/>
-              </dgm:constrLst>
-              <dgm:ruleLst>
-                <dgm:rule type="primFontSz" val="5" fact="NaN" max="NaN"/>
-              </dgm:ruleLst>
-            </dgm:layoutNode>
-            <dgm:layoutNode name="rootConnector1" moveWith="rootText1">
-              <dgm:alg type="sp"/>
-              <dgm:shape xmlns:r="http://schemas.openxmlformats.org/officeDocument/2006/relationships" type="rect" r:blip="" hideGeom="1">
-                <dgm:adjLst/>
-              </dgm:shape>
-              <dgm:presOf axis="self" ptType="node" cnt="1"/>
+              <dgm:presOf/>
               <dgm:constrLst/>
               <dgm:ruleLst/>
-            </dgm:layoutNode>
-          </dgm:layoutNode>
-          <dgm:layoutNode name="hierChild2">
-            <dgm:choose name="Name27">
-              <dgm:if name="Name28" func="var" arg="hierBranch" op="equ" val="l">
-                <dgm:choose name="Name29">
-                  <dgm:if name="Name30" func="var" arg="dir" op="equ" val="norm">
-                    <dgm:alg type="hierChild">
-                      <dgm:param type="chAlign" val="t"/>
-                      <dgm:param type="linDir" val="fromL"/>
-                    </dgm:alg>
-                  </dgm:if>
-                  <dgm:else name="Name31">
-                    <dgm:alg type="hierChild">
-                      <dgm:param type="chAlign" val="t"/>
-                      <dgm:param type="linDir" val="fromR"/>
-                    </dgm:alg>
-                  </dgm:else>
-                </dgm:choose>
-              </dgm:if>
-              <dgm:if name="Name32" func="var" arg="hierBranch" op="equ" val="r">
-                <dgm:choose name="Name33">
-                  <dgm:if name="Name34" func="var" arg="dir" op="equ" val="norm">
-                    <dgm:alg type="hierChild">
-                      <dgm:param type="chAlign" val="b"/>
-                      <dgm:param type="linDir" val="fromL"/>
-                    </dgm:alg>
-                  </dgm:if>
-                  <dgm:else name="Name35">
-                    <dgm:alg type="hierChild">
-                      <dgm:param type="chAlign" val="b"/>
-                      <dgm:param type="linDir" val="fromR"/>
-                    </dgm:alg>
-                  </dgm:else>
-                </dgm:choose>
-              </dgm:if>
-              <dgm:if name="Name36" func="var" arg="hierBranch" op="equ" val="hang">
-                <dgm:choose name="Name37">
-                  <dgm:if name="Name38" func="var" arg="dir" op="equ" val="norm">
-                    <dgm:alg type="hierChild">
-                      <dgm:param type="chAlign" val="l"/>
-                      <dgm:param type="linDir" val="fromT"/>
-                      <dgm:param type="secChAlign" val="t"/>
-                      <dgm:param type="secLinDir" val="fromL"/>
-                    </dgm:alg>
-                  </dgm:if>
-                  <dgm:else name="Name39">
-                    <dgm:alg type="hierChild">
-                      <dgm:param type="chAlign" val="r"/>
-                      <dgm:param type="linDir" val="fromT"/>
-                      <dgm:param type="secChAlign" val="t"/>
-                      <dgm:param type="secLinDir" val="fromR"/>
-                    </dgm:alg>
-                  </dgm:else>
-                </dgm:choose>
-              </dgm:if>
-              <dgm:else name="Name40">
-                <dgm:choose name="Name41">
-                  <dgm:if name="Name42" func="var" arg="dir" op="equ" val="norm">
+              <dgm:layoutNode name="level1Shape" styleLbl="node0">
+                <dgm:varLst>
+                  <dgm:chPref val="3"/>
+                </dgm:varLst>
+                <dgm:alg type="tx"/>
+                <dgm:shape xmlns:r="http://schemas.openxmlformats.org/officeDocument/2006/relationships" type="roundRect" r:blip="">
+                  <dgm:adjLst>
+                    <dgm:adj idx="1" val="0.1"/>
+                  </dgm:adjLst>
+                </dgm:shape>
+                <dgm:presOf axis="self"/>
+                <dgm:constrLst>
+                  <dgm:constr type="tMarg" refType="primFontSz" fact="0.05"/>
+                  <dgm:constr type="bMarg" refType="primFontSz" fact="0.05"/>
+                  <dgm:constr type="lMarg" refType="primFontSz" fact="0.05"/>
+                  <dgm:constr type="rMarg" refType="primFontSz" fact="0.05"/>
+                </dgm:constrLst>
+                <dgm:ruleLst>
+                  <dgm:rule type="primFontSz" val="5" fact="NaN" max="NaN"/>
+                </dgm:ruleLst>
+              </dgm:layoutNode>
+              <dgm:layoutNode name="hierChild2">
+                <dgm:choose name="Name21">
+                  <dgm:if name="Name22" func="var" arg="dir" op="equ" val="norm">
                     <dgm:alg type="hierChild">
                       <dgm:param type="linDir" val="fromT"/>
                       <dgm:param type="chAlign" val="l"/>
                     </dgm:alg>
                   </dgm:if>
-                  <dgm:else name="Name43">
+                  <dgm:else name="Name23">
                     <dgm:alg type="hierChild">
                       <dgm:param type="linDir" val="fromT"/>
                       <dgm:param type="chAlign" val="r"/>
                     </dgm:alg>
                   </dgm:else>
                 </dgm:choose>
-              </dgm:else>
-            </dgm:choose>
-            <dgm:shape xmlns:r="http://schemas.openxmlformats.org/officeDocument/2006/relationships" r:blip="">
-              <dgm:adjLst/>
-            </dgm:shape>
-            <dgm:presOf/>
-            <dgm:constrLst/>
-            <dgm:ruleLst/>
-            <dgm:forEach name="rep2a" axis="ch" ptType="nonAsst">
-              <dgm:forEach name="Name44" axis="precedSib" ptType="parTrans" st="-1" cnt="1">
-                <dgm:choose name="Name45">
-                  <dgm:if name="Name46" func="var" arg="hierBranch" op="equ" val="hang">
-                    <dgm:layoutNode name="Name47">
-                      <dgm:choose name="Name48">
-                        <dgm:if name="Name49" func="var" arg="dir" op="equ" val="norm">
+                <dgm:shape xmlns:r="http://schemas.openxmlformats.org/officeDocument/2006/relationships" r:blip="">
+                  <dgm:adjLst/>
+                </dgm:shape>
+                <dgm:presOf/>
+                <dgm:constrLst/>
+                <dgm:ruleLst/>
+                <dgm:forEach name="repeat" axis="ch">
+                  <dgm:forEach name="Name24" axis="self" ptType="parTrans" cnt="1">
+                    <dgm:layoutNode name="Name25">
+                      <dgm:choose name="Name26">
+                        <dgm:if name="Name27" func="var" arg="dir" op="equ" val="norm">
                           <dgm:alg type="conn">
-                            <dgm:param type="connRout" val="bend"/>
                             <dgm:param type="dim" val="1D"/>
+                            <dgm:param type="begPts" val="midR"/>
+                            <dgm:param type="endPts" val="midL"/>
                             <dgm:param type="endSty" val="noArr"/>
-                            <dgm:param type="begPts" val="midR"/>
-                            <dgm:param type="endPts" val="bCtr tCtr"/>
                           </dgm:alg>
                         </dgm:if>
-                        <dgm:else name="Name50">
+                        <dgm:else name="Name28">
                           <dgm:alg type="conn">
-                            <dgm:param type="connRout" val="bend"/>
                             <dgm:param type="dim" val="1D"/>
+                            <dgm:param type="begPts" val="midL"/>
+                            <dgm:param type="endPts" val="midR"/>
                             <dgm:param type="endSty" val="noArr"/>
-                            <dgm:param type="begPts" val="midL"/>
-                            <dgm:param type="endPts" val="bCtr tCtr"/>
                           </dgm:alg>
                         </dgm:else>
                       </dgm:choose>
-                      <dgm:shape xmlns:r="http://schemas.openxmlformats.org/officeDocument/2006/relationships" type="conn" r:blip="" zOrderOff="-99999">
+                      <dgm:shape xmlns:r="http://schemas.openxmlformats.org/officeDocument/2006/relationships" type="conn" r:blip="">
                         <dgm:adjLst/>
                       </dgm:shape>
                       <dgm:presOf axis="self"/>
                       <dgm:constrLst>
+                        <dgm:constr type="w" val="1"/>
+                        <dgm:constr type="h" val="5"/>
+                        <dgm:constr type="connDist"/>
                         <dgm:constr type="begPad"/>
                         <dgm:constr type="endPad"/>
+                        <dgm:constr type="userA" for="ch" refType="connDist"/>
                       </dgm:constrLst>
                       <dgm:ruleLst/>
+                      <dgm:layoutNode name="connTx">
+                        <dgm:alg type="tx">
+                          <dgm:param type="autoTxRot" val="grav"/>
+                        </dgm:alg>
+                        <dgm:shape xmlns:r="http://schemas.openxmlformats.org/officeDocument/2006/relationships" type="rect" r:blip="" hideGeom="1">
+                          <dgm:adjLst/>
+                        </dgm:shape>
+                        <dgm:presOf axis="self"/>
+                        <dgm:constrLst>
+                          <dgm:constr type="userA"/>
+                          <dgm:constr type="w" refType="userA" fact="0.05"/>
+                          <dgm:constr type="h" refType="userA" fact="0.05"/>
+                          <dgm:constr type="lMarg" val="1"/>
+                          <dgm:constr type="rMarg" val="1"/>
+                          <dgm:constr type="tMarg"/>
+                          <dgm:constr type="bMarg"/>
+                        </dgm:constrLst>
+                        <dgm:ruleLst>
+                          <dgm:rule type="h" val="NaN" fact="0.25" max="NaN"/>
+                          <dgm:rule type="w" val="NaN" fact="0.8" max="NaN"/>
+                          <dgm:rule type="primFontSz" val="5" fact="NaN" max="NaN"/>
+                        </dgm:ruleLst>
+                      </dgm:layoutNode>
                     </dgm:layoutNode>
-                  </dgm:if>
-                  <dgm:if name="Name51" func="var" arg="hierBranch" op="equ" val="l">
-                    <dgm:layoutNode name="Name52">
-                      <dgm:choose name="Name53">
-                        <dgm:if name="Name54" func="var" arg="dir" op="equ" val="norm">
-                          <dgm:alg type="conn">
-                            <dgm:param type="connRout" val="bend"/>
-                            <dgm:param type="dim" val="1D"/>
-                            <dgm:param type="endSty" val="noArr"/>
-                            <dgm:param type="begPts" val="midR"/>
-                            <dgm:param type="endPts" val="tCtr"/>
+                  </dgm:forEach>
+                  <dgm:forEach name="Name29" axis="self" ptType="node">
+                    <dgm:layoutNode name="Name30">
+                      <dgm:choose name="Name31">
+                        <dgm:if name="Name32" func="var" arg="dir" op="equ" val="norm">
+                          <dgm:alg type="hierRoot">
+                            <dgm:param type="hierAlign" val="lCtrCh"/>
                           </dgm:alg>
                         </dgm:if>
-                        <dgm:else name="Name55">
-                          <dgm:alg type="conn">
-                            <dgm:param type="connRout" val="bend"/>
-                            <dgm:param type="dim" val="1D"/>
-                            <dgm:param type="endSty" val="noArr"/>
-                            <dgm:param type="begPts" val="midL"/>
-                            <dgm:param type="endPts" val="tCtr"/>
+                        <dgm:else name="Name33">
+                          <dgm:alg type="hierRoot">
+                            <dgm:param type="hierAlign" val="rCtrCh"/>
                           </dgm:alg>
                         </dgm:else>
                       </dgm:choose>
-                      <dgm:shape xmlns:r="http://schemas.openxmlformats.org/officeDocument/2006/relationships" type="conn" r:blip="" zOrderOff="-99999">
+                      <dgm:shape xmlns:r="http://schemas.openxmlformats.org/officeDocument/2006/relationships" r:blip="">
                         <dgm:adjLst/>
                       </dgm:shape>
-                      <dgm:presOf axis="self"/>
-                      <dgm:constrLst>
-                        <dgm:constr type="begPad"/>
-                        <dgm:constr type="endPad"/>
-                      </dgm:constrLst>
+                      <dgm:presOf/>
+                      <dgm:constrLst/>
                       <dgm:ruleLst/>
+                      <dgm:layoutNode name="level2Shape">
+                        <dgm:alg type="tx"/>
+                        <dgm:shape xmlns:r="http://schemas.openxmlformats.org/officeDocument/2006/relationships" type="roundRect" r:blip="">
+                          <dgm:adjLst>
+                            <dgm:adj idx="1" val="0.1"/>
+                          </dgm:adjLst>
+                        </dgm:shape>
+                        <dgm:presOf axis="self"/>
+                        <dgm:constrLst>
+                          <dgm:constr type="tMarg" refType="primFontSz" fact="0.05"/>
+                          <dgm:constr type="bMarg" refType="primFontSz" fact="0.05"/>
+                          <dgm:constr type="lMarg" refType="primFontSz" fact="0.05"/>
+                          <dgm:constr type="rMarg" refType="primFontSz" fact="0.05"/>
+                        </dgm:constrLst>
+                        <dgm:ruleLst>
+                          <dgm:rule type="primFontSz" val="5" fact="NaN" max="NaN"/>
+                        </dgm:ruleLst>
+                      </dgm:layoutNode>
+                      <dgm:layoutNode name="hierChild3">
+                        <dgm:choose name="Name34">
+                          <dgm:if name="Name35" func="var" arg="dir" op="equ" val="norm">
+                            <dgm:alg type="hierChild">
+                              <dgm:param type="linDir" val="fromT"/>
+                              <dgm:param type="chAlign" val="l"/>
+                            </dgm:alg>
+                          </dgm:if>
+                          <dgm:else name="Name36">
+                            <dgm:alg type="hierChild">
+                              <dgm:param type="linDir" val="fromT"/>
+                              <dgm:param type="chAlign" val="r"/>
+                            </dgm:alg>
+                          </dgm:else>
+                        </dgm:choose>
+                        <dgm:shape xmlns:r="http://schemas.openxmlformats.org/officeDocument/2006/relationships" r:blip="">
+                          <dgm:adjLst/>
+                        </dgm:shape>
+                        <dgm:presOf/>
+                        <dgm:constrLst/>
+                        <dgm:ruleLst/>
+                        <dgm:forEach name="Name37" ref="repeat"/>
+                      </dgm:layoutNode>
                     </dgm:layoutNode>
-                  </dgm:if>
-                  <dgm:if name="Name56" func="var" arg="hierBranch" op="equ" val="r">
-                    <dgm:layoutNode name="Name57">
-                      <dgm:choose name="Name58">
-                        <dgm:if name="Name59" func="var" arg="dir" op="equ" val="norm">
-                          <dgm:alg type="conn">
-                            <dgm:param type="connRout" val="bend"/>
-                            <dgm:param type="dim" val="1D"/>
-                            <dgm:param type="endSty" val="noArr"/>
-                            <dgm:param type="begPts" val="midR"/>
-                            <dgm:param type="endPts" val="bCtr"/>
-                          </dgm:alg>
-                        </dgm:if>
-                        <dgm:else name="Name60">
-                          <dgm:alg type="conn">
-                            <dgm:param type="connRout" val="bend"/>
-                            <dgm:param type="dim" val="1D"/>
-                            <dgm:param type="endSty" val="noArr"/>
-                            <dgm:param type="begPts" val="midL"/>
-                            <dgm:param type="endPts" val="bCtr"/>
-                          </dgm:alg>
-                        </dgm:else>
-                      </dgm:choose>
-                      <dgm:shape xmlns:r="http://schemas.openxmlformats.org/officeDocument/2006/relationships" type="conn" r:blip="" zOrderOff="-99999">
-                        <dgm:adjLst/>
-                      </dgm:shape>
-                      <dgm:presOf axis="self"/>
-                      <dgm:constrLst>
-                        <dgm:constr type="begPad"/>
-                        <dgm:constr type="endPad"/>
-                      </dgm:constrLst>
-                      <dgm:ruleLst/>
-                    </dgm:layoutNode>
-                  </dgm:if>
-                  <dgm:else name="Name61">
-                    <dgm:choose name="Name62">
-                      <dgm:if name="Name63" func="var" arg="dir" op="equ" val="norm">
-                        <dgm:layoutNode name="Name64">
-                          <dgm:alg type="conn">
-                            <dgm:param type="connRout" val="bend"/>
-                            <dgm:param type="dim" val="1D"/>
-                            <dgm:param type="endSty" val="noArr"/>
-                            <dgm:param type="begPts" val="midR"/>
-                            <dgm:param type="endPts" val="midL"/>
-                            <dgm:param type="bendPt" val="end"/>
-                          </dgm:alg>
-                          <dgm:shape xmlns:r="http://schemas.openxmlformats.org/officeDocument/2006/relationships" type="conn" r:blip="" zOrderOff="-99999">
-                            <dgm:adjLst/>
-                          </dgm:shape>
-                          <dgm:presOf axis="self"/>
-                          <dgm:constrLst>
-                            <dgm:constr type="begPad"/>
-                            <dgm:constr type="endPad"/>
-                          </dgm:constrLst>
-                          <dgm:ruleLst/>
-                        </dgm:layoutNode>
-                      </dgm:if>
-                      <dgm:else name="Name65">
-                        <dgm:layoutNode name="Name66">
-                          <dgm:alg type="conn">
-                            <dgm:param type="connRout" val="bend"/>
-                            <dgm:param type="dim" val="1D"/>
-                            <dgm:param type="endSty" val="noArr"/>
-                            <dgm:param type="begPts" val="midL"/>
-                            <dgm:param type="endPts" val="midR"/>
-                            <dgm:param type="bendPt" val="end"/>
-                          </dgm:alg>
-                          <dgm:shape xmlns:r="http://schemas.openxmlformats.org/officeDocument/2006/relationships" type="conn" r:blip="" zOrderOff="-99999">
-                            <dgm:adjLst/>
-                          </dgm:shape>
-                          <dgm:presOf axis="self"/>
-                          <dgm:constrLst>
-                            <dgm:constr type="begPad"/>
-                            <dgm:constr type="endPad"/>
-                          </dgm:constrLst>
-                          <dgm:ruleLst/>
-                        </dgm:layoutNode>
-                      </dgm:else>
-                    </dgm:choose>
-                  </dgm:else>
-                </dgm:choose>
-              </dgm:forEach>
-              <dgm:layoutNode name="hierRoot2">
-                <dgm:varLst>
-                  <dgm:hierBranch val="init"/>
-                </dgm:varLst>
-                <dgm:choose name="Name67">
-                  <dgm:if name="Name68" func="var" arg="hierBranch" op="equ" val="l">
-                    <dgm:choose name="Name69">
-                      <dgm:if name="Name70" func="var" arg="dir" op="equ" val="norm">
-                        <dgm:alg type="hierRoot">
-                          <dgm:param type="hierAlign" val="lT"/>
-                        </dgm:alg>
-                        <dgm:constrLst>
-                          <dgm:constr type="alignOff" val="0.75"/>
-                        </dgm:constrLst>
-                      </dgm:if>
-                      <dgm:else name="Name71">
-                        <dgm:alg type="hierRoot">
-                          <dgm:param type="hierAlign" val="rT"/>
-                        </dgm:alg>
-                        <dgm:constrLst>
-                          <dgm:constr type="alignOff" val="0.75"/>
-                        </dgm:constrLst>
-                      </dgm:else>
-                    </dgm:choose>
-                  </dgm:if>
-                  <dgm:if name="Name72" func="var" arg="hierBranch" op="equ" val="r">
-                    <dgm:choose name="Name73">
-                      <dgm:if name="Name74" func="var" arg="dir" op="equ" val="norm">
-                        <dgm:alg type="hierRoot">
-                          <dgm:param type="hierAlign" val="lB"/>
-                        </dgm:alg>
-                        <dgm:constrLst>
-                          <dgm:constr type="alignOff" val="0.75"/>
-                        </dgm:constrLst>
-                      </dgm:if>
-                      <dgm:else name="Name75">
-                        <dgm:alg type="hierRoot">
-                          <dgm:param type="hierAlign" val="rB"/>
-                        </dgm:alg>
-                        <dgm:constrLst>
-                          <dgm:constr type="alignOff" val="0.75"/>
-                        </dgm:constrLst>
-                      </dgm:else>
-                    </dgm:choose>
-                  </dgm:if>
-                  <dgm:if name="Name76" func="var" arg="hierBranch" op="equ" val="hang">
-                    <dgm:choose name="Name77">
-                      <dgm:if name="Name78" func="var" arg="dir" op="equ" val="norm">
-                        <dgm:alg type="hierRoot">
-                          <dgm:param type="hierAlign" val="lCtrCh"/>
-                        </dgm:alg>
-                        <dgm:constrLst>
-                          <dgm:constr type="alignOff" val="0.65"/>
-                        </dgm:constrLst>
-                      </dgm:if>
-                      <dgm:else name="Name79">
-                        <dgm:alg type="hierRoot">
-                          <dgm:param type="hierAlign" val="rCtrCh"/>
-                        </dgm:alg>
-                        <dgm:constrLst>
-                          <dgm:constr type="alignOff" val="0.65"/>
-                        </dgm:constrLst>
-                      </dgm:else>
-                    </dgm:choose>
-                  </dgm:if>
-                  <dgm:else name="Name80">
-                    <dgm:choose name="Name81">
-                      <dgm:if name="Name82" func="var" arg="dir" op="equ" val="norm">
-                        <dgm:alg type="hierRoot">
-                          <dgm:param type="hierAlign" val="lCtrCh"/>
-                        </dgm:alg>
-                        <dgm:constrLst>
-                          <dgm:constr type="alignOff"/>
-                          <dgm:constr type="bendDist" for="des" ptType="parTrans" refType="sp" fact="0.5"/>
-                        </dgm:constrLst>
-                      </dgm:if>
-                      <dgm:else name="Name83">
-                        <dgm:alg type="hierRoot">
-                          <dgm:param type="hierAlign" val="rCtrCh"/>
-                        </dgm:alg>
-                        <dgm:constrLst>
-                          <dgm:constr type="alignOff"/>
-                          <dgm:constr type="bendDist" for="des" ptType="parTrans" refType="sp" fact="0.5"/>
-                        </dgm:constrLst>
-                      </dgm:else>
-                    </dgm:choose>
-                  </dgm:else>
-                </dgm:choose>
+                  </dgm:forEach>
+                </dgm:forEach>
+              </dgm:layoutNode>
+            </dgm:layoutNode>
+          </dgm:forEach>
+        </dgm:forEach>
+      </dgm:layoutNode>
+    </dgm:layoutNode>
+    <dgm:layoutNode name="bgShapesFlow">
+      <dgm:choose name="Name38">
+        <dgm:if name="Name39" func="var" arg="dir" op="equ" val="norm">
+          <dgm:alg type="lin">
+            <dgm:param type="linDir" val="fromL"/>
+            <dgm:param type="nodeVertAlign" val="mid"/>
+            <dgm:param type="vertAlign" val="mid"/>
+            <dgm:param type="nodeHorzAlign" val="l"/>
+            <dgm:param type="horzAlign" val="l"/>
+          </dgm:alg>
+        </dgm:if>
+        <dgm:else name="Name40">
+          <dgm:alg type="lin">
+            <dgm:param type="linDir" val="fromR"/>
+            <dgm:param type="nodeVertAlign" val="mid"/>
+            <dgm:param type="vertAlign" val="mid"/>
+            <dgm:param type="nodeHorzAlign" val="r"/>
+            <dgm:param type="horzAlign" val="r"/>
+          </dgm:alg>
+        </dgm:else>
+      </dgm:choose>
+      <dgm:shape xmlns:r="http://schemas.openxmlformats.org/officeDocument/2006/relationships" r:blip="">
+        <dgm:adjLst/>
+      </dgm:shape>
+      <dgm:presOf/>
+      <dgm:constrLst>
+        <dgm:constr type="w" for="ch" forName="rectComp" refType="w"/>
+        <dgm:constr type="h" for="ch" forName="rectComp" refType="h"/>
+        <dgm:constr type="h" for="des" forName="bgRect" refType="h"/>
+        <dgm:constr type="primFontSz" for="des" forName="bgRectTx" op="equ" val="65"/>
+      </dgm:constrLst>
+      <dgm:ruleLst/>
+      <dgm:forEach name="Name41" axis="ch" ptType="node" st="2">
+        <dgm:layoutNode name="rectComp">
+          <dgm:alg type="composite"/>
+          <dgm:shape xmlns:r="http://schemas.openxmlformats.org/officeDocument/2006/relationships" r:blip="">
+            <dgm:adjLst/>
+          </dgm:shape>
+          <dgm:presOf/>
+          <dgm:constrLst>
+            <dgm:constr type="userA"/>
+            <dgm:constr type="l" for="ch" forName="bgRect"/>
+            <dgm:constr type="t" for="ch" forName="bgRect"/>
+            <dgm:constr type="w" for="ch" forName="bgRect" refType="userA" fact="1.2"/>
+            <dgm:constr type="l" for="ch" forName="bgRectTx"/>
+            <dgm:constr type="t" for="ch" forName="bgRectTx"/>
+            <dgm:constr type="h" for="ch" forName="bgRectTx" refType="h" refFor="ch" refForName="bgRect" fact="0.3"/>
+            <dgm:constr type="w" for="ch" forName="bgRectTx" refType="w" refFor="ch" refForName="bgRect" op="equ"/>
+          </dgm:constrLst>
+          <dgm:ruleLst/>
+          <dgm:layoutNode name="bgRect" styleLbl="bgShp">
+            <dgm:alg type="sp"/>
+            <dgm:shape xmlns:r="http://schemas.openxmlformats.org/officeDocument/2006/relationships" type="roundRect" r:blip="" zOrderOff="-999">
+              <dgm:adjLst>
+                <dgm:adj idx="1" val="0.1"/>
+              </dgm:adjLst>
+            </dgm:shape>
+            <dgm:presOf axis="desOrSelf" ptType="node"/>
+            <dgm:constrLst/>
+            <dgm:ruleLst/>
+          </dgm:layoutNode>
+          <dgm:layoutNode name="bgRectTx" styleLbl="bgShp">
+            <dgm:varLst>
+              <dgm:bulletEnabled val="1"/>
+            </dgm:varLst>
+            <dgm:alg type="tx"/>
+            <dgm:shape xmlns:r="http://schemas.openxmlformats.org/officeDocument/2006/relationships" type="rect" r:blip="" zOrderOff="-999" hideGeom="1">
+              <dgm:adjLst/>
+            </dgm:shape>
+            <dgm:presOf axis="desOrSelf" ptType="node"/>
+            <dgm:constrLst/>
+            <dgm:ruleLst>
+              <dgm:rule type="primFontSz" val="5" fact="NaN" max="NaN"/>
+            </dgm:ruleLst>
+          </dgm:layoutNode>
+        </dgm:layoutNode>
+        <dgm:choose name="Name42">
+          <dgm:if name="Name43" axis="self" ptType="node" func="revPos" op="gte" val="2">
+            <dgm:layoutNode name="spComp">
+              <dgm:alg type="composite"/>
+              <dgm:shape xmlns:r="http://schemas.openxmlformats.org/officeDocument/2006/relationships" r:blip="">
+                <dgm:adjLst/>
+              </dgm:shape>
+              <dgm:presOf/>
+              <dgm:constrLst>
+                <dgm:constr type="userA"/>
+                <dgm:constr type="userB"/>
+                <dgm:constr type="l" for="ch" forName="hSp"/>
+                <dgm:constr type="t" for="ch" forName="hSp"/>
+                <dgm:constr type="w" for="ch" forName="hSp" refType="userB"/>
+                <dgm:constr type="wOff" for="ch" forName="hSp" refType="userA" fact="-0.2"/>
+              </dgm:constrLst>
+              <dgm:ruleLst/>
+              <dgm:layoutNode name="hSp">
+                <dgm:alg type="sp"/>
                 <dgm:shape xmlns:r="http://schemas.openxmlformats.org/officeDocument/2006/relationships" r:blip="">
                   <dgm:adjLst/>
                 </dgm:shape>
                 <dgm:presOf/>
+                <dgm:constrLst/>
                 <dgm:ruleLst/>
-                <dgm:layoutNode name="rootComposite">
-                  <dgm:alg type="composite"/>
-                  <dgm:shape xmlns:r="http://schemas.openxmlformats.org/officeDocument/2006/relationships" r:blip="">
-                    <dgm:adjLst/>
-                  </dgm:shape>
-                  <dgm:presOf axis="self" ptType="node" cnt="1"/>
-                  <dgm:choose name="Name84">
-                    <dgm:if name="Name85" func="var" arg="hierBranch" op="equ" val="init">
-                      <dgm:constrLst>
-                        <dgm:constr type="l" for="ch" forName="rootText"/>
-                        <dgm:constr type="t" for="ch" forName="rootText"/>
-                        <dgm:constr type="w" for="ch" forName="rootText" refType="w"/>
-                        <dgm:constr type="h" for="ch" forName="rootText" refType="h"/>
-                        <dgm:constr type="l" for="ch" forName="rootConnector"/>
-                        <dgm:constr type="t" for="ch" forName="rootConnector"/>
-                        <dgm:constr type="w" for="ch" forName="rootConnector" refType="w" refFor="ch" refForName="rootText" fact="0.2"/>
-                        <dgm:constr type="h" for="ch" forName="rootConnector" refType="h" refFor="ch" refForName="rootText"/>
-                      </dgm:constrLst>
-                    </dgm:if>
-                    <dgm:if name="Name86" func="var" arg="hierBranch" op="equ" val="l">
-                      <dgm:constrLst>
-                        <dgm:constr type="l" for="ch" forName="rootText"/>
-                        <dgm:constr type="t" for="ch" forName="rootText"/>
-                        <dgm:constr type="w" for="ch" forName="rootText" refType="w"/>
-                        <dgm:constr type="h" for="ch" forName="rootText" refType="h"/>
-                        <dgm:constr type="r" for="ch" forName="rootConnector" refType="w"/>
-                        <dgm:constr type="t" for="ch" forName="rootConnector"/>
-                        <dgm:constr type="w" for="ch" forName="rootConnector" refType="w" refFor="ch" refForName="rootText" fact="0.2"/>
-                        <dgm:constr type="h" for="ch" forName="rootConnector" refType="h" refFor="ch" refForName="rootText"/>
-                      </dgm:constrLst>
-                    </dgm:if>
-                    <dgm:if name="Name87" func="var" arg="hierBranch" op="equ" val="r">
-                      <dgm:constrLst>
-                        <dgm:constr type="l" for="ch" forName="rootText"/>
-                        <dgm:constr type="t" for="ch" forName="rootText"/>
-                        <dgm:constr type="w" for="ch" forName="rootText" refType="w"/>
-                        <dgm:constr type="h" for="ch" forName="rootText" refType="h"/>
-                        <dgm:constr type="l" for="ch" forName="rootConnector"/>
-                        <dgm:constr type="t" for="ch" forName="rootConnector"/>
-                        <dgm:constr type="w" for="ch" forName="rootConnector" refType="w" refFor="ch" refForName="rootText" fact="0.2"/>
-                        <dgm:constr type="h" for="ch" forName="rootConnector" refType="h" refFor="ch" refForName="rootText"/>
-                      </dgm:constrLst>
-                    </dgm:if>
-                    <dgm:else name="Name88">
-                      <dgm:constrLst>
-                        <dgm:constr type="l" for="ch" forName="rootText"/>
-                        <dgm:constr type="t" for="ch" forName="rootText"/>
-                        <dgm:constr type="w" for="ch" forName="rootText" refType="w"/>
-                        <dgm:constr type="h" for="ch" forName="rootText" refType="h"/>
-                        <dgm:constr type="r" for="ch" forName="rootConnector" refType="w"/>
-                        <dgm:constr type="t" for="ch" forName="rootConnector"/>
-                        <dgm:constr type="w" for="ch" forName="rootConnector" refType="w" refFor="ch" refForName="rootText" fact="0.2"/>
-                        <dgm:constr type="h" for="ch" forName="rootConnector" refType="h" refFor="ch" refForName="rootText"/>
-                      </dgm:constrLst>
-                    </dgm:else>
-                  </dgm:choose>
-                  <dgm:ruleLst/>
-                  <dgm:layoutNode name="rootText">
-                    <dgm:varLst>
-                      <dgm:chPref val="3"/>
-                    </dgm:varLst>
-                    <dgm:alg type="tx"/>
-                    <dgm:shape xmlns:r="http://schemas.openxmlformats.org/officeDocument/2006/relationships" type="rect" r:blip="">
-                      <dgm:adjLst/>
-                    </dgm:shape>
-                    <dgm:presOf axis="self" ptType="node" cnt="1"/>
-                    <dgm:constrLst>
-                      <dgm:constr type="primFontSz" val="65"/>
-                      <dgm:constr type="lMarg" refType="primFontSz" fact="0.05"/>
-                      <dgm:constr type="rMarg" refType="primFontSz" fact="0.05"/>
-                      <dgm:constr type="tMarg" refType="primFontSz" fact="0.05"/>
-                      <dgm:constr type="bMarg" refType="primFontSz" fact="0.05"/>
-                    </dgm:constrLst>
-                    <dgm:ruleLst>
-                      <dgm:rule type="primFontSz" val="5" fact="NaN" max="NaN"/>
-                    </dgm:ruleLst>
-                  </dgm:layoutNode>
-                  <dgm:layoutNode name="rootConnector" moveWith="rootText">
-                    <dgm:alg type="sp"/>
-                    <dgm:shape xmlns:r="http://schemas.openxmlformats.org/officeDocument/2006/relationships" type="rect" r:blip="" hideGeom="1">
-                      <dgm:adjLst/>
-                    </dgm:shape>
-                    <dgm:presOf axis="self" ptType="node" cnt="1"/>
-                    <dgm:constrLst/>
-                    <dgm:ruleLst/>
-                  </dgm:layoutNode>
-                </dgm:layoutNode>
-                <dgm:layoutNode name="hierChild4">
-                  <dgm:choose name="Name89">
-                    <dgm:if name="Name90" func="var" arg="hierBranch" op="equ" val="l">
-                      <dgm:choose name="Name91">
-                        <dgm:if name="Name92" func="var" arg="dir" op="equ" val="norm">
-                          <dgm:alg type="hierChild">
-                            <dgm:param type="chAlign" val="t"/>
-                            <dgm:param type="linDir" val="fromL"/>
-                          </dgm:alg>
-                        </dgm:if>
-                        <dgm:else name="Name93">
-                          <dgm:alg type="hierChild">
-                            <dgm:param type="chAlign" val="t"/>
-                            <dgm:param type="linDir" val="fromR"/>
-                          </dgm:alg>
-                        </dgm:else>
-                      </dgm:choose>
-                    </dgm:if>
-                    <dgm:if name="Name94" func="var" arg="hierBranch" op="equ" val="r">
-                      <dgm:choose name="Name95">
-                        <dgm:if name="Name96" func="var" arg="dir" op="equ" val="norm">
-                          <dgm:alg type="hierChild">
-                            <dgm:param type="chAlign" val="b"/>
-                            <dgm:param type="linDir" val="fromL"/>
-                          </dgm:alg>
-                        </dgm:if>
-                        <dgm:else name="Name97">
-                          <dgm:alg type="hierChild">
-                            <dgm:param type="chAlign" val="b"/>
-                            <dgm:param type="linDir" val="fromR"/>
-                          </dgm:alg>
-                        </dgm:else>
-                      </dgm:choose>
-                    </dgm:if>
-                    <dgm:if name="Name98" func="var" arg="hierBranch" op="equ" val="hang">
-                      <dgm:choose name="Name99">
-                        <dgm:if name="Name100" func="var" arg="dir" op="equ" val="norm">
-                          <dgm:alg type="hierChild">
-                            <dgm:param type="chAlign" val="l"/>
-                            <dgm:param type="linDir" val="fromT"/>
-                            <dgm:param type="secChAlign" val="t"/>
-                            <dgm:param type="secLinDir" val="fromL"/>
-                          </dgm:alg>
-                        </dgm:if>
-                        <dgm:else name="Name101">
-                          <dgm:alg type="hierChild">
-                            <dgm:param type="chAlign" val="r"/>
-                            <dgm:param type="linDir" val="fromT"/>
-                            <dgm:param type="secChAlign" val="t"/>
-                            <dgm:param type="secLinDir" val="fromR"/>
-                          </dgm:alg>
-                        </dgm:else>
-                      </dgm:choose>
-                    </dgm:if>
-                    <dgm:else name="Name102">
-                      <dgm:choose name="Name103">
-                        <dgm:if name="Name104" func="var" arg="dir" op="equ" val="norm">
-                          <dgm:alg type="hierChild">
-                            <dgm:param type="linDir" val="fromT"/>
-                            <dgm:param type="chAlign" val="l"/>
-                          </dgm:alg>
-                        </dgm:if>
-                        <dgm:else name="Name105">
-                          <dgm:alg type="hierChild">
-                            <dgm:param type="linDir" val="fromT"/>
-                            <dgm:param type="chAlign" val="r"/>
-                          </dgm:alg>
-                        </dgm:else>
-                      </dgm:choose>
-                    </dgm:else>
-                  </dgm:choose>
-                  <dgm:shape xmlns:r="http://schemas.openxmlformats.org/officeDocument/2006/relationships" r:blip="">
-                    <dgm:adjLst/>
-                  </dgm:shape>
-                  <dgm:presOf/>
-                  <dgm:constrLst/>
-                  <dgm:ruleLst/>
-                  <dgm:forEach name="Name106" ref="rep2a"/>
-                </dgm:layoutNode>
-                <dgm:layoutNode name="hierChild5">
-                  <dgm:choose name="Name107">
-                    <dgm:if name="Name108" func="var" arg="dir" op="equ" val="norm">
-                      <dgm:alg type="hierChild">
-                        <dgm:param type="chAlign" val="l"/>
-                        <dgm:param type="linDir" val="fromT"/>
-                        <dgm:param type="secChAlign" val="t"/>
-                        <dgm:param type="secLinDir" val="fromL"/>
-                      </dgm:alg>
-                    </dgm:if>
-                    <dgm:else name="Name109">
-                      <dgm:alg type="hierChild">
-                        <dgm:param type="chAlign" val="r"/>
-                        <dgm:param type="linDir" val="fromT"/>
-                        <dgm:param type="secChAlign" val="t"/>
-                        <dgm:param type="secLinDir" val="fromR"/>
-                      </dgm:alg>
-                    </dgm:else>
-                  </dgm:choose>
-                  <dgm:shape xmlns:r="http://schemas.openxmlformats.org/officeDocument/2006/relationships" r:blip="">
-                    <dgm:adjLst/>
-                  </dgm:shape>
-                  <dgm:presOf/>
-                  <dgm:constrLst/>
-                  <dgm:ruleLst/>
-                  <dgm:forEach name="Name110" ref="rep2b"/>
-                </dgm:layoutNode>
               </dgm:layoutNode>
-            </dgm:forEach>
-          </dgm:layoutNode>
-          <dgm:layoutNode name="hierChild3">
-            <dgm:choose name="Name111">
-              <dgm:if name="Name112" func="var" arg="dir" op="equ" val="norm">
-                <dgm:alg type="hierChild">
-                  <dgm:param type="chAlign" val="l"/>
-                  <dgm:param type="linDir" val="fromT"/>
-                  <dgm:param type="secChAlign" val="t"/>
-                  <dgm:param type="secLinDir" val="fromL"/>
-                </dgm:alg>
-              </dgm:if>
-              <dgm:else name="Name113">
-                <dgm:alg type="hierChild">
-                  <dgm:param type="chAlign" val="r"/>
-                  <dgm:param type="linDir" val="fromT"/>
-                  <dgm:param type="secChAlign" val="t"/>
-                  <dgm:param type="secLinDir" val="fromR"/>
-                </dgm:alg>
-              </dgm:else>
-            </dgm:choose>
-            <dgm:shape xmlns:r="http://schemas.openxmlformats.org/officeDocument/2006/relationships" r:blip="">
-              <dgm:adjLst/>
-            </dgm:shape>
-            <dgm:presOf/>
-            <dgm:constrLst/>
-            <dgm:ruleLst/>
-            <dgm:forEach name="rep2b" axis="ch" ptType="asst">
-              <dgm:forEach name="Name114" axis="precedSib" ptType="parTrans" st="-1" cnt="1">
-                <dgm:layoutNode name="Name115">
-                  <dgm:choose name="Name116">
-                    <dgm:if name="Name117" func="var" arg="dir" op="equ" val="norm">
-                      <dgm:alg type="conn">
-                        <dgm:param type="connRout" val="bend"/>
-                        <dgm:param type="dim" val="1D"/>
-                        <dgm:param type="endSty" val="noArr"/>
-                        <dgm:param type="begPts" val="midR"/>
-                        <dgm:param type="endPts" val="bCtr tCtr"/>
-                      </dgm:alg>
-                    </dgm:if>
-                    <dgm:else name="Name118">
-                      <dgm:alg type="conn">
-                        <dgm:param type="connRout" val="bend"/>
-                        <dgm:param type="dim" val="1D"/>
-                        <dgm:param type="endSty" val="noArr"/>
-                        <dgm:param type="begPts" val="midL"/>
-                        <dgm:param type="endPts" val="bCtr tCtr"/>
-                      </dgm:alg>
-                    </dgm:else>
-                  </dgm:choose>
-                  <dgm:shape xmlns:r="http://schemas.openxmlformats.org/officeDocument/2006/relationships" type="conn" r:blip="" zOrderOff="-99999">
-                    <dgm:adjLst/>
-                  </dgm:shape>
-                  <dgm:presOf axis="self"/>
-                  <dgm:constrLst>
-                    <dgm:constr type="begPad"/>
-                    <dgm:constr type="endPad"/>
-                  </dgm:constrLst>
-                  <dgm:ruleLst/>
-                </dgm:layoutNode>
-              </dgm:forEach>
-              <dgm:layoutNode name="hierRoot3">
-                <dgm:varLst>
-                  <dgm:hierBranch val="init"/>
-                </dgm:varLst>
-                <dgm:choose name="Name119">
-                  <dgm:if name="Name120" func="var" arg="hierBranch" op="equ" val="l">
-                    <dgm:choose name="Name121">
-                      <dgm:if name="Name122" func="var" arg="dir" op="equ" val="norm">
-                        <dgm:alg type="hierRoot">
-                          <dgm:param type="hierAlign" val="lT"/>
-                        </dgm:alg>
-                        <dgm:constrLst>
-                          <dgm:constr type="alignOff" val="0.75"/>
-                        </dgm:constrLst>
-                      </dgm:if>
-                      <dgm:else name="Name123">
-                        <dgm:alg type="hierRoot">
-                          <dgm:param type="hierAlign" val="rT"/>
-                        </dgm:alg>
-                        <dgm:constrLst>
-                          <dgm:constr type="alignOff" val="0.75"/>
-                        </dgm:constrLst>
-                      </dgm:else>
-                    </dgm:choose>
-                  </dgm:if>
-                  <dgm:if name="Name124" func="var" arg="hierBranch" op="equ" val="r">
-                    <dgm:choose name="Name125">
-                      <dgm:if name="Name126" func="var" arg="dir" op="equ" val="norm">
-                        <dgm:alg type="hierRoot">
-                          <dgm:param type="hierAlign" val="lB"/>
-                        </dgm:alg>
-                        <dgm:constrLst>
-                          <dgm:constr type="alignOff" val="0.75"/>
-                        </dgm:constrLst>
-                      </dgm:if>
-                      <dgm:else name="Name127">
-                        <dgm:alg type="hierRoot">
-                          <dgm:param type="hierAlign" val="rB"/>
-                        </dgm:alg>
-                        <dgm:constrLst>
-                          <dgm:constr type="alignOff" val="0.75"/>
-                        </dgm:constrLst>
-                      </dgm:else>
-                    </dgm:choose>
-                  </dgm:if>
-                  <dgm:if name="Name128" func="var" arg="hierBranch" op="equ" val="hang">
-                    <dgm:choose name="Name129">
-                      <dgm:if name="Name130" func="var" arg="dir" op="equ" val="norm">
-                        <dgm:alg type="hierRoot">
-                          <dgm:param type="hierAlign" val="lCtrCh"/>
-                        </dgm:alg>
-                        <dgm:constrLst>
-                          <dgm:constr type="alignOff" val="0.65"/>
-                        </dgm:constrLst>
-                      </dgm:if>
-                      <dgm:else name="Name131">
-                        <dgm:alg type="hierRoot">
-                          <dgm:param type="hierAlign" val="rCtrCh"/>
-                        </dgm:alg>
-                        <dgm:constrLst>
-                          <dgm:constr type="alignOff" val="0.65"/>
-                        </dgm:constrLst>
-                      </dgm:else>
-                    </dgm:choose>
-                  </dgm:if>
-                  <dgm:else name="Name132">
-                    <dgm:choose name="Name133">
-                      <dgm:if name="Name134" func="var" arg="dir" op="equ" val="norm">
-                        <dgm:alg type="hierRoot">
-                          <dgm:param type="hierAlign" val="lCtrCh"/>
-                        </dgm:alg>
-                        <dgm:constrLst>
-                          <dgm:constr type="alignOff"/>
-                          <dgm:constr type="bendDist" for="des" ptType="parTrans" refType="sp" fact="0.5"/>
-                        </dgm:constrLst>
-                      </dgm:if>
-                      <dgm:else name="Name135">
-                        <dgm:alg type="hierRoot">
-                          <dgm:param type="hierAlign" val="rCtrCh"/>
-                        </dgm:alg>
-                        <dgm:constrLst>
-                          <dgm:constr type="alignOff"/>
-                          <dgm:constr type="bendDist" for="des" ptType="parTrans" refType="sp" fact="0.5"/>
-                        </dgm:constrLst>
-                      </dgm:else>
-                    </dgm:choose>
-                  </dgm:else>
-                </dgm:choose>
-                <dgm:shape xmlns:r="http://schemas.openxmlformats.org/officeDocument/2006/relationships" r:blip="">
-                  <dgm:adjLst/>
-                </dgm:shape>
-                <dgm:presOf/>
-                <dgm:ruleLst/>
-                <dgm:layoutNode name="rootComposite3">
-                  <dgm:alg type="composite"/>
-                  <dgm:shape xmlns:r="http://schemas.openxmlformats.org/officeDocument/2006/relationships" r:blip="">
-                    <dgm:adjLst/>
-                  </dgm:shape>
-                  <dgm:presOf axis="self" ptType="node" cnt="1"/>
-                  <dgm:choose name="Name136">
-                    <dgm:if name="Name137" func="var" arg="hierBranch" op="equ" val="init">
-                      <dgm:constrLst>
-                        <dgm:constr type="l" for="ch" forName="rootText3"/>
-                        <dgm:constr type="t" for="ch" forName="rootText3"/>
-                        <dgm:constr type="w" for="ch" forName="rootText3" refType="w"/>
-                        <dgm:constr type="h" for="ch" forName="rootText3" refType="h"/>
-                        <dgm:constr type="l" for="ch" forName="rootConnector3"/>
-                        <dgm:constr type="t" for="ch" forName="rootConnector3"/>
-                        <dgm:constr type="w" for="ch" forName="rootConnector3" refType="w" refFor="ch" refForName="rootText3" fact="0.2"/>
-                        <dgm:constr type="h" for="ch" forName="rootConnector3" refType="h" refFor="ch" refForName="rootText3"/>
-                      </dgm:constrLst>
-                    </dgm:if>
-                    <dgm:if name="Name138" func="var" arg="hierBranch" op="equ" val="l">
-                      <dgm:constrLst>
-                        <dgm:constr type="l" for="ch" forName="rootText3"/>
-                        <dgm:constr type="t" for="ch" forName="rootText3"/>
-                        <dgm:constr type="w" for="ch" forName="rootText3" refType="w"/>
-                        <dgm:constr type="h" for="ch" forName="rootText3" refType="h"/>
-                        <dgm:constr type="r" for="ch" forName="rootConnector3" refType="w"/>
-                        <dgm:constr type="t" for="ch" forName="rootConnector3"/>
-                        <dgm:constr type="w" for="ch" forName="rootConnector3" refType="w" refFor="ch" refForName="rootText3" fact="0.2"/>
-                        <dgm:constr type="h" for="ch" forName="rootConnector3" refType="h" refFor="ch" refForName="rootText3"/>
-                      </dgm:constrLst>
-                    </dgm:if>
-                    <dgm:if name="Name139" func="var" arg="hierBranch" op="equ" val="r">
-                      <dgm:constrLst>
-                        <dgm:constr type="l" for="ch" forName="rootText3"/>
-                        <dgm:constr type="t" for="ch" forName="rootText3"/>
-                        <dgm:constr type="w" for="ch" forName="rootText3" refType="w"/>
-                        <dgm:constr type="h" for="ch" forName="rootText3" refType="h"/>
-                        <dgm:constr type="l" for="ch" forName="rootConnector3"/>
-                        <dgm:constr type="t" for="ch" forName="rootConnector3"/>
-                        <dgm:constr type="w" for="ch" forName="rootConnector3" refType="w" refFor="ch" refForName="rootText3" fact="0.2"/>
-                        <dgm:constr type="h" for="ch" forName="rootConnector3" refType="h" refFor="ch" refForName="rootText3"/>
-                      </dgm:constrLst>
-                    </dgm:if>
-                    <dgm:else name="Name140">
-                      <dgm:constrLst>
-                        <dgm:constr type="l" for="ch" forName="rootText3"/>
-                        <dgm:constr type="t" for="ch" forName="rootText3"/>
-                        <dgm:constr type="w" for="ch" forName="rootText3" refType="w"/>
-                        <dgm:constr type="h" for="ch" forName="rootText3" refType="h"/>
-                        <dgm:constr type="r" for="ch" forName="rootConnector3" refType="w"/>
-                        <dgm:constr type="t" for="ch" forName="rootConnector3"/>
-                        <dgm:constr type="w" for="ch" forName="rootConnector3" refType="w" refFor="ch" refForName="rootText3" fact="0.2"/>
-                        <dgm:constr type="h" for="ch" forName="rootConnector3" refType="h" refFor="ch" refForName="rootText3"/>
-                      </dgm:constrLst>
-                    </dgm:else>
-                  </dgm:choose>
-                  <dgm:ruleLst/>
-                  <dgm:layoutNode name="rootText3">
-                    <dgm:varLst>
-                      <dgm:chPref val="3"/>
-                    </dgm:varLst>
-                    <dgm:alg type="tx"/>
-                    <dgm:shape xmlns:r="http://schemas.openxmlformats.org/officeDocument/2006/relationships" type="rect" r:blip="">
-                      <dgm:adjLst/>
-                    </dgm:shape>
-                    <dgm:presOf axis="self" ptType="node" cnt="1"/>
-                    <dgm:constrLst>
-                      <dgm:constr type="primFontSz" val="65"/>
-                      <dgm:constr type="lMarg" refType="primFontSz" fact="0.05"/>
-                      <dgm:constr type="rMarg" refType="primFontSz" fact="0.05"/>
-                      <dgm:constr type="tMarg" refType="primFontSz" fact="0.05"/>
-                      <dgm:constr type="bMarg" refType="primFontSz" fact="0.05"/>
-                    </dgm:constrLst>
-                    <dgm:ruleLst>
-                      <dgm:rule type="primFontSz" val="5" fact="NaN" max="NaN"/>
-                    </dgm:ruleLst>
-                  </dgm:layoutNode>
-                  <dgm:layoutNode name="rootConnector3" moveWith="rootText1">
-                    <dgm:alg type="sp"/>
-                    <dgm:shape xmlns:r="http://schemas.openxmlformats.org/officeDocument/2006/relationships" type="rect" r:blip="" hideGeom="1">
-                      <dgm:adjLst/>
-                    </dgm:shape>
-                    <dgm:presOf axis="self" ptType="node" cnt="1"/>
-                    <dgm:constrLst/>
-                    <dgm:ruleLst/>
-                  </dgm:layoutNode>
-                </dgm:layoutNode>
-                <dgm:layoutNode name="hierChild6">
-                  <dgm:choose name="Name141">
-                    <dgm:if name="Name142" func="var" arg="hierBranch" op="equ" val="l">
-                      <dgm:choose name="Name143">
-                        <dgm:if name="Name144" func="var" arg="dir" op="equ" val="norm">
-                          <dgm:alg type="hierChild">
-                            <dgm:param type="chAlign" val="t"/>
-                            <dgm:param type="linDir" val="fromL"/>
-                          </dgm:alg>
-                        </dgm:if>
-                        <dgm:else name="Name145">
-                          <dgm:alg type="hierChild">
-                            <dgm:param type="chAlign" val="t"/>
-                            <dgm:param type="linDir" val="fromR"/>
-                          </dgm:alg>
-                        </dgm:else>
-                      </dgm:choose>
-                    </dgm:if>
-                    <dgm:if name="Name146" func="var" arg="hierBranch" op="equ" val="r">
-                      <dgm:choose name="Name147">
-                        <dgm:if name="Name148" func="var" arg="dir" op="equ" val="norm">
-                          <dgm:alg type="hierChild">
-                            <dgm:param type="chAlign" val="b"/>
-                            <dgm:param type="linDir" val="fromL"/>
-                          </dgm:alg>
-                        </dgm:if>
-                        <dgm:else name="Name149">
-                          <dgm:alg type="hierChild">
-                            <dgm:param type="chAlign" val="b"/>
-                            <dgm:param type="linDir" val="fromR"/>
-                          </dgm:alg>
-                        </dgm:else>
-                      </dgm:choose>
-                    </dgm:if>
-                    <dgm:if name="Name150" func="var" arg="hierBranch" op="equ" val="hang">
-                      <dgm:choose name="Name151">
-                        <dgm:if name="Name152" func="var" arg="dir" op="equ" val="norm">
-                          <dgm:alg type="hierChild">
-                            <dgm:param type="chAlign" val="l"/>
-                            <dgm:param type="linDir" val="fromT"/>
-                            <dgm:param type="secChAlign" val="t"/>
-                            <dgm:param type="secLinDir" val="fromL"/>
-                          </dgm:alg>
-                        </dgm:if>
-                        <dgm:else name="Name153">
-                          <dgm:alg type="hierChild">
-                            <dgm:param type="chAlign" val="r"/>
-                            <dgm:param type="linDir" val="fromT"/>
-                            <dgm:param type="secChAlign" val="t"/>
-                            <dgm:param type="secLinDir" val="fromR"/>
-                          </dgm:alg>
-                        </dgm:else>
-                      </dgm:choose>
-                    </dgm:if>
-                    <dgm:else name="Name154">
-                      <dgm:choose name="Name155">
-                        <dgm:if name="Name156" func="var" arg="dir" op="equ" val="norm">
-                          <dgm:alg type="hierChild">
-                            <dgm:param type="linDir" val="fromT"/>
-                            <dgm:param type="chAlign" val="l"/>
-                          </dgm:alg>
-                        </dgm:if>
-                        <dgm:else name="Name157">
-                          <dgm:alg type="hierChild">
-                            <dgm:param type="linDir" val="fromT"/>
-                            <dgm:param type="chAlign" val="r"/>
-                          </dgm:alg>
-                        </dgm:else>
-                      </dgm:choose>
-                    </dgm:else>
-                  </dgm:choose>
-                  <dgm:shape xmlns:r="http://schemas.openxmlformats.org/officeDocument/2006/relationships" r:blip="">
-                    <dgm:adjLst/>
-                  </dgm:shape>
-                  <dgm:presOf/>
-                  <dgm:constrLst/>
-                  <dgm:ruleLst/>
-                  <dgm:forEach name="Name158" ref="rep2a"/>
-                </dgm:layoutNode>
-                <dgm:layoutNode name="hierChild7">
-                  <dgm:choose name="Name159">
-                    <dgm:if name="Name160" func="var" arg="dir" op="equ" val="norm">
-                      <dgm:alg type="hierChild">
-                        <dgm:param type="chAlign" val="l"/>
-                        <dgm:param type="linDir" val="fromT"/>
-                        <dgm:param type="secChAlign" val="t"/>
-                        <dgm:param type="secLinDir" val="fromL"/>
-                      </dgm:alg>
-                    </dgm:if>
-                    <dgm:else name="Name161">
-                      <dgm:alg type="hierChild">
-                        <dgm:param type="chAlign" val="r"/>
-                        <dgm:param type="linDir" val="fromT"/>
-                        <dgm:param type="secChAlign" val="t"/>
-                        <dgm:param type="secLinDir" val="fromR"/>
-                      </dgm:alg>
-                    </dgm:else>
-                  </dgm:choose>
-                  <dgm:shape xmlns:r="http://schemas.openxmlformats.org/officeDocument/2006/relationships" r:blip="">
-                    <dgm:adjLst/>
-                  </dgm:shape>
-                  <dgm:presOf/>
-                  <dgm:constrLst/>
-                  <dgm:ruleLst/>
-                  <dgm:forEach name="Name162" ref="rep2b"/>
-                </dgm:layoutNode>
-              </dgm:layoutNode>
-            </dgm:forEach>
-          </dgm:layoutNode>
-        </dgm:layoutNode>
+            </dgm:layoutNode>
+          </dgm:if>
+          <dgm:else name="Name44"/>
+        </dgm:choose>
       </dgm:forEach>
-    </dgm:forEach>
+    </dgm:layoutNode>
   </dgm:layoutNode>
 </dgm:layoutDef>
 </file>
 
 <file path=ppt/diagrams/quickStyle1.xml><?xml version="1.0" encoding="utf-8"?>
-<dgm:styleDef xmlns:dgm="http://schemas.openxmlformats.org/drawingml/2006/diagram" xmlns:a="http://schemas.openxmlformats.org/drawingml/2006/main" uniqueId="urn:microsoft.com/office/officeart/2005/8/quickstyle/simple3">
+<dgm:styleDef xmlns:dgm="http://schemas.openxmlformats.org/drawingml/2006/diagram" xmlns:a="http://schemas.openxmlformats.org/drawingml/2006/main" uniqueId="urn:microsoft.com/office/officeart/2005/8/quickstyle/simple1">
   <dgm:title val=""/>
   <dgm:desc val=""/>
   <dgm:catLst>
-    <dgm:cat type="simple" pri="10300"/>
+    <dgm:cat type="simple" pri="10100"/>
   </dgm:catLst>
   <dgm:scene3d>
     <a:camera prst="orthographicFront"/>
@@ -5394,65 +6706,59 @@
   <dgm:styleLbl name="node0">
     <dgm:scene3d>
       <a:camera prst="orthographicFront"/>
-      <a:lightRig rig="flat" dir="t"/>
+      <a:lightRig rig="threePt" dir="t"/>
     </dgm:scene3d>
-    <dgm:sp3d prstMaterial="dkEdge">
-      <a:bevelT w="8200" h="38100"/>
-    </dgm:sp3d>
+    <dgm:sp3d/>
     <dgm:txPr/>
     <dgm:style>
-      <a:lnRef idx="0">
+      <a:lnRef idx="2">
         <a:scrgbClr r="0" g="0" b="0"/>
       </a:lnRef>
-      <a:fillRef idx="2">
+      <a:fillRef idx="1">
         <a:scrgbClr r="0" g="0" b="0"/>
       </a:fillRef>
-      <a:effectRef idx="1">
+      <a:effectRef idx="0">
         <a:scrgbClr r="0" g="0" b="0"/>
       </a:effectRef>
       <a:fontRef idx="minor">
-        <a:schemeClr val="dk1"/>
+        <a:schemeClr val="lt1"/>
       </a:fontRef>
     </dgm:style>
   </dgm:styleLbl>
   <dgm:styleLbl name="lnNode1">
     <dgm:scene3d>
       <a:camera prst="orthographicFront"/>
-      <a:lightRig rig="flat" dir="t"/>
+      <a:lightRig rig="threePt" dir="t"/>
     </dgm:scene3d>
-    <dgm:sp3d prstMaterial="dkEdge">
-      <a:bevelT w="8200" h="38100"/>
-    </dgm:sp3d>
+    <dgm:sp3d/>
     <dgm:txPr/>
     <dgm:style>
-      <a:lnRef idx="1">
+      <a:lnRef idx="2">
         <a:scrgbClr r="0" g="0" b="0"/>
       </a:lnRef>
-      <a:fillRef idx="2">
+      <a:fillRef idx="1">
         <a:scrgbClr r="0" g="0" b="0"/>
       </a:fillRef>
       <a:effectRef idx="0">
         <a:scrgbClr r="0" g="0" b="0"/>
       </a:effectRef>
       <a:fontRef idx="minor">
-        <a:schemeClr val="dk1"/>
+        <a:schemeClr val="lt1"/>
       </a:fontRef>
     </dgm:style>
   </dgm:styleLbl>
   <dgm:styleLbl name="vennNode1">
     <dgm:scene3d>
       <a:camera prst="orthographicFront"/>
-      <a:lightRig rig="flat" dir="t"/>
+      <a:lightRig rig="threePt" dir="t"/>
     </dgm:scene3d>
-    <dgm:sp3d prstMaterial="dkEdge">
-      <a:bevelT w="8200" h="38100"/>
-    </dgm:sp3d>
+    <dgm:sp3d/>
     <dgm:txPr/>
     <dgm:style>
-      <a:lnRef idx="0">
+      <a:lnRef idx="2">
         <a:scrgbClr r="0" g="0" b="0"/>
       </a:lnRef>
-      <a:fillRef idx="2">
+      <a:fillRef idx="1">
         <a:scrgbClr r="0" g="0" b="0"/>
       </a:fillRef>
       <a:effectRef idx="0">
@@ -5471,113 +6777,105 @@
     <dgm:sp3d/>
     <dgm:txPr/>
     <dgm:style>
-      <a:lnRef idx="1">
+      <a:lnRef idx="2">
         <a:scrgbClr r="0" g="0" b="0"/>
       </a:lnRef>
-      <a:fillRef idx="2">
+      <a:fillRef idx="1">
         <a:scrgbClr r="0" g="0" b="0"/>
       </a:fillRef>
-      <a:effectRef idx="1">
+      <a:effectRef idx="0">
         <a:scrgbClr r="0" g="0" b="0"/>
       </a:effectRef>
       <a:fontRef idx="minor">
-        <a:schemeClr val="dk1"/>
+        <a:schemeClr val="lt1"/>
       </a:fontRef>
     </dgm:style>
   </dgm:styleLbl>
   <dgm:styleLbl name="node1">
     <dgm:scene3d>
       <a:camera prst="orthographicFront"/>
-      <a:lightRig rig="flat" dir="t"/>
+      <a:lightRig rig="threePt" dir="t"/>
     </dgm:scene3d>
-    <dgm:sp3d prstMaterial="dkEdge">
-      <a:bevelT w="8200" h="38100"/>
-    </dgm:sp3d>
+    <dgm:sp3d/>
     <dgm:txPr/>
     <dgm:style>
-      <a:lnRef idx="0">
+      <a:lnRef idx="2">
         <a:scrgbClr r="0" g="0" b="0"/>
       </a:lnRef>
-      <a:fillRef idx="2">
+      <a:fillRef idx="1">
         <a:scrgbClr r="0" g="0" b="0"/>
       </a:fillRef>
-      <a:effectRef idx="1">
+      <a:effectRef idx="0">
         <a:scrgbClr r="0" g="0" b="0"/>
       </a:effectRef>
       <a:fontRef idx="minor">
-        <a:schemeClr val="dk1"/>
+        <a:schemeClr val="lt1"/>
       </a:fontRef>
     </dgm:style>
   </dgm:styleLbl>
   <dgm:styleLbl name="node2">
     <dgm:scene3d>
       <a:camera prst="orthographicFront"/>
-      <a:lightRig rig="flat" dir="t"/>
+      <a:lightRig rig="threePt" dir="t"/>
     </dgm:scene3d>
-    <dgm:sp3d prstMaterial="dkEdge">
-      <a:bevelT w="8200" h="38100"/>
-    </dgm:sp3d>
+    <dgm:sp3d/>
     <dgm:txPr/>
     <dgm:style>
-      <a:lnRef idx="0">
+      <a:lnRef idx="2">
         <a:scrgbClr r="0" g="0" b="0"/>
       </a:lnRef>
-      <a:fillRef idx="2">
+      <a:fillRef idx="1">
         <a:scrgbClr r="0" g="0" b="0"/>
       </a:fillRef>
-      <a:effectRef idx="1">
+      <a:effectRef idx="0">
         <a:scrgbClr r="0" g="0" b="0"/>
       </a:effectRef>
       <a:fontRef idx="minor">
-        <a:schemeClr val="dk1"/>
+        <a:schemeClr val="lt1"/>
       </a:fontRef>
     </dgm:style>
   </dgm:styleLbl>
   <dgm:styleLbl name="node3">
     <dgm:scene3d>
       <a:camera prst="orthographicFront"/>
-      <a:lightRig rig="flat" dir="t"/>
+      <a:lightRig rig="threePt" dir="t"/>
     </dgm:scene3d>
-    <dgm:sp3d prstMaterial="dkEdge">
-      <a:bevelT w="8200" h="38100"/>
-    </dgm:sp3d>
+    <dgm:sp3d/>
     <dgm:txPr/>
     <dgm:style>
-      <a:lnRef idx="0">
+      <a:lnRef idx="2">
         <a:scrgbClr r="0" g="0" b="0"/>
       </a:lnRef>
-      <a:fillRef idx="2">
+      <a:fillRef idx="1">
         <a:scrgbClr r="0" g="0" b="0"/>
       </a:fillRef>
-      <a:effectRef idx="1">
+      <a:effectRef idx="0">
         <a:scrgbClr r="0" g="0" b="0"/>
       </a:effectRef>
       <a:fontRef idx="minor">
-        <a:schemeClr val="dk1"/>
+        <a:schemeClr val="lt1"/>
       </a:fontRef>
     </dgm:style>
   </dgm:styleLbl>
   <dgm:styleLbl name="node4">
     <dgm:scene3d>
       <a:camera prst="orthographicFront"/>
-      <a:lightRig rig="flat" dir="t"/>
+      <a:lightRig rig="threePt" dir="t"/>
     </dgm:scene3d>
-    <dgm:sp3d prstMaterial="dkEdge">
-      <a:bevelT w="8200" h="38100"/>
-    </dgm:sp3d>
+    <dgm:sp3d/>
     <dgm:txPr/>
     <dgm:style>
-      <a:lnRef idx="0">
+      <a:lnRef idx="2">
         <a:scrgbClr r="0" g="0" b="0"/>
       </a:lnRef>
-      <a:fillRef idx="2">
+      <a:fillRef idx="1">
         <a:scrgbClr r="0" g="0" b="0"/>
       </a:fillRef>
-      <a:effectRef idx="1">
+      <a:effectRef idx="0">
         <a:scrgbClr r="0" g="0" b="0"/>
       </a:effectRef>
       <a:fontRef idx="minor">
-        <a:schemeClr val="dk1"/>
+        <a:schemeClr val="lt1"/>
       </a:fontRef>
     </dgm:style>
   </dgm:styleLbl>
@@ -5589,13 +6887,13 @@
     <dgm:sp3d/>
     <dgm:txPr/>
     <dgm:style>
-      <a:lnRef idx="1">
+      <a:lnRef idx="2">
         <a:scrgbClr r="0" g="0" b="0"/>
       </a:lnRef>
       <a:fillRef idx="1">
         <a:scrgbClr r="0" g="0" b="0"/>
       </a:fillRef>
-      <a:effectRef idx="1">
+      <a:effectRef idx="0">
         <a:scrgbClr r="0" g="0" b="0"/>
       </a:effectRef>
       <a:fontRef idx="minor"/>
@@ -5609,13 +6907,13 @@
     <dgm:sp3d/>
     <dgm:txPr/>
     <dgm:style>
-      <a:lnRef idx="1">
+      <a:lnRef idx="2">
         <a:scrgbClr r="0" g="0" b="0"/>
       </a:lnRef>
       <a:fillRef idx="1">
         <a:scrgbClr r="0" g="0" b="0"/>
       </a:fillRef>
-      <a:effectRef idx="1">
+      <a:effectRef idx="0">
         <a:scrgbClr r="0" g="0" b="0"/>
       </a:effectRef>
       <a:fontRef idx="minor"/>
@@ -5629,13 +6927,13 @@
     <dgm:sp3d/>
     <dgm:txPr/>
     <dgm:style>
-      <a:lnRef idx="1">
+      <a:lnRef idx="2">
         <a:scrgbClr r="0" g="0" b="0"/>
       </a:lnRef>
       <a:fillRef idx="1">
         <a:scrgbClr r="0" g="0" b="0"/>
       </a:fillRef>
-      <a:effectRef idx="1">
+      <a:effectRef idx="0">
         <a:scrgbClr r="0" g="0" b="0"/>
       </a:effectRef>
       <a:fontRef idx="minor"/>
@@ -5652,14 +6950,14 @@
       <a:lnRef idx="0">
         <a:scrgbClr r="0" g="0" b="0"/>
       </a:lnRef>
-      <a:fillRef idx="2">
+      <a:fillRef idx="1">
         <a:scrgbClr r="0" g="0" b="0"/>
       </a:fillRef>
-      <a:effectRef idx="1">
+      <a:effectRef idx="0">
         <a:scrgbClr r="0" g="0" b="0"/>
       </a:effectRef>
       <a:fontRef idx="minor">
-        <a:schemeClr val="dk1"/>
+        <a:schemeClr val="lt1"/>
       </a:fontRef>
     </dgm:style>
   </dgm:styleLbl>
@@ -5674,14 +6972,14 @@
       <a:lnRef idx="0">
         <a:scrgbClr r="0" g="0" b="0"/>
       </a:lnRef>
-      <a:fillRef idx="2">
+      <a:fillRef idx="1">
         <a:scrgbClr r="0" g="0" b="0"/>
       </a:fillRef>
-      <a:effectRef idx="1">
+      <a:effectRef idx="0">
         <a:scrgbClr r="0" g="0" b="0"/>
       </a:effectRef>
       <a:fontRef idx="minor">
-        <a:schemeClr val="dk1"/>
+        <a:schemeClr val="lt1"/>
       </a:fontRef>
     </dgm:style>
   </dgm:styleLbl>
@@ -5696,14 +6994,14 @@
       <a:lnRef idx="0">
         <a:scrgbClr r="0" g="0" b="0"/>
       </a:lnRef>
-      <a:fillRef idx="2">
+      <a:fillRef idx="1">
         <a:scrgbClr r="0" g="0" b="0"/>
       </a:fillRef>
-      <a:effectRef idx="1">
+      <a:effectRef idx="0">
         <a:scrgbClr r="0" g="0" b="0"/>
       </a:effectRef>
       <a:fontRef idx="minor">
-        <a:schemeClr val="dk1"/>
+        <a:schemeClr val="lt1"/>
       </a:fontRef>
     </dgm:style>
   </dgm:styleLbl>
@@ -5735,13 +7033,13 @@
     <dgm:sp3d/>
     <dgm:txPr/>
     <dgm:style>
-      <a:lnRef idx="1">
+      <a:lnRef idx="2">
         <a:scrgbClr r="0" g="0" b="0"/>
       </a:lnRef>
-      <a:fillRef idx="2">
+      <a:fillRef idx="1">
         <a:scrgbClr r="0" g="0" b="0"/>
       </a:fillRef>
-      <a:effectRef idx="1">
+      <a:effectRef idx="0">
         <a:scrgbClr r="0" g="0" b="0"/>
       </a:effectRef>
       <a:fontRef idx="minor"/>
@@ -5750,120 +7048,110 @@
   <dgm:styleLbl name="asst0">
     <dgm:scene3d>
       <a:camera prst="orthographicFront"/>
-      <a:lightRig rig="flat" dir="t"/>
+      <a:lightRig rig="threePt" dir="t"/>
     </dgm:scene3d>
-    <dgm:sp3d prstMaterial="dkEdge">
-      <a:bevelT w="8200" h="38100"/>
-    </dgm:sp3d>
+    <dgm:sp3d/>
     <dgm:txPr/>
     <dgm:style>
-      <a:lnRef idx="0">
+      <a:lnRef idx="2">
         <a:scrgbClr r="0" g="0" b="0"/>
       </a:lnRef>
-      <a:fillRef idx="2">
+      <a:fillRef idx="1">
         <a:scrgbClr r="0" g="0" b="0"/>
       </a:fillRef>
-      <a:effectRef idx="1">
+      <a:effectRef idx="0">
         <a:scrgbClr r="0" g="0" b="0"/>
       </a:effectRef>
       <a:fontRef idx="minor">
-        <a:schemeClr val="dk1"/>
+        <a:schemeClr val="lt1"/>
       </a:fontRef>
     </dgm:style>
   </dgm:styleLbl>
   <dgm:styleLbl name="asst1">
     <dgm:scene3d>
       <a:camera prst="orthographicFront"/>
-      <a:lightRig rig="flat" dir="t"/>
+      <a:lightRig rig="threePt" dir="t"/>
     </dgm:scene3d>
-    <dgm:sp3d prstMaterial="dkEdge">
-      <a:bevelT w="8200" h="38100"/>
-    </dgm:sp3d>
+    <dgm:sp3d/>
     <dgm:txPr/>
     <dgm:style>
-      <a:lnRef idx="0">
+      <a:lnRef idx="2">
         <a:scrgbClr r="0" g="0" b="0"/>
       </a:lnRef>
-      <a:fillRef idx="2">
+      <a:fillRef idx="1">
         <a:scrgbClr r="0" g="0" b="0"/>
       </a:fillRef>
-      <a:effectRef idx="1">
+      <a:effectRef idx="0">
         <a:scrgbClr r="0" g="0" b="0"/>
       </a:effectRef>
       <a:fontRef idx="minor">
-        <a:schemeClr val="dk1"/>
+        <a:schemeClr val="lt1"/>
       </a:fontRef>
     </dgm:style>
   </dgm:styleLbl>
   <dgm:styleLbl name="asst2">
     <dgm:scene3d>
       <a:camera prst="orthographicFront"/>
-      <a:lightRig rig="flat" dir="t"/>
+      <a:lightRig rig="threePt" dir="t"/>
     </dgm:scene3d>
-    <dgm:sp3d prstMaterial="dkEdge">
-      <a:bevelT w="8200" h="38100"/>
-    </dgm:sp3d>
+    <dgm:sp3d/>
     <dgm:txPr/>
     <dgm:style>
-      <a:lnRef idx="0">
+      <a:lnRef idx="2">
         <a:scrgbClr r="0" g="0" b="0"/>
       </a:lnRef>
-      <a:fillRef idx="2">
+      <a:fillRef idx="1">
         <a:scrgbClr r="0" g="0" b="0"/>
       </a:fillRef>
-      <a:effectRef idx="1">
+      <a:effectRef idx="0">
         <a:scrgbClr r="0" g="0" b="0"/>
       </a:effectRef>
       <a:fontRef idx="minor">
-        <a:schemeClr val="dk1"/>
+        <a:schemeClr val="lt1"/>
       </a:fontRef>
     </dgm:style>
   </dgm:styleLbl>
   <dgm:styleLbl name="asst3">
     <dgm:scene3d>
       <a:camera prst="orthographicFront"/>
-      <a:lightRig rig="flat" dir="t"/>
+      <a:lightRig rig="threePt" dir="t"/>
     </dgm:scene3d>
-    <dgm:sp3d prstMaterial="dkEdge">
-      <a:bevelT w="8200" h="38100"/>
-    </dgm:sp3d>
+    <dgm:sp3d/>
     <dgm:txPr/>
     <dgm:style>
-      <a:lnRef idx="0">
+      <a:lnRef idx="2">
         <a:scrgbClr r="0" g="0" b="0"/>
       </a:lnRef>
-      <a:fillRef idx="2">
+      <a:fillRef idx="1">
         <a:scrgbClr r="0" g="0" b="0"/>
       </a:fillRef>
-      <a:effectRef idx="1">
+      <a:effectRef idx="0">
         <a:scrgbClr r="0" g="0" b="0"/>
       </a:effectRef>
       <a:fontRef idx="minor">
-        <a:schemeClr val="dk1"/>
+        <a:schemeClr val="lt1"/>
       </a:fontRef>
     </dgm:style>
   </dgm:styleLbl>
   <dgm:styleLbl name="asst4">
     <dgm:scene3d>
       <a:camera prst="orthographicFront"/>
-      <a:lightRig rig="flat" dir="t"/>
+      <a:lightRig rig="threePt" dir="t"/>
     </dgm:scene3d>
-    <dgm:sp3d prstMaterial="dkEdge">
-      <a:bevelT w="8200" h="38100"/>
-    </dgm:sp3d>
+    <dgm:sp3d/>
     <dgm:txPr/>
     <dgm:style>
-      <a:lnRef idx="0">
+      <a:lnRef idx="2">
         <a:scrgbClr r="0" g="0" b="0"/>
       </a:lnRef>
-      <a:fillRef idx="2">
+      <a:fillRef idx="1">
         <a:scrgbClr r="0" g="0" b="0"/>
       </a:fillRef>
-      <a:effectRef idx="1">
+      <a:effectRef idx="0">
         <a:scrgbClr r="0" g="0" b="0"/>
       </a:effectRef>
       <a:fontRef idx="minor">
-        <a:schemeClr val="dk1"/>
+        <a:schemeClr val="lt1"/>
       </a:fontRef>
     </dgm:style>
   </dgm:styleLbl>
@@ -5875,17 +7163,17 @@
     <dgm:sp3d/>
     <dgm:txPr/>
     <dgm:style>
-      <a:lnRef idx="1">
+      <a:lnRef idx="2">
         <a:scrgbClr r="0" g="0" b="0"/>
       </a:lnRef>
-      <a:fillRef idx="2">
+      <a:fillRef idx="1">
         <a:scrgbClr r="0" g="0" b="0"/>
       </a:fillRef>
-      <a:effectRef idx="1">
+      <a:effectRef idx="0">
         <a:scrgbClr r="0" g="0" b="0"/>
       </a:effectRef>
       <a:fontRef idx="minor">
-        <a:schemeClr val="dk1"/>
+        <a:schemeClr val="lt1"/>
       </a:fontRef>
     </dgm:style>
   </dgm:styleLbl>
@@ -5897,17 +7185,17 @@
     <dgm:sp3d/>
     <dgm:txPr/>
     <dgm:style>
-      <a:lnRef idx="1">
+      <a:lnRef idx="2">
         <a:scrgbClr r="0" g="0" b="0"/>
       </a:lnRef>
-      <a:fillRef idx="2">
+      <a:fillRef idx="1">
         <a:scrgbClr r="0" g="0" b="0"/>
       </a:fillRef>
-      <a:effectRef idx="1">
+      <a:effectRef idx="0">
         <a:scrgbClr r="0" g="0" b="0"/>
       </a:effectRef>
       <a:fontRef idx="minor">
-        <a:schemeClr val="dk1"/>
+        <a:schemeClr val="lt1"/>
       </a:fontRef>
     </dgm:style>
   </dgm:styleLbl>
@@ -5919,17 +7207,17 @@
     <dgm:sp3d/>
     <dgm:txPr/>
     <dgm:style>
-      <a:lnRef idx="1">
+      <a:lnRef idx="2">
         <a:scrgbClr r="0" g="0" b="0"/>
       </a:lnRef>
-      <a:fillRef idx="2">
+      <a:fillRef idx="1">
         <a:scrgbClr r="0" g="0" b="0"/>
       </a:fillRef>
-      <a:effectRef idx="1">
+      <a:effectRef idx="0">
         <a:scrgbClr r="0" g="0" b="0"/>
       </a:effectRef>
       <a:fontRef idx="minor">
-        <a:schemeClr val="dk1"/>
+        <a:schemeClr val="lt1"/>
       </a:fontRef>
     </dgm:style>
   </dgm:styleLbl>
@@ -5941,17 +7229,17 @@
     <dgm:sp3d/>
     <dgm:txPr/>
     <dgm:style>
-      <a:lnRef idx="1">
+      <a:lnRef idx="2">
         <a:scrgbClr r="0" g="0" b="0"/>
       </a:lnRef>
-      <a:fillRef idx="2">
+      <a:fillRef idx="1">
         <a:scrgbClr r="0" g="0" b="0"/>
       </a:fillRef>
-      <a:effectRef idx="1">
+      <a:effectRef idx="0">
         <a:scrgbClr r="0" g="0" b="0"/>
       </a:effectRef>
       <a:fontRef idx="minor">
-        <a:schemeClr val="dk1"/>
+        <a:schemeClr val="lt1"/>
       </a:fontRef>
     </dgm:style>
   </dgm:styleLbl>
@@ -6043,7 +7331,7 @@
     <dgm:sp3d/>
     <dgm:txPr/>
     <dgm:style>
-      <a:lnRef idx="1">
+      <a:lnRef idx="2">
         <a:scrgbClr r="0" g="0" b="0"/>
       </a:lnRef>
       <a:fillRef idx="1">
@@ -6063,7 +7351,7 @@
     <dgm:sp3d/>
     <dgm:txPr/>
     <dgm:style>
-      <a:lnRef idx="1">
+      <a:lnRef idx="2">
         <a:scrgbClr r="0" g="0" b="0"/>
       </a:lnRef>
       <a:fillRef idx="1">
@@ -6083,7 +7371,7 @@
     <dgm:sp3d/>
     <dgm:txPr/>
     <dgm:style>
-      <a:lnRef idx="1">
+      <a:lnRef idx="2">
         <a:scrgbClr r="0" g="0" b="0"/>
       </a:lnRef>
       <a:fillRef idx="1">
@@ -6123,7 +7411,7 @@
     <dgm:sp3d/>
     <dgm:txPr/>
     <dgm:style>
-      <a:lnRef idx="1">
+      <a:lnRef idx="2">
         <a:scrgbClr r="0" g="0" b="0"/>
       </a:lnRef>
       <a:fillRef idx="1">
@@ -6143,10 +7431,10 @@
     <dgm:sp3d/>
     <dgm:txPr/>
     <dgm:style>
-      <a:lnRef idx="1">
+      <a:lnRef idx="2">
         <a:scrgbClr r="0" g="0" b="0"/>
       </a:lnRef>
-      <a:fillRef idx="2">
+      <a:fillRef idx="1">
         <a:scrgbClr r="0" g="0" b="0"/>
       </a:fillRef>
       <a:effectRef idx="0">
@@ -6163,7 +7451,7 @@
     <dgm:sp3d/>
     <dgm:txPr/>
     <dgm:style>
-      <a:lnRef idx="1">
+      <a:lnRef idx="2">
         <a:scrgbClr r="0" g="0" b="0"/>
       </a:lnRef>
       <a:fillRef idx="1">
@@ -6183,7 +7471,7 @@
     <dgm:sp3d/>
     <dgm:txPr/>
     <dgm:style>
-      <a:lnRef idx="1">
+      <a:lnRef idx="2">
         <a:scrgbClr r="0" g="0" b="0"/>
       </a:lnRef>
       <a:fillRef idx="1">
@@ -6203,7 +7491,7 @@
     <dgm:sp3d/>
     <dgm:txPr/>
     <dgm:style>
-      <a:lnRef idx="1">
+      <a:lnRef idx="2">
         <a:scrgbClr r="0" g="0" b="0"/>
       </a:lnRef>
       <a:fillRef idx="1">
@@ -6223,7 +7511,7 @@
     <dgm:sp3d/>
     <dgm:txPr/>
     <dgm:style>
-      <a:lnRef idx="1">
+      <a:lnRef idx="2">
         <a:scrgbClr r="0" g="0" b="0"/>
       </a:lnRef>
       <a:fillRef idx="1">
@@ -6243,7 +7531,7 @@
     <dgm:sp3d/>
     <dgm:txPr/>
     <dgm:style>
-      <a:lnRef idx="1">
+      <a:lnRef idx="2">
         <a:scrgbClr r="0" g="0" b="0"/>
       </a:lnRef>
       <a:fillRef idx="1">
@@ -6263,7 +7551,7 @@
     <dgm:sp3d/>
     <dgm:txPr/>
     <dgm:style>
-      <a:lnRef idx="1">
+      <a:lnRef idx="2">
         <a:scrgbClr r="0" g="0" b="0"/>
       </a:lnRef>
       <a:fillRef idx="1">
@@ -6283,7 +7571,7 @@
     <dgm:sp3d/>
     <dgm:txPr/>
     <dgm:style>
-      <a:lnRef idx="1">
+      <a:lnRef idx="2">
         <a:scrgbClr r="0" g="0" b="0"/>
       </a:lnRef>
       <a:fillRef idx="1">
@@ -6303,7 +7591,7 @@
     <dgm:sp3d/>
     <dgm:txPr/>
     <dgm:style>
-      <a:lnRef idx="1">
+      <a:lnRef idx="2">
         <a:scrgbClr r="0" g="0" b="0"/>
       </a:lnRef>
       <a:fillRef idx="1">
@@ -6323,7 +7611,7 @@
     <dgm:sp3d/>
     <dgm:txPr/>
     <dgm:style>
-      <a:lnRef idx="1">
+      <a:lnRef idx="2">
         <a:scrgbClr r="0" g="0" b="0"/>
       </a:lnRef>
       <a:fillRef idx="1">
@@ -6349,7 +7637,7 @@
       <a:fillRef idx="1">
         <a:scrgbClr r="0" g="0" b="0"/>
       </a:fillRef>
-      <a:effectRef idx="1">
+      <a:effectRef idx="0">
         <a:scrgbClr r="0" g="0" b="0"/>
       </a:effectRef>
       <a:fontRef idx="minor"/>
@@ -6369,7 +7657,7 @@
       <a:fillRef idx="1">
         <a:scrgbClr r="0" g="0" b="0"/>
       </a:fillRef>
-      <a:effectRef idx="1">
+      <a:effectRef idx="0">
         <a:scrgbClr r="0" g="0" b="0"/>
       </a:effectRef>
       <a:fontRef idx="minor"/>
@@ -6398,20 +7686,18 @@
   <dgm:styleLbl name="fgShp">
     <dgm:scene3d>
       <a:camera prst="orthographicFront"/>
-      <a:lightRig rig="flat" dir="t"/>
+      <a:lightRig rig="threePt" dir="t"/>
     </dgm:scene3d>
-    <dgm:sp3d prstMaterial="dkEdge">
-      <a:bevelT w="8200" h="38100"/>
-    </dgm:sp3d>
+    <dgm:sp3d/>
     <dgm:txPr/>
     <dgm:style>
-      <a:lnRef idx="1">
+      <a:lnRef idx="2">
         <a:scrgbClr r="0" g="0" b="0"/>
       </a:lnRef>
-      <a:fillRef idx="2">
+      <a:fillRef idx="1">
         <a:scrgbClr r="0" g="0" b="0"/>
       </a:fillRef>
-      <a:effectRef idx="1">
+      <a:effectRef idx="0">
         <a:scrgbClr r="0" g="0" b="0"/>
       </a:effectRef>
       <a:fontRef idx="minor"/>
@@ -6571,7 +7857,7 @@
           <a:p>
             <a:fld id="{F852DC1B-AE7A-45A5-9847-7CD06D8292A3}" type="datetimeFigureOut">
               <a:rPr lang="en-GB" smtClean="0"/>
-              <a:t>14/01/2019</a:t>
+              <a:t>15/02/2019</a:t>
             </a:fld>
             <a:endParaRPr lang="en-GB"/>
           </a:p>
@@ -6741,7 +8027,7 @@
           <a:p>
             <a:fld id="{F852DC1B-AE7A-45A5-9847-7CD06D8292A3}" type="datetimeFigureOut">
               <a:rPr lang="en-GB" smtClean="0"/>
-              <a:t>14/01/2019</a:t>
+              <a:t>15/02/2019</a:t>
             </a:fld>
             <a:endParaRPr lang="en-GB"/>
           </a:p>
@@ -6921,7 +8207,7 @@
           <a:p>
             <a:fld id="{F852DC1B-AE7A-45A5-9847-7CD06D8292A3}" type="datetimeFigureOut">
               <a:rPr lang="en-GB" smtClean="0"/>
-              <a:t>14/01/2019</a:t>
+              <a:t>15/02/2019</a:t>
             </a:fld>
             <a:endParaRPr lang="en-GB"/>
           </a:p>
@@ -7091,7 +8377,7 @@
           <a:p>
             <a:fld id="{F852DC1B-AE7A-45A5-9847-7CD06D8292A3}" type="datetimeFigureOut">
               <a:rPr lang="en-GB" smtClean="0"/>
-              <a:t>14/01/2019</a:t>
+              <a:t>15/02/2019</a:t>
             </a:fld>
             <a:endParaRPr lang="en-GB"/>
           </a:p>
@@ -7337,7 +8623,7 @@
           <a:p>
             <a:fld id="{F852DC1B-AE7A-45A5-9847-7CD06D8292A3}" type="datetimeFigureOut">
               <a:rPr lang="en-GB" smtClean="0"/>
-              <a:t>14/01/2019</a:t>
+              <a:t>15/02/2019</a:t>
             </a:fld>
             <a:endParaRPr lang="en-GB"/>
           </a:p>
@@ -7569,7 +8855,7 @@
           <a:p>
             <a:fld id="{F852DC1B-AE7A-45A5-9847-7CD06D8292A3}" type="datetimeFigureOut">
               <a:rPr lang="en-GB" smtClean="0"/>
-              <a:t>14/01/2019</a:t>
+              <a:t>15/02/2019</a:t>
             </a:fld>
             <a:endParaRPr lang="en-GB"/>
           </a:p>
@@ -7936,7 +9222,7 @@
           <a:p>
             <a:fld id="{F852DC1B-AE7A-45A5-9847-7CD06D8292A3}" type="datetimeFigureOut">
               <a:rPr lang="en-GB" smtClean="0"/>
-              <a:t>14/01/2019</a:t>
+              <a:t>15/02/2019</a:t>
             </a:fld>
             <a:endParaRPr lang="en-GB"/>
           </a:p>
@@ -8054,7 +9340,7 @@
           <a:p>
             <a:fld id="{F852DC1B-AE7A-45A5-9847-7CD06D8292A3}" type="datetimeFigureOut">
               <a:rPr lang="en-GB" smtClean="0"/>
-              <a:t>14/01/2019</a:t>
+              <a:t>15/02/2019</a:t>
             </a:fld>
             <a:endParaRPr lang="en-GB"/>
           </a:p>
@@ -8149,7 +9435,7 @@
           <a:p>
             <a:fld id="{F852DC1B-AE7A-45A5-9847-7CD06D8292A3}" type="datetimeFigureOut">
               <a:rPr lang="en-GB" smtClean="0"/>
-              <a:t>14/01/2019</a:t>
+              <a:t>15/02/2019</a:t>
             </a:fld>
             <a:endParaRPr lang="en-GB"/>
           </a:p>
@@ -8426,7 +9712,7 @@
           <a:p>
             <a:fld id="{F852DC1B-AE7A-45A5-9847-7CD06D8292A3}" type="datetimeFigureOut">
               <a:rPr lang="en-GB" smtClean="0"/>
-              <a:t>14/01/2019</a:t>
+              <a:t>15/02/2019</a:t>
             </a:fld>
             <a:endParaRPr lang="en-GB"/>
           </a:p>
@@ -8679,7 +9965,7 @@
           <a:p>
             <a:fld id="{F852DC1B-AE7A-45A5-9847-7CD06D8292A3}" type="datetimeFigureOut">
               <a:rPr lang="en-GB" smtClean="0"/>
-              <a:t>14/01/2019</a:t>
+              <a:t>15/02/2019</a:t>
             </a:fld>
             <a:endParaRPr lang="en-GB"/>
           </a:p>
@@ -8892,7 +10178,7 @@
           <a:p>
             <a:fld id="{F852DC1B-AE7A-45A5-9847-7CD06D8292A3}" type="datetimeFigureOut">
               <a:rPr lang="en-GB" smtClean="0"/>
-              <a:t>14/01/2019</a:t>
+              <a:t>15/02/2019</a:t>
             </a:fld>
             <a:endParaRPr lang="en-GB"/>
           </a:p>
@@ -9304,14 +10590,14 @@
           <p:nvPr>
             <p:extLst>
               <p:ext uri="{D42A27DB-BD31-4B8C-83A1-F6EECF244321}">
-                <p14:modId xmlns:p14="http://schemas.microsoft.com/office/powerpoint/2010/main" val="1095797469"/>
+                <p14:modId xmlns:p14="http://schemas.microsoft.com/office/powerpoint/2010/main" val="1415699978"/>
               </p:ext>
             </p:extLst>
           </p:nvPr>
         </p:nvGraphicFramePr>
         <p:xfrm>
-          <a:off x="181231" y="164758"/>
-          <a:ext cx="11953103" cy="5973576"/>
+          <a:off x="2141837" y="247134"/>
+          <a:ext cx="7397580" cy="6376087"/>
         </p:xfrm>
         <a:graphic>
           <a:graphicData uri="http://schemas.openxmlformats.org/drawingml/2006/diagram">
